--- a/doc/structure-graph.pptx
+++ b/doc/structure-graph.pptx
@@ -2,10 +2,14 @@
 <file path=ppt/presentation.xml><?xml version="1.0" encoding="utf-8"?>
 <p:presentation xmlns:a="http://schemas.openxmlformats.org/drawingml/2006/main" xmlns:r="http://schemas.openxmlformats.org/officeDocument/2006/relationships" xmlns:p="http://schemas.openxmlformats.org/presentationml/2006/main" saveSubsetFonts="1">
   <p:sldMasterIdLst>
-    <p:sldMasterId id="2147483648" r:id="rId1"/>
+    <p:sldMasterId id="2147483672" r:id="rId1"/>
   </p:sldMasterIdLst>
+  <p:notesMasterIdLst>
+    <p:notesMasterId r:id="rId4"/>
+  </p:notesMasterIdLst>
   <p:sldIdLst>
     <p:sldId id="256" r:id="rId2"/>
+    <p:sldId id="258" r:id="rId3"/>
   </p:sldIdLst>
   <p:sldSz cx="12192000" cy="6858000"/>
   <p:notesSz cx="6858000" cy="9144000"/>
@@ -112,6 +116,440 @@
 </p:presentation>
 </file>
 
+<file path=ppt/notesMasters/notesMaster1.xml><?xml version="1.0" encoding="utf-8"?>
+<p:notesMaster xmlns:a="http://schemas.openxmlformats.org/drawingml/2006/main" xmlns:r="http://schemas.openxmlformats.org/officeDocument/2006/relationships" xmlns:p="http://schemas.openxmlformats.org/presentationml/2006/main">
+  <p:cSld>
+    <p:bg>
+      <p:bgRef idx="1001">
+        <a:schemeClr val="bg1"/>
+      </p:bgRef>
+    </p:bg>
+    <p:spTree>
+      <p:nvGrpSpPr>
+        <p:cNvPr id="1" name=""/>
+        <p:cNvGrpSpPr/>
+        <p:nvPr/>
+      </p:nvGrpSpPr>
+      <p:grpSpPr>
+        <a:xfrm>
+          <a:off x="0" y="0"/>
+          <a:ext cx="0" cy="0"/>
+          <a:chOff x="0" y="0"/>
+          <a:chExt cx="0" cy="0"/>
+        </a:xfrm>
+      </p:grpSpPr>
+      <p:sp>
+        <p:nvSpPr>
+          <p:cNvPr id="2" name="页眉占位符 1"/>
+          <p:cNvSpPr>
+            <a:spLocks noGrp="1"/>
+          </p:cNvSpPr>
+          <p:nvPr>
+            <p:ph type="hdr" sz="quarter"/>
+          </p:nvPr>
+        </p:nvSpPr>
+        <p:spPr>
+          <a:xfrm>
+            <a:off x="0" y="0"/>
+            <a:ext cx="2971800" cy="458788"/>
+          </a:xfrm>
+          <a:prstGeom prst="rect">
+            <a:avLst/>
+          </a:prstGeom>
+        </p:spPr>
+        <p:txBody>
+          <a:bodyPr vert="horz" lIns="91440" tIns="45720" rIns="91440" bIns="45720" rtlCol="0"/>
+          <a:lstStyle>
+            <a:lvl1pPr algn="l">
+              <a:defRPr sz="1200"/>
+            </a:lvl1pPr>
+          </a:lstStyle>
+          <a:p>
+            <a:endParaRPr lang="zh-CN" altLang="en-US"/>
+          </a:p>
+        </p:txBody>
+      </p:sp>
+      <p:sp>
+        <p:nvSpPr>
+          <p:cNvPr id="3" name="日期占位符 2"/>
+          <p:cNvSpPr>
+            <a:spLocks noGrp="1"/>
+          </p:cNvSpPr>
+          <p:nvPr>
+            <p:ph type="dt" idx="1"/>
+          </p:nvPr>
+        </p:nvSpPr>
+        <p:spPr>
+          <a:xfrm>
+            <a:off x="3884613" y="0"/>
+            <a:ext cx="2971800" cy="458788"/>
+          </a:xfrm>
+          <a:prstGeom prst="rect">
+            <a:avLst/>
+          </a:prstGeom>
+        </p:spPr>
+        <p:txBody>
+          <a:bodyPr vert="horz" lIns="91440" tIns="45720" rIns="91440" bIns="45720" rtlCol="0"/>
+          <a:lstStyle>
+            <a:lvl1pPr algn="r">
+              <a:defRPr sz="1200"/>
+            </a:lvl1pPr>
+          </a:lstStyle>
+          <a:p>
+            <a:fld id="{B3188823-6D8D-451F-ACBD-B07446D18802}" type="datetimeFigureOut">
+              <a:rPr lang="zh-CN" altLang="en-US" smtClean="0"/>
+              <a:t>2018/1/12</a:t>
+            </a:fld>
+            <a:endParaRPr lang="zh-CN" altLang="en-US"/>
+          </a:p>
+        </p:txBody>
+      </p:sp>
+      <p:sp>
+        <p:nvSpPr>
+          <p:cNvPr id="4" name="幻灯片图像占位符 3"/>
+          <p:cNvSpPr>
+            <a:spLocks noGrp="1" noRot="1" noChangeAspect="1"/>
+          </p:cNvSpPr>
+          <p:nvPr>
+            <p:ph type="sldImg" idx="2"/>
+          </p:nvPr>
+        </p:nvSpPr>
+        <p:spPr>
+          <a:xfrm>
+            <a:off x="685800" y="1143000"/>
+            <a:ext cx="5486400" cy="3086100"/>
+          </a:xfrm>
+          <a:prstGeom prst="rect">
+            <a:avLst/>
+          </a:prstGeom>
+          <a:noFill/>
+          <a:ln w="12700">
+            <a:solidFill>
+              <a:prstClr val="black"/>
+            </a:solidFill>
+          </a:ln>
+        </p:spPr>
+        <p:txBody>
+          <a:bodyPr vert="horz" lIns="91440" tIns="45720" rIns="91440" bIns="45720" rtlCol="0" anchor="ctr"/>
+          <a:lstStyle/>
+          <a:p>
+            <a:endParaRPr lang="zh-CN" altLang="en-US"/>
+          </a:p>
+        </p:txBody>
+      </p:sp>
+      <p:sp>
+        <p:nvSpPr>
+          <p:cNvPr id="5" name="备注占位符 4"/>
+          <p:cNvSpPr>
+            <a:spLocks noGrp="1"/>
+          </p:cNvSpPr>
+          <p:nvPr>
+            <p:ph type="body" sz="quarter" idx="3"/>
+          </p:nvPr>
+        </p:nvSpPr>
+        <p:spPr>
+          <a:xfrm>
+            <a:off x="685800" y="4400550"/>
+            <a:ext cx="5486400" cy="3600450"/>
+          </a:xfrm>
+          <a:prstGeom prst="rect">
+            <a:avLst/>
+          </a:prstGeom>
+        </p:spPr>
+        <p:txBody>
+          <a:bodyPr vert="horz" lIns="91440" tIns="45720" rIns="91440" bIns="45720" rtlCol="0"/>
+          <a:lstStyle/>
+          <a:p>
+            <a:pPr lvl="0"/>
+            <a:r>
+              <a:rPr lang="zh-CN" altLang="en-US" smtClean="0"/>
+              <a:t>编辑母版文本样式</a:t>
+            </a:r>
+          </a:p>
+          <a:p>
+            <a:pPr lvl="1"/>
+            <a:r>
+              <a:rPr lang="zh-CN" altLang="en-US" smtClean="0"/>
+              <a:t>第二级</a:t>
+            </a:r>
+          </a:p>
+          <a:p>
+            <a:pPr lvl="2"/>
+            <a:r>
+              <a:rPr lang="zh-CN" altLang="en-US" smtClean="0"/>
+              <a:t>第三级</a:t>
+            </a:r>
+          </a:p>
+          <a:p>
+            <a:pPr lvl="3"/>
+            <a:r>
+              <a:rPr lang="zh-CN" altLang="en-US" smtClean="0"/>
+              <a:t>第四级</a:t>
+            </a:r>
+          </a:p>
+          <a:p>
+            <a:pPr lvl="4"/>
+            <a:r>
+              <a:rPr lang="zh-CN" altLang="en-US" smtClean="0"/>
+              <a:t>第五级</a:t>
+            </a:r>
+            <a:endParaRPr lang="zh-CN" altLang="en-US"/>
+          </a:p>
+        </p:txBody>
+      </p:sp>
+      <p:sp>
+        <p:nvSpPr>
+          <p:cNvPr id="6" name="页脚占位符 5"/>
+          <p:cNvSpPr>
+            <a:spLocks noGrp="1"/>
+          </p:cNvSpPr>
+          <p:nvPr>
+            <p:ph type="ftr" sz="quarter" idx="4"/>
+          </p:nvPr>
+        </p:nvSpPr>
+        <p:spPr>
+          <a:xfrm>
+            <a:off x="0" y="8685213"/>
+            <a:ext cx="2971800" cy="458787"/>
+          </a:xfrm>
+          <a:prstGeom prst="rect">
+            <a:avLst/>
+          </a:prstGeom>
+        </p:spPr>
+        <p:txBody>
+          <a:bodyPr vert="horz" lIns="91440" tIns="45720" rIns="91440" bIns="45720" rtlCol="0" anchor="b"/>
+          <a:lstStyle>
+            <a:lvl1pPr algn="l">
+              <a:defRPr sz="1200"/>
+            </a:lvl1pPr>
+          </a:lstStyle>
+          <a:p>
+            <a:endParaRPr lang="zh-CN" altLang="en-US"/>
+          </a:p>
+        </p:txBody>
+      </p:sp>
+      <p:sp>
+        <p:nvSpPr>
+          <p:cNvPr id="7" name="灯片编号占位符 6"/>
+          <p:cNvSpPr>
+            <a:spLocks noGrp="1"/>
+          </p:cNvSpPr>
+          <p:nvPr>
+            <p:ph type="sldNum" sz="quarter" idx="5"/>
+          </p:nvPr>
+        </p:nvSpPr>
+        <p:spPr>
+          <a:xfrm>
+            <a:off x="3884613" y="8685213"/>
+            <a:ext cx="2971800" cy="458787"/>
+          </a:xfrm>
+          <a:prstGeom prst="rect">
+            <a:avLst/>
+          </a:prstGeom>
+        </p:spPr>
+        <p:txBody>
+          <a:bodyPr vert="horz" lIns="91440" tIns="45720" rIns="91440" bIns="45720" rtlCol="0" anchor="b"/>
+          <a:lstStyle>
+            <a:lvl1pPr algn="r">
+              <a:defRPr sz="1200"/>
+            </a:lvl1pPr>
+          </a:lstStyle>
+          <a:p>
+            <a:fld id="{D81FF034-6453-4959-A3C9-09B91CCFFD31}" type="slidenum">
+              <a:rPr lang="zh-CN" altLang="en-US" smtClean="0"/>
+              <a:t>‹#›</a:t>
+            </a:fld>
+            <a:endParaRPr lang="zh-CN" altLang="en-US"/>
+          </a:p>
+        </p:txBody>
+      </p:sp>
+    </p:spTree>
+    <p:extLst>
+      <p:ext uri="{BB962C8B-B14F-4D97-AF65-F5344CB8AC3E}">
+        <p14:creationId xmlns:p14="http://schemas.microsoft.com/office/powerpoint/2010/main" val="836743670"/>
+      </p:ext>
+    </p:extLst>
+  </p:cSld>
+  <p:clrMap bg1="lt1" tx1="dk1" bg2="lt2" tx2="dk2" accent1="accent1" accent2="accent2" accent3="accent3" accent4="accent4" accent5="accent5" accent6="accent6" hlink="hlink" folHlink="folHlink"/>
+  <p:notesStyle>
+    <a:lvl1pPr marL="0" algn="l" defTabSz="914400" rtl="0" eaLnBrk="1" latinLnBrk="0" hangingPunct="1">
+      <a:defRPr sz="1200" kern="1200">
+        <a:solidFill>
+          <a:schemeClr val="tx1"/>
+        </a:solidFill>
+        <a:latin typeface="+mn-lt"/>
+        <a:ea typeface="+mn-ea"/>
+        <a:cs typeface="+mn-cs"/>
+      </a:defRPr>
+    </a:lvl1pPr>
+    <a:lvl2pPr marL="457200" algn="l" defTabSz="914400" rtl="0" eaLnBrk="1" latinLnBrk="0" hangingPunct="1">
+      <a:defRPr sz="1200" kern="1200">
+        <a:solidFill>
+          <a:schemeClr val="tx1"/>
+        </a:solidFill>
+        <a:latin typeface="+mn-lt"/>
+        <a:ea typeface="+mn-ea"/>
+        <a:cs typeface="+mn-cs"/>
+      </a:defRPr>
+    </a:lvl2pPr>
+    <a:lvl3pPr marL="914400" algn="l" defTabSz="914400" rtl="0" eaLnBrk="1" latinLnBrk="0" hangingPunct="1">
+      <a:defRPr sz="1200" kern="1200">
+        <a:solidFill>
+          <a:schemeClr val="tx1"/>
+        </a:solidFill>
+        <a:latin typeface="+mn-lt"/>
+        <a:ea typeface="+mn-ea"/>
+        <a:cs typeface="+mn-cs"/>
+      </a:defRPr>
+    </a:lvl3pPr>
+    <a:lvl4pPr marL="1371600" algn="l" defTabSz="914400" rtl="0" eaLnBrk="1" latinLnBrk="0" hangingPunct="1">
+      <a:defRPr sz="1200" kern="1200">
+        <a:solidFill>
+          <a:schemeClr val="tx1"/>
+        </a:solidFill>
+        <a:latin typeface="+mn-lt"/>
+        <a:ea typeface="+mn-ea"/>
+        <a:cs typeface="+mn-cs"/>
+      </a:defRPr>
+    </a:lvl4pPr>
+    <a:lvl5pPr marL="1828800" algn="l" defTabSz="914400" rtl="0" eaLnBrk="1" latinLnBrk="0" hangingPunct="1">
+      <a:defRPr sz="1200" kern="1200">
+        <a:solidFill>
+          <a:schemeClr val="tx1"/>
+        </a:solidFill>
+        <a:latin typeface="+mn-lt"/>
+        <a:ea typeface="+mn-ea"/>
+        <a:cs typeface="+mn-cs"/>
+      </a:defRPr>
+    </a:lvl5pPr>
+    <a:lvl6pPr marL="2286000" algn="l" defTabSz="914400" rtl="0" eaLnBrk="1" latinLnBrk="0" hangingPunct="1">
+      <a:defRPr sz="1200" kern="1200">
+        <a:solidFill>
+          <a:schemeClr val="tx1"/>
+        </a:solidFill>
+        <a:latin typeface="+mn-lt"/>
+        <a:ea typeface="+mn-ea"/>
+        <a:cs typeface="+mn-cs"/>
+      </a:defRPr>
+    </a:lvl6pPr>
+    <a:lvl7pPr marL="2743200" algn="l" defTabSz="914400" rtl="0" eaLnBrk="1" latinLnBrk="0" hangingPunct="1">
+      <a:defRPr sz="1200" kern="1200">
+        <a:solidFill>
+          <a:schemeClr val="tx1"/>
+        </a:solidFill>
+        <a:latin typeface="+mn-lt"/>
+        <a:ea typeface="+mn-ea"/>
+        <a:cs typeface="+mn-cs"/>
+      </a:defRPr>
+    </a:lvl7pPr>
+    <a:lvl8pPr marL="3200400" algn="l" defTabSz="914400" rtl="0" eaLnBrk="1" latinLnBrk="0" hangingPunct="1">
+      <a:defRPr sz="1200" kern="1200">
+        <a:solidFill>
+          <a:schemeClr val="tx1"/>
+        </a:solidFill>
+        <a:latin typeface="+mn-lt"/>
+        <a:ea typeface="+mn-ea"/>
+        <a:cs typeface="+mn-cs"/>
+      </a:defRPr>
+    </a:lvl8pPr>
+    <a:lvl9pPr marL="3657600" algn="l" defTabSz="914400" rtl="0" eaLnBrk="1" latinLnBrk="0" hangingPunct="1">
+      <a:defRPr sz="1200" kern="1200">
+        <a:solidFill>
+          <a:schemeClr val="tx1"/>
+        </a:solidFill>
+        <a:latin typeface="+mn-lt"/>
+        <a:ea typeface="+mn-ea"/>
+        <a:cs typeface="+mn-cs"/>
+      </a:defRPr>
+    </a:lvl9pPr>
+  </p:notesStyle>
+</p:notesMaster>
+</file>
+
+<file path=ppt/notesSlides/notesSlide1.xml><?xml version="1.0" encoding="utf-8"?>
+<p:notes xmlns:a="http://schemas.openxmlformats.org/drawingml/2006/main" xmlns:r="http://schemas.openxmlformats.org/officeDocument/2006/relationships" xmlns:p="http://schemas.openxmlformats.org/presentationml/2006/main">
+  <p:cSld>
+    <p:spTree>
+      <p:nvGrpSpPr>
+        <p:cNvPr id="1" name=""/>
+        <p:cNvGrpSpPr/>
+        <p:nvPr/>
+      </p:nvGrpSpPr>
+      <p:grpSpPr>
+        <a:xfrm>
+          <a:off x="0" y="0"/>
+          <a:ext cx="0" cy="0"/>
+          <a:chOff x="0" y="0"/>
+          <a:chExt cx="0" cy="0"/>
+        </a:xfrm>
+      </p:grpSpPr>
+      <p:sp>
+        <p:nvSpPr>
+          <p:cNvPr id="2" name="幻灯片图像占位符 1"/>
+          <p:cNvSpPr>
+            <a:spLocks noGrp="1" noRot="1" noChangeAspect="1"/>
+          </p:cNvSpPr>
+          <p:nvPr>
+            <p:ph type="sldImg"/>
+          </p:nvPr>
+        </p:nvSpPr>
+        <p:spPr/>
+      </p:sp>
+      <p:sp>
+        <p:nvSpPr>
+          <p:cNvPr id="3" name="备注占位符 2"/>
+          <p:cNvSpPr>
+            <a:spLocks noGrp="1"/>
+          </p:cNvSpPr>
+          <p:nvPr>
+            <p:ph type="body" idx="1"/>
+          </p:nvPr>
+        </p:nvSpPr>
+        <p:spPr/>
+        <p:txBody>
+          <a:bodyPr/>
+          <a:lstStyle/>
+          <a:p>
+            <a:endParaRPr lang="zh-CN" altLang="en-US" dirty="0"/>
+          </a:p>
+        </p:txBody>
+      </p:sp>
+      <p:sp>
+        <p:nvSpPr>
+          <p:cNvPr id="4" name="灯片编号占位符 3"/>
+          <p:cNvSpPr>
+            <a:spLocks noGrp="1"/>
+          </p:cNvSpPr>
+          <p:nvPr>
+            <p:ph type="sldNum" sz="quarter" idx="10"/>
+          </p:nvPr>
+        </p:nvSpPr>
+        <p:spPr/>
+        <p:txBody>
+          <a:bodyPr/>
+          <a:lstStyle/>
+          <a:p>
+            <a:fld id="{D81FF034-6453-4959-A3C9-09B91CCFFD31}" type="slidenum">
+              <a:rPr lang="zh-CN" altLang="en-US" smtClean="0"/>
+              <a:t>1</a:t>
+            </a:fld>
+            <a:endParaRPr lang="zh-CN" altLang="en-US"/>
+          </a:p>
+        </p:txBody>
+      </p:sp>
+    </p:spTree>
+    <p:extLst>
+      <p:ext uri="{BB962C8B-B14F-4D97-AF65-F5344CB8AC3E}">
+        <p14:creationId xmlns:p14="http://schemas.microsoft.com/office/powerpoint/2010/main" val="1480169570"/>
+      </p:ext>
+    </p:extLst>
+  </p:cSld>
+  <p:clrMapOvr>
+    <a:masterClrMapping/>
+  </p:clrMapOvr>
+</p:notes>
+</file>
+
 <file path=ppt/slideLayouts/slideLayout1.xml><?xml version="1.0" encoding="utf-8"?>
 <p:sldLayout xmlns:a="http://schemas.openxmlformats.org/drawingml/2006/main" xmlns:r="http://schemas.openxmlformats.org/officeDocument/2006/relationships" xmlns:p="http://schemas.openxmlformats.org/presentationml/2006/main" type="title" preserve="1">
   <p:cSld name="标题幻灯片">
@@ -131,7 +569,7 @@
       </p:grpSpPr>
       <p:sp>
         <p:nvSpPr>
-          <p:cNvPr id="2" name="标题 1"/>
+          <p:cNvPr id="2" name="Title 1"/>
           <p:cNvSpPr>
             <a:spLocks noGrp="1"/>
           </p:cNvSpPr>
@@ -157,13 +595,13 @@
               <a:rPr lang="zh-CN" altLang="en-US" smtClean="0"/>
               <a:t>单击此处编辑母版标题样式</a:t>
             </a:r>
-            <a:endParaRPr lang="zh-CN" altLang="en-US"/>
-          </a:p>
-        </p:txBody>
-      </p:sp>
-      <p:sp>
-        <p:nvSpPr>
-          <p:cNvPr id="3" name="副标题 2"/>
+            <a:endParaRPr lang="en-US" dirty="0"/>
+          </a:p>
+        </p:txBody>
+      </p:sp>
+      <p:sp>
+        <p:nvSpPr>
+          <p:cNvPr id="3" name="Subtitle 2"/>
           <p:cNvSpPr>
             <a:spLocks noGrp="1"/>
           </p:cNvSpPr>
@@ -222,13 +660,13 @@
               <a:rPr lang="zh-CN" altLang="en-US" smtClean="0"/>
               <a:t>单击以编辑母版副标题样式</a:t>
             </a:r>
-            <a:endParaRPr lang="zh-CN" altLang="en-US"/>
-          </a:p>
-        </p:txBody>
-      </p:sp>
-      <p:sp>
-        <p:nvSpPr>
-          <p:cNvPr id="4" name="日期占位符 3"/>
+            <a:endParaRPr lang="en-US" dirty="0"/>
+          </a:p>
+        </p:txBody>
+      </p:sp>
+      <p:sp>
+        <p:nvSpPr>
+          <p:cNvPr id="4" name="Date Placeholder 3"/>
           <p:cNvSpPr>
             <a:spLocks noGrp="1"/>
           </p:cNvSpPr>
@@ -243,7 +681,7 @@
           <a:p>
             <a:fld id="{F6E2704E-F757-44E6-8E87-DDFC9CC30867}" type="datetimeFigureOut">
               <a:rPr lang="zh-CN" altLang="en-US" smtClean="0"/>
-              <a:t>2017/12/14</a:t>
+              <a:t>2018/1/12</a:t>
             </a:fld>
             <a:endParaRPr lang="zh-CN" altLang="en-US"/>
           </a:p>
@@ -251,7 +689,7 @@
       </p:sp>
       <p:sp>
         <p:nvSpPr>
-          <p:cNvPr id="5" name="页脚占位符 4"/>
+          <p:cNvPr id="5" name="Footer Placeholder 4"/>
           <p:cNvSpPr>
             <a:spLocks noGrp="1"/>
           </p:cNvSpPr>
@@ -270,7 +708,7 @@
       </p:sp>
       <p:sp>
         <p:nvSpPr>
-          <p:cNvPr id="6" name="灯片编号占位符 5"/>
+          <p:cNvPr id="6" name="Slide Number Placeholder 5"/>
           <p:cNvSpPr>
             <a:spLocks noGrp="1"/>
           </p:cNvSpPr>
@@ -294,7 +732,7 @@
     </p:spTree>
     <p:extLst>
       <p:ext uri="{BB962C8B-B14F-4D97-AF65-F5344CB8AC3E}">
-        <p14:creationId xmlns:p14="http://schemas.microsoft.com/office/powerpoint/2010/main" val="1982241516"/>
+        <p14:creationId xmlns:p14="http://schemas.microsoft.com/office/powerpoint/2010/main" val="1846886904"/>
       </p:ext>
     </p:extLst>
   </p:cSld>
@@ -323,7 +761,7 @@
       </p:grpSpPr>
       <p:sp>
         <p:nvSpPr>
-          <p:cNvPr id="2" name="标题 1"/>
+          <p:cNvPr id="2" name="Title 1"/>
           <p:cNvSpPr>
             <a:spLocks noGrp="1"/>
           </p:cNvSpPr>
@@ -340,13 +778,13 @@
               <a:rPr lang="zh-CN" altLang="en-US" smtClean="0"/>
               <a:t>单击此处编辑母版标题样式</a:t>
             </a:r>
-            <a:endParaRPr lang="zh-CN" altLang="en-US"/>
-          </a:p>
-        </p:txBody>
-      </p:sp>
-      <p:sp>
-        <p:nvSpPr>
-          <p:cNvPr id="3" name="竖排文字占位符 2"/>
+            <a:endParaRPr lang="en-US" dirty="0"/>
+          </a:p>
+        </p:txBody>
+      </p:sp>
+      <p:sp>
+        <p:nvSpPr>
+          <p:cNvPr id="3" name="Vertical Text Placeholder 2"/>
           <p:cNvSpPr>
             <a:spLocks noGrp="1"/>
           </p:cNvSpPr>
@@ -392,13 +830,13 @@
               <a:rPr lang="zh-CN" altLang="en-US" smtClean="0"/>
               <a:t>第五级</a:t>
             </a:r>
-            <a:endParaRPr lang="zh-CN" altLang="en-US"/>
-          </a:p>
-        </p:txBody>
-      </p:sp>
-      <p:sp>
-        <p:nvSpPr>
-          <p:cNvPr id="4" name="日期占位符 3"/>
+            <a:endParaRPr lang="en-US" dirty="0"/>
+          </a:p>
+        </p:txBody>
+      </p:sp>
+      <p:sp>
+        <p:nvSpPr>
+          <p:cNvPr id="4" name="Date Placeholder 3"/>
           <p:cNvSpPr>
             <a:spLocks noGrp="1"/>
           </p:cNvSpPr>
@@ -413,7 +851,7 @@
           <a:p>
             <a:fld id="{F6E2704E-F757-44E6-8E87-DDFC9CC30867}" type="datetimeFigureOut">
               <a:rPr lang="zh-CN" altLang="en-US" smtClean="0"/>
-              <a:t>2017/12/14</a:t>
+              <a:t>2018/1/12</a:t>
             </a:fld>
             <a:endParaRPr lang="zh-CN" altLang="en-US"/>
           </a:p>
@@ -421,7 +859,7 @@
       </p:sp>
       <p:sp>
         <p:nvSpPr>
-          <p:cNvPr id="5" name="页脚占位符 4"/>
+          <p:cNvPr id="5" name="Footer Placeholder 4"/>
           <p:cNvSpPr>
             <a:spLocks noGrp="1"/>
           </p:cNvSpPr>
@@ -440,7 +878,7 @@
       </p:sp>
       <p:sp>
         <p:nvSpPr>
-          <p:cNvPr id="6" name="灯片编号占位符 5"/>
+          <p:cNvPr id="6" name="Slide Number Placeholder 5"/>
           <p:cNvSpPr>
             <a:spLocks noGrp="1"/>
           </p:cNvSpPr>
@@ -464,7 +902,7 @@
     </p:spTree>
     <p:extLst>
       <p:ext uri="{BB962C8B-B14F-4D97-AF65-F5344CB8AC3E}">
-        <p14:creationId xmlns:p14="http://schemas.microsoft.com/office/powerpoint/2010/main" val="3069117237"/>
+        <p14:creationId xmlns:p14="http://schemas.microsoft.com/office/powerpoint/2010/main" val="925593134"/>
       </p:ext>
     </p:extLst>
   </p:cSld>
@@ -493,7 +931,7 @@
       </p:grpSpPr>
       <p:sp>
         <p:nvSpPr>
-          <p:cNvPr id="2" name="竖排标题 1"/>
+          <p:cNvPr id="2" name="Vertical Title 1"/>
           <p:cNvSpPr>
             <a:spLocks noGrp="1"/>
           </p:cNvSpPr>
@@ -515,13 +953,13 @@
               <a:rPr lang="zh-CN" altLang="en-US" smtClean="0"/>
               <a:t>单击此处编辑母版标题样式</a:t>
             </a:r>
-            <a:endParaRPr lang="zh-CN" altLang="en-US"/>
-          </a:p>
-        </p:txBody>
-      </p:sp>
-      <p:sp>
-        <p:nvSpPr>
-          <p:cNvPr id="3" name="竖排文字占位符 2"/>
+            <a:endParaRPr lang="en-US" dirty="0"/>
+          </a:p>
+        </p:txBody>
+      </p:sp>
+      <p:sp>
+        <p:nvSpPr>
+          <p:cNvPr id="3" name="Vertical Text Placeholder 2"/>
           <p:cNvSpPr>
             <a:spLocks noGrp="1"/>
           </p:cNvSpPr>
@@ -572,13 +1010,13 @@
               <a:rPr lang="zh-CN" altLang="en-US" smtClean="0"/>
               <a:t>第五级</a:t>
             </a:r>
-            <a:endParaRPr lang="zh-CN" altLang="en-US"/>
-          </a:p>
-        </p:txBody>
-      </p:sp>
-      <p:sp>
-        <p:nvSpPr>
-          <p:cNvPr id="4" name="日期占位符 3"/>
+            <a:endParaRPr lang="en-US" dirty="0"/>
+          </a:p>
+        </p:txBody>
+      </p:sp>
+      <p:sp>
+        <p:nvSpPr>
+          <p:cNvPr id="4" name="Date Placeholder 3"/>
           <p:cNvSpPr>
             <a:spLocks noGrp="1"/>
           </p:cNvSpPr>
@@ -593,7 +1031,7 @@
           <a:p>
             <a:fld id="{F6E2704E-F757-44E6-8E87-DDFC9CC30867}" type="datetimeFigureOut">
               <a:rPr lang="zh-CN" altLang="en-US" smtClean="0"/>
-              <a:t>2017/12/14</a:t>
+              <a:t>2018/1/12</a:t>
             </a:fld>
             <a:endParaRPr lang="zh-CN" altLang="en-US"/>
           </a:p>
@@ -601,7 +1039,7 @@
       </p:sp>
       <p:sp>
         <p:nvSpPr>
-          <p:cNvPr id="5" name="页脚占位符 4"/>
+          <p:cNvPr id="5" name="Footer Placeholder 4"/>
           <p:cNvSpPr>
             <a:spLocks noGrp="1"/>
           </p:cNvSpPr>
@@ -620,7 +1058,7 @@
       </p:sp>
       <p:sp>
         <p:nvSpPr>
-          <p:cNvPr id="6" name="灯片编号占位符 5"/>
+          <p:cNvPr id="6" name="Slide Number Placeholder 5"/>
           <p:cNvSpPr>
             <a:spLocks noGrp="1"/>
           </p:cNvSpPr>
@@ -644,7 +1082,7 @@
     </p:spTree>
     <p:extLst>
       <p:ext uri="{BB962C8B-B14F-4D97-AF65-F5344CB8AC3E}">
-        <p14:creationId xmlns:p14="http://schemas.microsoft.com/office/powerpoint/2010/main" val="832204091"/>
+        <p14:creationId xmlns:p14="http://schemas.microsoft.com/office/powerpoint/2010/main" val="3479919946"/>
       </p:ext>
     </p:extLst>
   </p:cSld>
@@ -673,7 +1111,7 @@
       </p:grpSpPr>
       <p:sp>
         <p:nvSpPr>
-          <p:cNvPr id="2" name="标题 1"/>
+          <p:cNvPr id="2" name="Title 1"/>
           <p:cNvSpPr>
             <a:spLocks noGrp="1"/>
           </p:cNvSpPr>
@@ -690,13 +1128,13 @@
               <a:rPr lang="zh-CN" altLang="en-US" smtClean="0"/>
               <a:t>单击此处编辑母版标题样式</a:t>
             </a:r>
-            <a:endParaRPr lang="zh-CN" altLang="en-US"/>
-          </a:p>
-        </p:txBody>
-      </p:sp>
-      <p:sp>
-        <p:nvSpPr>
-          <p:cNvPr id="3" name="内容占位符 2"/>
+            <a:endParaRPr lang="en-US" dirty="0"/>
+          </a:p>
+        </p:txBody>
+      </p:sp>
+      <p:sp>
+        <p:nvSpPr>
+          <p:cNvPr id="3" name="Content Placeholder 2"/>
           <p:cNvSpPr>
             <a:spLocks noGrp="1"/>
           </p:cNvSpPr>
@@ -742,13 +1180,13 @@
               <a:rPr lang="zh-CN" altLang="en-US" smtClean="0"/>
               <a:t>第五级</a:t>
             </a:r>
-            <a:endParaRPr lang="zh-CN" altLang="en-US"/>
-          </a:p>
-        </p:txBody>
-      </p:sp>
-      <p:sp>
-        <p:nvSpPr>
-          <p:cNvPr id="4" name="日期占位符 3"/>
+            <a:endParaRPr lang="en-US" dirty="0"/>
+          </a:p>
+        </p:txBody>
+      </p:sp>
+      <p:sp>
+        <p:nvSpPr>
+          <p:cNvPr id="4" name="Date Placeholder 3"/>
           <p:cNvSpPr>
             <a:spLocks noGrp="1"/>
           </p:cNvSpPr>
@@ -763,7 +1201,7 @@
           <a:p>
             <a:fld id="{F6E2704E-F757-44E6-8E87-DDFC9CC30867}" type="datetimeFigureOut">
               <a:rPr lang="zh-CN" altLang="en-US" smtClean="0"/>
-              <a:t>2017/12/14</a:t>
+              <a:t>2018/1/12</a:t>
             </a:fld>
             <a:endParaRPr lang="zh-CN" altLang="en-US"/>
           </a:p>
@@ -771,7 +1209,7 @@
       </p:sp>
       <p:sp>
         <p:nvSpPr>
-          <p:cNvPr id="5" name="页脚占位符 4"/>
+          <p:cNvPr id="5" name="Footer Placeholder 4"/>
           <p:cNvSpPr>
             <a:spLocks noGrp="1"/>
           </p:cNvSpPr>
@@ -790,7 +1228,7 @@
       </p:sp>
       <p:sp>
         <p:nvSpPr>
-          <p:cNvPr id="6" name="灯片编号占位符 5"/>
+          <p:cNvPr id="6" name="Slide Number Placeholder 5"/>
           <p:cNvSpPr>
             <a:spLocks noGrp="1"/>
           </p:cNvSpPr>
@@ -814,7 +1252,7 @@
     </p:spTree>
     <p:extLst>
       <p:ext uri="{BB962C8B-B14F-4D97-AF65-F5344CB8AC3E}">
-        <p14:creationId xmlns:p14="http://schemas.microsoft.com/office/powerpoint/2010/main" val="2157834833"/>
+        <p14:creationId xmlns:p14="http://schemas.microsoft.com/office/powerpoint/2010/main" val="429085640"/>
       </p:ext>
     </p:extLst>
   </p:cSld>
@@ -843,7 +1281,7 @@
       </p:grpSpPr>
       <p:sp>
         <p:nvSpPr>
-          <p:cNvPr id="2" name="标题 1"/>
+          <p:cNvPr id="2" name="Title 1"/>
           <p:cNvSpPr>
             <a:spLocks noGrp="1"/>
           </p:cNvSpPr>
@@ -869,13 +1307,13 @@
               <a:rPr lang="zh-CN" altLang="en-US" smtClean="0"/>
               <a:t>单击此处编辑母版标题样式</a:t>
             </a:r>
-            <a:endParaRPr lang="zh-CN" altLang="en-US"/>
-          </a:p>
-        </p:txBody>
-      </p:sp>
-      <p:sp>
-        <p:nvSpPr>
-          <p:cNvPr id="3" name="文本占位符 2"/>
+            <a:endParaRPr lang="en-US" dirty="0"/>
+          </a:p>
+        </p:txBody>
+      </p:sp>
+      <p:sp>
+        <p:nvSpPr>
+          <p:cNvPr id="3" name="Text Placeholder 2"/>
           <p:cNvSpPr>
             <a:spLocks noGrp="1"/>
           </p:cNvSpPr>
@@ -994,7 +1432,7 @@
       </p:sp>
       <p:sp>
         <p:nvSpPr>
-          <p:cNvPr id="4" name="日期占位符 3"/>
+          <p:cNvPr id="4" name="Date Placeholder 3"/>
           <p:cNvSpPr>
             <a:spLocks noGrp="1"/>
           </p:cNvSpPr>
@@ -1009,7 +1447,7 @@
           <a:p>
             <a:fld id="{F6E2704E-F757-44E6-8E87-DDFC9CC30867}" type="datetimeFigureOut">
               <a:rPr lang="zh-CN" altLang="en-US" smtClean="0"/>
-              <a:t>2017/12/14</a:t>
+              <a:t>2018/1/12</a:t>
             </a:fld>
             <a:endParaRPr lang="zh-CN" altLang="en-US"/>
           </a:p>
@@ -1017,7 +1455,7 @@
       </p:sp>
       <p:sp>
         <p:nvSpPr>
-          <p:cNvPr id="5" name="页脚占位符 4"/>
+          <p:cNvPr id="5" name="Footer Placeholder 4"/>
           <p:cNvSpPr>
             <a:spLocks noGrp="1"/>
           </p:cNvSpPr>
@@ -1036,7 +1474,7 @@
       </p:sp>
       <p:sp>
         <p:nvSpPr>
-          <p:cNvPr id="6" name="灯片编号占位符 5"/>
+          <p:cNvPr id="6" name="Slide Number Placeholder 5"/>
           <p:cNvSpPr>
             <a:spLocks noGrp="1"/>
           </p:cNvSpPr>
@@ -1060,7 +1498,7 @@
     </p:spTree>
     <p:extLst>
       <p:ext uri="{BB962C8B-B14F-4D97-AF65-F5344CB8AC3E}">
-        <p14:creationId xmlns:p14="http://schemas.microsoft.com/office/powerpoint/2010/main" val="2113069751"/>
+        <p14:creationId xmlns:p14="http://schemas.microsoft.com/office/powerpoint/2010/main" val="387717544"/>
       </p:ext>
     </p:extLst>
   </p:cSld>
@@ -1089,7 +1527,7 @@
       </p:grpSpPr>
       <p:sp>
         <p:nvSpPr>
-          <p:cNvPr id="2" name="标题 1"/>
+          <p:cNvPr id="2" name="Title 1"/>
           <p:cNvSpPr>
             <a:spLocks noGrp="1"/>
           </p:cNvSpPr>
@@ -1106,13 +1544,13 @@
               <a:rPr lang="zh-CN" altLang="en-US" smtClean="0"/>
               <a:t>单击此处编辑母版标题样式</a:t>
             </a:r>
-            <a:endParaRPr lang="zh-CN" altLang="en-US"/>
-          </a:p>
-        </p:txBody>
-      </p:sp>
-      <p:sp>
-        <p:nvSpPr>
-          <p:cNvPr id="3" name="内容占位符 2"/>
+            <a:endParaRPr lang="en-US" dirty="0"/>
+          </a:p>
+        </p:txBody>
+      </p:sp>
+      <p:sp>
+        <p:nvSpPr>
+          <p:cNvPr id="3" name="Content Placeholder 2"/>
           <p:cNvSpPr>
             <a:spLocks noGrp="1"/>
           </p:cNvSpPr>
@@ -1163,13 +1601,13 @@
               <a:rPr lang="zh-CN" altLang="en-US" smtClean="0"/>
               <a:t>第五级</a:t>
             </a:r>
-            <a:endParaRPr lang="zh-CN" altLang="en-US"/>
-          </a:p>
-        </p:txBody>
-      </p:sp>
-      <p:sp>
-        <p:nvSpPr>
-          <p:cNvPr id="4" name="内容占位符 3"/>
+            <a:endParaRPr lang="en-US" dirty="0"/>
+          </a:p>
+        </p:txBody>
+      </p:sp>
+      <p:sp>
+        <p:nvSpPr>
+          <p:cNvPr id="4" name="Content Placeholder 3"/>
           <p:cNvSpPr>
             <a:spLocks noGrp="1"/>
           </p:cNvSpPr>
@@ -1220,13 +1658,13 @@
               <a:rPr lang="zh-CN" altLang="en-US" smtClean="0"/>
               <a:t>第五级</a:t>
             </a:r>
-            <a:endParaRPr lang="zh-CN" altLang="en-US"/>
-          </a:p>
-        </p:txBody>
-      </p:sp>
-      <p:sp>
-        <p:nvSpPr>
-          <p:cNvPr id="5" name="日期占位符 4"/>
+            <a:endParaRPr lang="en-US" dirty="0"/>
+          </a:p>
+        </p:txBody>
+      </p:sp>
+      <p:sp>
+        <p:nvSpPr>
+          <p:cNvPr id="5" name="Date Placeholder 4"/>
           <p:cNvSpPr>
             <a:spLocks noGrp="1"/>
           </p:cNvSpPr>
@@ -1241,7 +1679,7 @@
           <a:p>
             <a:fld id="{F6E2704E-F757-44E6-8E87-DDFC9CC30867}" type="datetimeFigureOut">
               <a:rPr lang="zh-CN" altLang="en-US" smtClean="0"/>
-              <a:t>2017/12/14</a:t>
+              <a:t>2018/1/12</a:t>
             </a:fld>
             <a:endParaRPr lang="zh-CN" altLang="en-US"/>
           </a:p>
@@ -1249,7 +1687,7 @@
       </p:sp>
       <p:sp>
         <p:nvSpPr>
-          <p:cNvPr id="6" name="页脚占位符 5"/>
+          <p:cNvPr id="6" name="Footer Placeholder 5"/>
           <p:cNvSpPr>
             <a:spLocks noGrp="1"/>
           </p:cNvSpPr>
@@ -1268,7 +1706,7 @@
       </p:sp>
       <p:sp>
         <p:nvSpPr>
-          <p:cNvPr id="7" name="灯片编号占位符 6"/>
+          <p:cNvPr id="7" name="Slide Number Placeholder 6"/>
           <p:cNvSpPr>
             <a:spLocks noGrp="1"/>
           </p:cNvSpPr>
@@ -1292,7 +1730,7 @@
     </p:spTree>
     <p:extLst>
       <p:ext uri="{BB962C8B-B14F-4D97-AF65-F5344CB8AC3E}">
-        <p14:creationId xmlns:p14="http://schemas.microsoft.com/office/powerpoint/2010/main" val="3629195702"/>
+        <p14:creationId xmlns:p14="http://schemas.microsoft.com/office/powerpoint/2010/main" val="4284071024"/>
       </p:ext>
     </p:extLst>
   </p:cSld>
@@ -1321,7 +1759,7 @@
       </p:grpSpPr>
       <p:sp>
         <p:nvSpPr>
-          <p:cNvPr id="2" name="标题 1"/>
+          <p:cNvPr id="2" name="Title 1"/>
           <p:cNvSpPr>
             <a:spLocks noGrp="1"/>
           </p:cNvSpPr>
@@ -1343,13 +1781,13 @@
               <a:rPr lang="zh-CN" altLang="en-US" smtClean="0"/>
               <a:t>单击此处编辑母版标题样式</a:t>
             </a:r>
-            <a:endParaRPr lang="zh-CN" altLang="en-US"/>
-          </a:p>
-        </p:txBody>
-      </p:sp>
-      <p:sp>
-        <p:nvSpPr>
-          <p:cNvPr id="3" name="文本占位符 2"/>
+            <a:endParaRPr lang="en-US" dirty="0"/>
+          </a:p>
+        </p:txBody>
+      </p:sp>
+      <p:sp>
+        <p:nvSpPr>
+          <p:cNvPr id="3" name="Text Placeholder 2"/>
           <p:cNvSpPr>
             <a:spLocks noGrp="1"/>
           </p:cNvSpPr>
@@ -1414,7 +1852,7 @@
       </p:sp>
       <p:sp>
         <p:nvSpPr>
-          <p:cNvPr id="4" name="内容占位符 3"/>
+          <p:cNvPr id="4" name="Content Placeholder 3"/>
           <p:cNvSpPr>
             <a:spLocks noGrp="1"/>
           </p:cNvSpPr>
@@ -1465,13 +1903,13 @@
               <a:rPr lang="zh-CN" altLang="en-US" smtClean="0"/>
               <a:t>第五级</a:t>
             </a:r>
-            <a:endParaRPr lang="zh-CN" altLang="en-US"/>
-          </a:p>
-        </p:txBody>
-      </p:sp>
-      <p:sp>
-        <p:nvSpPr>
-          <p:cNvPr id="5" name="文本占位符 4"/>
+            <a:endParaRPr lang="en-US" dirty="0"/>
+          </a:p>
+        </p:txBody>
+      </p:sp>
+      <p:sp>
+        <p:nvSpPr>
+          <p:cNvPr id="5" name="Text Placeholder 4"/>
           <p:cNvSpPr>
             <a:spLocks noGrp="1"/>
           </p:cNvSpPr>
@@ -1536,7 +1974,7 @@
       </p:sp>
       <p:sp>
         <p:nvSpPr>
-          <p:cNvPr id="6" name="内容占位符 5"/>
+          <p:cNvPr id="6" name="Content Placeholder 5"/>
           <p:cNvSpPr>
             <a:spLocks noGrp="1"/>
           </p:cNvSpPr>
@@ -1587,13 +2025,13 @@
               <a:rPr lang="zh-CN" altLang="en-US" smtClean="0"/>
               <a:t>第五级</a:t>
             </a:r>
-            <a:endParaRPr lang="zh-CN" altLang="en-US"/>
-          </a:p>
-        </p:txBody>
-      </p:sp>
-      <p:sp>
-        <p:nvSpPr>
-          <p:cNvPr id="7" name="日期占位符 6"/>
+            <a:endParaRPr lang="en-US" dirty="0"/>
+          </a:p>
+        </p:txBody>
+      </p:sp>
+      <p:sp>
+        <p:nvSpPr>
+          <p:cNvPr id="7" name="Date Placeholder 6"/>
           <p:cNvSpPr>
             <a:spLocks noGrp="1"/>
           </p:cNvSpPr>
@@ -1608,7 +2046,7 @@
           <a:p>
             <a:fld id="{F6E2704E-F757-44E6-8E87-DDFC9CC30867}" type="datetimeFigureOut">
               <a:rPr lang="zh-CN" altLang="en-US" smtClean="0"/>
-              <a:t>2017/12/14</a:t>
+              <a:t>2018/1/12</a:t>
             </a:fld>
             <a:endParaRPr lang="zh-CN" altLang="en-US"/>
           </a:p>
@@ -1616,7 +2054,7 @@
       </p:sp>
       <p:sp>
         <p:nvSpPr>
-          <p:cNvPr id="8" name="页脚占位符 7"/>
+          <p:cNvPr id="8" name="Footer Placeholder 7"/>
           <p:cNvSpPr>
             <a:spLocks noGrp="1"/>
           </p:cNvSpPr>
@@ -1635,7 +2073,7 @@
       </p:sp>
       <p:sp>
         <p:nvSpPr>
-          <p:cNvPr id="9" name="灯片编号占位符 8"/>
+          <p:cNvPr id="9" name="Slide Number Placeholder 8"/>
           <p:cNvSpPr>
             <a:spLocks noGrp="1"/>
           </p:cNvSpPr>
@@ -1659,7 +2097,7 @@
     </p:spTree>
     <p:extLst>
       <p:ext uri="{BB962C8B-B14F-4D97-AF65-F5344CB8AC3E}">
-        <p14:creationId xmlns:p14="http://schemas.microsoft.com/office/powerpoint/2010/main" val="121101385"/>
+        <p14:creationId xmlns:p14="http://schemas.microsoft.com/office/powerpoint/2010/main" val="1493901213"/>
       </p:ext>
     </p:extLst>
   </p:cSld>
@@ -1688,7 +2126,7 @@
       </p:grpSpPr>
       <p:sp>
         <p:nvSpPr>
-          <p:cNvPr id="2" name="标题 1"/>
+          <p:cNvPr id="2" name="Title 1"/>
           <p:cNvSpPr>
             <a:spLocks noGrp="1"/>
           </p:cNvSpPr>
@@ -1705,13 +2143,13 @@
               <a:rPr lang="zh-CN" altLang="en-US" smtClean="0"/>
               <a:t>单击此处编辑母版标题样式</a:t>
             </a:r>
-            <a:endParaRPr lang="zh-CN" altLang="en-US"/>
-          </a:p>
-        </p:txBody>
-      </p:sp>
-      <p:sp>
-        <p:nvSpPr>
-          <p:cNvPr id="3" name="日期占位符 2"/>
+            <a:endParaRPr lang="en-US" dirty="0"/>
+          </a:p>
+        </p:txBody>
+      </p:sp>
+      <p:sp>
+        <p:nvSpPr>
+          <p:cNvPr id="3" name="Date Placeholder 2"/>
           <p:cNvSpPr>
             <a:spLocks noGrp="1"/>
           </p:cNvSpPr>
@@ -1726,7 +2164,7 @@
           <a:p>
             <a:fld id="{F6E2704E-F757-44E6-8E87-DDFC9CC30867}" type="datetimeFigureOut">
               <a:rPr lang="zh-CN" altLang="en-US" smtClean="0"/>
-              <a:t>2017/12/14</a:t>
+              <a:t>2018/1/12</a:t>
             </a:fld>
             <a:endParaRPr lang="zh-CN" altLang="en-US"/>
           </a:p>
@@ -1734,7 +2172,7 @@
       </p:sp>
       <p:sp>
         <p:nvSpPr>
-          <p:cNvPr id="4" name="页脚占位符 3"/>
+          <p:cNvPr id="4" name="Footer Placeholder 3"/>
           <p:cNvSpPr>
             <a:spLocks noGrp="1"/>
           </p:cNvSpPr>
@@ -1753,7 +2191,7 @@
       </p:sp>
       <p:sp>
         <p:nvSpPr>
-          <p:cNvPr id="5" name="灯片编号占位符 4"/>
+          <p:cNvPr id="5" name="Slide Number Placeholder 4"/>
           <p:cNvSpPr>
             <a:spLocks noGrp="1"/>
           </p:cNvSpPr>
@@ -1777,7 +2215,7 @@
     </p:spTree>
     <p:extLst>
       <p:ext uri="{BB962C8B-B14F-4D97-AF65-F5344CB8AC3E}">
-        <p14:creationId xmlns:p14="http://schemas.microsoft.com/office/powerpoint/2010/main" val="3851579579"/>
+        <p14:creationId xmlns:p14="http://schemas.microsoft.com/office/powerpoint/2010/main" val="3196033283"/>
       </p:ext>
     </p:extLst>
   </p:cSld>
@@ -1806,7 +2244,7 @@
       </p:grpSpPr>
       <p:sp>
         <p:nvSpPr>
-          <p:cNvPr id="2" name="日期占位符 1"/>
+          <p:cNvPr id="2" name="Date Placeholder 1"/>
           <p:cNvSpPr>
             <a:spLocks noGrp="1"/>
           </p:cNvSpPr>
@@ -1821,7 +2259,7 @@
           <a:p>
             <a:fld id="{F6E2704E-F757-44E6-8E87-DDFC9CC30867}" type="datetimeFigureOut">
               <a:rPr lang="zh-CN" altLang="en-US" smtClean="0"/>
-              <a:t>2017/12/14</a:t>
+              <a:t>2018/1/12</a:t>
             </a:fld>
             <a:endParaRPr lang="zh-CN" altLang="en-US"/>
           </a:p>
@@ -1829,7 +2267,7 @@
       </p:sp>
       <p:sp>
         <p:nvSpPr>
-          <p:cNvPr id="3" name="页脚占位符 2"/>
+          <p:cNvPr id="3" name="Footer Placeholder 2"/>
           <p:cNvSpPr>
             <a:spLocks noGrp="1"/>
           </p:cNvSpPr>
@@ -1848,7 +2286,7 @@
       </p:sp>
       <p:sp>
         <p:nvSpPr>
-          <p:cNvPr id="4" name="灯片编号占位符 3"/>
+          <p:cNvPr id="4" name="Slide Number Placeholder 3"/>
           <p:cNvSpPr>
             <a:spLocks noGrp="1"/>
           </p:cNvSpPr>
@@ -1872,7 +2310,7 @@
     </p:spTree>
     <p:extLst>
       <p:ext uri="{BB962C8B-B14F-4D97-AF65-F5344CB8AC3E}">
-        <p14:creationId xmlns:p14="http://schemas.microsoft.com/office/powerpoint/2010/main" val="573986627"/>
+        <p14:creationId xmlns:p14="http://schemas.microsoft.com/office/powerpoint/2010/main" val="1460944836"/>
       </p:ext>
     </p:extLst>
   </p:cSld>
@@ -1901,7 +2339,7 @@
       </p:grpSpPr>
       <p:sp>
         <p:nvSpPr>
-          <p:cNvPr id="2" name="标题 1"/>
+          <p:cNvPr id="2" name="Title 1"/>
           <p:cNvSpPr>
             <a:spLocks noGrp="1"/>
           </p:cNvSpPr>
@@ -1927,13 +2365,13 @@
               <a:rPr lang="zh-CN" altLang="en-US" smtClean="0"/>
               <a:t>单击此处编辑母版标题样式</a:t>
             </a:r>
-            <a:endParaRPr lang="zh-CN" altLang="en-US"/>
-          </a:p>
-        </p:txBody>
-      </p:sp>
-      <p:sp>
-        <p:nvSpPr>
-          <p:cNvPr id="3" name="内容占位符 2"/>
+            <a:endParaRPr lang="en-US" dirty="0"/>
+          </a:p>
+        </p:txBody>
+      </p:sp>
+      <p:sp>
+        <p:nvSpPr>
+          <p:cNvPr id="3" name="Content Placeholder 2"/>
           <p:cNvSpPr>
             <a:spLocks noGrp="1"/>
           </p:cNvSpPr>
@@ -2012,13 +2450,13 @@
               <a:rPr lang="zh-CN" altLang="en-US" smtClean="0"/>
               <a:t>第五级</a:t>
             </a:r>
-            <a:endParaRPr lang="zh-CN" altLang="en-US"/>
-          </a:p>
-        </p:txBody>
-      </p:sp>
-      <p:sp>
-        <p:nvSpPr>
-          <p:cNvPr id="4" name="文本占位符 3"/>
+            <a:endParaRPr lang="en-US" dirty="0"/>
+          </a:p>
+        </p:txBody>
+      </p:sp>
+      <p:sp>
+        <p:nvSpPr>
+          <p:cNvPr id="4" name="Text Placeholder 3"/>
           <p:cNvSpPr>
             <a:spLocks noGrp="1"/>
           </p:cNvSpPr>
@@ -2083,7 +2521,7 @@
       </p:sp>
       <p:sp>
         <p:nvSpPr>
-          <p:cNvPr id="5" name="日期占位符 4"/>
+          <p:cNvPr id="5" name="Date Placeholder 4"/>
           <p:cNvSpPr>
             <a:spLocks noGrp="1"/>
           </p:cNvSpPr>
@@ -2098,7 +2536,7 @@
           <a:p>
             <a:fld id="{F6E2704E-F757-44E6-8E87-DDFC9CC30867}" type="datetimeFigureOut">
               <a:rPr lang="zh-CN" altLang="en-US" smtClean="0"/>
-              <a:t>2017/12/14</a:t>
+              <a:t>2018/1/12</a:t>
             </a:fld>
             <a:endParaRPr lang="zh-CN" altLang="en-US"/>
           </a:p>
@@ -2106,7 +2544,7 @@
       </p:sp>
       <p:sp>
         <p:nvSpPr>
-          <p:cNvPr id="6" name="页脚占位符 5"/>
+          <p:cNvPr id="6" name="Footer Placeholder 5"/>
           <p:cNvSpPr>
             <a:spLocks noGrp="1"/>
           </p:cNvSpPr>
@@ -2125,7 +2563,7 @@
       </p:sp>
       <p:sp>
         <p:nvSpPr>
-          <p:cNvPr id="7" name="灯片编号占位符 6"/>
+          <p:cNvPr id="7" name="Slide Number Placeholder 6"/>
           <p:cNvSpPr>
             <a:spLocks noGrp="1"/>
           </p:cNvSpPr>
@@ -2149,7 +2587,7 @@
     </p:spTree>
     <p:extLst>
       <p:ext uri="{BB962C8B-B14F-4D97-AF65-F5344CB8AC3E}">
-        <p14:creationId xmlns:p14="http://schemas.microsoft.com/office/powerpoint/2010/main" val="874135028"/>
+        <p14:creationId xmlns:p14="http://schemas.microsoft.com/office/powerpoint/2010/main" val="3322373930"/>
       </p:ext>
     </p:extLst>
   </p:cSld>
@@ -2178,7 +2616,7 @@
       </p:grpSpPr>
       <p:sp>
         <p:nvSpPr>
-          <p:cNvPr id="2" name="标题 1"/>
+          <p:cNvPr id="2" name="Title 1"/>
           <p:cNvSpPr>
             <a:spLocks noGrp="1"/>
           </p:cNvSpPr>
@@ -2204,15 +2642,15 @@
               <a:rPr lang="zh-CN" altLang="en-US" smtClean="0"/>
               <a:t>单击此处编辑母版标题样式</a:t>
             </a:r>
-            <a:endParaRPr lang="zh-CN" altLang="en-US"/>
-          </a:p>
-        </p:txBody>
-      </p:sp>
-      <p:sp>
-        <p:nvSpPr>
-          <p:cNvPr id="3" name="图片占位符 2"/>
+            <a:endParaRPr lang="en-US" dirty="0"/>
+          </a:p>
+        </p:txBody>
+      </p:sp>
+      <p:sp>
+        <p:nvSpPr>
+          <p:cNvPr id="3" name="Picture Placeholder 2"/>
           <p:cNvSpPr>
-            <a:spLocks noGrp="1"/>
+            <a:spLocks noGrp="1" noChangeAspect="1"/>
           </p:cNvSpPr>
           <p:nvPr>
             <p:ph type="pic" idx="1"/>
@@ -2225,7 +2663,7 @@
           </a:xfrm>
         </p:spPr>
         <p:txBody>
-          <a:bodyPr/>
+          <a:bodyPr anchor="t"/>
           <a:lstStyle>
             <a:lvl1pPr marL="0" indent="0">
               <a:buNone/>
@@ -2265,13 +2703,17 @@
             </a:lvl9pPr>
           </a:lstStyle>
           <a:p>
-            <a:endParaRPr lang="zh-CN" altLang="en-US"/>
-          </a:p>
-        </p:txBody>
-      </p:sp>
-      <p:sp>
-        <p:nvSpPr>
-          <p:cNvPr id="4" name="文本占位符 3"/>
+            <a:r>
+              <a:rPr lang="zh-CN" altLang="en-US" smtClean="0"/>
+              <a:t>单击图标添加图片</a:t>
+            </a:r>
+            <a:endParaRPr lang="en-US" dirty="0"/>
+          </a:p>
+        </p:txBody>
+      </p:sp>
+      <p:sp>
+        <p:nvSpPr>
+          <p:cNvPr id="4" name="Text Placeholder 3"/>
           <p:cNvSpPr>
             <a:spLocks noGrp="1"/>
           </p:cNvSpPr>
@@ -2336,7 +2778,7 @@
       </p:sp>
       <p:sp>
         <p:nvSpPr>
-          <p:cNvPr id="5" name="日期占位符 4"/>
+          <p:cNvPr id="5" name="Date Placeholder 4"/>
           <p:cNvSpPr>
             <a:spLocks noGrp="1"/>
           </p:cNvSpPr>
@@ -2351,7 +2793,7 @@
           <a:p>
             <a:fld id="{F6E2704E-F757-44E6-8E87-DDFC9CC30867}" type="datetimeFigureOut">
               <a:rPr lang="zh-CN" altLang="en-US" smtClean="0"/>
-              <a:t>2017/12/14</a:t>
+              <a:t>2018/1/12</a:t>
             </a:fld>
             <a:endParaRPr lang="zh-CN" altLang="en-US"/>
           </a:p>
@@ -2359,7 +2801,7 @@
       </p:sp>
       <p:sp>
         <p:nvSpPr>
-          <p:cNvPr id="6" name="页脚占位符 5"/>
+          <p:cNvPr id="6" name="Footer Placeholder 5"/>
           <p:cNvSpPr>
             <a:spLocks noGrp="1"/>
           </p:cNvSpPr>
@@ -2378,7 +2820,7 @@
       </p:sp>
       <p:sp>
         <p:nvSpPr>
-          <p:cNvPr id="7" name="灯片编号占位符 6"/>
+          <p:cNvPr id="7" name="Slide Number Placeholder 6"/>
           <p:cNvSpPr>
             <a:spLocks noGrp="1"/>
           </p:cNvSpPr>
@@ -2402,7 +2844,7 @@
     </p:spTree>
     <p:extLst>
       <p:ext uri="{BB962C8B-B14F-4D97-AF65-F5344CB8AC3E}">
-        <p14:creationId xmlns:p14="http://schemas.microsoft.com/office/powerpoint/2010/main" val="3939032667"/>
+        <p14:creationId xmlns:p14="http://schemas.microsoft.com/office/powerpoint/2010/main" val="2186254808"/>
       </p:ext>
     </p:extLst>
   </p:cSld>
@@ -2436,7 +2878,7 @@
       </p:grpSpPr>
       <p:sp>
         <p:nvSpPr>
-          <p:cNvPr id="2" name="标题占位符 1"/>
+          <p:cNvPr id="2" name="Title Placeholder 1"/>
           <p:cNvSpPr>
             <a:spLocks noGrp="1"/>
           </p:cNvSpPr>
@@ -2463,13 +2905,13 @@
               <a:rPr lang="zh-CN" altLang="en-US" smtClean="0"/>
               <a:t>单击此处编辑母版标题样式</a:t>
             </a:r>
-            <a:endParaRPr lang="zh-CN" altLang="en-US"/>
-          </a:p>
-        </p:txBody>
-      </p:sp>
-      <p:sp>
-        <p:nvSpPr>
-          <p:cNvPr id="3" name="文本占位符 2"/>
+            <a:endParaRPr lang="en-US" dirty="0"/>
+          </a:p>
+        </p:txBody>
+      </p:sp>
+      <p:sp>
+        <p:nvSpPr>
+          <p:cNvPr id="3" name="Text Placeholder 2"/>
           <p:cNvSpPr>
             <a:spLocks noGrp="1"/>
           </p:cNvSpPr>
@@ -2525,13 +2967,13 @@
               <a:rPr lang="zh-CN" altLang="en-US" smtClean="0"/>
               <a:t>第五级</a:t>
             </a:r>
-            <a:endParaRPr lang="zh-CN" altLang="en-US"/>
-          </a:p>
-        </p:txBody>
-      </p:sp>
-      <p:sp>
-        <p:nvSpPr>
-          <p:cNvPr id="4" name="日期占位符 3"/>
+            <a:endParaRPr lang="en-US" dirty="0"/>
+          </a:p>
+        </p:txBody>
+      </p:sp>
+      <p:sp>
+        <p:nvSpPr>
+          <p:cNvPr id="4" name="Date Placeholder 3"/>
           <p:cNvSpPr>
             <a:spLocks noGrp="1"/>
           </p:cNvSpPr>
@@ -2564,7 +3006,7 @@
           <a:p>
             <a:fld id="{F6E2704E-F757-44E6-8E87-DDFC9CC30867}" type="datetimeFigureOut">
               <a:rPr lang="zh-CN" altLang="en-US" smtClean="0"/>
-              <a:t>2017/12/14</a:t>
+              <a:t>2018/1/12</a:t>
             </a:fld>
             <a:endParaRPr lang="zh-CN" altLang="en-US"/>
           </a:p>
@@ -2572,7 +3014,7 @@
       </p:sp>
       <p:sp>
         <p:nvSpPr>
-          <p:cNvPr id="5" name="页脚占位符 4"/>
+          <p:cNvPr id="5" name="Footer Placeholder 4"/>
           <p:cNvSpPr>
             <a:spLocks noGrp="1"/>
           </p:cNvSpPr>
@@ -2609,7 +3051,7 @@
       </p:sp>
       <p:sp>
         <p:nvSpPr>
-          <p:cNvPr id="6" name="灯片编号占位符 5"/>
+          <p:cNvPr id="6" name="Slide Number Placeholder 5"/>
           <p:cNvSpPr>
             <a:spLocks noGrp="1"/>
           </p:cNvSpPr>
@@ -2651,23 +3093,23 @@
     </p:spTree>
     <p:extLst>
       <p:ext uri="{BB962C8B-B14F-4D97-AF65-F5344CB8AC3E}">
-        <p14:creationId xmlns:p14="http://schemas.microsoft.com/office/powerpoint/2010/main" val="3407648491"/>
+        <p14:creationId xmlns:p14="http://schemas.microsoft.com/office/powerpoint/2010/main" val="1976609424"/>
       </p:ext>
     </p:extLst>
   </p:cSld>
   <p:clrMap bg1="lt1" tx1="dk1" bg2="lt2" tx2="dk2" accent1="accent1" accent2="accent2" accent3="accent3" accent4="accent4" accent5="accent5" accent6="accent6" hlink="hlink" folHlink="folHlink"/>
   <p:sldLayoutIdLst>
-    <p:sldLayoutId id="2147483649" r:id="rId1"/>
-    <p:sldLayoutId id="2147483650" r:id="rId2"/>
-    <p:sldLayoutId id="2147483651" r:id="rId3"/>
-    <p:sldLayoutId id="2147483652" r:id="rId4"/>
-    <p:sldLayoutId id="2147483653" r:id="rId5"/>
-    <p:sldLayoutId id="2147483654" r:id="rId6"/>
-    <p:sldLayoutId id="2147483655" r:id="rId7"/>
-    <p:sldLayoutId id="2147483656" r:id="rId8"/>
-    <p:sldLayoutId id="2147483657" r:id="rId9"/>
-    <p:sldLayoutId id="2147483658" r:id="rId10"/>
-    <p:sldLayoutId id="2147483659" r:id="rId11"/>
+    <p:sldLayoutId id="2147483673" r:id="rId1"/>
+    <p:sldLayoutId id="2147483674" r:id="rId2"/>
+    <p:sldLayoutId id="2147483675" r:id="rId3"/>
+    <p:sldLayoutId id="2147483676" r:id="rId4"/>
+    <p:sldLayoutId id="2147483677" r:id="rId5"/>
+    <p:sldLayoutId id="2147483678" r:id="rId6"/>
+    <p:sldLayoutId id="2147483679" r:id="rId7"/>
+    <p:sldLayoutId id="2147483680" r:id="rId8"/>
+    <p:sldLayoutId id="2147483681" r:id="rId9"/>
+    <p:sldLayoutId id="2147483682" r:id="rId10"/>
+    <p:sldLayoutId id="2147483683" r:id="rId11"/>
   </p:sldLayoutIdLst>
   <p:txStyles>
     <p:titleStyle>
@@ -2855,7 +3297,7 @@
     </p:bodyStyle>
     <p:otherStyle>
       <a:defPPr>
-        <a:defRPr lang="zh-CN"/>
+        <a:defRPr lang="en-US"/>
       </a:defPPr>
       <a:lvl1pPr marL="0" algn="l" defTabSz="914400" rtl="0" eaLnBrk="1" latinLnBrk="0" hangingPunct="1">
         <a:defRPr sz="1800" kern="1200">
@@ -2971,441 +3413,6626 @@
       </p:grpSpPr>
       <p:sp>
         <p:nvSpPr>
-          <p:cNvPr id="4" name="矩形 3"/>
+          <p:cNvPr id="365" name="Line 36"/>
+          <p:cNvSpPr>
+            <a:spLocks noChangeShapeType="1"/>
+          </p:cNvSpPr>
+          <p:nvPr/>
+        </p:nvSpPr>
+        <p:spPr bwMode="auto">
+          <a:xfrm>
+            <a:off x="10916731" y="419423"/>
+            <a:ext cx="23203" cy="4886169"/>
+          </a:xfrm>
+          <a:prstGeom prst="line">
+            <a:avLst/>
+          </a:prstGeom>
+          <a:noFill/>
+          <a:ln w="28575">
+            <a:solidFill>
+              <a:schemeClr val="tx1"/>
+            </a:solidFill>
+            <a:prstDash val="lgDash"/>
+            <a:round/>
+            <a:headEnd/>
+            <a:tailEnd/>
+          </a:ln>
+          <a:effectLst/>
+          <a:extLst>
+            <a:ext uri="{909E8E84-426E-40DD-AFC4-6F175D3DCCD1}">
+              <a14:hiddenFill xmlns:a14="http://schemas.microsoft.com/office/drawing/2010/main">
+                <a:noFill/>
+              </a14:hiddenFill>
+            </a:ext>
+            <a:ext uri="{AF507438-7753-43E0-B8FC-AC1667EBCBE1}">
+              <a14:hiddenEffects xmlns:a14="http://schemas.microsoft.com/office/drawing/2010/main">
+                <a:effectLst>
+                  <a:outerShdw dist="35921" dir="2700000" algn="ctr" rotWithShape="0">
+                    <a:schemeClr val="bg2"/>
+                  </a:outerShdw>
+                </a:effectLst>
+              </a14:hiddenEffects>
+            </a:ext>
+          </a:extLst>
+        </p:spPr>
+        <p:txBody>
+          <a:bodyPr wrap="none" anchor="ctr"/>
+          <a:lstStyle/>
+          <a:p>
+            <a:endParaRPr lang="zh-CN" altLang="en-US"/>
+          </a:p>
+        </p:txBody>
+      </p:sp>
+      <p:sp>
+        <p:nvSpPr>
+          <p:cNvPr id="364" name="Line 36"/>
+          <p:cNvSpPr>
+            <a:spLocks noChangeShapeType="1"/>
+          </p:cNvSpPr>
+          <p:nvPr/>
+        </p:nvSpPr>
+        <p:spPr bwMode="auto">
+          <a:xfrm>
+            <a:off x="8368047" y="419423"/>
+            <a:ext cx="23203" cy="4886169"/>
+          </a:xfrm>
+          <a:prstGeom prst="line">
+            <a:avLst/>
+          </a:prstGeom>
+          <a:noFill/>
+          <a:ln w="28575">
+            <a:solidFill>
+              <a:schemeClr val="tx1"/>
+            </a:solidFill>
+            <a:prstDash val="lgDash"/>
+            <a:round/>
+            <a:headEnd/>
+            <a:tailEnd/>
+          </a:ln>
+          <a:effectLst/>
+          <a:extLst>
+            <a:ext uri="{909E8E84-426E-40DD-AFC4-6F175D3DCCD1}">
+              <a14:hiddenFill xmlns:a14="http://schemas.microsoft.com/office/drawing/2010/main">
+                <a:noFill/>
+              </a14:hiddenFill>
+            </a:ext>
+            <a:ext uri="{AF507438-7753-43E0-B8FC-AC1667EBCBE1}">
+              <a14:hiddenEffects xmlns:a14="http://schemas.microsoft.com/office/drawing/2010/main">
+                <a:effectLst>
+                  <a:outerShdw dist="35921" dir="2700000" algn="ctr" rotWithShape="0">
+                    <a:schemeClr val="bg2"/>
+                  </a:outerShdw>
+                </a:effectLst>
+              </a14:hiddenEffects>
+            </a:ext>
+          </a:extLst>
+        </p:spPr>
+        <p:txBody>
+          <a:bodyPr wrap="none" anchor="ctr"/>
+          <a:lstStyle/>
+          <a:p>
+            <a:endParaRPr lang="zh-CN" altLang="en-US"/>
+          </a:p>
+        </p:txBody>
+      </p:sp>
+      <p:sp>
+        <p:nvSpPr>
+          <p:cNvPr id="363" name="Line 36"/>
+          <p:cNvSpPr>
+            <a:spLocks noChangeShapeType="1"/>
+          </p:cNvSpPr>
+          <p:nvPr/>
+        </p:nvSpPr>
+        <p:spPr bwMode="auto">
+          <a:xfrm>
+            <a:off x="6053424" y="399667"/>
+            <a:ext cx="23203" cy="4886169"/>
+          </a:xfrm>
+          <a:prstGeom prst="line">
+            <a:avLst/>
+          </a:prstGeom>
+          <a:noFill/>
+          <a:ln w="28575">
+            <a:solidFill>
+              <a:schemeClr val="tx1"/>
+            </a:solidFill>
+            <a:prstDash val="lgDash"/>
+            <a:round/>
+            <a:headEnd/>
+            <a:tailEnd/>
+          </a:ln>
+          <a:effectLst/>
+          <a:extLst>
+            <a:ext uri="{909E8E84-426E-40DD-AFC4-6F175D3DCCD1}">
+              <a14:hiddenFill xmlns:a14="http://schemas.microsoft.com/office/drawing/2010/main">
+                <a:noFill/>
+              </a14:hiddenFill>
+            </a:ext>
+            <a:ext uri="{AF507438-7753-43E0-B8FC-AC1667EBCBE1}">
+              <a14:hiddenEffects xmlns:a14="http://schemas.microsoft.com/office/drawing/2010/main">
+                <a:effectLst>
+                  <a:outerShdw dist="35921" dir="2700000" algn="ctr" rotWithShape="0">
+                    <a:schemeClr val="bg2"/>
+                  </a:outerShdw>
+                </a:effectLst>
+              </a14:hiddenEffects>
+            </a:ext>
+          </a:extLst>
+        </p:spPr>
+        <p:txBody>
+          <a:bodyPr wrap="none" anchor="ctr"/>
+          <a:lstStyle/>
+          <a:p>
+            <a:endParaRPr lang="zh-CN" altLang="en-US"/>
+          </a:p>
+        </p:txBody>
+      </p:sp>
+      <p:sp>
+        <p:nvSpPr>
+          <p:cNvPr id="360" name="Line 36"/>
+          <p:cNvSpPr>
+            <a:spLocks noChangeShapeType="1"/>
+          </p:cNvSpPr>
+          <p:nvPr/>
+        </p:nvSpPr>
+        <p:spPr bwMode="auto">
+          <a:xfrm>
+            <a:off x="3805671" y="399668"/>
+            <a:ext cx="23203" cy="4886169"/>
+          </a:xfrm>
+          <a:prstGeom prst="line">
+            <a:avLst/>
+          </a:prstGeom>
+          <a:noFill/>
+          <a:ln w="28575">
+            <a:solidFill>
+              <a:schemeClr val="tx1"/>
+            </a:solidFill>
+            <a:prstDash val="lgDash"/>
+            <a:round/>
+            <a:headEnd/>
+            <a:tailEnd/>
+          </a:ln>
+          <a:effectLst/>
+          <a:extLst>
+            <a:ext uri="{909E8E84-426E-40DD-AFC4-6F175D3DCCD1}">
+              <a14:hiddenFill xmlns:a14="http://schemas.microsoft.com/office/drawing/2010/main">
+                <a:noFill/>
+              </a14:hiddenFill>
+            </a:ext>
+            <a:ext uri="{AF507438-7753-43E0-B8FC-AC1667EBCBE1}">
+              <a14:hiddenEffects xmlns:a14="http://schemas.microsoft.com/office/drawing/2010/main">
+                <a:effectLst>
+                  <a:outerShdw dist="35921" dir="2700000" algn="ctr" rotWithShape="0">
+                    <a:schemeClr val="bg2"/>
+                  </a:outerShdw>
+                </a:effectLst>
+              </a14:hiddenEffects>
+            </a:ext>
+          </a:extLst>
+        </p:spPr>
+        <p:txBody>
+          <a:bodyPr wrap="none" anchor="ctr"/>
+          <a:lstStyle/>
+          <a:p>
+            <a:endParaRPr lang="zh-CN" altLang="en-US"/>
+          </a:p>
+        </p:txBody>
+      </p:sp>
+      <p:grpSp>
+        <p:nvGrpSpPr>
+          <p:cNvPr id="66" name="Group 80"/>
+          <p:cNvGrpSpPr>
+            <a:grpSpLocks/>
+          </p:cNvGrpSpPr>
+          <p:nvPr/>
+        </p:nvGrpSpPr>
+        <p:grpSpPr bwMode="auto">
+          <a:xfrm>
+            <a:off x="3667110" y="1972350"/>
+            <a:ext cx="7420955" cy="2779044"/>
+            <a:chOff x="1435" y="1399"/>
+            <a:chExt cx="4597" cy="2301"/>
+          </a:xfrm>
+          <a:solidFill>
+            <a:schemeClr val="accent1">
+              <a:lumMod val="40000"/>
+              <a:lumOff val="60000"/>
+            </a:schemeClr>
+          </a:solidFill>
+        </p:grpSpPr>
+        <p:grpSp>
+          <p:nvGrpSpPr>
+            <p:cNvPr id="67" name="Group 75"/>
+            <p:cNvGrpSpPr>
+              <a:grpSpLocks/>
+            </p:cNvGrpSpPr>
+            <p:nvPr/>
+          </p:nvGrpSpPr>
+          <p:grpSpPr bwMode="auto">
+            <a:xfrm>
+              <a:off x="1435" y="1405"/>
+              <a:ext cx="192" cy="2295"/>
+              <a:chOff x="1290" y="1488"/>
+              <a:chExt cx="192" cy="2295"/>
+            </a:xfrm>
+            <a:grpFill/>
+          </p:grpSpPr>
+          <p:sp>
+            <p:nvSpPr>
+              <p:cNvPr id="77" name="Rectangle 67"/>
+              <p:cNvSpPr>
+                <a:spLocks noChangeArrowheads="1"/>
+              </p:cNvSpPr>
+              <p:nvPr/>
+            </p:nvSpPr>
+            <p:spPr bwMode="auto">
+              <a:xfrm>
+                <a:off x="1290" y="1488"/>
+                <a:ext cx="192" cy="2295"/>
+              </a:xfrm>
+              <a:prstGeom prst="rect">
+                <a:avLst/>
+              </a:prstGeom>
+              <a:grpFill/>
+              <a:ln w="28575">
+                <a:solidFill>
+                  <a:schemeClr val="tx1"/>
+                </a:solidFill>
+                <a:miter lim="800000"/>
+                <a:headEnd/>
+                <a:tailEnd/>
+              </a:ln>
+              <a:effectLst/>
+              <a:extLst>
+                <a:ext uri="{AF507438-7753-43E0-B8FC-AC1667EBCBE1}">
+                  <a14:hiddenEffects xmlns:a14="http://schemas.microsoft.com/office/drawing/2010/main">
+                    <a:effectLst>
+                      <a:outerShdw dist="35921" dir="2700000" algn="ctr" rotWithShape="0">
+                        <a:schemeClr val="bg2"/>
+                      </a:outerShdw>
+                    </a:effectLst>
+                  </a14:hiddenEffects>
+                </a:ext>
+              </a:extLst>
+            </p:spPr>
+            <p:txBody>
+              <a:bodyPr vert="eaVert" wrap="none" anchor="ctr"/>
+              <a:lstStyle>
+                <a:lvl1pPr algn="ctr">
+                  <a:defRPr>
+                    <a:solidFill>
+                      <a:schemeClr val="tx1"/>
+                    </a:solidFill>
+                    <a:latin typeface="Comic Sans MS" panose="030F0702030302020204" pitchFamily="66" charset="0"/>
+                  </a:defRPr>
+                </a:lvl1pPr>
+                <a:lvl2pPr marL="742950" indent="-285750" algn="ctr">
+                  <a:defRPr>
+                    <a:solidFill>
+                      <a:schemeClr val="tx1"/>
+                    </a:solidFill>
+                    <a:latin typeface="Comic Sans MS" panose="030F0702030302020204" pitchFamily="66" charset="0"/>
+                  </a:defRPr>
+                </a:lvl2pPr>
+                <a:lvl3pPr marL="1143000" indent="-228600" algn="ctr">
+                  <a:defRPr>
+                    <a:solidFill>
+                      <a:schemeClr val="tx1"/>
+                    </a:solidFill>
+                    <a:latin typeface="Comic Sans MS" panose="030F0702030302020204" pitchFamily="66" charset="0"/>
+                  </a:defRPr>
+                </a:lvl3pPr>
+                <a:lvl4pPr marL="1600200" indent="-228600" algn="ctr">
+                  <a:defRPr>
+                    <a:solidFill>
+                      <a:schemeClr val="tx1"/>
+                    </a:solidFill>
+                    <a:latin typeface="Comic Sans MS" panose="030F0702030302020204" pitchFamily="66" charset="0"/>
+                  </a:defRPr>
+                </a:lvl4pPr>
+                <a:lvl5pPr marL="2057400" indent="-228600" algn="ctr">
+                  <a:defRPr>
+                    <a:solidFill>
+                      <a:schemeClr val="tx1"/>
+                    </a:solidFill>
+                    <a:latin typeface="Comic Sans MS" panose="030F0702030302020204" pitchFamily="66" charset="0"/>
+                  </a:defRPr>
+                </a:lvl5pPr>
+                <a:lvl6pPr marL="2514600" indent="-228600" algn="ctr" eaLnBrk="0" fontAlgn="base" hangingPunct="0">
+                  <a:spcBef>
+                    <a:spcPct val="0"/>
+                  </a:spcBef>
+                  <a:spcAft>
+                    <a:spcPct val="0"/>
+                  </a:spcAft>
+                  <a:defRPr>
+                    <a:solidFill>
+                      <a:schemeClr val="tx1"/>
+                    </a:solidFill>
+                    <a:latin typeface="Comic Sans MS" panose="030F0702030302020204" pitchFamily="66" charset="0"/>
+                  </a:defRPr>
+                </a:lvl6pPr>
+                <a:lvl7pPr marL="2971800" indent="-228600" algn="ctr" eaLnBrk="0" fontAlgn="base" hangingPunct="0">
+                  <a:spcBef>
+                    <a:spcPct val="0"/>
+                  </a:spcBef>
+                  <a:spcAft>
+                    <a:spcPct val="0"/>
+                  </a:spcAft>
+                  <a:defRPr>
+                    <a:solidFill>
+                      <a:schemeClr val="tx1"/>
+                    </a:solidFill>
+                    <a:latin typeface="Comic Sans MS" panose="030F0702030302020204" pitchFamily="66" charset="0"/>
+                  </a:defRPr>
+                </a:lvl7pPr>
+                <a:lvl8pPr marL="3429000" indent="-228600" algn="ctr" eaLnBrk="0" fontAlgn="base" hangingPunct="0">
+                  <a:spcBef>
+                    <a:spcPct val="0"/>
+                  </a:spcBef>
+                  <a:spcAft>
+                    <a:spcPct val="0"/>
+                  </a:spcAft>
+                  <a:defRPr>
+                    <a:solidFill>
+                      <a:schemeClr val="tx1"/>
+                    </a:solidFill>
+                    <a:latin typeface="Comic Sans MS" panose="030F0702030302020204" pitchFamily="66" charset="0"/>
+                  </a:defRPr>
+                </a:lvl8pPr>
+                <a:lvl9pPr marL="3886200" indent="-228600" algn="ctr" eaLnBrk="0" fontAlgn="base" hangingPunct="0">
+                  <a:spcBef>
+                    <a:spcPct val="0"/>
+                  </a:spcBef>
+                  <a:spcAft>
+                    <a:spcPct val="0"/>
+                  </a:spcAft>
+                  <a:defRPr>
+                    <a:solidFill>
+                      <a:schemeClr val="tx1"/>
+                    </a:solidFill>
+                    <a:latin typeface="Comic Sans MS" panose="030F0702030302020204" pitchFamily="66" charset="0"/>
+                  </a:defRPr>
+                </a:lvl9pPr>
+              </a:lstStyle>
+              <a:p>
+                <a:r>
+                  <a:rPr lang="en-US" altLang="zh-CN" b="1" dirty="0" smtClean="0">
+                    <a:ea typeface="宋体" panose="02010600030101010101" pitchFamily="2" charset="-122"/>
+                  </a:rPr>
+                  <a:t>IF/ID</a:t>
+                </a:r>
+                <a:endParaRPr lang="en-US" altLang="zh-CN" b="1" dirty="0">
+                  <a:ea typeface="宋体" panose="02010600030101010101" pitchFamily="2" charset="-122"/>
+                </a:endParaRPr>
+              </a:p>
+            </p:txBody>
+          </p:sp>
+          <p:sp>
+            <p:nvSpPr>
+              <p:cNvPr id="78" name="AutoShape 68"/>
+              <p:cNvSpPr>
+                <a:spLocks noChangeArrowheads="1"/>
+              </p:cNvSpPr>
+              <p:nvPr/>
+            </p:nvSpPr>
+            <p:spPr bwMode="auto">
+              <a:xfrm>
+                <a:off x="1290" y="3591"/>
+                <a:ext cx="192" cy="192"/>
+              </a:xfrm>
+              <a:prstGeom prst="triangle">
+                <a:avLst>
+                  <a:gd name="adj" fmla="val 50000"/>
+                </a:avLst>
+              </a:prstGeom>
+              <a:grpFill/>
+              <a:ln w="28575">
+                <a:solidFill>
+                  <a:schemeClr val="tx1"/>
+                </a:solidFill>
+                <a:miter lim="800000"/>
+                <a:headEnd/>
+                <a:tailEnd/>
+              </a:ln>
+              <a:effectLst/>
+              <a:extLst>
+                <a:ext uri="{909E8E84-426E-40DD-AFC4-6F175D3DCCD1}">
+                  <a14:hiddenFill xmlns:a14="http://schemas.microsoft.com/office/drawing/2010/main">
+                    <a:solidFill>
+                      <a:schemeClr val="bg1"/>
+                    </a:solidFill>
+                  </a14:hiddenFill>
+                </a:ext>
+                <a:ext uri="{AF507438-7753-43E0-B8FC-AC1667EBCBE1}">
+                  <a14:hiddenEffects xmlns:a14="http://schemas.microsoft.com/office/drawing/2010/main">
+                    <a:effectLst>
+                      <a:outerShdw dist="35921" dir="2700000" algn="ctr" rotWithShape="0">
+                        <a:schemeClr val="bg2"/>
+                      </a:outerShdw>
+                    </a:effectLst>
+                  </a14:hiddenEffects>
+                </a:ext>
+              </a:extLst>
+            </p:spPr>
+            <p:txBody>
+              <a:bodyPr wrap="none" anchor="ctr"/>
+              <a:lstStyle>
+                <a:lvl1pPr algn="ctr">
+                  <a:defRPr>
+                    <a:solidFill>
+                      <a:schemeClr val="tx1"/>
+                    </a:solidFill>
+                    <a:latin typeface="Comic Sans MS" panose="030F0702030302020204" pitchFamily="66" charset="0"/>
+                  </a:defRPr>
+                </a:lvl1pPr>
+                <a:lvl2pPr marL="742950" indent="-285750" algn="ctr">
+                  <a:defRPr>
+                    <a:solidFill>
+                      <a:schemeClr val="tx1"/>
+                    </a:solidFill>
+                    <a:latin typeface="Comic Sans MS" panose="030F0702030302020204" pitchFamily="66" charset="0"/>
+                  </a:defRPr>
+                </a:lvl2pPr>
+                <a:lvl3pPr marL="1143000" indent="-228600" algn="ctr">
+                  <a:defRPr>
+                    <a:solidFill>
+                      <a:schemeClr val="tx1"/>
+                    </a:solidFill>
+                    <a:latin typeface="Comic Sans MS" panose="030F0702030302020204" pitchFamily="66" charset="0"/>
+                  </a:defRPr>
+                </a:lvl3pPr>
+                <a:lvl4pPr marL="1600200" indent="-228600" algn="ctr">
+                  <a:defRPr>
+                    <a:solidFill>
+                      <a:schemeClr val="tx1"/>
+                    </a:solidFill>
+                    <a:latin typeface="Comic Sans MS" panose="030F0702030302020204" pitchFamily="66" charset="0"/>
+                  </a:defRPr>
+                </a:lvl4pPr>
+                <a:lvl5pPr marL="2057400" indent="-228600" algn="ctr">
+                  <a:defRPr>
+                    <a:solidFill>
+                      <a:schemeClr val="tx1"/>
+                    </a:solidFill>
+                    <a:latin typeface="Comic Sans MS" panose="030F0702030302020204" pitchFamily="66" charset="0"/>
+                  </a:defRPr>
+                </a:lvl5pPr>
+                <a:lvl6pPr marL="2514600" indent="-228600" algn="ctr" eaLnBrk="0" fontAlgn="base" hangingPunct="0">
+                  <a:spcBef>
+                    <a:spcPct val="0"/>
+                  </a:spcBef>
+                  <a:spcAft>
+                    <a:spcPct val="0"/>
+                  </a:spcAft>
+                  <a:defRPr>
+                    <a:solidFill>
+                      <a:schemeClr val="tx1"/>
+                    </a:solidFill>
+                    <a:latin typeface="Comic Sans MS" panose="030F0702030302020204" pitchFamily="66" charset="0"/>
+                  </a:defRPr>
+                </a:lvl6pPr>
+                <a:lvl7pPr marL="2971800" indent="-228600" algn="ctr" eaLnBrk="0" fontAlgn="base" hangingPunct="0">
+                  <a:spcBef>
+                    <a:spcPct val="0"/>
+                  </a:spcBef>
+                  <a:spcAft>
+                    <a:spcPct val="0"/>
+                  </a:spcAft>
+                  <a:defRPr>
+                    <a:solidFill>
+                      <a:schemeClr val="tx1"/>
+                    </a:solidFill>
+                    <a:latin typeface="Comic Sans MS" panose="030F0702030302020204" pitchFamily="66" charset="0"/>
+                  </a:defRPr>
+                </a:lvl7pPr>
+                <a:lvl8pPr marL="3429000" indent="-228600" algn="ctr" eaLnBrk="0" fontAlgn="base" hangingPunct="0">
+                  <a:spcBef>
+                    <a:spcPct val="0"/>
+                  </a:spcBef>
+                  <a:spcAft>
+                    <a:spcPct val="0"/>
+                  </a:spcAft>
+                  <a:defRPr>
+                    <a:solidFill>
+                      <a:schemeClr val="tx1"/>
+                    </a:solidFill>
+                    <a:latin typeface="Comic Sans MS" panose="030F0702030302020204" pitchFamily="66" charset="0"/>
+                  </a:defRPr>
+                </a:lvl8pPr>
+                <a:lvl9pPr marL="3886200" indent="-228600" algn="ctr" eaLnBrk="0" fontAlgn="base" hangingPunct="0">
+                  <a:spcBef>
+                    <a:spcPct val="0"/>
+                  </a:spcBef>
+                  <a:spcAft>
+                    <a:spcPct val="0"/>
+                  </a:spcAft>
+                  <a:defRPr>
+                    <a:solidFill>
+                      <a:schemeClr val="tx1"/>
+                    </a:solidFill>
+                    <a:latin typeface="Comic Sans MS" panose="030F0702030302020204" pitchFamily="66" charset="0"/>
+                  </a:defRPr>
+                </a:lvl9pPr>
+              </a:lstStyle>
+              <a:p>
+                <a:endParaRPr lang="zh-CN" altLang="en-US">
+                  <a:ea typeface="宋体" panose="02010600030101010101" pitchFamily="2" charset="-122"/>
+                </a:endParaRPr>
+              </a:p>
+            </p:txBody>
+          </p:sp>
+        </p:grpSp>
+        <p:grpSp>
+          <p:nvGrpSpPr>
+            <p:cNvPr id="68" name="Group 76"/>
+            <p:cNvGrpSpPr>
+              <a:grpSpLocks/>
+            </p:cNvGrpSpPr>
+            <p:nvPr/>
+          </p:nvGrpSpPr>
+          <p:grpSpPr bwMode="auto">
+            <a:xfrm>
+              <a:off x="2827" y="1405"/>
+              <a:ext cx="193" cy="2295"/>
+              <a:chOff x="2735" y="1436"/>
+              <a:chExt cx="193" cy="2295"/>
+            </a:xfrm>
+            <a:grpFill/>
+          </p:grpSpPr>
+          <p:sp>
+            <p:nvSpPr>
+              <p:cNvPr id="75" name="Rectangle 70"/>
+              <p:cNvSpPr>
+                <a:spLocks noChangeArrowheads="1"/>
+              </p:cNvSpPr>
+              <p:nvPr/>
+            </p:nvSpPr>
+            <p:spPr bwMode="auto">
+              <a:xfrm>
+                <a:off x="2736" y="1436"/>
+                <a:ext cx="192" cy="2295"/>
+              </a:xfrm>
+              <a:prstGeom prst="rect">
+                <a:avLst/>
+              </a:prstGeom>
+              <a:grpFill/>
+              <a:ln w="28575">
+                <a:solidFill>
+                  <a:schemeClr val="tx1"/>
+                </a:solidFill>
+                <a:miter lim="800000"/>
+                <a:headEnd/>
+                <a:tailEnd/>
+              </a:ln>
+              <a:effectLst/>
+              <a:extLst>
+                <a:ext uri="{AF507438-7753-43E0-B8FC-AC1667EBCBE1}">
+                  <a14:hiddenEffects xmlns:a14="http://schemas.microsoft.com/office/drawing/2010/main">
+                    <a:effectLst>
+                      <a:outerShdw dist="35921" dir="2700000" algn="ctr" rotWithShape="0">
+                        <a:schemeClr val="bg2"/>
+                      </a:outerShdw>
+                    </a:effectLst>
+                  </a14:hiddenEffects>
+                </a:ext>
+              </a:extLst>
+            </p:spPr>
+            <p:txBody>
+              <a:bodyPr vert="eaVert" wrap="none" anchor="ctr"/>
+              <a:lstStyle>
+                <a:lvl1pPr algn="ctr">
+                  <a:defRPr>
+                    <a:solidFill>
+                      <a:schemeClr val="tx1"/>
+                    </a:solidFill>
+                    <a:latin typeface="Comic Sans MS" panose="030F0702030302020204" pitchFamily="66" charset="0"/>
+                  </a:defRPr>
+                </a:lvl1pPr>
+                <a:lvl2pPr marL="742950" indent="-285750" algn="ctr">
+                  <a:defRPr>
+                    <a:solidFill>
+                      <a:schemeClr val="tx1"/>
+                    </a:solidFill>
+                    <a:latin typeface="Comic Sans MS" panose="030F0702030302020204" pitchFamily="66" charset="0"/>
+                  </a:defRPr>
+                </a:lvl2pPr>
+                <a:lvl3pPr marL="1143000" indent="-228600" algn="ctr">
+                  <a:defRPr>
+                    <a:solidFill>
+                      <a:schemeClr val="tx1"/>
+                    </a:solidFill>
+                    <a:latin typeface="Comic Sans MS" panose="030F0702030302020204" pitchFamily="66" charset="0"/>
+                  </a:defRPr>
+                </a:lvl3pPr>
+                <a:lvl4pPr marL="1600200" indent="-228600" algn="ctr">
+                  <a:defRPr>
+                    <a:solidFill>
+                      <a:schemeClr val="tx1"/>
+                    </a:solidFill>
+                    <a:latin typeface="Comic Sans MS" panose="030F0702030302020204" pitchFamily="66" charset="0"/>
+                  </a:defRPr>
+                </a:lvl4pPr>
+                <a:lvl5pPr marL="2057400" indent="-228600" algn="ctr">
+                  <a:defRPr>
+                    <a:solidFill>
+                      <a:schemeClr val="tx1"/>
+                    </a:solidFill>
+                    <a:latin typeface="Comic Sans MS" panose="030F0702030302020204" pitchFamily="66" charset="0"/>
+                  </a:defRPr>
+                </a:lvl5pPr>
+                <a:lvl6pPr marL="2514600" indent="-228600" algn="ctr" eaLnBrk="0" fontAlgn="base" hangingPunct="0">
+                  <a:spcBef>
+                    <a:spcPct val="0"/>
+                  </a:spcBef>
+                  <a:spcAft>
+                    <a:spcPct val="0"/>
+                  </a:spcAft>
+                  <a:defRPr>
+                    <a:solidFill>
+                      <a:schemeClr val="tx1"/>
+                    </a:solidFill>
+                    <a:latin typeface="Comic Sans MS" panose="030F0702030302020204" pitchFamily="66" charset="0"/>
+                  </a:defRPr>
+                </a:lvl6pPr>
+                <a:lvl7pPr marL="2971800" indent="-228600" algn="ctr" eaLnBrk="0" fontAlgn="base" hangingPunct="0">
+                  <a:spcBef>
+                    <a:spcPct val="0"/>
+                  </a:spcBef>
+                  <a:spcAft>
+                    <a:spcPct val="0"/>
+                  </a:spcAft>
+                  <a:defRPr>
+                    <a:solidFill>
+                      <a:schemeClr val="tx1"/>
+                    </a:solidFill>
+                    <a:latin typeface="Comic Sans MS" panose="030F0702030302020204" pitchFamily="66" charset="0"/>
+                  </a:defRPr>
+                </a:lvl7pPr>
+                <a:lvl8pPr marL="3429000" indent="-228600" algn="ctr" eaLnBrk="0" fontAlgn="base" hangingPunct="0">
+                  <a:spcBef>
+                    <a:spcPct val="0"/>
+                  </a:spcBef>
+                  <a:spcAft>
+                    <a:spcPct val="0"/>
+                  </a:spcAft>
+                  <a:defRPr>
+                    <a:solidFill>
+                      <a:schemeClr val="tx1"/>
+                    </a:solidFill>
+                    <a:latin typeface="Comic Sans MS" panose="030F0702030302020204" pitchFamily="66" charset="0"/>
+                  </a:defRPr>
+                </a:lvl8pPr>
+                <a:lvl9pPr marL="3886200" indent="-228600" algn="ctr" eaLnBrk="0" fontAlgn="base" hangingPunct="0">
+                  <a:spcBef>
+                    <a:spcPct val="0"/>
+                  </a:spcBef>
+                  <a:spcAft>
+                    <a:spcPct val="0"/>
+                  </a:spcAft>
+                  <a:defRPr>
+                    <a:solidFill>
+                      <a:schemeClr val="tx1"/>
+                    </a:solidFill>
+                    <a:latin typeface="Comic Sans MS" panose="030F0702030302020204" pitchFamily="66" charset="0"/>
+                  </a:defRPr>
+                </a:lvl9pPr>
+              </a:lstStyle>
+              <a:p>
+                <a:r>
+                  <a:rPr lang="en-US" altLang="zh-CN" b="1" dirty="0" smtClean="0">
+                    <a:ea typeface="宋体" panose="02010600030101010101" pitchFamily="2" charset="-122"/>
+                  </a:rPr>
+                  <a:t>ID/EX</a:t>
+                </a:r>
+                <a:endParaRPr lang="en-US" altLang="zh-CN" b="1" dirty="0">
+                  <a:ea typeface="宋体" panose="02010600030101010101" pitchFamily="2" charset="-122"/>
+                </a:endParaRPr>
+              </a:p>
+            </p:txBody>
+          </p:sp>
+          <p:sp>
+            <p:nvSpPr>
+              <p:cNvPr id="76" name="AutoShape 71"/>
+              <p:cNvSpPr>
+                <a:spLocks noChangeArrowheads="1"/>
+              </p:cNvSpPr>
+              <p:nvPr/>
+            </p:nvSpPr>
+            <p:spPr bwMode="auto">
+              <a:xfrm>
+                <a:off x="2735" y="3533"/>
+                <a:ext cx="192" cy="192"/>
+              </a:xfrm>
+              <a:prstGeom prst="triangle">
+                <a:avLst>
+                  <a:gd name="adj" fmla="val 50000"/>
+                </a:avLst>
+              </a:prstGeom>
+              <a:grpFill/>
+              <a:ln w="28575">
+                <a:solidFill>
+                  <a:schemeClr val="tx1"/>
+                </a:solidFill>
+                <a:miter lim="800000"/>
+                <a:headEnd/>
+                <a:tailEnd/>
+              </a:ln>
+              <a:effectLst/>
+              <a:extLst>
+                <a:ext uri="{909E8E84-426E-40DD-AFC4-6F175D3DCCD1}">
+                  <a14:hiddenFill xmlns:a14="http://schemas.microsoft.com/office/drawing/2010/main">
+                    <a:solidFill>
+                      <a:schemeClr val="bg1"/>
+                    </a:solidFill>
+                  </a14:hiddenFill>
+                </a:ext>
+                <a:ext uri="{AF507438-7753-43E0-B8FC-AC1667EBCBE1}">
+                  <a14:hiddenEffects xmlns:a14="http://schemas.microsoft.com/office/drawing/2010/main">
+                    <a:effectLst>
+                      <a:outerShdw dist="35921" dir="2700000" algn="ctr" rotWithShape="0">
+                        <a:schemeClr val="bg2"/>
+                      </a:outerShdw>
+                    </a:effectLst>
+                  </a14:hiddenEffects>
+                </a:ext>
+              </a:extLst>
+            </p:spPr>
+            <p:txBody>
+              <a:bodyPr wrap="none" anchor="ctr"/>
+              <a:lstStyle>
+                <a:lvl1pPr algn="ctr">
+                  <a:defRPr>
+                    <a:solidFill>
+                      <a:schemeClr val="tx1"/>
+                    </a:solidFill>
+                    <a:latin typeface="Comic Sans MS" panose="030F0702030302020204" pitchFamily="66" charset="0"/>
+                  </a:defRPr>
+                </a:lvl1pPr>
+                <a:lvl2pPr marL="742950" indent="-285750" algn="ctr">
+                  <a:defRPr>
+                    <a:solidFill>
+                      <a:schemeClr val="tx1"/>
+                    </a:solidFill>
+                    <a:latin typeface="Comic Sans MS" panose="030F0702030302020204" pitchFamily="66" charset="0"/>
+                  </a:defRPr>
+                </a:lvl2pPr>
+                <a:lvl3pPr marL="1143000" indent="-228600" algn="ctr">
+                  <a:defRPr>
+                    <a:solidFill>
+                      <a:schemeClr val="tx1"/>
+                    </a:solidFill>
+                    <a:latin typeface="Comic Sans MS" panose="030F0702030302020204" pitchFamily="66" charset="0"/>
+                  </a:defRPr>
+                </a:lvl3pPr>
+                <a:lvl4pPr marL="1600200" indent="-228600" algn="ctr">
+                  <a:defRPr>
+                    <a:solidFill>
+                      <a:schemeClr val="tx1"/>
+                    </a:solidFill>
+                    <a:latin typeface="Comic Sans MS" panose="030F0702030302020204" pitchFamily="66" charset="0"/>
+                  </a:defRPr>
+                </a:lvl4pPr>
+                <a:lvl5pPr marL="2057400" indent="-228600" algn="ctr">
+                  <a:defRPr>
+                    <a:solidFill>
+                      <a:schemeClr val="tx1"/>
+                    </a:solidFill>
+                    <a:latin typeface="Comic Sans MS" panose="030F0702030302020204" pitchFamily="66" charset="0"/>
+                  </a:defRPr>
+                </a:lvl5pPr>
+                <a:lvl6pPr marL="2514600" indent="-228600" algn="ctr" eaLnBrk="0" fontAlgn="base" hangingPunct="0">
+                  <a:spcBef>
+                    <a:spcPct val="0"/>
+                  </a:spcBef>
+                  <a:spcAft>
+                    <a:spcPct val="0"/>
+                  </a:spcAft>
+                  <a:defRPr>
+                    <a:solidFill>
+                      <a:schemeClr val="tx1"/>
+                    </a:solidFill>
+                    <a:latin typeface="Comic Sans MS" panose="030F0702030302020204" pitchFamily="66" charset="0"/>
+                  </a:defRPr>
+                </a:lvl6pPr>
+                <a:lvl7pPr marL="2971800" indent="-228600" algn="ctr" eaLnBrk="0" fontAlgn="base" hangingPunct="0">
+                  <a:spcBef>
+                    <a:spcPct val="0"/>
+                  </a:spcBef>
+                  <a:spcAft>
+                    <a:spcPct val="0"/>
+                  </a:spcAft>
+                  <a:defRPr>
+                    <a:solidFill>
+                      <a:schemeClr val="tx1"/>
+                    </a:solidFill>
+                    <a:latin typeface="Comic Sans MS" panose="030F0702030302020204" pitchFamily="66" charset="0"/>
+                  </a:defRPr>
+                </a:lvl7pPr>
+                <a:lvl8pPr marL="3429000" indent="-228600" algn="ctr" eaLnBrk="0" fontAlgn="base" hangingPunct="0">
+                  <a:spcBef>
+                    <a:spcPct val="0"/>
+                  </a:spcBef>
+                  <a:spcAft>
+                    <a:spcPct val="0"/>
+                  </a:spcAft>
+                  <a:defRPr>
+                    <a:solidFill>
+                      <a:schemeClr val="tx1"/>
+                    </a:solidFill>
+                    <a:latin typeface="Comic Sans MS" panose="030F0702030302020204" pitchFamily="66" charset="0"/>
+                  </a:defRPr>
+                </a:lvl8pPr>
+                <a:lvl9pPr marL="3886200" indent="-228600" algn="ctr" eaLnBrk="0" fontAlgn="base" hangingPunct="0">
+                  <a:spcBef>
+                    <a:spcPct val="0"/>
+                  </a:spcBef>
+                  <a:spcAft>
+                    <a:spcPct val="0"/>
+                  </a:spcAft>
+                  <a:defRPr>
+                    <a:solidFill>
+                      <a:schemeClr val="tx1"/>
+                    </a:solidFill>
+                    <a:latin typeface="Comic Sans MS" panose="030F0702030302020204" pitchFamily="66" charset="0"/>
+                  </a:defRPr>
+                </a:lvl9pPr>
+              </a:lstStyle>
+              <a:p>
+                <a:endParaRPr lang="zh-CN" altLang="en-US">
+                  <a:ea typeface="宋体" panose="02010600030101010101" pitchFamily="2" charset="-122"/>
+                </a:endParaRPr>
+              </a:p>
+            </p:txBody>
+          </p:sp>
+        </p:grpSp>
+        <p:grpSp>
+          <p:nvGrpSpPr>
+            <p:cNvPr id="69" name="Group 79"/>
+            <p:cNvGrpSpPr>
+              <a:grpSpLocks/>
+            </p:cNvGrpSpPr>
+            <p:nvPr/>
+          </p:nvGrpSpPr>
+          <p:grpSpPr bwMode="auto">
+            <a:xfrm>
+              <a:off x="5840" y="1405"/>
+              <a:ext cx="192" cy="2295"/>
+              <a:chOff x="5916" y="1431"/>
+              <a:chExt cx="192" cy="2295"/>
+            </a:xfrm>
+            <a:grpFill/>
+          </p:grpSpPr>
+          <p:sp>
+            <p:nvSpPr>
+              <p:cNvPr id="73" name="Rectangle 73"/>
+              <p:cNvSpPr>
+                <a:spLocks noChangeArrowheads="1"/>
+              </p:cNvSpPr>
+              <p:nvPr/>
+            </p:nvSpPr>
+            <p:spPr bwMode="auto">
+              <a:xfrm>
+                <a:off x="5916" y="1431"/>
+                <a:ext cx="192" cy="2295"/>
+              </a:xfrm>
+              <a:prstGeom prst="rect">
+                <a:avLst/>
+              </a:prstGeom>
+              <a:grpFill/>
+              <a:ln w="28575">
+                <a:solidFill>
+                  <a:schemeClr val="tx1"/>
+                </a:solidFill>
+                <a:miter lim="800000"/>
+                <a:headEnd/>
+                <a:tailEnd/>
+              </a:ln>
+              <a:effectLst/>
+              <a:extLst>
+                <a:ext uri="{AF507438-7753-43E0-B8FC-AC1667EBCBE1}">
+                  <a14:hiddenEffects xmlns:a14="http://schemas.microsoft.com/office/drawing/2010/main">
+                    <a:effectLst>
+                      <a:outerShdw dist="35921" dir="2700000" algn="ctr" rotWithShape="0">
+                        <a:schemeClr val="bg2"/>
+                      </a:outerShdw>
+                    </a:effectLst>
+                  </a14:hiddenEffects>
+                </a:ext>
+              </a:extLst>
+            </p:spPr>
+            <p:txBody>
+              <a:bodyPr vert="eaVert" wrap="none" anchor="ctr"/>
+              <a:lstStyle>
+                <a:lvl1pPr algn="ctr">
+                  <a:defRPr>
+                    <a:solidFill>
+                      <a:schemeClr val="tx1"/>
+                    </a:solidFill>
+                    <a:latin typeface="Comic Sans MS" panose="030F0702030302020204" pitchFamily="66" charset="0"/>
+                  </a:defRPr>
+                </a:lvl1pPr>
+                <a:lvl2pPr marL="742950" indent="-285750" algn="ctr">
+                  <a:defRPr>
+                    <a:solidFill>
+                      <a:schemeClr val="tx1"/>
+                    </a:solidFill>
+                    <a:latin typeface="Comic Sans MS" panose="030F0702030302020204" pitchFamily="66" charset="0"/>
+                  </a:defRPr>
+                </a:lvl2pPr>
+                <a:lvl3pPr marL="1143000" indent="-228600" algn="ctr">
+                  <a:defRPr>
+                    <a:solidFill>
+                      <a:schemeClr val="tx1"/>
+                    </a:solidFill>
+                    <a:latin typeface="Comic Sans MS" panose="030F0702030302020204" pitchFamily="66" charset="0"/>
+                  </a:defRPr>
+                </a:lvl3pPr>
+                <a:lvl4pPr marL="1600200" indent="-228600" algn="ctr">
+                  <a:defRPr>
+                    <a:solidFill>
+                      <a:schemeClr val="tx1"/>
+                    </a:solidFill>
+                    <a:latin typeface="Comic Sans MS" panose="030F0702030302020204" pitchFamily="66" charset="0"/>
+                  </a:defRPr>
+                </a:lvl4pPr>
+                <a:lvl5pPr marL="2057400" indent="-228600" algn="ctr">
+                  <a:defRPr>
+                    <a:solidFill>
+                      <a:schemeClr val="tx1"/>
+                    </a:solidFill>
+                    <a:latin typeface="Comic Sans MS" panose="030F0702030302020204" pitchFamily="66" charset="0"/>
+                  </a:defRPr>
+                </a:lvl5pPr>
+                <a:lvl6pPr marL="2514600" indent="-228600" algn="ctr" eaLnBrk="0" fontAlgn="base" hangingPunct="0">
+                  <a:spcBef>
+                    <a:spcPct val="0"/>
+                  </a:spcBef>
+                  <a:spcAft>
+                    <a:spcPct val="0"/>
+                  </a:spcAft>
+                  <a:defRPr>
+                    <a:solidFill>
+                      <a:schemeClr val="tx1"/>
+                    </a:solidFill>
+                    <a:latin typeface="Comic Sans MS" panose="030F0702030302020204" pitchFamily="66" charset="0"/>
+                  </a:defRPr>
+                </a:lvl6pPr>
+                <a:lvl7pPr marL="2971800" indent="-228600" algn="ctr" eaLnBrk="0" fontAlgn="base" hangingPunct="0">
+                  <a:spcBef>
+                    <a:spcPct val="0"/>
+                  </a:spcBef>
+                  <a:spcAft>
+                    <a:spcPct val="0"/>
+                  </a:spcAft>
+                  <a:defRPr>
+                    <a:solidFill>
+                      <a:schemeClr val="tx1"/>
+                    </a:solidFill>
+                    <a:latin typeface="Comic Sans MS" panose="030F0702030302020204" pitchFamily="66" charset="0"/>
+                  </a:defRPr>
+                </a:lvl7pPr>
+                <a:lvl8pPr marL="3429000" indent="-228600" algn="ctr" eaLnBrk="0" fontAlgn="base" hangingPunct="0">
+                  <a:spcBef>
+                    <a:spcPct val="0"/>
+                  </a:spcBef>
+                  <a:spcAft>
+                    <a:spcPct val="0"/>
+                  </a:spcAft>
+                  <a:defRPr>
+                    <a:solidFill>
+                      <a:schemeClr val="tx1"/>
+                    </a:solidFill>
+                    <a:latin typeface="Comic Sans MS" panose="030F0702030302020204" pitchFamily="66" charset="0"/>
+                  </a:defRPr>
+                </a:lvl8pPr>
+                <a:lvl9pPr marL="3886200" indent="-228600" algn="ctr" eaLnBrk="0" fontAlgn="base" hangingPunct="0">
+                  <a:spcBef>
+                    <a:spcPct val="0"/>
+                  </a:spcBef>
+                  <a:spcAft>
+                    <a:spcPct val="0"/>
+                  </a:spcAft>
+                  <a:defRPr>
+                    <a:solidFill>
+                      <a:schemeClr val="tx1"/>
+                    </a:solidFill>
+                    <a:latin typeface="Comic Sans MS" panose="030F0702030302020204" pitchFamily="66" charset="0"/>
+                  </a:defRPr>
+                </a:lvl9pPr>
+              </a:lstStyle>
+              <a:p>
+                <a:r>
+                  <a:rPr lang="en-US" altLang="zh-CN" b="1">
+                    <a:ea typeface="宋体" panose="02010600030101010101" pitchFamily="2" charset="-122"/>
+                  </a:rPr>
+                  <a:t>MEM/WB</a:t>
+                </a:r>
+              </a:p>
+            </p:txBody>
+          </p:sp>
+          <p:sp>
+            <p:nvSpPr>
+              <p:cNvPr id="74" name="AutoShape 74"/>
+              <p:cNvSpPr>
+                <a:spLocks noChangeArrowheads="1"/>
+              </p:cNvSpPr>
+              <p:nvPr/>
+            </p:nvSpPr>
+            <p:spPr bwMode="auto">
+              <a:xfrm>
+                <a:off x="5916" y="3534"/>
+                <a:ext cx="192" cy="192"/>
+              </a:xfrm>
+              <a:prstGeom prst="triangle">
+                <a:avLst>
+                  <a:gd name="adj" fmla="val 50000"/>
+                </a:avLst>
+              </a:prstGeom>
+              <a:grpFill/>
+              <a:ln w="28575">
+                <a:solidFill>
+                  <a:schemeClr val="tx1"/>
+                </a:solidFill>
+                <a:miter lim="800000"/>
+                <a:headEnd/>
+                <a:tailEnd/>
+              </a:ln>
+              <a:effectLst/>
+              <a:extLst>
+                <a:ext uri="{909E8E84-426E-40DD-AFC4-6F175D3DCCD1}">
+                  <a14:hiddenFill xmlns:a14="http://schemas.microsoft.com/office/drawing/2010/main">
+                    <a:solidFill>
+                      <a:schemeClr val="bg1"/>
+                    </a:solidFill>
+                  </a14:hiddenFill>
+                </a:ext>
+                <a:ext uri="{AF507438-7753-43E0-B8FC-AC1667EBCBE1}">
+                  <a14:hiddenEffects xmlns:a14="http://schemas.microsoft.com/office/drawing/2010/main">
+                    <a:effectLst>
+                      <a:outerShdw dist="35921" dir="2700000" algn="ctr" rotWithShape="0">
+                        <a:schemeClr val="bg2"/>
+                      </a:outerShdw>
+                    </a:effectLst>
+                  </a14:hiddenEffects>
+                </a:ext>
+              </a:extLst>
+            </p:spPr>
+            <p:txBody>
+              <a:bodyPr wrap="none" anchor="ctr"/>
+              <a:lstStyle>
+                <a:lvl1pPr algn="ctr">
+                  <a:defRPr>
+                    <a:solidFill>
+                      <a:schemeClr val="tx1"/>
+                    </a:solidFill>
+                    <a:latin typeface="Comic Sans MS" panose="030F0702030302020204" pitchFamily="66" charset="0"/>
+                  </a:defRPr>
+                </a:lvl1pPr>
+                <a:lvl2pPr marL="742950" indent="-285750" algn="ctr">
+                  <a:defRPr>
+                    <a:solidFill>
+                      <a:schemeClr val="tx1"/>
+                    </a:solidFill>
+                    <a:latin typeface="Comic Sans MS" panose="030F0702030302020204" pitchFamily="66" charset="0"/>
+                  </a:defRPr>
+                </a:lvl2pPr>
+                <a:lvl3pPr marL="1143000" indent="-228600" algn="ctr">
+                  <a:defRPr>
+                    <a:solidFill>
+                      <a:schemeClr val="tx1"/>
+                    </a:solidFill>
+                    <a:latin typeface="Comic Sans MS" panose="030F0702030302020204" pitchFamily="66" charset="0"/>
+                  </a:defRPr>
+                </a:lvl3pPr>
+                <a:lvl4pPr marL="1600200" indent="-228600" algn="ctr">
+                  <a:defRPr>
+                    <a:solidFill>
+                      <a:schemeClr val="tx1"/>
+                    </a:solidFill>
+                    <a:latin typeface="Comic Sans MS" panose="030F0702030302020204" pitchFamily="66" charset="0"/>
+                  </a:defRPr>
+                </a:lvl4pPr>
+                <a:lvl5pPr marL="2057400" indent="-228600" algn="ctr">
+                  <a:defRPr>
+                    <a:solidFill>
+                      <a:schemeClr val="tx1"/>
+                    </a:solidFill>
+                    <a:latin typeface="Comic Sans MS" panose="030F0702030302020204" pitchFamily="66" charset="0"/>
+                  </a:defRPr>
+                </a:lvl5pPr>
+                <a:lvl6pPr marL="2514600" indent="-228600" algn="ctr" eaLnBrk="0" fontAlgn="base" hangingPunct="0">
+                  <a:spcBef>
+                    <a:spcPct val="0"/>
+                  </a:spcBef>
+                  <a:spcAft>
+                    <a:spcPct val="0"/>
+                  </a:spcAft>
+                  <a:defRPr>
+                    <a:solidFill>
+                      <a:schemeClr val="tx1"/>
+                    </a:solidFill>
+                    <a:latin typeface="Comic Sans MS" panose="030F0702030302020204" pitchFamily="66" charset="0"/>
+                  </a:defRPr>
+                </a:lvl6pPr>
+                <a:lvl7pPr marL="2971800" indent="-228600" algn="ctr" eaLnBrk="0" fontAlgn="base" hangingPunct="0">
+                  <a:spcBef>
+                    <a:spcPct val="0"/>
+                  </a:spcBef>
+                  <a:spcAft>
+                    <a:spcPct val="0"/>
+                  </a:spcAft>
+                  <a:defRPr>
+                    <a:solidFill>
+                      <a:schemeClr val="tx1"/>
+                    </a:solidFill>
+                    <a:latin typeface="Comic Sans MS" panose="030F0702030302020204" pitchFamily="66" charset="0"/>
+                  </a:defRPr>
+                </a:lvl7pPr>
+                <a:lvl8pPr marL="3429000" indent="-228600" algn="ctr" eaLnBrk="0" fontAlgn="base" hangingPunct="0">
+                  <a:spcBef>
+                    <a:spcPct val="0"/>
+                  </a:spcBef>
+                  <a:spcAft>
+                    <a:spcPct val="0"/>
+                  </a:spcAft>
+                  <a:defRPr>
+                    <a:solidFill>
+                      <a:schemeClr val="tx1"/>
+                    </a:solidFill>
+                    <a:latin typeface="Comic Sans MS" panose="030F0702030302020204" pitchFamily="66" charset="0"/>
+                  </a:defRPr>
+                </a:lvl8pPr>
+                <a:lvl9pPr marL="3886200" indent="-228600" algn="ctr" eaLnBrk="0" fontAlgn="base" hangingPunct="0">
+                  <a:spcBef>
+                    <a:spcPct val="0"/>
+                  </a:spcBef>
+                  <a:spcAft>
+                    <a:spcPct val="0"/>
+                  </a:spcAft>
+                  <a:defRPr>
+                    <a:solidFill>
+                      <a:schemeClr val="tx1"/>
+                    </a:solidFill>
+                    <a:latin typeface="Comic Sans MS" panose="030F0702030302020204" pitchFamily="66" charset="0"/>
+                  </a:defRPr>
+                </a:lvl9pPr>
+              </a:lstStyle>
+              <a:p>
+                <a:endParaRPr lang="zh-CN" altLang="en-US">
+                  <a:ea typeface="宋体" panose="02010600030101010101" pitchFamily="2" charset="-122"/>
+                </a:endParaRPr>
+              </a:p>
+            </p:txBody>
+          </p:sp>
+        </p:grpSp>
+        <p:grpSp>
+          <p:nvGrpSpPr>
+            <p:cNvPr id="70" name="Group 77"/>
+            <p:cNvGrpSpPr>
+              <a:grpSpLocks/>
+            </p:cNvGrpSpPr>
+            <p:nvPr/>
+          </p:nvGrpSpPr>
+          <p:grpSpPr bwMode="auto">
+            <a:xfrm>
+              <a:off x="4254" y="1399"/>
+              <a:ext cx="193" cy="2301"/>
+              <a:chOff x="4208" y="1441"/>
+              <a:chExt cx="193" cy="2301"/>
+            </a:xfrm>
+            <a:grpFill/>
+          </p:grpSpPr>
+          <p:sp>
+            <p:nvSpPr>
+              <p:cNvPr id="71" name="Rectangle 64"/>
+              <p:cNvSpPr>
+                <a:spLocks noChangeArrowheads="1"/>
+              </p:cNvSpPr>
+              <p:nvPr/>
+            </p:nvSpPr>
+            <p:spPr bwMode="auto">
+              <a:xfrm>
+                <a:off x="4209" y="1441"/>
+                <a:ext cx="192" cy="2295"/>
+              </a:xfrm>
+              <a:prstGeom prst="rect">
+                <a:avLst/>
+              </a:prstGeom>
+              <a:grpFill/>
+              <a:ln w="28575">
+                <a:solidFill>
+                  <a:schemeClr val="tx1"/>
+                </a:solidFill>
+                <a:miter lim="800000"/>
+                <a:headEnd/>
+                <a:tailEnd/>
+              </a:ln>
+              <a:effectLst/>
+              <a:extLst>
+                <a:ext uri="{AF507438-7753-43E0-B8FC-AC1667EBCBE1}">
+                  <a14:hiddenEffects xmlns:a14="http://schemas.microsoft.com/office/drawing/2010/main">
+                    <a:effectLst>
+                      <a:outerShdw dist="35921" dir="2700000" algn="ctr" rotWithShape="0">
+                        <a:schemeClr val="bg2"/>
+                      </a:outerShdw>
+                    </a:effectLst>
+                  </a14:hiddenEffects>
+                </a:ext>
+              </a:extLst>
+            </p:spPr>
+            <p:txBody>
+              <a:bodyPr vert="eaVert" wrap="none" anchor="ctr"/>
+              <a:lstStyle>
+                <a:lvl1pPr algn="ctr">
+                  <a:defRPr>
+                    <a:solidFill>
+                      <a:schemeClr val="tx1"/>
+                    </a:solidFill>
+                    <a:latin typeface="Comic Sans MS" panose="030F0702030302020204" pitchFamily="66" charset="0"/>
+                  </a:defRPr>
+                </a:lvl1pPr>
+                <a:lvl2pPr marL="742950" indent="-285750" algn="ctr">
+                  <a:defRPr>
+                    <a:solidFill>
+                      <a:schemeClr val="tx1"/>
+                    </a:solidFill>
+                    <a:latin typeface="Comic Sans MS" panose="030F0702030302020204" pitchFamily="66" charset="0"/>
+                  </a:defRPr>
+                </a:lvl2pPr>
+                <a:lvl3pPr marL="1143000" indent="-228600" algn="ctr">
+                  <a:defRPr>
+                    <a:solidFill>
+                      <a:schemeClr val="tx1"/>
+                    </a:solidFill>
+                    <a:latin typeface="Comic Sans MS" panose="030F0702030302020204" pitchFamily="66" charset="0"/>
+                  </a:defRPr>
+                </a:lvl3pPr>
+                <a:lvl4pPr marL="1600200" indent="-228600" algn="ctr">
+                  <a:defRPr>
+                    <a:solidFill>
+                      <a:schemeClr val="tx1"/>
+                    </a:solidFill>
+                    <a:latin typeface="Comic Sans MS" panose="030F0702030302020204" pitchFamily="66" charset="0"/>
+                  </a:defRPr>
+                </a:lvl4pPr>
+                <a:lvl5pPr marL="2057400" indent="-228600" algn="ctr">
+                  <a:defRPr>
+                    <a:solidFill>
+                      <a:schemeClr val="tx1"/>
+                    </a:solidFill>
+                    <a:latin typeface="Comic Sans MS" panose="030F0702030302020204" pitchFamily="66" charset="0"/>
+                  </a:defRPr>
+                </a:lvl5pPr>
+                <a:lvl6pPr marL="2514600" indent="-228600" algn="ctr" eaLnBrk="0" fontAlgn="base" hangingPunct="0">
+                  <a:spcBef>
+                    <a:spcPct val="0"/>
+                  </a:spcBef>
+                  <a:spcAft>
+                    <a:spcPct val="0"/>
+                  </a:spcAft>
+                  <a:defRPr>
+                    <a:solidFill>
+                      <a:schemeClr val="tx1"/>
+                    </a:solidFill>
+                    <a:latin typeface="Comic Sans MS" panose="030F0702030302020204" pitchFamily="66" charset="0"/>
+                  </a:defRPr>
+                </a:lvl6pPr>
+                <a:lvl7pPr marL="2971800" indent="-228600" algn="ctr" eaLnBrk="0" fontAlgn="base" hangingPunct="0">
+                  <a:spcBef>
+                    <a:spcPct val="0"/>
+                  </a:spcBef>
+                  <a:spcAft>
+                    <a:spcPct val="0"/>
+                  </a:spcAft>
+                  <a:defRPr>
+                    <a:solidFill>
+                      <a:schemeClr val="tx1"/>
+                    </a:solidFill>
+                    <a:latin typeface="Comic Sans MS" panose="030F0702030302020204" pitchFamily="66" charset="0"/>
+                  </a:defRPr>
+                </a:lvl7pPr>
+                <a:lvl8pPr marL="3429000" indent="-228600" algn="ctr" eaLnBrk="0" fontAlgn="base" hangingPunct="0">
+                  <a:spcBef>
+                    <a:spcPct val="0"/>
+                  </a:spcBef>
+                  <a:spcAft>
+                    <a:spcPct val="0"/>
+                  </a:spcAft>
+                  <a:defRPr>
+                    <a:solidFill>
+                      <a:schemeClr val="tx1"/>
+                    </a:solidFill>
+                    <a:latin typeface="Comic Sans MS" panose="030F0702030302020204" pitchFamily="66" charset="0"/>
+                  </a:defRPr>
+                </a:lvl8pPr>
+                <a:lvl9pPr marL="3886200" indent="-228600" algn="ctr" eaLnBrk="0" fontAlgn="base" hangingPunct="0">
+                  <a:spcBef>
+                    <a:spcPct val="0"/>
+                  </a:spcBef>
+                  <a:spcAft>
+                    <a:spcPct val="0"/>
+                  </a:spcAft>
+                  <a:defRPr>
+                    <a:solidFill>
+                      <a:schemeClr val="tx1"/>
+                    </a:solidFill>
+                    <a:latin typeface="Comic Sans MS" panose="030F0702030302020204" pitchFamily="66" charset="0"/>
+                  </a:defRPr>
+                </a:lvl9pPr>
+              </a:lstStyle>
+              <a:p>
+                <a:r>
+                  <a:rPr lang="en-US" altLang="zh-CN" b="1" dirty="0">
+                    <a:ea typeface="宋体" panose="02010600030101010101" pitchFamily="2" charset="-122"/>
+                  </a:rPr>
+                  <a:t>EX/MEM</a:t>
+                </a:r>
+              </a:p>
+            </p:txBody>
+          </p:sp>
+          <p:sp>
+            <p:nvSpPr>
+              <p:cNvPr id="72" name="AutoShape 65"/>
+              <p:cNvSpPr>
+                <a:spLocks noChangeArrowheads="1"/>
+              </p:cNvSpPr>
+              <p:nvPr/>
+            </p:nvSpPr>
+            <p:spPr bwMode="auto">
+              <a:xfrm>
+                <a:off x="4208" y="3550"/>
+                <a:ext cx="192" cy="192"/>
+              </a:xfrm>
+              <a:prstGeom prst="triangle">
+                <a:avLst>
+                  <a:gd name="adj" fmla="val 50000"/>
+                </a:avLst>
+              </a:prstGeom>
+              <a:grpFill/>
+              <a:ln w="28575">
+                <a:solidFill>
+                  <a:schemeClr val="tx1"/>
+                </a:solidFill>
+                <a:miter lim="800000"/>
+                <a:headEnd/>
+                <a:tailEnd/>
+              </a:ln>
+              <a:effectLst/>
+              <a:extLst>
+                <a:ext uri="{909E8E84-426E-40DD-AFC4-6F175D3DCCD1}">
+                  <a14:hiddenFill xmlns:a14="http://schemas.microsoft.com/office/drawing/2010/main">
+                    <a:solidFill>
+                      <a:schemeClr val="bg1"/>
+                    </a:solidFill>
+                  </a14:hiddenFill>
+                </a:ext>
+                <a:ext uri="{AF507438-7753-43E0-B8FC-AC1667EBCBE1}">
+                  <a14:hiddenEffects xmlns:a14="http://schemas.microsoft.com/office/drawing/2010/main">
+                    <a:effectLst>
+                      <a:outerShdw dist="35921" dir="2700000" algn="ctr" rotWithShape="0">
+                        <a:schemeClr val="bg2"/>
+                      </a:outerShdw>
+                    </a:effectLst>
+                  </a14:hiddenEffects>
+                </a:ext>
+              </a:extLst>
+            </p:spPr>
+            <p:txBody>
+              <a:bodyPr wrap="none" anchor="ctr"/>
+              <a:lstStyle>
+                <a:lvl1pPr algn="ctr">
+                  <a:defRPr>
+                    <a:solidFill>
+                      <a:schemeClr val="tx1"/>
+                    </a:solidFill>
+                    <a:latin typeface="Comic Sans MS" panose="030F0702030302020204" pitchFamily="66" charset="0"/>
+                  </a:defRPr>
+                </a:lvl1pPr>
+                <a:lvl2pPr marL="742950" indent="-285750" algn="ctr">
+                  <a:defRPr>
+                    <a:solidFill>
+                      <a:schemeClr val="tx1"/>
+                    </a:solidFill>
+                    <a:latin typeface="Comic Sans MS" panose="030F0702030302020204" pitchFamily="66" charset="0"/>
+                  </a:defRPr>
+                </a:lvl2pPr>
+                <a:lvl3pPr marL="1143000" indent="-228600" algn="ctr">
+                  <a:defRPr>
+                    <a:solidFill>
+                      <a:schemeClr val="tx1"/>
+                    </a:solidFill>
+                    <a:latin typeface="Comic Sans MS" panose="030F0702030302020204" pitchFamily="66" charset="0"/>
+                  </a:defRPr>
+                </a:lvl3pPr>
+                <a:lvl4pPr marL="1600200" indent="-228600" algn="ctr">
+                  <a:defRPr>
+                    <a:solidFill>
+                      <a:schemeClr val="tx1"/>
+                    </a:solidFill>
+                    <a:latin typeface="Comic Sans MS" panose="030F0702030302020204" pitchFamily="66" charset="0"/>
+                  </a:defRPr>
+                </a:lvl4pPr>
+                <a:lvl5pPr marL="2057400" indent="-228600" algn="ctr">
+                  <a:defRPr>
+                    <a:solidFill>
+                      <a:schemeClr val="tx1"/>
+                    </a:solidFill>
+                    <a:latin typeface="Comic Sans MS" panose="030F0702030302020204" pitchFamily="66" charset="0"/>
+                  </a:defRPr>
+                </a:lvl5pPr>
+                <a:lvl6pPr marL="2514600" indent="-228600" algn="ctr" eaLnBrk="0" fontAlgn="base" hangingPunct="0">
+                  <a:spcBef>
+                    <a:spcPct val="0"/>
+                  </a:spcBef>
+                  <a:spcAft>
+                    <a:spcPct val="0"/>
+                  </a:spcAft>
+                  <a:defRPr>
+                    <a:solidFill>
+                      <a:schemeClr val="tx1"/>
+                    </a:solidFill>
+                    <a:latin typeface="Comic Sans MS" panose="030F0702030302020204" pitchFamily="66" charset="0"/>
+                  </a:defRPr>
+                </a:lvl6pPr>
+                <a:lvl7pPr marL="2971800" indent="-228600" algn="ctr" eaLnBrk="0" fontAlgn="base" hangingPunct="0">
+                  <a:spcBef>
+                    <a:spcPct val="0"/>
+                  </a:spcBef>
+                  <a:spcAft>
+                    <a:spcPct val="0"/>
+                  </a:spcAft>
+                  <a:defRPr>
+                    <a:solidFill>
+                      <a:schemeClr val="tx1"/>
+                    </a:solidFill>
+                    <a:latin typeface="Comic Sans MS" panose="030F0702030302020204" pitchFamily="66" charset="0"/>
+                  </a:defRPr>
+                </a:lvl7pPr>
+                <a:lvl8pPr marL="3429000" indent="-228600" algn="ctr" eaLnBrk="0" fontAlgn="base" hangingPunct="0">
+                  <a:spcBef>
+                    <a:spcPct val="0"/>
+                  </a:spcBef>
+                  <a:spcAft>
+                    <a:spcPct val="0"/>
+                  </a:spcAft>
+                  <a:defRPr>
+                    <a:solidFill>
+                      <a:schemeClr val="tx1"/>
+                    </a:solidFill>
+                    <a:latin typeface="Comic Sans MS" panose="030F0702030302020204" pitchFamily="66" charset="0"/>
+                  </a:defRPr>
+                </a:lvl8pPr>
+                <a:lvl9pPr marL="3886200" indent="-228600" algn="ctr" eaLnBrk="0" fontAlgn="base" hangingPunct="0">
+                  <a:spcBef>
+                    <a:spcPct val="0"/>
+                  </a:spcBef>
+                  <a:spcAft>
+                    <a:spcPct val="0"/>
+                  </a:spcAft>
+                  <a:defRPr>
+                    <a:solidFill>
+                      <a:schemeClr val="tx1"/>
+                    </a:solidFill>
+                    <a:latin typeface="Comic Sans MS" panose="030F0702030302020204" pitchFamily="66" charset="0"/>
+                  </a:defRPr>
+                </a:lvl9pPr>
+              </a:lstStyle>
+              <a:p>
+                <a:endParaRPr lang="zh-CN" altLang="en-US">
+                  <a:ea typeface="宋体" panose="02010600030101010101" pitchFamily="2" charset="-122"/>
+                </a:endParaRPr>
+              </a:p>
+            </p:txBody>
+          </p:sp>
+        </p:grpSp>
+      </p:grpSp>
+      <p:sp>
+        <p:nvSpPr>
+          <p:cNvPr id="119" name="Rectangle 27"/>
+          <p:cNvSpPr>
+            <a:spLocks noChangeArrowheads="1"/>
+          </p:cNvSpPr>
+          <p:nvPr/>
+        </p:nvSpPr>
+        <p:spPr bwMode="auto">
+          <a:xfrm rot="16200000">
+            <a:off x="4557932" y="2177890"/>
+            <a:ext cx="791216" cy="1270927"/>
+          </a:xfrm>
+          <a:prstGeom prst="rect">
+            <a:avLst/>
+          </a:prstGeom>
+          <a:solidFill>
+            <a:srgbClr val="9999FF"/>
+          </a:solidFill>
+          <a:ln w="28575">
+            <a:solidFill>
+              <a:schemeClr val="tx1"/>
+            </a:solidFill>
+            <a:miter lim="800000"/>
+            <a:headEnd/>
+            <a:tailEnd/>
+          </a:ln>
+          <a:effectLst/>
+        </p:spPr>
+        <p:txBody>
+          <a:bodyPr vert="eaVert" wrap="none" anchor="ctr"/>
+          <a:lstStyle>
+            <a:lvl1pPr algn="ctr">
+              <a:defRPr>
+                <a:solidFill>
+                  <a:schemeClr val="tx1"/>
+                </a:solidFill>
+                <a:latin typeface="Comic Sans MS" panose="030F0702030302020204" pitchFamily="66" charset="0"/>
+              </a:defRPr>
+            </a:lvl1pPr>
+            <a:lvl2pPr marL="742950" indent="-285750" algn="ctr">
+              <a:defRPr>
+                <a:solidFill>
+                  <a:schemeClr val="tx1"/>
+                </a:solidFill>
+                <a:latin typeface="Comic Sans MS" panose="030F0702030302020204" pitchFamily="66" charset="0"/>
+              </a:defRPr>
+            </a:lvl2pPr>
+            <a:lvl3pPr marL="1143000" indent="-228600" algn="ctr">
+              <a:defRPr>
+                <a:solidFill>
+                  <a:schemeClr val="tx1"/>
+                </a:solidFill>
+                <a:latin typeface="Comic Sans MS" panose="030F0702030302020204" pitchFamily="66" charset="0"/>
+              </a:defRPr>
+            </a:lvl3pPr>
+            <a:lvl4pPr marL="1600200" indent="-228600" algn="ctr">
+              <a:defRPr>
+                <a:solidFill>
+                  <a:schemeClr val="tx1"/>
+                </a:solidFill>
+                <a:latin typeface="Comic Sans MS" panose="030F0702030302020204" pitchFamily="66" charset="0"/>
+              </a:defRPr>
+            </a:lvl4pPr>
+            <a:lvl5pPr marL="2057400" indent="-228600" algn="ctr">
+              <a:defRPr>
+                <a:solidFill>
+                  <a:schemeClr val="tx1"/>
+                </a:solidFill>
+                <a:latin typeface="Comic Sans MS" panose="030F0702030302020204" pitchFamily="66" charset="0"/>
+              </a:defRPr>
+            </a:lvl5pPr>
+            <a:lvl6pPr marL="2514600" indent="-228600" algn="ctr" eaLnBrk="0" fontAlgn="base" hangingPunct="0">
+              <a:spcBef>
+                <a:spcPct val="0"/>
+              </a:spcBef>
+              <a:spcAft>
+                <a:spcPct val="0"/>
+              </a:spcAft>
+              <a:defRPr>
+                <a:solidFill>
+                  <a:schemeClr val="tx1"/>
+                </a:solidFill>
+                <a:latin typeface="Comic Sans MS" panose="030F0702030302020204" pitchFamily="66" charset="0"/>
+              </a:defRPr>
+            </a:lvl6pPr>
+            <a:lvl7pPr marL="2971800" indent="-228600" algn="ctr" eaLnBrk="0" fontAlgn="base" hangingPunct="0">
+              <a:spcBef>
+                <a:spcPct val="0"/>
+              </a:spcBef>
+              <a:spcAft>
+                <a:spcPct val="0"/>
+              </a:spcAft>
+              <a:defRPr>
+                <a:solidFill>
+                  <a:schemeClr val="tx1"/>
+                </a:solidFill>
+                <a:latin typeface="Comic Sans MS" panose="030F0702030302020204" pitchFamily="66" charset="0"/>
+              </a:defRPr>
+            </a:lvl7pPr>
+            <a:lvl8pPr marL="3429000" indent="-228600" algn="ctr" eaLnBrk="0" fontAlgn="base" hangingPunct="0">
+              <a:spcBef>
+                <a:spcPct val="0"/>
+              </a:spcBef>
+              <a:spcAft>
+                <a:spcPct val="0"/>
+              </a:spcAft>
+              <a:defRPr>
+                <a:solidFill>
+                  <a:schemeClr val="tx1"/>
+                </a:solidFill>
+                <a:latin typeface="Comic Sans MS" panose="030F0702030302020204" pitchFamily="66" charset="0"/>
+              </a:defRPr>
+            </a:lvl8pPr>
+            <a:lvl9pPr marL="3886200" indent="-228600" algn="ctr" eaLnBrk="0" fontAlgn="base" hangingPunct="0">
+              <a:spcBef>
+                <a:spcPct val="0"/>
+              </a:spcBef>
+              <a:spcAft>
+                <a:spcPct val="0"/>
+              </a:spcAft>
+              <a:defRPr>
+                <a:solidFill>
+                  <a:schemeClr val="tx1"/>
+                </a:solidFill>
+                <a:latin typeface="Comic Sans MS" panose="030F0702030302020204" pitchFamily="66" charset="0"/>
+              </a:defRPr>
+            </a:lvl9pPr>
+          </a:lstStyle>
+          <a:p>
+            <a:r>
+              <a:rPr lang="en-US" altLang="zh-CN" dirty="0" smtClean="0">
+                <a:ea typeface="宋体" panose="02010600030101010101" pitchFamily="2" charset="-122"/>
+              </a:rPr>
+              <a:t>Stage ID</a:t>
+            </a:r>
+            <a:endParaRPr lang="en-US" altLang="zh-CN" dirty="0">
+              <a:ea typeface="宋体" panose="02010600030101010101" pitchFamily="2" charset="-122"/>
+            </a:endParaRPr>
+          </a:p>
+        </p:txBody>
+      </p:sp>
+      <p:sp>
+        <p:nvSpPr>
+          <p:cNvPr id="120" name="Rectangle 27"/>
+          <p:cNvSpPr>
+            <a:spLocks noChangeArrowheads="1"/>
+          </p:cNvSpPr>
+          <p:nvPr/>
+        </p:nvSpPr>
+        <p:spPr bwMode="auto">
+          <a:xfrm rot="16200000">
+            <a:off x="6826200" y="2177887"/>
+            <a:ext cx="791216" cy="1270927"/>
+          </a:xfrm>
+          <a:prstGeom prst="rect">
+            <a:avLst/>
+          </a:prstGeom>
+          <a:solidFill>
+            <a:srgbClr val="9999FF"/>
+          </a:solidFill>
+          <a:ln w="28575">
+            <a:solidFill>
+              <a:schemeClr val="tx1"/>
+            </a:solidFill>
+            <a:miter lim="800000"/>
+            <a:headEnd/>
+            <a:tailEnd/>
+          </a:ln>
+          <a:effectLst/>
+        </p:spPr>
+        <p:txBody>
+          <a:bodyPr vert="eaVert" wrap="none" anchor="ctr"/>
+          <a:lstStyle>
+            <a:lvl1pPr algn="ctr">
+              <a:defRPr>
+                <a:solidFill>
+                  <a:schemeClr val="tx1"/>
+                </a:solidFill>
+                <a:latin typeface="Comic Sans MS" panose="030F0702030302020204" pitchFamily="66" charset="0"/>
+              </a:defRPr>
+            </a:lvl1pPr>
+            <a:lvl2pPr marL="742950" indent="-285750" algn="ctr">
+              <a:defRPr>
+                <a:solidFill>
+                  <a:schemeClr val="tx1"/>
+                </a:solidFill>
+                <a:latin typeface="Comic Sans MS" panose="030F0702030302020204" pitchFamily="66" charset="0"/>
+              </a:defRPr>
+            </a:lvl2pPr>
+            <a:lvl3pPr marL="1143000" indent="-228600" algn="ctr">
+              <a:defRPr>
+                <a:solidFill>
+                  <a:schemeClr val="tx1"/>
+                </a:solidFill>
+                <a:latin typeface="Comic Sans MS" panose="030F0702030302020204" pitchFamily="66" charset="0"/>
+              </a:defRPr>
+            </a:lvl3pPr>
+            <a:lvl4pPr marL="1600200" indent="-228600" algn="ctr">
+              <a:defRPr>
+                <a:solidFill>
+                  <a:schemeClr val="tx1"/>
+                </a:solidFill>
+                <a:latin typeface="Comic Sans MS" panose="030F0702030302020204" pitchFamily="66" charset="0"/>
+              </a:defRPr>
+            </a:lvl4pPr>
+            <a:lvl5pPr marL="2057400" indent="-228600" algn="ctr">
+              <a:defRPr>
+                <a:solidFill>
+                  <a:schemeClr val="tx1"/>
+                </a:solidFill>
+                <a:latin typeface="Comic Sans MS" panose="030F0702030302020204" pitchFamily="66" charset="0"/>
+              </a:defRPr>
+            </a:lvl5pPr>
+            <a:lvl6pPr marL="2514600" indent="-228600" algn="ctr" eaLnBrk="0" fontAlgn="base" hangingPunct="0">
+              <a:spcBef>
+                <a:spcPct val="0"/>
+              </a:spcBef>
+              <a:spcAft>
+                <a:spcPct val="0"/>
+              </a:spcAft>
+              <a:defRPr>
+                <a:solidFill>
+                  <a:schemeClr val="tx1"/>
+                </a:solidFill>
+                <a:latin typeface="Comic Sans MS" panose="030F0702030302020204" pitchFamily="66" charset="0"/>
+              </a:defRPr>
+            </a:lvl6pPr>
+            <a:lvl7pPr marL="2971800" indent="-228600" algn="ctr" eaLnBrk="0" fontAlgn="base" hangingPunct="0">
+              <a:spcBef>
+                <a:spcPct val="0"/>
+              </a:spcBef>
+              <a:spcAft>
+                <a:spcPct val="0"/>
+              </a:spcAft>
+              <a:defRPr>
+                <a:solidFill>
+                  <a:schemeClr val="tx1"/>
+                </a:solidFill>
+                <a:latin typeface="Comic Sans MS" panose="030F0702030302020204" pitchFamily="66" charset="0"/>
+              </a:defRPr>
+            </a:lvl7pPr>
+            <a:lvl8pPr marL="3429000" indent="-228600" algn="ctr" eaLnBrk="0" fontAlgn="base" hangingPunct="0">
+              <a:spcBef>
+                <a:spcPct val="0"/>
+              </a:spcBef>
+              <a:spcAft>
+                <a:spcPct val="0"/>
+              </a:spcAft>
+              <a:defRPr>
+                <a:solidFill>
+                  <a:schemeClr val="tx1"/>
+                </a:solidFill>
+                <a:latin typeface="Comic Sans MS" panose="030F0702030302020204" pitchFamily="66" charset="0"/>
+              </a:defRPr>
+            </a:lvl8pPr>
+            <a:lvl9pPr marL="3886200" indent="-228600" algn="ctr" eaLnBrk="0" fontAlgn="base" hangingPunct="0">
+              <a:spcBef>
+                <a:spcPct val="0"/>
+              </a:spcBef>
+              <a:spcAft>
+                <a:spcPct val="0"/>
+              </a:spcAft>
+              <a:defRPr>
+                <a:solidFill>
+                  <a:schemeClr val="tx1"/>
+                </a:solidFill>
+                <a:latin typeface="Comic Sans MS" panose="030F0702030302020204" pitchFamily="66" charset="0"/>
+              </a:defRPr>
+            </a:lvl9pPr>
+          </a:lstStyle>
+          <a:p>
+            <a:r>
+              <a:rPr lang="en-US" altLang="zh-CN" dirty="0" smtClean="0">
+                <a:ea typeface="宋体" panose="02010600030101010101" pitchFamily="2" charset="-122"/>
+              </a:rPr>
+              <a:t>Stage EX</a:t>
+            </a:r>
+            <a:endParaRPr lang="en-US" altLang="zh-CN" dirty="0">
+              <a:ea typeface="宋体" panose="02010600030101010101" pitchFamily="2" charset="-122"/>
+            </a:endParaRPr>
+          </a:p>
+        </p:txBody>
+      </p:sp>
+      <p:sp>
+        <p:nvSpPr>
+          <p:cNvPr id="121" name="Rectangle 27"/>
+          <p:cNvSpPr>
+            <a:spLocks noChangeArrowheads="1"/>
+          </p:cNvSpPr>
+          <p:nvPr/>
+        </p:nvSpPr>
+        <p:spPr bwMode="auto">
+          <a:xfrm rot="16200000">
+            <a:off x="9248515" y="2088957"/>
+            <a:ext cx="791216" cy="1448789"/>
+          </a:xfrm>
+          <a:prstGeom prst="rect">
+            <a:avLst/>
+          </a:prstGeom>
+          <a:solidFill>
+            <a:srgbClr val="9999FF"/>
+          </a:solidFill>
+          <a:ln w="28575">
+            <a:solidFill>
+              <a:schemeClr val="tx1"/>
+            </a:solidFill>
+            <a:miter lim="800000"/>
+            <a:headEnd/>
+            <a:tailEnd/>
+          </a:ln>
+          <a:effectLst/>
+        </p:spPr>
+        <p:txBody>
+          <a:bodyPr vert="eaVert" wrap="none" anchor="ctr"/>
+          <a:lstStyle>
+            <a:lvl1pPr algn="ctr">
+              <a:defRPr>
+                <a:solidFill>
+                  <a:schemeClr val="tx1"/>
+                </a:solidFill>
+                <a:latin typeface="Comic Sans MS" panose="030F0702030302020204" pitchFamily="66" charset="0"/>
+              </a:defRPr>
+            </a:lvl1pPr>
+            <a:lvl2pPr marL="742950" indent="-285750" algn="ctr">
+              <a:defRPr>
+                <a:solidFill>
+                  <a:schemeClr val="tx1"/>
+                </a:solidFill>
+                <a:latin typeface="Comic Sans MS" panose="030F0702030302020204" pitchFamily="66" charset="0"/>
+              </a:defRPr>
+            </a:lvl2pPr>
+            <a:lvl3pPr marL="1143000" indent="-228600" algn="ctr">
+              <a:defRPr>
+                <a:solidFill>
+                  <a:schemeClr val="tx1"/>
+                </a:solidFill>
+                <a:latin typeface="Comic Sans MS" panose="030F0702030302020204" pitchFamily="66" charset="0"/>
+              </a:defRPr>
+            </a:lvl3pPr>
+            <a:lvl4pPr marL="1600200" indent="-228600" algn="ctr">
+              <a:defRPr>
+                <a:solidFill>
+                  <a:schemeClr val="tx1"/>
+                </a:solidFill>
+                <a:latin typeface="Comic Sans MS" panose="030F0702030302020204" pitchFamily="66" charset="0"/>
+              </a:defRPr>
+            </a:lvl4pPr>
+            <a:lvl5pPr marL="2057400" indent="-228600" algn="ctr">
+              <a:defRPr>
+                <a:solidFill>
+                  <a:schemeClr val="tx1"/>
+                </a:solidFill>
+                <a:latin typeface="Comic Sans MS" panose="030F0702030302020204" pitchFamily="66" charset="0"/>
+              </a:defRPr>
+            </a:lvl5pPr>
+            <a:lvl6pPr marL="2514600" indent="-228600" algn="ctr" eaLnBrk="0" fontAlgn="base" hangingPunct="0">
+              <a:spcBef>
+                <a:spcPct val="0"/>
+              </a:spcBef>
+              <a:spcAft>
+                <a:spcPct val="0"/>
+              </a:spcAft>
+              <a:defRPr>
+                <a:solidFill>
+                  <a:schemeClr val="tx1"/>
+                </a:solidFill>
+                <a:latin typeface="Comic Sans MS" panose="030F0702030302020204" pitchFamily="66" charset="0"/>
+              </a:defRPr>
+            </a:lvl6pPr>
+            <a:lvl7pPr marL="2971800" indent="-228600" algn="ctr" eaLnBrk="0" fontAlgn="base" hangingPunct="0">
+              <a:spcBef>
+                <a:spcPct val="0"/>
+              </a:spcBef>
+              <a:spcAft>
+                <a:spcPct val="0"/>
+              </a:spcAft>
+              <a:defRPr>
+                <a:solidFill>
+                  <a:schemeClr val="tx1"/>
+                </a:solidFill>
+                <a:latin typeface="Comic Sans MS" panose="030F0702030302020204" pitchFamily="66" charset="0"/>
+              </a:defRPr>
+            </a:lvl7pPr>
+            <a:lvl8pPr marL="3429000" indent="-228600" algn="ctr" eaLnBrk="0" fontAlgn="base" hangingPunct="0">
+              <a:spcBef>
+                <a:spcPct val="0"/>
+              </a:spcBef>
+              <a:spcAft>
+                <a:spcPct val="0"/>
+              </a:spcAft>
+              <a:defRPr>
+                <a:solidFill>
+                  <a:schemeClr val="tx1"/>
+                </a:solidFill>
+                <a:latin typeface="Comic Sans MS" panose="030F0702030302020204" pitchFamily="66" charset="0"/>
+              </a:defRPr>
+            </a:lvl8pPr>
+            <a:lvl9pPr marL="3886200" indent="-228600" algn="ctr" eaLnBrk="0" fontAlgn="base" hangingPunct="0">
+              <a:spcBef>
+                <a:spcPct val="0"/>
+              </a:spcBef>
+              <a:spcAft>
+                <a:spcPct val="0"/>
+              </a:spcAft>
+              <a:defRPr>
+                <a:solidFill>
+                  <a:schemeClr val="tx1"/>
+                </a:solidFill>
+                <a:latin typeface="Comic Sans MS" panose="030F0702030302020204" pitchFamily="66" charset="0"/>
+              </a:defRPr>
+            </a:lvl9pPr>
+          </a:lstStyle>
+          <a:p>
+            <a:r>
+              <a:rPr lang="en-US" altLang="zh-CN" dirty="0" smtClean="0">
+                <a:ea typeface="宋体" panose="02010600030101010101" pitchFamily="2" charset="-122"/>
+              </a:rPr>
+              <a:t>Stage MEM</a:t>
+            </a:r>
+            <a:endParaRPr lang="en-US" altLang="zh-CN" dirty="0">
+              <a:ea typeface="宋体" panose="02010600030101010101" pitchFamily="2" charset="-122"/>
+            </a:endParaRPr>
+          </a:p>
+        </p:txBody>
+      </p:sp>
+      <p:sp>
+        <p:nvSpPr>
+          <p:cNvPr id="122" name="Rectangle 27"/>
+          <p:cNvSpPr>
+            <a:spLocks noChangeArrowheads="1"/>
+          </p:cNvSpPr>
+          <p:nvPr/>
+        </p:nvSpPr>
+        <p:spPr bwMode="auto">
+          <a:xfrm rot="16200000">
+            <a:off x="2227400" y="2177889"/>
+            <a:ext cx="791216" cy="1270927"/>
+          </a:xfrm>
+          <a:prstGeom prst="rect">
+            <a:avLst/>
+          </a:prstGeom>
+          <a:solidFill>
+            <a:srgbClr val="9999FF"/>
+          </a:solidFill>
+          <a:ln w="28575">
+            <a:solidFill>
+              <a:schemeClr val="tx1"/>
+            </a:solidFill>
+            <a:miter lim="800000"/>
+            <a:headEnd/>
+            <a:tailEnd/>
+          </a:ln>
+          <a:effectLst/>
+        </p:spPr>
+        <p:txBody>
+          <a:bodyPr vert="eaVert" wrap="none" anchor="ctr"/>
+          <a:lstStyle>
+            <a:lvl1pPr algn="ctr">
+              <a:defRPr>
+                <a:solidFill>
+                  <a:schemeClr val="tx1"/>
+                </a:solidFill>
+                <a:latin typeface="Comic Sans MS" panose="030F0702030302020204" pitchFamily="66" charset="0"/>
+              </a:defRPr>
+            </a:lvl1pPr>
+            <a:lvl2pPr marL="742950" indent="-285750" algn="ctr">
+              <a:defRPr>
+                <a:solidFill>
+                  <a:schemeClr val="tx1"/>
+                </a:solidFill>
+                <a:latin typeface="Comic Sans MS" panose="030F0702030302020204" pitchFamily="66" charset="0"/>
+              </a:defRPr>
+            </a:lvl2pPr>
+            <a:lvl3pPr marL="1143000" indent="-228600" algn="ctr">
+              <a:defRPr>
+                <a:solidFill>
+                  <a:schemeClr val="tx1"/>
+                </a:solidFill>
+                <a:latin typeface="Comic Sans MS" panose="030F0702030302020204" pitchFamily="66" charset="0"/>
+              </a:defRPr>
+            </a:lvl3pPr>
+            <a:lvl4pPr marL="1600200" indent="-228600" algn="ctr">
+              <a:defRPr>
+                <a:solidFill>
+                  <a:schemeClr val="tx1"/>
+                </a:solidFill>
+                <a:latin typeface="Comic Sans MS" panose="030F0702030302020204" pitchFamily="66" charset="0"/>
+              </a:defRPr>
+            </a:lvl4pPr>
+            <a:lvl5pPr marL="2057400" indent="-228600" algn="ctr">
+              <a:defRPr>
+                <a:solidFill>
+                  <a:schemeClr val="tx1"/>
+                </a:solidFill>
+                <a:latin typeface="Comic Sans MS" panose="030F0702030302020204" pitchFamily="66" charset="0"/>
+              </a:defRPr>
+            </a:lvl5pPr>
+            <a:lvl6pPr marL="2514600" indent="-228600" algn="ctr" eaLnBrk="0" fontAlgn="base" hangingPunct="0">
+              <a:spcBef>
+                <a:spcPct val="0"/>
+              </a:spcBef>
+              <a:spcAft>
+                <a:spcPct val="0"/>
+              </a:spcAft>
+              <a:defRPr>
+                <a:solidFill>
+                  <a:schemeClr val="tx1"/>
+                </a:solidFill>
+                <a:latin typeface="Comic Sans MS" panose="030F0702030302020204" pitchFamily="66" charset="0"/>
+              </a:defRPr>
+            </a:lvl6pPr>
+            <a:lvl7pPr marL="2971800" indent="-228600" algn="ctr" eaLnBrk="0" fontAlgn="base" hangingPunct="0">
+              <a:spcBef>
+                <a:spcPct val="0"/>
+              </a:spcBef>
+              <a:spcAft>
+                <a:spcPct val="0"/>
+              </a:spcAft>
+              <a:defRPr>
+                <a:solidFill>
+                  <a:schemeClr val="tx1"/>
+                </a:solidFill>
+                <a:latin typeface="Comic Sans MS" panose="030F0702030302020204" pitchFamily="66" charset="0"/>
+              </a:defRPr>
+            </a:lvl7pPr>
+            <a:lvl8pPr marL="3429000" indent="-228600" algn="ctr" eaLnBrk="0" fontAlgn="base" hangingPunct="0">
+              <a:spcBef>
+                <a:spcPct val="0"/>
+              </a:spcBef>
+              <a:spcAft>
+                <a:spcPct val="0"/>
+              </a:spcAft>
+              <a:defRPr>
+                <a:solidFill>
+                  <a:schemeClr val="tx1"/>
+                </a:solidFill>
+                <a:latin typeface="Comic Sans MS" panose="030F0702030302020204" pitchFamily="66" charset="0"/>
+              </a:defRPr>
+            </a:lvl8pPr>
+            <a:lvl9pPr marL="3886200" indent="-228600" algn="ctr" eaLnBrk="0" fontAlgn="base" hangingPunct="0">
+              <a:spcBef>
+                <a:spcPct val="0"/>
+              </a:spcBef>
+              <a:spcAft>
+                <a:spcPct val="0"/>
+              </a:spcAft>
+              <a:defRPr>
+                <a:solidFill>
+                  <a:schemeClr val="tx1"/>
+                </a:solidFill>
+                <a:latin typeface="Comic Sans MS" panose="030F0702030302020204" pitchFamily="66" charset="0"/>
+              </a:defRPr>
+            </a:lvl9pPr>
+          </a:lstStyle>
+          <a:p>
+            <a:r>
+              <a:rPr lang="en-US" altLang="zh-CN" dirty="0" smtClean="0">
+                <a:ea typeface="宋体" panose="02010600030101010101" pitchFamily="2" charset="-122"/>
+              </a:rPr>
+              <a:t>Stage IF</a:t>
+            </a:r>
+            <a:endParaRPr lang="en-US" altLang="zh-CN" dirty="0">
+              <a:ea typeface="宋体" panose="02010600030101010101" pitchFamily="2" charset="-122"/>
+            </a:endParaRPr>
+          </a:p>
+        </p:txBody>
+      </p:sp>
+      <p:sp>
+        <p:nvSpPr>
+          <p:cNvPr id="123" name="Rectangle 27"/>
+          <p:cNvSpPr>
+            <a:spLocks noChangeArrowheads="1"/>
+          </p:cNvSpPr>
+          <p:nvPr/>
+        </p:nvSpPr>
+        <p:spPr bwMode="auto">
+          <a:xfrm rot="16200000">
+            <a:off x="4558995" y="3482767"/>
+            <a:ext cx="791216" cy="1268802"/>
+          </a:xfrm>
+          <a:prstGeom prst="rect">
+            <a:avLst/>
+          </a:prstGeom>
+          <a:solidFill>
+            <a:schemeClr val="accent4">
+              <a:lumMod val="40000"/>
+              <a:lumOff val="60000"/>
+            </a:schemeClr>
+          </a:solidFill>
+          <a:ln w="28575">
+            <a:solidFill>
+              <a:schemeClr val="tx1"/>
+            </a:solidFill>
+            <a:miter lim="800000"/>
+            <a:headEnd/>
+            <a:tailEnd/>
+          </a:ln>
+          <a:effectLst/>
+        </p:spPr>
+        <p:txBody>
+          <a:bodyPr vert="eaVert" wrap="none" anchor="ctr"/>
+          <a:lstStyle>
+            <a:lvl1pPr algn="ctr">
+              <a:defRPr>
+                <a:solidFill>
+                  <a:schemeClr val="tx1"/>
+                </a:solidFill>
+                <a:latin typeface="Comic Sans MS" panose="030F0702030302020204" pitchFamily="66" charset="0"/>
+              </a:defRPr>
+            </a:lvl1pPr>
+            <a:lvl2pPr marL="742950" indent="-285750" algn="ctr">
+              <a:defRPr>
+                <a:solidFill>
+                  <a:schemeClr val="tx1"/>
+                </a:solidFill>
+                <a:latin typeface="Comic Sans MS" panose="030F0702030302020204" pitchFamily="66" charset="0"/>
+              </a:defRPr>
+            </a:lvl2pPr>
+            <a:lvl3pPr marL="1143000" indent="-228600" algn="ctr">
+              <a:defRPr>
+                <a:solidFill>
+                  <a:schemeClr val="tx1"/>
+                </a:solidFill>
+                <a:latin typeface="Comic Sans MS" panose="030F0702030302020204" pitchFamily="66" charset="0"/>
+              </a:defRPr>
+            </a:lvl3pPr>
+            <a:lvl4pPr marL="1600200" indent="-228600" algn="ctr">
+              <a:defRPr>
+                <a:solidFill>
+                  <a:schemeClr val="tx1"/>
+                </a:solidFill>
+                <a:latin typeface="Comic Sans MS" panose="030F0702030302020204" pitchFamily="66" charset="0"/>
+              </a:defRPr>
+            </a:lvl4pPr>
+            <a:lvl5pPr marL="2057400" indent="-228600" algn="ctr">
+              <a:defRPr>
+                <a:solidFill>
+                  <a:schemeClr val="tx1"/>
+                </a:solidFill>
+                <a:latin typeface="Comic Sans MS" panose="030F0702030302020204" pitchFamily="66" charset="0"/>
+              </a:defRPr>
+            </a:lvl5pPr>
+            <a:lvl6pPr marL="2514600" indent="-228600" algn="ctr" eaLnBrk="0" fontAlgn="base" hangingPunct="0">
+              <a:spcBef>
+                <a:spcPct val="0"/>
+              </a:spcBef>
+              <a:spcAft>
+                <a:spcPct val="0"/>
+              </a:spcAft>
+              <a:defRPr>
+                <a:solidFill>
+                  <a:schemeClr val="tx1"/>
+                </a:solidFill>
+                <a:latin typeface="Comic Sans MS" panose="030F0702030302020204" pitchFamily="66" charset="0"/>
+              </a:defRPr>
+            </a:lvl6pPr>
+            <a:lvl7pPr marL="2971800" indent="-228600" algn="ctr" eaLnBrk="0" fontAlgn="base" hangingPunct="0">
+              <a:spcBef>
+                <a:spcPct val="0"/>
+              </a:spcBef>
+              <a:spcAft>
+                <a:spcPct val="0"/>
+              </a:spcAft>
+              <a:defRPr>
+                <a:solidFill>
+                  <a:schemeClr val="tx1"/>
+                </a:solidFill>
+                <a:latin typeface="Comic Sans MS" panose="030F0702030302020204" pitchFamily="66" charset="0"/>
+              </a:defRPr>
+            </a:lvl7pPr>
+            <a:lvl8pPr marL="3429000" indent="-228600" algn="ctr" eaLnBrk="0" fontAlgn="base" hangingPunct="0">
+              <a:spcBef>
+                <a:spcPct val="0"/>
+              </a:spcBef>
+              <a:spcAft>
+                <a:spcPct val="0"/>
+              </a:spcAft>
+              <a:defRPr>
+                <a:solidFill>
+                  <a:schemeClr val="tx1"/>
+                </a:solidFill>
+                <a:latin typeface="Comic Sans MS" panose="030F0702030302020204" pitchFamily="66" charset="0"/>
+              </a:defRPr>
+            </a:lvl8pPr>
+            <a:lvl9pPr marL="3886200" indent="-228600" algn="ctr" eaLnBrk="0" fontAlgn="base" hangingPunct="0">
+              <a:spcBef>
+                <a:spcPct val="0"/>
+              </a:spcBef>
+              <a:spcAft>
+                <a:spcPct val="0"/>
+              </a:spcAft>
+              <a:defRPr>
+                <a:solidFill>
+                  <a:schemeClr val="tx1"/>
+                </a:solidFill>
+                <a:latin typeface="Comic Sans MS" panose="030F0702030302020204" pitchFamily="66" charset="0"/>
+              </a:defRPr>
+            </a:lvl9pPr>
+          </a:lstStyle>
+          <a:p>
+            <a:pPr>
+              <a:lnSpc>
+                <a:spcPts val="2700"/>
+              </a:lnSpc>
+            </a:pPr>
+            <a:r>
+              <a:rPr lang="en-US" altLang="zh-CN" dirty="0" smtClean="0">
+                <a:ea typeface="宋体" panose="02010600030101010101" pitchFamily="2" charset="-122"/>
+              </a:rPr>
+              <a:t>Register</a:t>
+            </a:r>
+          </a:p>
+          <a:p>
+            <a:pPr>
+              <a:lnSpc>
+                <a:spcPts val="2700"/>
+              </a:lnSpc>
+            </a:pPr>
+            <a:r>
+              <a:rPr lang="en-US" altLang="zh-CN" dirty="0" smtClean="0">
+                <a:ea typeface="宋体" panose="02010600030101010101" pitchFamily="2" charset="-122"/>
+              </a:rPr>
+              <a:t>File</a:t>
+            </a:r>
+            <a:endParaRPr lang="en-US" altLang="zh-CN" dirty="0">
+              <a:ea typeface="宋体" panose="02010600030101010101" pitchFamily="2" charset="-122"/>
+            </a:endParaRPr>
+          </a:p>
+        </p:txBody>
+      </p:sp>
+      <p:sp>
+        <p:nvSpPr>
+          <p:cNvPr id="124" name="Rectangle 27"/>
+          <p:cNvSpPr>
+            <a:spLocks noChangeArrowheads="1"/>
+          </p:cNvSpPr>
+          <p:nvPr/>
+        </p:nvSpPr>
+        <p:spPr bwMode="auto">
+          <a:xfrm rot="16200000">
+            <a:off x="2227401" y="3542268"/>
+            <a:ext cx="791216" cy="1139157"/>
+          </a:xfrm>
+          <a:prstGeom prst="rect">
+            <a:avLst/>
+          </a:prstGeom>
+          <a:solidFill>
+            <a:schemeClr val="accent2">
+              <a:lumMod val="40000"/>
+              <a:lumOff val="60000"/>
+            </a:schemeClr>
+          </a:solidFill>
+          <a:ln w="28575">
+            <a:solidFill>
+              <a:schemeClr val="tx1"/>
+            </a:solidFill>
+            <a:miter lim="800000"/>
+            <a:headEnd/>
+            <a:tailEnd/>
+          </a:ln>
+          <a:effectLst/>
+        </p:spPr>
+        <p:txBody>
+          <a:bodyPr vert="eaVert" wrap="none" anchor="ctr"/>
+          <a:lstStyle>
+            <a:lvl1pPr algn="ctr">
+              <a:defRPr>
+                <a:solidFill>
+                  <a:schemeClr val="tx1"/>
+                </a:solidFill>
+                <a:latin typeface="Comic Sans MS" panose="030F0702030302020204" pitchFamily="66" charset="0"/>
+              </a:defRPr>
+            </a:lvl1pPr>
+            <a:lvl2pPr marL="742950" indent="-285750" algn="ctr">
+              <a:defRPr>
+                <a:solidFill>
+                  <a:schemeClr val="tx1"/>
+                </a:solidFill>
+                <a:latin typeface="Comic Sans MS" panose="030F0702030302020204" pitchFamily="66" charset="0"/>
+              </a:defRPr>
+            </a:lvl2pPr>
+            <a:lvl3pPr marL="1143000" indent="-228600" algn="ctr">
+              <a:defRPr>
+                <a:solidFill>
+                  <a:schemeClr val="tx1"/>
+                </a:solidFill>
+                <a:latin typeface="Comic Sans MS" panose="030F0702030302020204" pitchFamily="66" charset="0"/>
+              </a:defRPr>
+            </a:lvl3pPr>
+            <a:lvl4pPr marL="1600200" indent="-228600" algn="ctr">
+              <a:defRPr>
+                <a:solidFill>
+                  <a:schemeClr val="tx1"/>
+                </a:solidFill>
+                <a:latin typeface="Comic Sans MS" panose="030F0702030302020204" pitchFamily="66" charset="0"/>
+              </a:defRPr>
+            </a:lvl4pPr>
+            <a:lvl5pPr marL="2057400" indent="-228600" algn="ctr">
+              <a:defRPr>
+                <a:solidFill>
+                  <a:schemeClr val="tx1"/>
+                </a:solidFill>
+                <a:latin typeface="Comic Sans MS" panose="030F0702030302020204" pitchFamily="66" charset="0"/>
+              </a:defRPr>
+            </a:lvl5pPr>
+            <a:lvl6pPr marL="2514600" indent="-228600" algn="ctr" eaLnBrk="0" fontAlgn="base" hangingPunct="0">
+              <a:spcBef>
+                <a:spcPct val="0"/>
+              </a:spcBef>
+              <a:spcAft>
+                <a:spcPct val="0"/>
+              </a:spcAft>
+              <a:defRPr>
+                <a:solidFill>
+                  <a:schemeClr val="tx1"/>
+                </a:solidFill>
+                <a:latin typeface="Comic Sans MS" panose="030F0702030302020204" pitchFamily="66" charset="0"/>
+              </a:defRPr>
+            </a:lvl6pPr>
+            <a:lvl7pPr marL="2971800" indent="-228600" algn="ctr" eaLnBrk="0" fontAlgn="base" hangingPunct="0">
+              <a:spcBef>
+                <a:spcPct val="0"/>
+              </a:spcBef>
+              <a:spcAft>
+                <a:spcPct val="0"/>
+              </a:spcAft>
+              <a:defRPr>
+                <a:solidFill>
+                  <a:schemeClr val="tx1"/>
+                </a:solidFill>
+                <a:latin typeface="Comic Sans MS" panose="030F0702030302020204" pitchFamily="66" charset="0"/>
+              </a:defRPr>
+            </a:lvl7pPr>
+            <a:lvl8pPr marL="3429000" indent="-228600" algn="ctr" eaLnBrk="0" fontAlgn="base" hangingPunct="0">
+              <a:spcBef>
+                <a:spcPct val="0"/>
+              </a:spcBef>
+              <a:spcAft>
+                <a:spcPct val="0"/>
+              </a:spcAft>
+              <a:defRPr>
+                <a:solidFill>
+                  <a:schemeClr val="tx1"/>
+                </a:solidFill>
+                <a:latin typeface="Comic Sans MS" panose="030F0702030302020204" pitchFamily="66" charset="0"/>
+              </a:defRPr>
+            </a:lvl8pPr>
+            <a:lvl9pPr marL="3886200" indent="-228600" algn="ctr" eaLnBrk="0" fontAlgn="base" hangingPunct="0">
+              <a:spcBef>
+                <a:spcPct val="0"/>
+              </a:spcBef>
+              <a:spcAft>
+                <a:spcPct val="0"/>
+              </a:spcAft>
+              <a:defRPr>
+                <a:solidFill>
+                  <a:schemeClr val="tx1"/>
+                </a:solidFill>
+                <a:latin typeface="Comic Sans MS" panose="030F0702030302020204" pitchFamily="66" charset="0"/>
+              </a:defRPr>
+            </a:lvl9pPr>
+          </a:lstStyle>
+          <a:p>
+            <a:pPr>
+              <a:lnSpc>
+                <a:spcPts val="2700"/>
+              </a:lnSpc>
+            </a:pPr>
+            <a:r>
+              <a:rPr lang="en-US" altLang="zh-CN" dirty="0">
+                <a:ea typeface="宋体" panose="02010600030101010101" pitchFamily="2" charset="-122"/>
+              </a:rPr>
+              <a:t>I</a:t>
+            </a:r>
+            <a:r>
+              <a:rPr lang="en-US" altLang="zh-CN" dirty="0" smtClean="0">
+                <a:ea typeface="宋体" panose="02010600030101010101" pitchFamily="2" charset="-122"/>
+              </a:rPr>
+              <a:t>-Cache</a:t>
+            </a:r>
+            <a:endParaRPr lang="en-US" altLang="zh-CN" dirty="0">
+              <a:ea typeface="宋体" panose="02010600030101010101" pitchFamily="2" charset="-122"/>
+            </a:endParaRPr>
+          </a:p>
+        </p:txBody>
+      </p:sp>
+      <p:sp>
+        <p:nvSpPr>
+          <p:cNvPr id="125" name="Rectangle 27"/>
+          <p:cNvSpPr>
+            <a:spLocks noChangeArrowheads="1"/>
+          </p:cNvSpPr>
+          <p:nvPr/>
+        </p:nvSpPr>
+        <p:spPr bwMode="auto">
+          <a:xfrm rot="16200000">
+            <a:off x="9248515" y="3496309"/>
+            <a:ext cx="791216" cy="1231077"/>
+          </a:xfrm>
+          <a:prstGeom prst="rect">
+            <a:avLst/>
+          </a:prstGeom>
+          <a:solidFill>
+            <a:schemeClr val="accent2">
+              <a:lumMod val="40000"/>
+              <a:lumOff val="60000"/>
+            </a:schemeClr>
+          </a:solidFill>
+          <a:ln w="28575">
+            <a:solidFill>
+              <a:schemeClr val="tx1"/>
+            </a:solidFill>
+            <a:miter lim="800000"/>
+            <a:headEnd/>
+            <a:tailEnd/>
+          </a:ln>
+          <a:effectLst/>
+        </p:spPr>
+        <p:txBody>
+          <a:bodyPr vert="eaVert" wrap="none" anchor="ctr"/>
+          <a:lstStyle>
+            <a:lvl1pPr algn="ctr">
+              <a:defRPr>
+                <a:solidFill>
+                  <a:schemeClr val="tx1"/>
+                </a:solidFill>
+                <a:latin typeface="Comic Sans MS" panose="030F0702030302020204" pitchFamily="66" charset="0"/>
+              </a:defRPr>
+            </a:lvl1pPr>
+            <a:lvl2pPr marL="742950" indent="-285750" algn="ctr">
+              <a:defRPr>
+                <a:solidFill>
+                  <a:schemeClr val="tx1"/>
+                </a:solidFill>
+                <a:latin typeface="Comic Sans MS" panose="030F0702030302020204" pitchFamily="66" charset="0"/>
+              </a:defRPr>
+            </a:lvl2pPr>
+            <a:lvl3pPr marL="1143000" indent="-228600" algn="ctr">
+              <a:defRPr>
+                <a:solidFill>
+                  <a:schemeClr val="tx1"/>
+                </a:solidFill>
+                <a:latin typeface="Comic Sans MS" panose="030F0702030302020204" pitchFamily="66" charset="0"/>
+              </a:defRPr>
+            </a:lvl3pPr>
+            <a:lvl4pPr marL="1600200" indent="-228600" algn="ctr">
+              <a:defRPr>
+                <a:solidFill>
+                  <a:schemeClr val="tx1"/>
+                </a:solidFill>
+                <a:latin typeface="Comic Sans MS" panose="030F0702030302020204" pitchFamily="66" charset="0"/>
+              </a:defRPr>
+            </a:lvl4pPr>
+            <a:lvl5pPr marL="2057400" indent="-228600" algn="ctr">
+              <a:defRPr>
+                <a:solidFill>
+                  <a:schemeClr val="tx1"/>
+                </a:solidFill>
+                <a:latin typeface="Comic Sans MS" panose="030F0702030302020204" pitchFamily="66" charset="0"/>
+              </a:defRPr>
+            </a:lvl5pPr>
+            <a:lvl6pPr marL="2514600" indent="-228600" algn="ctr" eaLnBrk="0" fontAlgn="base" hangingPunct="0">
+              <a:spcBef>
+                <a:spcPct val="0"/>
+              </a:spcBef>
+              <a:spcAft>
+                <a:spcPct val="0"/>
+              </a:spcAft>
+              <a:defRPr>
+                <a:solidFill>
+                  <a:schemeClr val="tx1"/>
+                </a:solidFill>
+                <a:latin typeface="Comic Sans MS" panose="030F0702030302020204" pitchFamily="66" charset="0"/>
+              </a:defRPr>
+            </a:lvl6pPr>
+            <a:lvl7pPr marL="2971800" indent="-228600" algn="ctr" eaLnBrk="0" fontAlgn="base" hangingPunct="0">
+              <a:spcBef>
+                <a:spcPct val="0"/>
+              </a:spcBef>
+              <a:spcAft>
+                <a:spcPct val="0"/>
+              </a:spcAft>
+              <a:defRPr>
+                <a:solidFill>
+                  <a:schemeClr val="tx1"/>
+                </a:solidFill>
+                <a:latin typeface="Comic Sans MS" panose="030F0702030302020204" pitchFamily="66" charset="0"/>
+              </a:defRPr>
+            </a:lvl7pPr>
+            <a:lvl8pPr marL="3429000" indent="-228600" algn="ctr" eaLnBrk="0" fontAlgn="base" hangingPunct="0">
+              <a:spcBef>
+                <a:spcPct val="0"/>
+              </a:spcBef>
+              <a:spcAft>
+                <a:spcPct val="0"/>
+              </a:spcAft>
+              <a:defRPr>
+                <a:solidFill>
+                  <a:schemeClr val="tx1"/>
+                </a:solidFill>
+                <a:latin typeface="Comic Sans MS" panose="030F0702030302020204" pitchFamily="66" charset="0"/>
+              </a:defRPr>
+            </a:lvl8pPr>
+            <a:lvl9pPr marL="3886200" indent="-228600" algn="ctr" eaLnBrk="0" fontAlgn="base" hangingPunct="0">
+              <a:spcBef>
+                <a:spcPct val="0"/>
+              </a:spcBef>
+              <a:spcAft>
+                <a:spcPct val="0"/>
+              </a:spcAft>
+              <a:defRPr>
+                <a:solidFill>
+                  <a:schemeClr val="tx1"/>
+                </a:solidFill>
+                <a:latin typeface="Comic Sans MS" panose="030F0702030302020204" pitchFamily="66" charset="0"/>
+              </a:defRPr>
+            </a:lvl9pPr>
+          </a:lstStyle>
+          <a:p>
+            <a:pPr>
+              <a:lnSpc>
+                <a:spcPts val="2700"/>
+              </a:lnSpc>
+            </a:pPr>
+            <a:r>
+              <a:rPr lang="en-US" altLang="zh-CN" dirty="0" smtClean="0">
+                <a:ea typeface="宋体" panose="02010600030101010101" pitchFamily="2" charset="-122"/>
+              </a:rPr>
+              <a:t>D-Cache</a:t>
+            </a:r>
+            <a:endParaRPr lang="en-US" altLang="zh-CN" dirty="0">
+              <a:ea typeface="宋体" panose="02010600030101010101" pitchFamily="2" charset="-122"/>
+            </a:endParaRPr>
+          </a:p>
+        </p:txBody>
+      </p:sp>
+      <p:grpSp>
+        <p:nvGrpSpPr>
+          <p:cNvPr id="8" name="组合 7"/>
+          <p:cNvGrpSpPr/>
+          <p:nvPr/>
+        </p:nvGrpSpPr>
+        <p:grpSpPr>
+          <a:xfrm rot="5400000">
+            <a:off x="6846521" y="3512345"/>
+            <a:ext cx="718931" cy="1227292"/>
+            <a:chOff x="6124454" y="3059231"/>
+            <a:chExt cx="646645" cy="1155276"/>
+          </a:xfrm>
+        </p:grpSpPr>
+        <p:sp>
+          <p:nvSpPr>
+            <p:cNvPr id="126" name="AutoShape 16"/>
+            <p:cNvSpPr>
+              <a:spLocks noChangeAspect="1" noChangeArrowheads="1"/>
+            </p:cNvSpPr>
+            <p:nvPr/>
+          </p:nvSpPr>
+          <p:spPr bwMode="auto">
+            <a:xfrm rot="16200000">
+              <a:off x="5878961" y="3322369"/>
+              <a:ext cx="1155276" cy="629000"/>
+            </a:xfrm>
+            <a:custGeom>
+              <a:avLst/>
+              <a:gdLst>
+                <a:gd name="T0" fmla="*/ 714 w 21600"/>
+                <a:gd name="T1" fmla="*/ 134 h 21600"/>
+                <a:gd name="T2" fmla="*/ 408 w 21600"/>
+                <a:gd name="T3" fmla="*/ 268 h 21600"/>
+                <a:gd name="T4" fmla="*/ 102 w 21600"/>
+                <a:gd name="T5" fmla="*/ 134 h 21600"/>
+                <a:gd name="T6" fmla="*/ 408 w 21600"/>
+                <a:gd name="T7" fmla="*/ 0 h 21600"/>
+                <a:gd name="T8" fmla="*/ 0 60000 65536"/>
+                <a:gd name="T9" fmla="*/ 0 60000 65536"/>
+                <a:gd name="T10" fmla="*/ 0 60000 65536"/>
+                <a:gd name="T11" fmla="*/ 0 60000 65536"/>
+                <a:gd name="T12" fmla="*/ 4500 w 21600"/>
+                <a:gd name="T13" fmla="*/ 4513 h 21600"/>
+                <a:gd name="T14" fmla="*/ 17100 w 21600"/>
+                <a:gd name="T15" fmla="*/ 17087 h 21600"/>
+              </a:gdLst>
+              <a:ahLst/>
+              <a:cxnLst>
+                <a:cxn ang="T8">
+                  <a:pos x="T0" y="T1"/>
+                </a:cxn>
+                <a:cxn ang="T9">
+                  <a:pos x="T2" y="T3"/>
+                </a:cxn>
+                <a:cxn ang="T10">
+                  <a:pos x="T4" y="T5"/>
+                </a:cxn>
+                <a:cxn ang="T11">
+                  <a:pos x="T6" y="T7"/>
+                </a:cxn>
+              </a:cxnLst>
+              <a:rect l="T12" t="T13" r="T14" b="T15"/>
+              <a:pathLst>
+                <a:path w="21600" h="21600">
+                  <a:moveTo>
+                    <a:pt x="0" y="0"/>
+                  </a:moveTo>
+                  <a:lnTo>
+                    <a:pt x="5400" y="21600"/>
+                  </a:lnTo>
+                  <a:lnTo>
+                    <a:pt x="16200" y="21600"/>
+                  </a:lnTo>
+                  <a:lnTo>
+                    <a:pt x="21600" y="0"/>
+                  </a:lnTo>
+                  <a:lnTo>
+                    <a:pt x="0" y="0"/>
+                  </a:lnTo>
+                  <a:close/>
+                </a:path>
+              </a:pathLst>
+            </a:custGeom>
+            <a:solidFill>
+              <a:srgbClr val="92D050"/>
+            </a:solidFill>
+            <a:ln w="28575">
+              <a:solidFill>
+                <a:schemeClr val="tx1"/>
+              </a:solidFill>
+              <a:miter lim="800000"/>
+              <a:headEnd/>
+              <a:tailEnd/>
+            </a:ln>
+            <a:effectLst/>
+            <a:extLst>
+              <a:ext uri="{AF507438-7753-43E0-B8FC-AC1667EBCBE1}">
+                <a14:hiddenEffects xmlns:a14="http://schemas.microsoft.com/office/drawing/2010/main">
+                  <a:effectLst>
+                    <a:outerShdw dist="35921" dir="2700000" algn="ctr" rotWithShape="0">
+                      <a:schemeClr val="bg2"/>
+                    </a:outerShdw>
+                  </a:effectLst>
+                </a14:hiddenEffects>
+              </a:ext>
+            </a:extLst>
+          </p:spPr>
+          <p:txBody>
+            <a:bodyPr vert="eaVert" wrap="none" anchor="ctr"/>
+            <a:lstStyle/>
+            <a:p>
+              <a:endParaRPr lang="zh-CN" altLang="en-US" dirty="0"/>
+            </a:p>
+          </p:txBody>
+        </p:sp>
+        <p:sp>
+          <p:nvSpPr>
+            <p:cNvPr id="127" name="Freeform 19"/>
+            <p:cNvSpPr>
+              <a:spLocks noChangeAspect="1"/>
+            </p:cNvSpPr>
+            <p:nvPr/>
+          </p:nvSpPr>
+          <p:spPr bwMode="auto">
+            <a:xfrm rot="5400000">
+              <a:off x="6105502" y="3495753"/>
+              <a:ext cx="328881" cy="290977"/>
+            </a:xfrm>
+            <a:custGeom>
+              <a:avLst/>
+              <a:gdLst>
+                <a:gd name="T0" fmla="*/ 0 w 384"/>
+                <a:gd name="T1" fmla="*/ 115 h 288"/>
+                <a:gd name="T2" fmla="*/ 123 w 384"/>
+                <a:gd name="T3" fmla="*/ 0 h 288"/>
+                <a:gd name="T4" fmla="*/ 245 w 384"/>
+                <a:gd name="T5" fmla="*/ 115 h 288"/>
+                <a:gd name="T6" fmla="*/ 0 60000 65536"/>
+                <a:gd name="T7" fmla="*/ 0 60000 65536"/>
+                <a:gd name="T8" fmla="*/ 0 60000 65536"/>
+              </a:gdLst>
+              <a:ahLst/>
+              <a:cxnLst>
+                <a:cxn ang="T6">
+                  <a:pos x="T0" y="T1"/>
+                </a:cxn>
+                <a:cxn ang="T7">
+                  <a:pos x="T2" y="T3"/>
+                </a:cxn>
+                <a:cxn ang="T8">
+                  <a:pos x="T4" y="T5"/>
+                </a:cxn>
+              </a:cxnLst>
+              <a:rect l="0" t="0" r="r" b="b"/>
+              <a:pathLst>
+                <a:path w="384" h="288">
+                  <a:moveTo>
+                    <a:pt x="0" y="288"/>
+                  </a:moveTo>
+                  <a:lnTo>
+                    <a:pt x="192" y="0"/>
+                  </a:lnTo>
+                  <a:lnTo>
+                    <a:pt x="384" y="288"/>
+                  </a:lnTo>
+                </a:path>
+              </a:pathLst>
+            </a:custGeom>
+            <a:solidFill>
+              <a:schemeClr val="bg1"/>
+            </a:solidFill>
+            <a:ln w="28575" cap="flat" cmpd="sng">
+              <a:solidFill>
+                <a:schemeClr val="tx1"/>
+              </a:solidFill>
+              <a:prstDash val="solid"/>
+              <a:round/>
+              <a:headEnd type="none" w="med" len="med"/>
+              <a:tailEnd type="none" w="med" len="med"/>
+            </a:ln>
+            <a:effectLst/>
+            <a:extLst>
+              <a:ext uri="{AF507438-7753-43E0-B8FC-AC1667EBCBE1}">
+                <a14:hiddenEffects xmlns:a14="http://schemas.microsoft.com/office/drawing/2010/main">
+                  <a:effectLst>
+                    <a:outerShdw dist="35921" dir="2700000" algn="ctr" rotWithShape="0">
+                      <a:schemeClr val="bg2"/>
+                    </a:outerShdw>
+                  </a:effectLst>
+                </a14:hiddenEffects>
+              </a:ext>
+            </a:extLst>
+          </p:spPr>
+          <p:txBody>
+            <a:bodyPr wrap="none" anchor="ctr"/>
+            <a:lstStyle/>
+            <a:p>
+              <a:endParaRPr lang="zh-CN" altLang="en-US"/>
+            </a:p>
+          </p:txBody>
+        </p:sp>
+      </p:grpSp>
+      <p:sp>
+        <p:nvSpPr>
+          <p:cNvPr id="128" name="Rectangle 27"/>
+          <p:cNvSpPr>
+            <a:spLocks noChangeArrowheads="1"/>
+          </p:cNvSpPr>
+          <p:nvPr/>
+        </p:nvSpPr>
+        <p:spPr bwMode="auto">
+          <a:xfrm rot="16200000">
+            <a:off x="641667" y="2338620"/>
+            <a:ext cx="791216" cy="949461"/>
+          </a:xfrm>
+          <a:prstGeom prst="rect">
+            <a:avLst/>
+          </a:prstGeom>
+          <a:solidFill>
+            <a:schemeClr val="accent4">
+              <a:lumMod val="40000"/>
+              <a:lumOff val="60000"/>
+            </a:schemeClr>
+          </a:solidFill>
+          <a:ln w="28575">
+            <a:solidFill>
+              <a:schemeClr val="tx1"/>
+            </a:solidFill>
+            <a:miter lim="800000"/>
+            <a:headEnd/>
+            <a:tailEnd/>
+          </a:ln>
+          <a:effectLst/>
+        </p:spPr>
+        <p:txBody>
+          <a:bodyPr vert="eaVert" wrap="none" anchor="ctr"/>
+          <a:lstStyle>
+            <a:lvl1pPr algn="ctr">
+              <a:defRPr>
+                <a:solidFill>
+                  <a:schemeClr val="tx1"/>
+                </a:solidFill>
+                <a:latin typeface="Comic Sans MS" panose="030F0702030302020204" pitchFamily="66" charset="0"/>
+              </a:defRPr>
+            </a:lvl1pPr>
+            <a:lvl2pPr marL="742950" indent="-285750" algn="ctr">
+              <a:defRPr>
+                <a:solidFill>
+                  <a:schemeClr val="tx1"/>
+                </a:solidFill>
+                <a:latin typeface="Comic Sans MS" panose="030F0702030302020204" pitchFamily="66" charset="0"/>
+              </a:defRPr>
+            </a:lvl2pPr>
+            <a:lvl3pPr marL="1143000" indent="-228600" algn="ctr">
+              <a:defRPr>
+                <a:solidFill>
+                  <a:schemeClr val="tx1"/>
+                </a:solidFill>
+                <a:latin typeface="Comic Sans MS" panose="030F0702030302020204" pitchFamily="66" charset="0"/>
+              </a:defRPr>
+            </a:lvl3pPr>
+            <a:lvl4pPr marL="1600200" indent="-228600" algn="ctr">
+              <a:defRPr>
+                <a:solidFill>
+                  <a:schemeClr val="tx1"/>
+                </a:solidFill>
+                <a:latin typeface="Comic Sans MS" panose="030F0702030302020204" pitchFamily="66" charset="0"/>
+              </a:defRPr>
+            </a:lvl4pPr>
+            <a:lvl5pPr marL="2057400" indent="-228600" algn="ctr">
+              <a:defRPr>
+                <a:solidFill>
+                  <a:schemeClr val="tx1"/>
+                </a:solidFill>
+                <a:latin typeface="Comic Sans MS" panose="030F0702030302020204" pitchFamily="66" charset="0"/>
+              </a:defRPr>
+            </a:lvl5pPr>
+            <a:lvl6pPr marL="2514600" indent="-228600" algn="ctr" eaLnBrk="0" fontAlgn="base" hangingPunct="0">
+              <a:spcBef>
+                <a:spcPct val="0"/>
+              </a:spcBef>
+              <a:spcAft>
+                <a:spcPct val="0"/>
+              </a:spcAft>
+              <a:defRPr>
+                <a:solidFill>
+                  <a:schemeClr val="tx1"/>
+                </a:solidFill>
+                <a:latin typeface="Comic Sans MS" panose="030F0702030302020204" pitchFamily="66" charset="0"/>
+              </a:defRPr>
+            </a:lvl6pPr>
+            <a:lvl7pPr marL="2971800" indent="-228600" algn="ctr" eaLnBrk="0" fontAlgn="base" hangingPunct="0">
+              <a:spcBef>
+                <a:spcPct val="0"/>
+              </a:spcBef>
+              <a:spcAft>
+                <a:spcPct val="0"/>
+              </a:spcAft>
+              <a:defRPr>
+                <a:solidFill>
+                  <a:schemeClr val="tx1"/>
+                </a:solidFill>
+                <a:latin typeface="Comic Sans MS" panose="030F0702030302020204" pitchFamily="66" charset="0"/>
+              </a:defRPr>
+            </a:lvl7pPr>
+            <a:lvl8pPr marL="3429000" indent="-228600" algn="ctr" eaLnBrk="0" fontAlgn="base" hangingPunct="0">
+              <a:spcBef>
+                <a:spcPct val="0"/>
+              </a:spcBef>
+              <a:spcAft>
+                <a:spcPct val="0"/>
+              </a:spcAft>
+              <a:defRPr>
+                <a:solidFill>
+                  <a:schemeClr val="tx1"/>
+                </a:solidFill>
+                <a:latin typeface="Comic Sans MS" panose="030F0702030302020204" pitchFamily="66" charset="0"/>
+              </a:defRPr>
+            </a:lvl8pPr>
+            <a:lvl9pPr marL="3886200" indent="-228600" algn="ctr" eaLnBrk="0" fontAlgn="base" hangingPunct="0">
+              <a:spcBef>
+                <a:spcPct val="0"/>
+              </a:spcBef>
+              <a:spcAft>
+                <a:spcPct val="0"/>
+              </a:spcAft>
+              <a:defRPr>
+                <a:solidFill>
+                  <a:schemeClr val="tx1"/>
+                </a:solidFill>
+                <a:latin typeface="Comic Sans MS" panose="030F0702030302020204" pitchFamily="66" charset="0"/>
+              </a:defRPr>
+            </a:lvl9pPr>
+          </a:lstStyle>
+          <a:p>
+            <a:r>
+              <a:rPr lang="en-US" altLang="zh-CN" dirty="0" smtClean="0">
+                <a:ea typeface="宋体" panose="02010600030101010101" pitchFamily="2" charset="-122"/>
+              </a:rPr>
+              <a:t>PC Reg</a:t>
+            </a:r>
+            <a:endParaRPr lang="en-US" altLang="zh-CN" dirty="0">
+              <a:ea typeface="宋体" panose="02010600030101010101" pitchFamily="2" charset="-122"/>
+            </a:endParaRPr>
+          </a:p>
+        </p:txBody>
+      </p:sp>
+      <p:sp>
+        <p:nvSpPr>
+          <p:cNvPr id="129" name="矩形 128"/>
           <p:cNvSpPr/>
           <p:nvPr/>
         </p:nvSpPr>
         <p:spPr>
           <a:xfrm>
-            <a:off x="792479" y="2438399"/>
-            <a:ext cx="1158240" cy="818605"/>
+            <a:off x="6920111" y="4072814"/>
+            <a:ext cx="649538" cy="409920"/>
           </a:xfrm>
           <a:prstGeom prst="rect">
             <a:avLst/>
           </a:prstGeom>
         </p:spPr>
+        <p:txBody>
+          <a:bodyPr wrap="none">
+            <a:spAutoFit/>
+          </a:bodyPr>
+          <a:lstStyle/>
+          <a:p>
+            <a:pPr algn="ctr">
+              <a:lnSpc>
+                <a:spcPts val="2700"/>
+              </a:lnSpc>
+            </a:pPr>
+            <a:r>
+              <a:rPr lang="en-US" altLang="zh-CN" dirty="0">
+                <a:latin typeface="Comic Sans MS" panose="030F0702030302020204" pitchFamily="66" charset="0"/>
+                <a:ea typeface="宋体" panose="02010600030101010101" pitchFamily="2" charset="-122"/>
+              </a:rPr>
+              <a:t>ALU</a:t>
+            </a:r>
+            <a:endParaRPr lang="en-US" altLang="zh-CN" dirty="0">
+              <a:latin typeface="Comic Sans MS" panose="030F0702030302020204" pitchFamily="66" charset="0"/>
+              <a:ea typeface="宋体" panose="02010600030101010101" pitchFamily="2" charset="-122"/>
+            </a:endParaRPr>
+          </a:p>
+        </p:txBody>
+      </p:sp>
+      <p:sp>
+        <p:nvSpPr>
+          <p:cNvPr id="130" name="Line 58"/>
+          <p:cNvSpPr>
+            <a:spLocks noChangeShapeType="1"/>
+          </p:cNvSpPr>
+          <p:nvPr/>
+        </p:nvSpPr>
+        <p:spPr bwMode="auto">
+          <a:xfrm>
+            <a:off x="1530344" y="2805398"/>
+            <a:ext cx="457200" cy="0"/>
+          </a:xfrm>
+          <a:prstGeom prst="line">
+            <a:avLst/>
+          </a:prstGeom>
+          <a:noFill/>
+          <a:ln w="28575">
+            <a:solidFill>
+              <a:schemeClr val="tx1"/>
+            </a:solidFill>
+            <a:round/>
+            <a:headEnd/>
+            <a:tailEnd type="triangle" w="med" len="med"/>
+          </a:ln>
+          <a:effectLst/>
+          <a:extLst>
+            <a:ext uri="{909E8E84-426E-40DD-AFC4-6F175D3DCCD1}">
+              <a14:hiddenFill xmlns:a14="http://schemas.microsoft.com/office/drawing/2010/main">
+                <a:noFill/>
+              </a14:hiddenFill>
+            </a:ext>
+            <a:ext uri="{AF507438-7753-43E0-B8FC-AC1667EBCBE1}">
+              <a14:hiddenEffects xmlns:a14="http://schemas.microsoft.com/office/drawing/2010/main">
+                <a:effectLst>
+                  <a:outerShdw dist="35921" dir="2700000" algn="ctr" rotWithShape="0">
+                    <a:schemeClr val="bg2"/>
+                  </a:outerShdw>
+                </a:effectLst>
+              </a14:hiddenEffects>
+            </a:ext>
+          </a:extLst>
+        </p:spPr>
+        <p:txBody>
+          <a:bodyPr wrap="none" anchor="ctr"/>
+          <a:lstStyle/>
+          <a:p>
+            <a:endParaRPr lang="zh-CN" altLang="en-US"/>
+          </a:p>
+        </p:txBody>
+      </p:sp>
+      <p:sp>
+        <p:nvSpPr>
+          <p:cNvPr id="131" name="Line 58"/>
+          <p:cNvSpPr>
+            <a:spLocks noChangeShapeType="1"/>
+          </p:cNvSpPr>
+          <p:nvPr/>
+        </p:nvSpPr>
+        <p:spPr bwMode="auto">
+          <a:xfrm>
+            <a:off x="3276776" y="2805398"/>
+            <a:ext cx="390334" cy="0"/>
+          </a:xfrm>
+          <a:prstGeom prst="line">
+            <a:avLst/>
+          </a:prstGeom>
+          <a:noFill/>
+          <a:ln w="28575">
+            <a:solidFill>
+              <a:schemeClr val="tx1"/>
+            </a:solidFill>
+            <a:round/>
+            <a:headEnd/>
+            <a:tailEnd type="triangle" w="med" len="med"/>
+          </a:ln>
+          <a:effectLst/>
+          <a:extLst>
+            <a:ext uri="{909E8E84-426E-40DD-AFC4-6F175D3DCCD1}">
+              <a14:hiddenFill xmlns:a14="http://schemas.microsoft.com/office/drawing/2010/main">
+                <a:noFill/>
+              </a14:hiddenFill>
+            </a:ext>
+            <a:ext uri="{AF507438-7753-43E0-B8FC-AC1667EBCBE1}">
+              <a14:hiddenEffects xmlns:a14="http://schemas.microsoft.com/office/drawing/2010/main">
+                <a:effectLst>
+                  <a:outerShdw dist="35921" dir="2700000" algn="ctr" rotWithShape="0">
+                    <a:schemeClr val="bg2"/>
+                  </a:outerShdw>
+                </a:effectLst>
+              </a14:hiddenEffects>
+            </a:ext>
+          </a:extLst>
+        </p:spPr>
+        <p:txBody>
+          <a:bodyPr wrap="none" anchor="ctr"/>
+          <a:lstStyle/>
+          <a:p>
+            <a:endParaRPr lang="zh-CN" altLang="en-US"/>
+          </a:p>
+        </p:txBody>
+      </p:sp>
+      <p:sp>
+        <p:nvSpPr>
+          <p:cNvPr id="132" name="Line 58"/>
+          <p:cNvSpPr>
+            <a:spLocks noChangeShapeType="1"/>
+          </p:cNvSpPr>
+          <p:nvPr/>
+        </p:nvSpPr>
+        <p:spPr bwMode="auto">
+          <a:xfrm flipV="1">
+            <a:off x="3977056" y="2805398"/>
+            <a:ext cx="339852" cy="2178"/>
+          </a:xfrm>
+          <a:prstGeom prst="line">
+            <a:avLst/>
+          </a:prstGeom>
+          <a:noFill/>
+          <a:ln w="28575">
+            <a:solidFill>
+              <a:schemeClr val="tx1"/>
+            </a:solidFill>
+            <a:round/>
+            <a:headEnd/>
+            <a:tailEnd type="triangle" w="med" len="med"/>
+          </a:ln>
+          <a:effectLst/>
+          <a:extLst>
+            <a:ext uri="{909E8E84-426E-40DD-AFC4-6F175D3DCCD1}">
+              <a14:hiddenFill xmlns:a14="http://schemas.microsoft.com/office/drawing/2010/main">
+                <a:noFill/>
+              </a14:hiddenFill>
+            </a:ext>
+            <a:ext uri="{AF507438-7753-43E0-B8FC-AC1667EBCBE1}">
+              <a14:hiddenEffects xmlns:a14="http://schemas.microsoft.com/office/drawing/2010/main">
+                <a:effectLst>
+                  <a:outerShdw dist="35921" dir="2700000" algn="ctr" rotWithShape="0">
+                    <a:schemeClr val="bg2"/>
+                  </a:outerShdw>
+                </a:effectLst>
+              </a14:hiddenEffects>
+            </a:ext>
+          </a:extLst>
+        </p:spPr>
+        <p:txBody>
+          <a:bodyPr wrap="none" anchor="ctr"/>
+          <a:lstStyle/>
+          <a:p>
+            <a:endParaRPr lang="zh-CN" altLang="en-US"/>
+          </a:p>
+        </p:txBody>
+      </p:sp>
+      <p:sp>
+        <p:nvSpPr>
+          <p:cNvPr id="133" name="Line 58"/>
+          <p:cNvSpPr>
+            <a:spLocks noChangeShapeType="1"/>
+          </p:cNvSpPr>
+          <p:nvPr/>
+        </p:nvSpPr>
+        <p:spPr bwMode="auto">
+          <a:xfrm flipV="1">
+            <a:off x="5589004" y="2805398"/>
+            <a:ext cx="325217" cy="0"/>
+          </a:xfrm>
+          <a:prstGeom prst="line">
+            <a:avLst/>
+          </a:prstGeom>
+          <a:noFill/>
+          <a:ln w="28575">
+            <a:solidFill>
+              <a:schemeClr val="tx1"/>
+            </a:solidFill>
+            <a:round/>
+            <a:headEnd/>
+            <a:tailEnd type="triangle" w="med" len="med"/>
+          </a:ln>
+          <a:effectLst/>
+          <a:extLst>
+            <a:ext uri="{909E8E84-426E-40DD-AFC4-6F175D3DCCD1}">
+              <a14:hiddenFill xmlns:a14="http://schemas.microsoft.com/office/drawing/2010/main">
+                <a:noFill/>
+              </a14:hiddenFill>
+            </a:ext>
+            <a:ext uri="{AF507438-7753-43E0-B8FC-AC1667EBCBE1}">
+              <a14:hiddenEffects xmlns:a14="http://schemas.microsoft.com/office/drawing/2010/main">
+                <a:effectLst>
+                  <a:outerShdw dist="35921" dir="2700000" algn="ctr" rotWithShape="0">
+                    <a:schemeClr val="bg2"/>
+                  </a:outerShdw>
+                </a:effectLst>
+              </a14:hiddenEffects>
+            </a:ext>
+          </a:extLst>
+        </p:spPr>
+        <p:txBody>
+          <a:bodyPr wrap="none" anchor="ctr"/>
+          <a:lstStyle/>
+          <a:p>
+            <a:endParaRPr lang="zh-CN" altLang="en-US"/>
+          </a:p>
+        </p:txBody>
+      </p:sp>
+      <p:sp>
+        <p:nvSpPr>
+          <p:cNvPr id="134" name="Line 58"/>
+          <p:cNvSpPr>
+            <a:spLocks noChangeShapeType="1"/>
+          </p:cNvSpPr>
+          <p:nvPr/>
+        </p:nvSpPr>
+        <p:spPr bwMode="auto">
+          <a:xfrm flipV="1">
+            <a:off x="6224169" y="2805398"/>
+            <a:ext cx="362176" cy="0"/>
+          </a:xfrm>
+          <a:prstGeom prst="line">
+            <a:avLst/>
+          </a:prstGeom>
+          <a:noFill/>
+          <a:ln w="28575">
+            <a:solidFill>
+              <a:schemeClr val="tx1"/>
+            </a:solidFill>
+            <a:round/>
+            <a:headEnd/>
+            <a:tailEnd type="triangle" w="med" len="med"/>
+          </a:ln>
+          <a:effectLst/>
+          <a:extLst>
+            <a:ext uri="{909E8E84-426E-40DD-AFC4-6F175D3DCCD1}">
+              <a14:hiddenFill xmlns:a14="http://schemas.microsoft.com/office/drawing/2010/main">
+                <a:noFill/>
+              </a14:hiddenFill>
+            </a:ext>
+            <a:ext uri="{AF507438-7753-43E0-B8FC-AC1667EBCBE1}">
+              <a14:hiddenEffects xmlns:a14="http://schemas.microsoft.com/office/drawing/2010/main">
+                <a:effectLst>
+                  <a:outerShdw dist="35921" dir="2700000" algn="ctr" rotWithShape="0">
+                    <a:schemeClr val="bg2"/>
+                  </a:outerShdw>
+                </a:effectLst>
+              </a14:hiddenEffects>
+            </a:ext>
+          </a:extLst>
+        </p:spPr>
+        <p:txBody>
+          <a:bodyPr wrap="none" anchor="ctr"/>
+          <a:lstStyle/>
+          <a:p>
+            <a:endParaRPr lang="zh-CN" altLang="en-US"/>
+          </a:p>
+        </p:txBody>
+      </p:sp>
+      <p:sp>
+        <p:nvSpPr>
+          <p:cNvPr id="135" name="Line 58"/>
+          <p:cNvSpPr>
+            <a:spLocks noChangeShapeType="1"/>
+          </p:cNvSpPr>
+          <p:nvPr/>
+        </p:nvSpPr>
+        <p:spPr bwMode="auto">
+          <a:xfrm flipV="1">
+            <a:off x="7857272" y="2811266"/>
+            <a:ext cx="362176" cy="0"/>
+          </a:xfrm>
+          <a:prstGeom prst="line">
+            <a:avLst/>
+          </a:prstGeom>
+          <a:noFill/>
+          <a:ln w="28575">
+            <a:solidFill>
+              <a:schemeClr val="tx1"/>
+            </a:solidFill>
+            <a:round/>
+            <a:headEnd/>
+            <a:tailEnd type="triangle" w="med" len="med"/>
+          </a:ln>
+          <a:effectLst/>
+          <a:extLst>
+            <a:ext uri="{909E8E84-426E-40DD-AFC4-6F175D3DCCD1}">
+              <a14:hiddenFill xmlns:a14="http://schemas.microsoft.com/office/drawing/2010/main">
+                <a:noFill/>
+              </a14:hiddenFill>
+            </a:ext>
+            <a:ext uri="{AF507438-7753-43E0-B8FC-AC1667EBCBE1}">
+              <a14:hiddenEffects xmlns:a14="http://schemas.microsoft.com/office/drawing/2010/main">
+                <a:effectLst>
+                  <a:outerShdw dist="35921" dir="2700000" algn="ctr" rotWithShape="0">
+                    <a:schemeClr val="bg2"/>
+                  </a:outerShdw>
+                </a:effectLst>
+              </a14:hiddenEffects>
+            </a:ext>
+          </a:extLst>
+        </p:spPr>
+        <p:txBody>
+          <a:bodyPr wrap="none" anchor="ctr"/>
+          <a:lstStyle/>
+          <a:p>
+            <a:endParaRPr lang="zh-CN" altLang="en-US"/>
+          </a:p>
+        </p:txBody>
+      </p:sp>
+      <p:sp>
+        <p:nvSpPr>
+          <p:cNvPr id="136" name="Line 58"/>
+          <p:cNvSpPr>
+            <a:spLocks noChangeShapeType="1"/>
+          </p:cNvSpPr>
+          <p:nvPr/>
+        </p:nvSpPr>
+        <p:spPr bwMode="auto">
+          <a:xfrm flipV="1">
+            <a:off x="8527780" y="2805398"/>
+            <a:ext cx="391947" cy="0"/>
+          </a:xfrm>
+          <a:prstGeom prst="line">
+            <a:avLst/>
+          </a:prstGeom>
+          <a:noFill/>
+          <a:ln w="28575">
+            <a:solidFill>
+              <a:schemeClr val="tx1"/>
+            </a:solidFill>
+            <a:round/>
+            <a:headEnd/>
+            <a:tailEnd type="triangle" w="med" len="med"/>
+          </a:ln>
+          <a:effectLst/>
+          <a:extLst>
+            <a:ext uri="{909E8E84-426E-40DD-AFC4-6F175D3DCCD1}">
+              <a14:hiddenFill xmlns:a14="http://schemas.microsoft.com/office/drawing/2010/main">
+                <a:noFill/>
+              </a14:hiddenFill>
+            </a:ext>
+            <a:ext uri="{AF507438-7753-43E0-B8FC-AC1667EBCBE1}">
+              <a14:hiddenEffects xmlns:a14="http://schemas.microsoft.com/office/drawing/2010/main">
+                <a:effectLst>
+                  <a:outerShdw dist="35921" dir="2700000" algn="ctr" rotWithShape="0">
+                    <a:schemeClr val="bg2"/>
+                  </a:outerShdw>
+                </a:effectLst>
+              </a14:hiddenEffects>
+            </a:ext>
+          </a:extLst>
+        </p:spPr>
+        <p:txBody>
+          <a:bodyPr wrap="none" anchor="ctr"/>
+          <a:lstStyle/>
+          <a:p>
+            <a:endParaRPr lang="zh-CN" altLang="en-US"/>
+          </a:p>
+        </p:txBody>
+      </p:sp>
+      <p:sp>
+        <p:nvSpPr>
+          <p:cNvPr id="137" name="Line 58"/>
+          <p:cNvSpPr>
+            <a:spLocks noChangeShapeType="1"/>
+          </p:cNvSpPr>
+          <p:nvPr/>
+        </p:nvSpPr>
+        <p:spPr bwMode="auto">
+          <a:xfrm flipV="1">
+            <a:off x="10368518" y="2805398"/>
+            <a:ext cx="391947" cy="0"/>
+          </a:xfrm>
+          <a:prstGeom prst="line">
+            <a:avLst/>
+          </a:prstGeom>
+          <a:noFill/>
+          <a:ln w="28575">
+            <a:solidFill>
+              <a:schemeClr val="tx1"/>
+            </a:solidFill>
+            <a:round/>
+            <a:headEnd/>
+            <a:tailEnd type="triangle" w="med" len="med"/>
+          </a:ln>
+          <a:effectLst/>
+          <a:extLst>
+            <a:ext uri="{909E8E84-426E-40DD-AFC4-6F175D3DCCD1}">
+              <a14:hiddenFill xmlns:a14="http://schemas.microsoft.com/office/drawing/2010/main">
+                <a:noFill/>
+              </a14:hiddenFill>
+            </a:ext>
+            <a:ext uri="{AF507438-7753-43E0-B8FC-AC1667EBCBE1}">
+              <a14:hiddenEffects xmlns:a14="http://schemas.microsoft.com/office/drawing/2010/main">
+                <a:effectLst>
+                  <a:outerShdw dist="35921" dir="2700000" algn="ctr" rotWithShape="0">
+                    <a:schemeClr val="bg2"/>
+                  </a:outerShdw>
+                </a:effectLst>
+              </a14:hiddenEffects>
+            </a:ext>
+          </a:extLst>
+        </p:spPr>
+        <p:txBody>
+          <a:bodyPr wrap="none" anchor="ctr"/>
+          <a:lstStyle/>
+          <a:p>
+            <a:endParaRPr lang="zh-CN" altLang="en-US"/>
+          </a:p>
+        </p:txBody>
+      </p:sp>
+      <p:sp>
+        <p:nvSpPr>
+          <p:cNvPr id="138" name="Line 58"/>
+          <p:cNvSpPr>
+            <a:spLocks noChangeShapeType="1"/>
+          </p:cNvSpPr>
+          <p:nvPr/>
+        </p:nvSpPr>
+        <p:spPr bwMode="auto">
+          <a:xfrm>
+            <a:off x="6824324" y="3208959"/>
+            <a:ext cx="0" cy="574461"/>
+          </a:xfrm>
+          <a:prstGeom prst="line">
+            <a:avLst/>
+          </a:prstGeom>
+          <a:noFill/>
+          <a:ln w="28575">
+            <a:solidFill>
+              <a:schemeClr val="tx1"/>
+            </a:solidFill>
+            <a:round/>
+            <a:headEnd/>
+            <a:tailEnd type="triangle" w="med" len="med"/>
+          </a:ln>
+          <a:effectLst/>
+          <a:extLst>
+            <a:ext uri="{909E8E84-426E-40DD-AFC4-6F175D3DCCD1}">
+              <a14:hiddenFill xmlns:a14="http://schemas.microsoft.com/office/drawing/2010/main">
+                <a:noFill/>
+              </a14:hiddenFill>
+            </a:ext>
+            <a:ext uri="{AF507438-7753-43E0-B8FC-AC1667EBCBE1}">
+              <a14:hiddenEffects xmlns:a14="http://schemas.microsoft.com/office/drawing/2010/main">
+                <a:effectLst>
+                  <a:outerShdw dist="35921" dir="2700000" algn="ctr" rotWithShape="0">
+                    <a:schemeClr val="bg2"/>
+                  </a:outerShdw>
+                </a:effectLst>
+              </a14:hiddenEffects>
+            </a:ext>
+          </a:extLst>
+        </p:spPr>
+        <p:txBody>
+          <a:bodyPr wrap="none" anchor="ctr"/>
+          <a:lstStyle/>
+          <a:p>
+            <a:endParaRPr lang="zh-CN" altLang="en-US"/>
+          </a:p>
+        </p:txBody>
+      </p:sp>
+      <p:sp>
+        <p:nvSpPr>
+          <p:cNvPr id="139" name="Line 58"/>
+          <p:cNvSpPr>
+            <a:spLocks noChangeShapeType="1"/>
+          </p:cNvSpPr>
+          <p:nvPr/>
+        </p:nvSpPr>
+        <p:spPr bwMode="auto">
+          <a:xfrm>
+            <a:off x="7595526" y="3228576"/>
+            <a:ext cx="1" cy="554844"/>
+          </a:xfrm>
+          <a:prstGeom prst="line">
+            <a:avLst/>
+          </a:prstGeom>
+          <a:noFill/>
+          <a:ln w="28575">
+            <a:solidFill>
+              <a:schemeClr val="tx1"/>
+            </a:solidFill>
+            <a:round/>
+            <a:headEnd/>
+            <a:tailEnd type="triangle" w="med" len="med"/>
+          </a:ln>
+          <a:effectLst/>
+          <a:extLst>
+            <a:ext uri="{909E8E84-426E-40DD-AFC4-6F175D3DCCD1}">
+              <a14:hiddenFill xmlns:a14="http://schemas.microsoft.com/office/drawing/2010/main">
+                <a:noFill/>
+              </a14:hiddenFill>
+            </a:ext>
+            <a:ext uri="{AF507438-7753-43E0-B8FC-AC1667EBCBE1}">
+              <a14:hiddenEffects xmlns:a14="http://schemas.microsoft.com/office/drawing/2010/main">
+                <a:effectLst>
+                  <a:outerShdw dist="35921" dir="2700000" algn="ctr" rotWithShape="0">
+                    <a:schemeClr val="bg2"/>
+                  </a:outerShdw>
+                </a:effectLst>
+              </a14:hiddenEffects>
+            </a:ext>
+          </a:extLst>
+        </p:spPr>
+        <p:txBody>
+          <a:bodyPr wrap="none" anchor="ctr"/>
+          <a:lstStyle/>
+          <a:p>
+            <a:endParaRPr lang="zh-CN" altLang="en-US"/>
+          </a:p>
+        </p:txBody>
+      </p:sp>
+      <p:cxnSp>
+        <p:nvCxnSpPr>
+          <p:cNvPr id="158" name="肘形连接符 157"/>
+          <p:cNvCxnSpPr>
+            <a:stCxn id="129" idx="2"/>
+          </p:cNvCxnSpPr>
+          <p:nvPr/>
+        </p:nvCxnSpPr>
+        <p:spPr>
+          <a:xfrm rot="5400000" flipH="1" flipV="1">
+            <a:off x="6922282" y="3383059"/>
+            <a:ext cx="1422273" cy="777078"/>
+          </a:xfrm>
+          <a:prstGeom prst="bentConnector3">
+            <a:avLst>
+              <a:gd name="adj1" fmla="val -9951"/>
+            </a:avLst>
+          </a:prstGeom>
+          <a:ln w="28575"/>
+        </p:spPr>
         <p:style>
-          <a:lnRef idx="2">
-            <a:schemeClr val="accent1">
-              <a:shade val="50000"/>
-            </a:schemeClr>
+          <a:lnRef idx="1">
+            <a:schemeClr val="dk1"/>
           </a:lnRef>
-          <a:fillRef idx="1">
+          <a:fillRef idx="0">
+            <a:schemeClr val="dk1"/>
+          </a:fillRef>
+          <a:effectRef idx="0">
+            <a:schemeClr val="dk1"/>
+          </a:effectRef>
+          <a:fontRef idx="minor">
+            <a:schemeClr val="tx1"/>
+          </a:fontRef>
+        </p:style>
+      </p:cxnSp>
+      <p:cxnSp>
+        <p:nvCxnSpPr>
+          <p:cNvPr id="164" name="直接箭头连接符 163"/>
+          <p:cNvCxnSpPr/>
+          <p:nvPr/>
+        </p:nvCxnSpPr>
+        <p:spPr>
+          <a:xfrm flipH="1">
+            <a:off x="7865870" y="3060461"/>
+            <a:ext cx="172489" cy="1"/>
+          </a:xfrm>
+          <a:prstGeom prst="straightConnector1">
+            <a:avLst/>
+          </a:prstGeom>
+          <a:ln w="28575">
+            <a:tailEnd type="triangle"/>
+          </a:ln>
+        </p:spPr>
+        <p:style>
+          <a:lnRef idx="1">
+            <a:schemeClr val="dk1"/>
+          </a:lnRef>
+          <a:fillRef idx="0">
+            <a:schemeClr val="dk1"/>
+          </a:fillRef>
+          <a:effectRef idx="0">
+            <a:schemeClr val="dk1"/>
+          </a:effectRef>
+          <a:fontRef idx="minor">
+            <a:schemeClr val="tx1"/>
+          </a:fontRef>
+        </p:style>
+      </p:cxnSp>
+      <p:cxnSp>
+        <p:nvCxnSpPr>
+          <p:cNvPr id="177" name="直接箭头连接符 176"/>
+          <p:cNvCxnSpPr/>
+          <p:nvPr/>
+        </p:nvCxnSpPr>
+        <p:spPr>
+          <a:xfrm>
+            <a:off x="2376662" y="3208959"/>
+            <a:ext cx="0" cy="507278"/>
+          </a:xfrm>
+          <a:prstGeom prst="straightConnector1">
+            <a:avLst/>
+          </a:prstGeom>
+          <a:ln w="28575">
+            <a:tailEnd type="triangle"/>
+          </a:ln>
+        </p:spPr>
+        <p:style>
+          <a:lnRef idx="1">
+            <a:schemeClr val="dk1"/>
+          </a:lnRef>
+          <a:fillRef idx="0">
+            <a:schemeClr val="dk1"/>
+          </a:fillRef>
+          <a:effectRef idx="0">
+            <a:schemeClr val="dk1"/>
+          </a:effectRef>
+          <a:fontRef idx="minor">
+            <a:schemeClr val="tx1"/>
+          </a:fontRef>
+        </p:style>
+      </p:cxnSp>
+      <p:cxnSp>
+        <p:nvCxnSpPr>
+          <p:cNvPr id="181" name="直接箭头连接符 180"/>
+          <p:cNvCxnSpPr/>
+          <p:nvPr/>
+        </p:nvCxnSpPr>
+        <p:spPr>
+          <a:xfrm flipH="1" flipV="1">
+            <a:off x="2794526" y="3208959"/>
+            <a:ext cx="7374" cy="507278"/>
+          </a:xfrm>
+          <a:prstGeom prst="straightConnector1">
+            <a:avLst/>
+          </a:prstGeom>
+          <a:ln w="28575">
+            <a:tailEnd type="triangle"/>
+          </a:ln>
+        </p:spPr>
+        <p:style>
+          <a:lnRef idx="1">
+            <a:schemeClr val="dk1"/>
+          </a:lnRef>
+          <a:fillRef idx="0">
+            <a:schemeClr val="dk1"/>
+          </a:fillRef>
+          <a:effectRef idx="0">
+            <a:schemeClr val="dk1"/>
+          </a:effectRef>
+          <a:fontRef idx="minor">
+            <a:schemeClr val="tx1"/>
+          </a:fontRef>
+        </p:style>
+      </p:cxnSp>
+      <p:cxnSp>
+        <p:nvCxnSpPr>
+          <p:cNvPr id="190" name="直接箭头连接符 189"/>
+          <p:cNvCxnSpPr/>
+          <p:nvPr/>
+        </p:nvCxnSpPr>
+        <p:spPr>
+          <a:xfrm>
+            <a:off x="4697172" y="3208959"/>
+            <a:ext cx="0" cy="507278"/>
+          </a:xfrm>
+          <a:prstGeom prst="straightConnector1">
+            <a:avLst/>
+          </a:prstGeom>
+          <a:ln w="28575">
+            <a:tailEnd type="triangle"/>
+          </a:ln>
+        </p:spPr>
+        <p:style>
+          <a:lnRef idx="1">
+            <a:schemeClr val="dk1"/>
+          </a:lnRef>
+          <a:fillRef idx="0">
+            <a:schemeClr val="dk1"/>
+          </a:fillRef>
+          <a:effectRef idx="0">
+            <a:schemeClr val="dk1"/>
+          </a:effectRef>
+          <a:fontRef idx="minor">
+            <a:schemeClr val="tx1"/>
+          </a:fontRef>
+        </p:style>
+      </p:cxnSp>
+      <p:cxnSp>
+        <p:nvCxnSpPr>
+          <p:cNvPr id="191" name="直接箭头连接符 190"/>
+          <p:cNvCxnSpPr/>
+          <p:nvPr/>
+        </p:nvCxnSpPr>
+        <p:spPr>
+          <a:xfrm flipH="1" flipV="1">
+            <a:off x="5141423" y="3208959"/>
+            <a:ext cx="7374" cy="507278"/>
+          </a:xfrm>
+          <a:prstGeom prst="straightConnector1">
+            <a:avLst/>
+          </a:prstGeom>
+          <a:ln w="28575">
+            <a:tailEnd type="triangle"/>
+          </a:ln>
+        </p:spPr>
+        <p:style>
+          <a:lnRef idx="1">
+            <a:schemeClr val="dk1"/>
+          </a:lnRef>
+          <a:fillRef idx="0">
+            <a:schemeClr val="dk1"/>
+          </a:fillRef>
+          <a:effectRef idx="0">
+            <a:schemeClr val="dk1"/>
+          </a:effectRef>
+          <a:fontRef idx="minor">
+            <a:schemeClr val="tx1"/>
+          </a:fontRef>
+        </p:style>
+      </p:cxnSp>
+      <p:cxnSp>
+        <p:nvCxnSpPr>
+          <p:cNvPr id="192" name="直接箭头连接符 191"/>
+          <p:cNvCxnSpPr/>
+          <p:nvPr/>
+        </p:nvCxnSpPr>
+        <p:spPr>
+          <a:xfrm>
+            <a:off x="9398865" y="3208959"/>
+            <a:ext cx="0" cy="507278"/>
+          </a:xfrm>
+          <a:prstGeom prst="straightConnector1">
+            <a:avLst/>
+          </a:prstGeom>
+          <a:ln w="28575">
+            <a:tailEnd type="triangle"/>
+          </a:ln>
+        </p:spPr>
+        <p:style>
+          <a:lnRef idx="1">
+            <a:schemeClr val="dk1"/>
+          </a:lnRef>
+          <a:fillRef idx="0">
+            <a:schemeClr val="dk1"/>
+          </a:fillRef>
+          <a:effectRef idx="0">
+            <a:schemeClr val="dk1"/>
+          </a:effectRef>
+          <a:fontRef idx="minor">
+            <a:schemeClr val="tx1"/>
+          </a:fontRef>
+        </p:style>
+      </p:cxnSp>
+      <p:cxnSp>
+        <p:nvCxnSpPr>
+          <p:cNvPr id="193" name="直接箭头连接符 192"/>
+          <p:cNvCxnSpPr/>
+          <p:nvPr/>
+        </p:nvCxnSpPr>
+        <p:spPr>
+          <a:xfrm flipH="1" flipV="1">
+            <a:off x="9850937" y="3208959"/>
+            <a:ext cx="7374" cy="507278"/>
+          </a:xfrm>
+          <a:prstGeom prst="straightConnector1">
+            <a:avLst/>
+          </a:prstGeom>
+          <a:ln w="28575">
+            <a:tailEnd type="triangle"/>
+          </a:ln>
+        </p:spPr>
+        <p:style>
+          <a:lnRef idx="1">
+            <a:schemeClr val="dk1"/>
+          </a:lnRef>
+          <a:fillRef idx="0">
+            <a:schemeClr val="dk1"/>
+          </a:fillRef>
+          <a:effectRef idx="0">
+            <a:schemeClr val="dk1"/>
+          </a:effectRef>
+          <a:fontRef idx="minor">
+            <a:schemeClr val="tx1"/>
+          </a:fontRef>
+        </p:style>
+      </p:cxnSp>
+      <p:cxnSp>
+        <p:nvCxnSpPr>
+          <p:cNvPr id="194" name="肘形连接符 193"/>
+          <p:cNvCxnSpPr/>
+          <p:nvPr/>
+        </p:nvCxnSpPr>
+        <p:spPr>
+          <a:xfrm flipV="1">
+            <a:off x="4953540" y="4086690"/>
+            <a:ext cx="6134525" cy="903324"/>
+          </a:xfrm>
+          <a:prstGeom prst="bentConnector3">
+            <a:avLst>
+              <a:gd name="adj1" fmla="val 103235"/>
+            </a:avLst>
+          </a:prstGeom>
+          <a:ln w="28575"/>
+        </p:spPr>
+        <p:style>
+          <a:lnRef idx="1">
+            <a:schemeClr val="dk1"/>
+          </a:lnRef>
+          <a:fillRef idx="0">
+            <a:schemeClr val="dk1"/>
+          </a:fillRef>
+          <a:effectRef idx="0">
+            <a:schemeClr val="dk1"/>
+          </a:effectRef>
+          <a:fontRef idx="minor">
+            <a:schemeClr val="tx1"/>
+          </a:fontRef>
+        </p:style>
+      </p:cxnSp>
+      <p:cxnSp>
+        <p:nvCxnSpPr>
+          <p:cNvPr id="206" name="直接箭头连接符 205"/>
+          <p:cNvCxnSpPr>
+            <a:endCxn id="123" idx="1"/>
+          </p:cNvCxnSpPr>
+          <p:nvPr/>
+        </p:nvCxnSpPr>
+        <p:spPr>
+          <a:xfrm flipH="1" flipV="1">
+            <a:off x="4954603" y="4512776"/>
+            <a:ext cx="6311" cy="477236"/>
+          </a:xfrm>
+          <a:prstGeom prst="straightConnector1">
+            <a:avLst/>
+          </a:prstGeom>
+          <a:ln w="28575">
+            <a:tailEnd type="triangle"/>
+          </a:ln>
+        </p:spPr>
+        <p:style>
+          <a:lnRef idx="1">
+            <a:schemeClr val="dk1"/>
+          </a:lnRef>
+          <a:fillRef idx="0">
+            <a:schemeClr val="dk1"/>
+          </a:fillRef>
+          <a:effectRef idx="0">
+            <a:schemeClr val="dk1"/>
+          </a:effectRef>
+          <a:fontRef idx="minor">
+            <a:schemeClr val="tx1"/>
+          </a:fontRef>
+        </p:style>
+      </p:cxnSp>
+      <p:sp>
+        <p:nvSpPr>
+          <p:cNvPr id="236" name="Rectangle 27"/>
+          <p:cNvSpPr>
+            <a:spLocks noChangeArrowheads="1"/>
+          </p:cNvSpPr>
+          <p:nvPr/>
+        </p:nvSpPr>
+        <p:spPr bwMode="auto">
+          <a:xfrm rot="16200000">
+            <a:off x="1320878" y="491140"/>
+            <a:ext cx="561635" cy="2078302"/>
+          </a:xfrm>
+          <a:prstGeom prst="rect">
+            <a:avLst/>
+          </a:prstGeom>
+          <a:solidFill>
+            <a:srgbClr val="FF9933"/>
+          </a:solidFill>
+          <a:ln w="28575">
+            <a:solidFill>
+              <a:schemeClr val="tx1"/>
+            </a:solidFill>
+            <a:miter lim="800000"/>
+            <a:headEnd/>
+            <a:tailEnd/>
+          </a:ln>
+          <a:effectLst/>
+        </p:spPr>
+        <p:txBody>
+          <a:bodyPr vert="eaVert" wrap="none" anchor="ctr"/>
+          <a:lstStyle>
+            <a:lvl1pPr algn="ctr">
+              <a:defRPr>
+                <a:solidFill>
+                  <a:schemeClr val="tx1"/>
+                </a:solidFill>
+                <a:latin typeface="Comic Sans MS" panose="030F0702030302020204" pitchFamily="66" charset="0"/>
+              </a:defRPr>
+            </a:lvl1pPr>
+            <a:lvl2pPr marL="742950" indent="-285750" algn="ctr">
+              <a:defRPr>
+                <a:solidFill>
+                  <a:schemeClr val="tx1"/>
+                </a:solidFill>
+                <a:latin typeface="Comic Sans MS" panose="030F0702030302020204" pitchFamily="66" charset="0"/>
+              </a:defRPr>
+            </a:lvl2pPr>
+            <a:lvl3pPr marL="1143000" indent="-228600" algn="ctr">
+              <a:defRPr>
+                <a:solidFill>
+                  <a:schemeClr val="tx1"/>
+                </a:solidFill>
+                <a:latin typeface="Comic Sans MS" panose="030F0702030302020204" pitchFamily="66" charset="0"/>
+              </a:defRPr>
+            </a:lvl3pPr>
+            <a:lvl4pPr marL="1600200" indent="-228600" algn="ctr">
+              <a:defRPr>
+                <a:solidFill>
+                  <a:schemeClr val="tx1"/>
+                </a:solidFill>
+                <a:latin typeface="Comic Sans MS" panose="030F0702030302020204" pitchFamily="66" charset="0"/>
+              </a:defRPr>
+            </a:lvl4pPr>
+            <a:lvl5pPr marL="2057400" indent="-228600" algn="ctr">
+              <a:defRPr>
+                <a:solidFill>
+                  <a:schemeClr val="tx1"/>
+                </a:solidFill>
+                <a:latin typeface="Comic Sans MS" panose="030F0702030302020204" pitchFamily="66" charset="0"/>
+              </a:defRPr>
+            </a:lvl5pPr>
+            <a:lvl6pPr marL="2514600" indent="-228600" algn="ctr" eaLnBrk="0" fontAlgn="base" hangingPunct="0">
+              <a:spcBef>
+                <a:spcPct val="0"/>
+              </a:spcBef>
+              <a:spcAft>
+                <a:spcPct val="0"/>
+              </a:spcAft>
+              <a:defRPr>
+                <a:solidFill>
+                  <a:schemeClr val="tx1"/>
+                </a:solidFill>
+                <a:latin typeface="Comic Sans MS" panose="030F0702030302020204" pitchFamily="66" charset="0"/>
+              </a:defRPr>
+            </a:lvl6pPr>
+            <a:lvl7pPr marL="2971800" indent="-228600" algn="ctr" eaLnBrk="0" fontAlgn="base" hangingPunct="0">
+              <a:spcBef>
+                <a:spcPct val="0"/>
+              </a:spcBef>
+              <a:spcAft>
+                <a:spcPct val="0"/>
+              </a:spcAft>
+              <a:defRPr>
+                <a:solidFill>
+                  <a:schemeClr val="tx1"/>
+                </a:solidFill>
+                <a:latin typeface="Comic Sans MS" panose="030F0702030302020204" pitchFamily="66" charset="0"/>
+              </a:defRPr>
+            </a:lvl7pPr>
+            <a:lvl8pPr marL="3429000" indent="-228600" algn="ctr" eaLnBrk="0" fontAlgn="base" hangingPunct="0">
+              <a:spcBef>
+                <a:spcPct val="0"/>
+              </a:spcBef>
+              <a:spcAft>
+                <a:spcPct val="0"/>
+              </a:spcAft>
+              <a:defRPr>
+                <a:solidFill>
+                  <a:schemeClr val="tx1"/>
+                </a:solidFill>
+                <a:latin typeface="Comic Sans MS" panose="030F0702030302020204" pitchFamily="66" charset="0"/>
+              </a:defRPr>
+            </a:lvl8pPr>
+            <a:lvl9pPr marL="3886200" indent="-228600" algn="ctr" eaLnBrk="0" fontAlgn="base" hangingPunct="0">
+              <a:spcBef>
+                <a:spcPct val="0"/>
+              </a:spcBef>
+              <a:spcAft>
+                <a:spcPct val="0"/>
+              </a:spcAft>
+              <a:defRPr>
+                <a:solidFill>
+                  <a:schemeClr val="tx1"/>
+                </a:solidFill>
+                <a:latin typeface="Comic Sans MS" panose="030F0702030302020204" pitchFamily="66" charset="0"/>
+              </a:defRPr>
+            </a:lvl9pPr>
+          </a:lstStyle>
+          <a:p>
+            <a:r>
+              <a:rPr lang="en-US" altLang="zh-CN" dirty="0" smtClean="0">
+                <a:ea typeface="宋体" panose="02010600030101010101" pitchFamily="2" charset="-122"/>
+              </a:rPr>
+              <a:t>Stall Controller</a:t>
+            </a:r>
+            <a:endParaRPr lang="en-US" altLang="zh-CN" dirty="0">
+              <a:ea typeface="宋体" panose="02010600030101010101" pitchFamily="2" charset="-122"/>
+            </a:endParaRPr>
+          </a:p>
+        </p:txBody>
+      </p:sp>
+      <p:cxnSp>
+        <p:nvCxnSpPr>
+          <p:cNvPr id="242" name="直接箭头连接符 241"/>
+          <p:cNvCxnSpPr/>
+          <p:nvPr/>
+        </p:nvCxnSpPr>
+        <p:spPr>
+          <a:xfrm flipH="1" flipV="1">
+            <a:off x="2225373" y="1811108"/>
+            <a:ext cx="7374" cy="606634"/>
+          </a:xfrm>
+          <a:prstGeom prst="straightConnector1">
+            <a:avLst/>
+          </a:prstGeom>
+          <a:ln w="28575">
+            <a:solidFill>
+              <a:srgbClr val="CC0000"/>
+            </a:solidFill>
+            <a:tailEnd type="triangle"/>
+          </a:ln>
+        </p:spPr>
+        <p:style>
+          <a:lnRef idx="1">
+            <a:schemeClr val="dk1"/>
+          </a:lnRef>
+          <a:fillRef idx="0">
+            <a:schemeClr val="dk1"/>
+          </a:fillRef>
+          <a:effectRef idx="0">
+            <a:schemeClr val="dk1"/>
+          </a:effectRef>
+          <a:fontRef idx="minor">
+            <a:schemeClr val="tx1"/>
+          </a:fontRef>
+        </p:style>
+      </p:cxnSp>
+      <p:cxnSp>
+        <p:nvCxnSpPr>
+          <p:cNvPr id="247" name="直接箭头连接符 246"/>
+          <p:cNvCxnSpPr/>
+          <p:nvPr/>
+        </p:nvCxnSpPr>
+        <p:spPr>
+          <a:xfrm flipH="1">
+            <a:off x="1016121" y="1811108"/>
+            <a:ext cx="4223" cy="606634"/>
+          </a:xfrm>
+          <a:prstGeom prst="straightConnector1">
+            <a:avLst/>
+          </a:prstGeom>
+          <a:ln w="28575">
+            <a:solidFill>
+              <a:srgbClr val="CC0000"/>
+            </a:solidFill>
+            <a:tailEnd type="triangle"/>
+          </a:ln>
+        </p:spPr>
+        <p:style>
+          <a:lnRef idx="1">
+            <a:schemeClr val="dk1"/>
+          </a:lnRef>
+          <a:fillRef idx="0">
+            <a:schemeClr val="dk1"/>
+          </a:fillRef>
+          <a:effectRef idx="0">
+            <a:schemeClr val="dk1"/>
+          </a:effectRef>
+          <a:fontRef idx="minor">
+            <a:schemeClr val="tx1"/>
+          </a:fontRef>
+        </p:style>
+      </p:cxnSp>
+      <p:cxnSp>
+        <p:nvCxnSpPr>
+          <p:cNvPr id="254" name="肘形连接符 253"/>
+          <p:cNvCxnSpPr/>
+          <p:nvPr/>
+        </p:nvCxnSpPr>
+        <p:spPr>
+          <a:xfrm>
+            <a:off x="2430236" y="1824955"/>
+            <a:ext cx="1236067" cy="394363"/>
+          </a:xfrm>
+          <a:prstGeom prst="bentConnector3">
+            <a:avLst>
+              <a:gd name="adj1" fmla="val 682"/>
+            </a:avLst>
+          </a:prstGeom>
+          <a:ln w="28575">
+            <a:solidFill>
+              <a:srgbClr val="CC0000"/>
+            </a:solidFill>
+            <a:tailEnd type="triangle"/>
+          </a:ln>
+        </p:spPr>
+        <p:style>
+          <a:lnRef idx="1">
+            <a:schemeClr val="accent1"/>
+          </a:lnRef>
+          <a:fillRef idx="0">
             <a:schemeClr val="accent1"/>
           </a:fillRef>
           <a:effectRef idx="0">
             <a:schemeClr val="accent1"/>
           </a:effectRef>
           <a:fontRef idx="minor">
-            <a:schemeClr val="lt1"/>
+            <a:schemeClr val="tx1"/>
           </a:fontRef>
         </p:style>
-        <p:txBody>
-          <a:bodyPr rtlCol="0" anchor="ctr"/>
-          <a:lstStyle/>
-          <a:p>
-            <a:pPr algn="ctr"/>
-            <a:r>
-              <a:rPr lang="en-US" altLang="zh-CN" dirty="0" smtClean="0"/>
-              <a:t>inst_rom.v</a:t>
-            </a:r>
-            <a:endParaRPr lang="zh-CN" altLang="en-US" dirty="0"/>
-          </a:p>
-        </p:txBody>
-      </p:sp>
-      <p:sp>
-        <p:nvSpPr>
-          <p:cNvPr id="16" name="矩形 15"/>
-          <p:cNvSpPr/>
+      </p:cxnSp>
+      <p:cxnSp>
+        <p:nvCxnSpPr>
+          <p:cNvPr id="266" name="肘形连接符 265"/>
+          <p:cNvCxnSpPr/>
           <p:nvPr/>
-        </p:nvSpPr>
+        </p:nvCxnSpPr>
         <p:spPr>
           <a:xfrm>
-            <a:off x="3570526" y="1467395"/>
-            <a:ext cx="613950" cy="2717074"/>
+            <a:off x="2640847" y="1626529"/>
+            <a:ext cx="3273374" cy="543651"/>
           </a:xfrm>
-          <a:prstGeom prst="rect">
-            <a:avLst/>
+          <a:prstGeom prst="bentConnector3">
+            <a:avLst>
+              <a:gd name="adj1" fmla="val 81970"/>
+            </a:avLst>
           </a:prstGeom>
+          <a:ln w="28575">
+            <a:solidFill>
+              <a:srgbClr val="CC0000"/>
+            </a:solidFill>
+            <a:tailEnd type="triangle"/>
+          </a:ln>
         </p:spPr>
         <p:style>
-          <a:lnRef idx="2">
-            <a:schemeClr val="accent1">
-              <a:shade val="50000"/>
-            </a:schemeClr>
+          <a:lnRef idx="1">
+            <a:schemeClr val="accent1"/>
           </a:lnRef>
-          <a:fillRef idx="1">
+          <a:fillRef idx="0">
             <a:schemeClr val="accent1"/>
           </a:fillRef>
           <a:effectRef idx="0">
             <a:schemeClr val="accent1"/>
           </a:effectRef>
           <a:fontRef idx="minor">
-            <a:schemeClr val="lt1"/>
+            <a:schemeClr val="tx1"/>
           </a:fontRef>
         </p:style>
-        <p:txBody>
-          <a:bodyPr rtlCol="0" anchor="ctr"/>
-          <a:lstStyle/>
-          <a:p>
-            <a:pPr algn="ctr"/>
-            <a:r>
-              <a:rPr lang="en-US" altLang="zh-CN" dirty="0" err="1" smtClean="0"/>
-              <a:t>reg_if_id.v</a:t>
-            </a:r>
-            <a:endParaRPr lang="zh-CN" altLang="en-US" dirty="0"/>
-          </a:p>
-        </p:txBody>
-      </p:sp>
-      <p:sp>
-        <p:nvSpPr>
-          <p:cNvPr id="35" name="矩形 34"/>
-          <p:cNvSpPr/>
+      </p:cxnSp>
+      <p:cxnSp>
+        <p:nvCxnSpPr>
+          <p:cNvPr id="299" name="肘形连接符 298"/>
+          <p:cNvCxnSpPr/>
           <p:nvPr/>
-        </p:nvSpPr>
+        </p:nvCxnSpPr>
         <p:spPr>
           <a:xfrm>
-            <a:off x="5902237" y="1489164"/>
-            <a:ext cx="304802" cy="2717074"/>
+            <a:off x="4604988" y="1626530"/>
+            <a:ext cx="3614460" cy="543650"/>
           </a:xfrm>
-          <a:prstGeom prst="rect">
-            <a:avLst/>
+          <a:prstGeom prst="bentConnector3">
+            <a:avLst>
+              <a:gd name="adj1" fmla="val 84574"/>
+            </a:avLst>
           </a:prstGeom>
+          <a:ln w="28575">
+            <a:solidFill>
+              <a:srgbClr val="CC0000"/>
+            </a:solidFill>
+            <a:tailEnd type="triangle"/>
+          </a:ln>
         </p:spPr>
         <p:style>
-          <a:lnRef idx="2">
-            <a:schemeClr val="accent1">
-              <a:shade val="50000"/>
-            </a:schemeClr>
+          <a:lnRef idx="1">
+            <a:schemeClr val="accent1"/>
           </a:lnRef>
-          <a:fillRef idx="1">
+          <a:fillRef idx="0">
             <a:schemeClr val="accent1"/>
           </a:fillRef>
           <a:effectRef idx="0">
             <a:schemeClr val="accent1"/>
           </a:effectRef>
           <a:fontRef idx="minor">
-            <a:schemeClr val="lt1"/>
+            <a:schemeClr val="tx1"/>
           </a:fontRef>
         </p:style>
-        <p:txBody>
-          <a:bodyPr rtlCol="0" anchor="ctr"/>
-          <a:lstStyle/>
-          <a:p>
-            <a:pPr algn="ctr"/>
-            <a:r>
-              <a:rPr lang="en-US" altLang="zh-CN" dirty="0" smtClean="0"/>
-              <a:t>ID/EX</a:t>
-            </a:r>
-            <a:endParaRPr lang="zh-CN" altLang="en-US" dirty="0"/>
-          </a:p>
-        </p:txBody>
-      </p:sp>
-      <p:sp>
-        <p:nvSpPr>
-          <p:cNvPr id="39" name="矩形 38"/>
-          <p:cNvSpPr/>
+      </p:cxnSp>
+      <p:cxnSp>
+        <p:nvCxnSpPr>
+          <p:cNvPr id="300" name="肘形连接符 299"/>
+          <p:cNvCxnSpPr/>
           <p:nvPr/>
-        </p:nvSpPr>
+        </p:nvCxnSpPr>
         <p:spPr>
           <a:xfrm>
-            <a:off x="4416343" y="2455819"/>
-            <a:ext cx="1071154" cy="740226"/>
+            <a:off x="7163659" y="1626529"/>
+            <a:ext cx="3614460" cy="543650"/>
           </a:xfrm>
-          <a:prstGeom prst="rect">
-            <a:avLst/>
+          <a:prstGeom prst="bentConnector3">
+            <a:avLst>
+              <a:gd name="adj1" fmla="val 84574"/>
+            </a:avLst>
           </a:prstGeom>
+          <a:ln w="28575">
+            <a:solidFill>
+              <a:srgbClr val="CC0000"/>
+            </a:solidFill>
+            <a:tailEnd type="triangle"/>
+          </a:ln>
         </p:spPr>
         <p:style>
-          <a:lnRef idx="2">
-            <a:schemeClr val="accent1">
-              <a:shade val="50000"/>
-            </a:schemeClr>
+          <a:lnRef idx="1">
+            <a:schemeClr val="accent1"/>
           </a:lnRef>
-          <a:fillRef idx="1">
+          <a:fillRef idx="0">
             <a:schemeClr val="accent1"/>
           </a:fillRef>
           <a:effectRef idx="0">
             <a:schemeClr val="accent1"/>
           </a:effectRef>
           <a:fontRef idx="minor">
-            <a:schemeClr val="lt1"/>
+            <a:schemeClr val="tx1"/>
           </a:fontRef>
         </p:style>
-        <p:txBody>
-          <a:bodyPr rtlCol="0" anchor="ctr"/>
-          <a:lstStyle/>
-          <a:p>
-            <a:pPr algn="ctr"/>
-            <a:r>
-              <a:rPr lang="en-US" altLang="zh-CN" dirty="0" smtClean="0"/>
-              <a:t>ID</a:t>
-            </a:r>
-            <a:endParaRPr lang="zh-CN" altLang="en-US" dirty="0"/>
-          </a:p>
-        </p:txBody>
-      </p:sp>
-      <p:sp>
-        <p:nvSpPr>
-          <p:cNvPr id="40" name="矩形 39"/>
-          <p:cNvSpPr/>
+      </p:cxnSp>
+      <p:cxnSp>
+        <p:nvCxnSpPr>
+          <p:cNvPr id="311" name="肘形连接符 310"/>
+          <p:cNvCxnSpPr>
+            <a:stCxn id="121" idx="3"/>
+          </p:cNvCxnSpPr>
           <p:nvPr/>
-        </p:nvSpPr>
+        </p:nvCxnSpPr>
         <p:spPr>
-          <a:xfrm>
-            <a:off x="7887792" y="1489164"/>
-            <a:ext cx="304802" cy="2717074"/>
+          <a:xfrm rot="16200000" flipV="1">
+            <a:off x="5651563" y="-1574817"/>
+            <a:ext cx="988674" cy="6996448"/>
           </a:xfrm>
-          <a:prstGeom prst="rect">
+          <a:prstGeom prst="bentConnector2">
             <a:avLst/>
           </a:prstGeom>
+          <a:ln w="28575">
+            <a:solidFill>
+              <a:srgbClr val="CC0000"/>
+            </a:solidFill>
+            <a:tailEnd type="triangle"/>
+          </a:ln>
         </p:spPr>
         <p:style>
-          <a:lnRef idx="2">
-            <a:schemeClr val="accent1">
-              <a:shade val="50000"/>
-            </a:schemeClr>
+          <a:lnRef idx="1">
+            <a:schemeClr val="accent1"/>
           </a:lnRef>
-          <a:fillRef idx="1">
+          <a:fillRef idx="0">
             <a:schemeClr val="accent1"/>
           </a:fillRef>
           <a:effectRef idx="0">
             <a:schemeClr val="accent1"/>
           </a:effectRef>
           <a:fontRef idx="minor">
-            <a:schemeClr val="lt1"/>
+            <a:schemeClr val="tx1"/>
           </a:fontRef>
         </p:style>
-        <p:txBody>
-          <a:bodyPr rtlCol="0" anchor="ctr"/>
-          <a:lstStyle/>
-          <a:p>
-            <a:pPr algn="ctr"/>
-            <a:r>
-              <a:rPr lang="en-US" altLang="zh-CN" dirty="0" smtClean="0"/>
-              <a:t>EX/MEM</a:t>
-            </a:r>
-            <a:endParaRPr lang="zh-CN" altLang="en-US" dirty="0"/>
-          </a:p>
-        </p:txBody>
-      </p:sp>
-      <p:sp>
-        <p:nvSpPr>
-          <p:cNvPr id="41" name="矩形 40"/>
-          <p:cNvSpPr/>
+      </p:cxnSp>
+      <p:cxnSp>
+        <p:nvCxnSpPr>
+          <p:cNvPr id="317" name="直接连接符 316"/>
+          <p:cNvCxnSpPr/>
           <p:nvPr/>
-        </p:nvSpPr>
+        </p:nvCxnSpPr>
         <p:spPr>
           <a:xfrm>
-            <a:off x="6621779" y="2455819"/>
-            <a:ext cx="1071154" cy="740226"/>
+            <a:off x="4896738" y="1429069"/>
+            <a:ext cx="1" cy="988677"/>
           </a:xfrm>
-          <a:prstGeom prst="rect">
+          <a:prstGeom prst="line">
             <a:avLst/>
           </a:prstGeom>
+          <a:ln w="28575">
+            <a:solidFill>
+              <a:srgbClr val="CC0000"/>
+            </a:solidFill>
+          </a:ln>
         </p:spPr>
         <p:style>
-          <a:lnRef idx="2">
-            <a:schemeClr val="accent1">
-              <a:shade val="50000"/>
-            </a:schemeClr>
+          <a:lnRef idx="1">
+            <a:schemeClr val="accent1"/>
           </a:lnRef>
-          <a:fillRef idx="1">
+          <a:fillRef idx="0">
             <a:schemeClr val="accent1"/>
           </a:fillRef>
           <a:effectRef idx="0">
             <a:schemeClr val="accent1"/>
           </a:effectRef>
           <a:fontRef idx="minor">
-            <a:schemeClr val="lt1"/>
+            <a:schemeClr val="tx1"/>
           </a:fontRef>
         </p:style>
-        <p:txBody>
-          <a:bodyPr rtlCol="0" anchor="ctr"/>
-          <a:lstStyle/>
-          <a:p>
-            <a:pPr algn="ctr"/>
-            <a:r>
-              <a:rPr lang="en-US" altLang="zh-CN" dirty="0" smtClean="0"/>
-              <a:t>EX</a:t>
-            </a:r>
-            <a:endParaRPr lang="zh-CN" altLang="en-US" dirty="0"/>
-          </a:p>
-        </p:txBody>
-      </p:sp>
-      <p:sp>
-        <p:nvSpPr>
-          <p:cNvPr id="9" name="矩形 8"/>
-          <p:cNvSpPr/>
+      </p:cxnSp>
+      <p:cxnSp>
+        <p:nvCxnSpPr>
+          <p:cNvPr id="320" name="直接连接符 319"/>
+          <p:cNvCxnSpPr/>
           <p:nvPr/>
-        </p:nvSpPr>
+        </p:nvCxnSpPr>
         <p:spPr>
           <a:xfrm>
-            <a:off x="9653466" y="1449975"/>
-            <a:ext cx="304802" cy="2717074"/>
+            <a:off x="7201341" y="1418846"/>
+            <a:ext cx="1" cy="988677"/>
           </a:xfrm>
-          <a:prstGeom prst="rect">
+          <a:prstGeom prst="line">
             <a:avLst/>
           </a:prstGeom>
+          <a:ln w="28575">
+            <a:solidFill>
+              <a:srgbClr val="CC0000"/>
+            </a:solidFill>
+          </a:ln>
         </p:spPr>
         <p:style>
-          <a:lnRef idx="2">
-            <a:schemeClr val="accent1">
-              <a:shade val="50000"/>
-            </a:schemeClr>
+          <a:lnRef idx="1">
+            <a:schemeClr val="accent1"/>
           </a:lnRef>
-          <a:fillRef idx="1">
+          <a:fillRef idx="0">
             <a:schemeClr val="accent1"/>
           </a:fillRef>
           <a:effectRef idx="0">
             <a:schemeClr val="accent1"/>
           </a:effectRef>
           <a:fontRef idx="minor">
-            <a:schemeClr val="lt1"/>
+            <a:schemeClr val="tx1"/>
           </a:fontRef>
         </p:style>
-        <p:txBody>
-          <a:bodyPr rtlCol="0" anchor="ctr"/>
-          <a:lstStyle/>
-          <a:p>
-            <a:pPr algn="ctr"/>
-            <a:r>
-              <a:rPr lang="en-US" altLang="zh-CN" dirty="0" smtClean="0"/>
-              <a:t>MEM/WB</a:t>
-            </a:r>
-            <a:endParaRPr lang="zh-CN" altLang="en-US" dirty="0"/>
-          </a:p>
-        </p:txBody>
-      </p:sp>
-      <p:sp>
-        <p:nvSpPr>
-          <p:cNvPr id="10" name="矩形 9"/>
-          <p:cNvSpPr/>
+      </p:cxnSp>
+      <p:sp>
+        <p:nvSpPr>
+          <p:cNvPr id="321" name="Oval 103"/>
+          <p:cNvSpPr>
+            <a:spLocks noChangeArrowheads="1"/>
+          </p:cNvSpPr>
           <p:nvPr/>
         </p:nvSpPr>
-        <p:spPr>
+        <p:spPr bwMode="auto">
           <a:xfrm>
-            <a:off x="8387453" y="2416630"/>
-            <a:ext cx="1071154" cy="740226"/>
+            <a:off x="4840777" y="1373108"/>
+            <a:ext cx="111919" cy="111917"/>
+          </a:xfrm>
+          <a:prstGeom prst="ellipse">
+            <a:avLst/>
+          </a:prstGeom>
+          <a:solidFill>
+            <a:srgbClr val="CC0000"/>
+          </a:solidFill>
+          <a:ln w="28575">
+            <a:noFill/>
+            <a:round/>
+            <a:headEnd/>
+            <a:tailEnd/>
+          </a:ln>
+          <a:effectLst/>
+        </p:spPr>
+        <p:txBody>
+          <a:bodyPr wrap="none" anchor="ctr"/>
+          <a:lstStyle>
+            <a:lvl1pPr algn="ctr">
+              <a:defRPr>
+                <a:solidFill>
+                  <a:schemeClr val="tx1"/>
+                </a:solidFill>
+                <a:latin typeface="Comic Sans MS" panose="030F0702030302020204" pitchFamily="66" charset="0"/>
+              </a:defRPr>
+            </a:lvl1pPr>
+            <a:lvl2pPr marL="742950" indent="-285750" algn="ctr">
+              <a:defRPr>
+                <a:solidFill>
+                  <a:schemeClr val="tx1"/>
+                </a:solidFill>
+                <a:latin typeface="Comic Sans MS" panose="030F0702030302020204" pitchFamily="66" charset="0"/>
+              </a:defRPr>
+            </a:lvl2pPr>
+            <a:lvl3pPr marL="1143000" indent="-228600" algn="ctr">
+              <a:defRPr>
+                <a:solidFill>
+                  <a:schemeClr val="tx1"/>
+                </a:solidFill>
+                <a:latin typeface="Comic Sans MS" panose="030F0702030302020204" pitchFamily="66" charset="0"/>
+              </a:defRPr>
+            </a:lvl3pPr>
+            <a:lvl4pPr marL="1600200" indent="-228600" algn="ctr">
+              <a:defRPr>
+                <a:solidFill>
+                  <a:schemeClr val="tx1"/>
+                </a:solidFill>
+                <a:latin typeface="Comic Sans MS" panose="030F0702030302020204" pitchFamily="66" charset="0"/>
+              </a:defRPr>
+            </a:lvl4pPr>
+            <a:lvl5pPr marL="2057400" indent="-228600" algn="ctr">
+              <a:defRPr>
+                <a:solidFill>
+                  <a:schemeClr val="tx1"/>
+                </a:solidFill>
+                <a:latin typeface="Comic Sans MS" panose="030F0702030302020204" pitchFamily="66" charset="0"/>
+              </a:defRPr>
+            </a:lvl5pPr>
+            <a:lvl6pPr marL="2514600" indent="-228600" algn="ctr" eaLnBrk="0" fontAlgn="base" hangingPunct="0">
+              <a:spcBef>
+                <a:spcPct val="0"/>
+              </a:spcBef>
+              <a:spcAft>
+                <a:spcPct val="0"/>
+              </a:spcAft>
+              <a:defRPr>
+                <a:solidFill>
+                  <a:schemeClr val="tx1"/>
+                </a:solidFill>
+                <a:latin typeface="Comic Sans MS" panose="030F0702030302020204" pitchFamily="66" charset="0"/>
+              </a:defRPr>
+            </a:lvl6pPr>
+            <a:lvl7pPr marL="2971800" indent="-228600" algn="ctr" eaLnBrk="0" fontAlgn="base" hangingPunct="0">
+              <a:spcBef>
+                <a:spcPct val="0"/>
+              </a:spcBef>
+              <a:spcAft>
+                <a:spcPct val="0"/>
+              </a:spcAft>
+              <a:defRPr>
+                <a:solidFill>
+                  <a:schemeClr val="tx1"/>
+                </a:solidFill>
+                <a:latin typeface="Comic Sans MS" panose="030F0702030302020204" pitchFamily="66" charset="0"/>
+              </a:defRPr>
+            </a:lvl7pPr>
+            <a:lvl8pPr marL="3429000" indent="-228600" algn="ctr" eaLnBrk="0" fontAlgn="base" hangingPunct="0">
+              <a:spcBef>
+                <a:spcPct val="0"/>
+              </a:spcBef>
+              <a:spcAft>
+                <a:spcPct val="0"/>
+              </a:spcAft>
+              <a:defRPr>
+                <a:solidFill>
+                  <a:schemeClr val="tx1"/>
+                </a:solidFill>
+                <a:latin typeface="Comic Sans MS" panose="030F0702030302020204" pitchFamily="66" charset="0"/>
+              </a:defRPr>
+            </a:lvl8pPr>
+            <a:lvl9pPr marL="3886200" indent="-228600" algn="ctr" eaLnBrk="0" fontAlgn="base" hangingPunct="0">
+              <a:spcBef>
+                <a:spcPct val="0"/>
+              </a:spcBef>
+              <a:spcAft>
+                <a:spcPct val="0"/>
+              </a:spcAft>
+              <a:defRPr>
+                <a:solidFill>
+                  <a:schemeClr val="tx1"/>
+                </a:solidFill>
+                <a:latin typeface="Comic Sans MS" panose="030F0702030302020204" pitchFamily="66" charset="0"/>
+              </a:defRPr>
+            </a:lvl9pPr>
+          </a:lstStyle>
+          <a:p>
+            <a:endParaRPr lang="zh-CN" altLang="en-US">
+              <a:ea typeface="宋体" panose="02010600030101010101" pitchFamily="2" charset="-122"/>
+            </a:endParaRPr>
+          </a:p>
+        </p:txBody>
+      </p:sp>
+      <p:sp>
+        <p:nvSpPr>
+          <p:cNvPr id="325" name="Oval 103"/>
+          <p:cNvSpPr>
+            <a:spLocks noChangeArrowheads="1"/>
+          </p:cNvSpPr>
+          <p:nvPr/>
+        </p:nvSpPr>
+        <p:spPr bwMode="auto">
+          <a:xfrm>
+            <a:off x="5265580" y="1577391"/>
+            <a:ext cx="111919" cy="111917"/>
+          </a:xfrm>
+          <a:prstGeom prst="ellipse">
+            <a:avLst/>
+          </a:prstGeom>
+          <a:solidFill>
+            <a:srgbClr val="CC0000"/>
+          </a:solidFill>
+          <a:ln w="28575">
+            <a:noFill/>
+            <a:round/>
+            <a:headEnd/>
+            <a:tailEnd/>
+          </a:ln>
+          <a:effectLst/>
+        </p:spPr>
+        <p:txBody>
+          <a:bodyPr wrap="none" anchor="ctr"/>
+          <a:lstStyle>
+            <a:lvl1pPr algn="ctr">
+              <a:defRPr>
+                <a:solidFill>
+                  <a:schemeClr val="tx1"/>
+                </a:solidFill>
+                <a:latin typeface="Comic Sans MS" panose="030F0702030302020204" pitchFamily="66" charset="0"/>
+              </a:defRPr>
+            </a:lvl1pPr>
+            <a:lvl2pPr marL="742950" indent="-285750" algn="ctr">
+              <a:defRPr>
+                <a:solidFill>
+                  <a:schemeClr val="tx1"/>
+                </a:solidFill>
+                <a:latin typeface="Comic Sans MS" panose="030F0702030302020204" pitchFamily="66" charset="0"/>
+              </a:defRPr>
+            </a:lvl2pPr>
+            <a:lvl3pPr marL="1143000" indent="-228600" algn="ctr">
+              <a:defRPr>
+                <a:solidFill>
+                  <a:schemeClr val="tx1"/>
+                </a:solidFill>
+                <a:latin typeface="Comic Sans MS" panose="030F0702030302020204" pitchFamily="66" charset="0"/>
+              </a:defRPr>
+            </a:lvl3pPr>
+            <a:lvl4pPr marL="1600200" indent="-228600" algn="ctr">
+              <a:defRPr>
+                <a:solidFill>
+                  <a:schemeClr val="tx1"/>
+                </a:solidFill>
+                <a:latin typeface="Comic Sans MS" panose="030F0702030302020204" pitchFamily="66" charset="0"/>
+              </a:defRPr>
+            </a:lvl4pPr>
+            <a:lvl5pPr marL="2057400" indent="-228600" algn="ctr">
+              <a:defRPr>
+                <a:solidFill>
+                  <a:schemeClr val="tx1"/>
+                </a:solidFill>
+                <a:latin typeface="Comic Sans MS" panose="030F0702030302020204" pitchFamily="66" charset="0"/>
+              </a:defRPr>
+            </a:lvl5pPr>
+            <a:lvl6pPr marL="2514600" indent="-228600" algn="ctr" eaLnBrk="0" fontAlgn="base" hangingPunct="0">
+              <a:spcBef>
+                <a:spcPct val="0"/>
+              </a:spcBef>
+              <a:spcAft>
+                <a:spcPct val="0"/>
+              </a:spcAft>
+              <a:defRPr>
+                <a:solidFill>
+                  <a:schemeClr val="tx1"/>
+                </a:solidFill>
+                <a:latin typeface="Comic Sans MS" panose="030F0702030302020204" pitchFamily="66" charset="0"/>
+              </a:defRPr>
+            </a:lvl6pPr>
+            <a:lvl7pPr marL="2971800" indent="-228600" algn="ctr" eaLnBrk="0" fontAlgn="base" hangingPunct="0">
+              <a:spcBef>
+                <a:spcPct val="0"/>
+              </a:spcBef>
+              <a:spcAft>
+                <a:spcPct val="0"/>
+              </a:spcAft>
+              <a:defRPr>
+                <a:solidFill>
+                  <a:schemeClr val="tx1"/>
+                </a:solidFill>
+                <a:latin typeface="Comic Sans MS" panose="030F0702030302020204" pitchFamily="66" charset="0"/>
+              </a:defRPr>
+            </a:lvl7pPr>
+            <a:lvl8pPr marL="3429000" indent="-228600" algn="ctr" eaLnBrk="0" fontAlgn="base" hangingPunct="0">
+              <a:spcBef>
+                <a:spcPct val="0"/>
+              </a:spcBef>
+              <a:spcAft>
+                <a:spcPct val="0"/>
+              </a:spcAft>
+              <a:defRPr>
+                <a:solidFill>
+                  <a:schemeClr val="tx1"/>
+                </a:solidFill>
+                <a:latin typeface="Comic Sans MS" panose="030F0702030302020204" pitchFamily="66" charset="0"/>
+              </a:defRPr>
+            </a:lvl8pPr>
+            <a:lvl9pPr marL="3886200" indent="-228600" algn="ctr" eaLnBrk="0" fontAlgn="base" hangingPunct="0">
+              <a:spcBef>
+                <a:spcPct val="0"/>
+              </a:spcBef>
+              <a:spcAft>
+                <a:spcPct val="0"/>
+              </a:spcAft>
+              <a:defRPr>
+                <a:solidFill>
+                  <a:schemeClr val="tx1"/>
+                </a:solidFill>
+                <a:latin typeface="Comic Sans MS" panose="030F0702030302020204" pitchFamily="66" charset="0"/>
+              </a:defRPr>
+            </a:lvl9pPr>
+          </a:lstStyle>
+          <a:p>
+            <a:endParaRPr lang="zh-CN" altLang="en-US">
+              <a:ea typeface="宋体" panose="02010600030101010101" pitchFamily="2" charset="-122"/>
+            </a:endParaRPr>
+          </a:p>
+        </p:txBody>
+      </p:sp>
+      <p:sp>
+        <p:nvSpPr>
+          <p:cNvPr id="327" name="Oval 103"/>
+          <p:cNvSpPr>
+            <a:spLocks noChangeArrowheads="1"/>
+          </p:cNvSpPr>
+          <p:nvPr/>
+        </p:nvSpPr>
+        <p:spPr bwMode="auto">
+          <a:xfrm>
+            <a:off x="7145800" y="1379363"/>
+            <a:ext cx="111919" cy="111917"/>
+          </a:xfrm>
+          <a:prstGeom prst="ellipse">
+            <a:avLst/>
+          </a:prstGeom>
+          <a:solidFill>
+            <a:srgbClr val="CC0000"/>
+          </a:solidFill>
+          <a:ln w="28575">
+            <a:noFill/>
+            <a:round/>
+            <a:headEnd/>
+            <a:tailEnd/>
+          </a:ln>
+          <a:effectLst/>
+        </p:spPr>
+        <p:txBody>
+          <a:bodyPr wrap="none" anchor="ctr"/>
+          <a:lstStyle>
+            <a:lvl1pPr algn="ctr">
+              <a:defRPr>
+                <a:solidFill>
+                  <a:schemeClr val="tx1"/>
+                </a:solidFill>
+                <a:latin typeface="Comic Sans MS" panose="030F0702030302020204" pitchFamily="66" charset="0"/>
+              </a:defRPr>
+            </a:lvl1pPr>
+            <a:lvl2pPr marL="742950" indent="-285750" algn="ctr">
+              <a:defRPr>
+                <a:solidFill>
+                  <a:schemeClr val="tx1"/>
+                </a:solidFill>
+                <a:latin typeface="Comic Sans MS" panose="030F0702030302020204" pitchFamily="66" charset="0"/>
+              </a:defRPr>
+            </a:lvl2pPr>
+            <a:lvl3pPr marL="1143000" indent="-228600" algn="ctr">
+              <a:defRPr>
+                <a:solidFill>
+                  <a:schemeClr val="tx1"/>
+                </a:solidFill>
+                <a:latin typeface="Comic Sans MS" panose="030F0702030302020204" pitchFamily="66" charset="0"/>
+              </a:defRPr>
+            </a:lvl3pPr>
+            <a:lvl4pPr marL="1600200" indent="-228600" algn="ctr">
+              <a:defRPr>
+                <a:solidFill>
+                  <a:schemeClr val="tx1"/>
+                </a:solidFill>
+                <a:latin typeface="Comic Sans MS" panose="030F0702030302020204" pitchFamily="66" charset="0"/>
+              </a:defRPr>
+            </a:lvl4pPr>
+            <a:lvl5pPr marL="2057400" indent="-228600" algn="ctr">
+              <a:defRPr>
+                <a:solidFill>
+                  <a:schemeClr val="tx1"/>
+                </a:solidFill>
+                <a:latin typeface="Comic Sans MS" panose="030F0702030302020204" pitchFamily="66" charset="0"/>
+              </a:defRPr>
+            </a:lvl5pPr>
+            <a:lvl6pPr marL="2514600" indent="-228600" algn="ctr" eaLnBrk="0" fontAlgn="base" hangingPunct="0">
+              <a:spcBef>
+                <a:spcPct val="0"/>
+              </a:spcBef>
+              <a:spcAft>
+                <a:spcPct val="0"/>
+              </a:spcAft>
+              <a:defRPr>
+                <a:solidFill>
+                  <a:schemeClr val="tx1"/>
+                </a:solidFill>
+                <a:latin typeface="Comic Sans MS" panose="030F0702030302020204" pitchFamily="66" charset="0"/>
+              </a:defRPr>
+            </a:lvl6pPr>
+            <a:lvl7pPr marL="2971800" indent="-228600" algn="ctr" eaLnBrk="0" fontAlgn="base" hangingPunct="0">
+              <a:spcBef>
+                <a:spcPct val="0"/>
+              </a:spcBef>
+              <a:spcAft>
+                <a:spcPct val="0"/>
+              </a:spcAft>
+              <a:defRPr>
+                <a:solidFill>
+                  <a:schemeClr val="tx1"/>
+                </a:solidFill>
+                <a:latin typeface="Comic Sans MS" panose="030F0702030302020204" pitchFamily="66" charset="0"/>
+              </a:defRPr>
+            </a:lvl7pPr>
+            <a:lvl8pPr marL="3429000" indent="-228600" algn="ctr" eaLnBrk="0" fontAlgn="base" hangingPunct="0">
+              <a:spcBef>
+                <a:spcPct val="0"/>
+              </a:spcBef>
+              <a:spcAft>
+                <a:spcPct val="0"/>
+              </a:spcAft>
+              <a:defRPr>
+                <a:solidFill>
+                  <a:schemeClr val="tx1"/>
+                </a:solidFill>
+                <a:latin typeface="Comic Sans MS" panose="030F0702030302020204" pitchFamily="66" charset="0"/>
+              </a:defRPr>
+            </a:lvl8pPr>
+            <a:lvl9pPr marL="3886200" indent="-228600" algn="ctr" eaLnBrk="0" fontAlgn="base" hangingPunct="0">
+              <a:spcBef>
+                <a:spcPct val="0"/>
+              </a:spcBef>
+              <a:spcAft>
+                <a:spcPct val="0"/>
+              </a:spcAft>
+              <a:defRPr>
+                <a:solidFill>
+                  <a:schemeClr val="tx1"/>
+                </a:solidFill>
+                <a:latin typeface="Comic Sans MS" panose="030F0702030302020204" pitchFamily="66" charset="0"/>
+              </a:defRPr>
+            </a:lvl9pPr>
+          </a:lstStyle>
+          <a:p>
+            <a:endParaRPr lang="zh-CN" altLang="en-US">
+              <a:ea typeface="宋体" panose="02010600030101010101" pitchFamily="2" charset="-122"/>
+            </a:endParaRPr>
+          </a:p>
+        </p:txBody>
+      </p:sp>
+      <p:sp>
+        <p:nvSpPr>
+          <p:cNvPr id="328" name="Oval 103"/>
+          <p:cNvSpPr>
+            <a:spLocks noChangeArrowheads="1"/>
+          </p:cNvSpPr>
+          <p:nvPr/>
+        </p:nvSpPr>
+        <p:spPr bwMode="auto">
+          <a:xfrm>
+            <a:off x="7600461" y="1579609"/>
+            <a:ext cx="111919" cy="111917"/>
+          </a:xfrm>
+          <a:prstGeom prst="ellipse">
+            <a:avLst/>
+          </a:prstGeom>
+          <a:solidFill>
+            <a:srgbClr val="CC0000"/>
+          </a:solidFill>
+          <a:ln w="28575">
+            <a:noFill/>
+            <a:round/>
+            <a:headEnd/>
+            <a:tailEnd/>
+          </a:ln>
+          <a:effectLst/>
+        </p:spPr>
+        <p:txBody>
+          <a:bodyPr wrap="none" anchor="ctr"/>
+          <a:lstStyle>
+            <a:lvl1pPr algn="ctr">
+              <a:defRPr>
+                <a:solidFill>
+                  <a:schemeClr val="tx1"/>
+                </a:solidFill>
+                <a:latin typeface="Comic Sans MS" panose="030F0702030302020204" pitchFamily="66" charset="0"/>
+              </a:defRPr>
+            </a:lvl1pPr>
+            <a:lvl2pPr marL="742950" indent="-285750" algn="ctr">
+              <a:defRPr>
+                <a:solidFill>
+                  <a:schemeClr val="tx1"/>
+                </a:solidFill>
+                <a:latin typeface="Comic Sans MS" panose="030F0702030302020204" pitchFamily="66" charset="0"/>
+              </a:defRPr>
+            </a:lvl2pPr>
+            <a:lvl3pPr marL="1143000" indent="-228600" algn="ctr">
+              <a:defRPr>
+                <a:solidFill>
+                  <a:schemeClr val="tx1"/>
+                </a:solidFill>
+                <a:latin typeface="Comic Sans MS" panose="030F0702030302020204" pitchFamily="66" charset="0"/>
+              </a:defRPr>
+            </a:lvl3pPr>
+            <a:lvl4pPr marL="1600200" indent="-228600" algn="ctr">
+              <a:defRPr>
+                <a:solidFill>
+                  <a:schemeClr val="tx1"/>
+                </a:solidFill>
+                <a:latin typeface="Comic Sans MS" panose="030F0702030302020204" pitchFamily="66" charset="0"/>
+              </a:defRPr>
+            </a:lvl4pPr>
+            <a:lvl5pPr marL="2057400" indent="-228600" algn="ctr">
+              <a:defRPr>
+                <a:solidFill>
+                  <a:schemeClr val="tx1"/>
+                </a:solidFill>
+                <a:latin typeface="Comic Sans MS" panose="030F0702030302020204" pitchFamily="66" charset="0"/>
+              </a:defRPr>
+            </a:lvl5pPr>
+            <a:lvl6pPr marL="2514600" indent="-228600" algn="ctr" eaLnBrk="0" fontAlgn="base" hangingPunct="0">
+              <a:spcBef>
+                <a:spcPct val="0"/>
+              </a:spcBef>
+              <a:spcAft>
+                <a:spcPct val="0"/>
+              </a:spcAft>
+              <a:defRPr>
+                <a:solidFill>
+                  <a:schemeClr val="tx1"/>
+                </a:solidFill>
+                <a:latin typeface="Comic Sans MS" panose="030F0702030302020204" pitchFamily="66" charset="0"/>
+              </a:defRPr>
+            </a:lvl6pPr>
+            <a:lvl7pPr marL="2971800" indent="-228600" algn="ctr" eaLnBrk="0" fontAlgn="base" hangingPunct="0">
+              <a:spcBef>
+                <a:spcPct val="0"/>
+              </a:spcBef>
+              <a:spcAft>
+                <a:spcPct val="0"/>
+              </a:spcAft>
+              <a:defRPr>
+                <a:solidFill>
+                  <a:schemeClr val="tx1"/>
+                </a:solidFill>
+                <a:latin typeface="Comic Sans MS" panose="030F0702030302020204" pitchFamily="66" charset="0"/>
+              </a:defRPr>
+            </a:lvl7pPr>
+            <a:lvl8pPr marL="3429000" indent="-228600" algn="ctr" eaLnBrk="0" fontAlgn="base" hangingPunct="0">
+              <a:spcBef>
+                <a:spcPct val="0"/>
+              </a:spcBef>
+              <a:spcAft>
+                <a:spcPct val="0"/>
+              </a:spcAft>
+              <a:defRPr>
+                <a:solidFill>
+                  <a:schemeClr val="tx1"/>
+                </a:solidFill>
+                <a:latin typeface="Comic Sans MS" panose="030F0702030302020204" pitchFamily="66" charset="0"/>
+              </a:defRPr>
+            </a:lvl8pPr>
+            <a:lvl9pPr marL="3886200" indent="-228600" algn="ctr" eaLnBrk="0" fontAlgn="base" hangingPunct="0">
+              <a:spcBef>
+                <a:spcPct val="0"/>
+              </a:spcBef>
+              <a:spcAft>
+                <a:spcPct val="0"/>
+              </a:spcAft>
+              <a:defRPr>
+                <a:solidFill>
+                  <a:schemeClr val="tx1"/>
+                </a:solidFill>
+                <a:latin typeface="Comic Sans MS" panose="030F0702030302020204" pitchFamily="66" charset="0"/>
+              </a:defRPr>
+            </a:lvl9pPr>
+          </a:lstStyle>
+          <a:p>
+            <a:endParaRPr lang="zh-CN" altLang="en-US">
+              <a:ea typeface="宋体" panose="02010600030101010101" pitchFamily="2" charset="-122"/>
+            </a:endParaRPr>
+          </a:p>
+        </p:txBody>
+      </p:sp>
+      <p:sp>
+        <p:nvSpPr>
+          <p:cNvPr id="330" name="Rectangle 27"/>
+          <p:cNvSpPr>
+            <a:spLocks noChangeArrowheads="1"/>
+          </p:cNvSpPr>
+          <p:nvPr/>
+        </p:nvSpPr>
+        <p:spPr bwMode="auto">
+          <a:xfrm rot="16200000">
+            <a:off x="3267378" y="4443801"/>
+            <a:ext cx="561635" cy="2989531"/>
           </a:xfrm>
           <a:prstGeom prst="rect">
             <a:avLst/>
           </a:prstGeom>
+          <a:solidFill>
+            <a:srgbClr val="FF4747"/>
+          </a:solidFill>
+          <a:ln w="28575">
+            <a:solidFill>
+              <a:schemeClr val="tx1"/>
+            </a:solidFill>
+            <a:miter lim="800000"/>
+            <a:headEnd/>
+            <a:tailEnd/>
+          </a:ln>
+          <a:effectLst/>
+        </p:spPr>
+        <p:txBody>
+          <a:bodyPr vert="eaVert" wrap="none" anchor="ctr"/>
+          <a:lstStyle>
+            <a:lvl1pPr algn="ctr">
+              <a:defRPr>
+                <a:solidFill>
+                  <a:schemeClr val="tx1"/>
+                </a:solidFill>
+                <a:latin typeface="Comic Sans MS" panose="030F0702030302020204" pitchFamily="66" charset="0"/>
+              </a:defRPr>
+            </a:lvl1pPr>
+            <a:lvl2pPr marL="742950" indent="-285750" algn="ctr">
+              <a:defRPr>
+                <a:solidFill>
+                  <a:schemeClr val="tx1"/>
+                </a:solidFill>
+                <a:latin typeface="Comic Sans MS" panose="030F0702030302020204" pitchFamily="66" charset="0"/>
+              </a:defRPr>
+            </a:lvl2pPr>
+            <a:lvl3pPr marL="1143000" indent="-228600" algn="ctr">
+              <a:defRPr>
+                <a:solidFill>
+                  <a:schemeClr val="tx1"/>
+                </a:solidFill>
+                <a:latin typeface="Comic Sans MS" panose="030F0702030302020204" pitchFamily="66" charset="0"/>
+              </a:defRPr>
+            </a:lvl3pPr>
+            <a:lvl4pPr marL="1600200" indent="-228600" algn="ctr">
+              <a:defRPr>
+                <a:solidFill>
+                  <a:schemeClr val="tx1"/>
+                </a:solidFill>
+                <a:latin typeface="Comic Sans MS" panose="030F0702030302020204" pitchFamily="66" charset="0"/>
+              </a:defRPr>
+            </a:lvl4pPr>
+            <a:lvl5pPr marL="2057400" indent="-228600" algn="ctr">
+              <a:defRPr>
+                <a:solidFill>
+                  <a:schemeClr val="tx1"/>
+                </a:solidFill>
+                <a:latin typeface="Comic Sans MS" panose="030F0702030302020204" pitchFamily="66" charset="0"/>
+              </a:defRPr>
+            </a:lvl5pPr>
+            <a:lvl6pPr marL="2514600" indent="-228600" algn="ctr" eaLnBrk="0" fontAlgn="base" hangingPunct="0">
+              <a:spcBef>
+                <a:spcPct val="0"/>
+              </a:spcBef>
+              <a:spcAft>
+                <a:spcPct val="0"/>
+              </a:spcAft>
+              <a:defRPr>
+                <a:solidFill>
+                  <a:schemeClr val="tx1"/>
+                </a:solidFill>
+                <a:latin typeface="Comic Sans MS" panose="030F0702030302020204" pitchFamily="66" charset="0"/>
+              </a:defRPr>
+            </a:lvl6pPr>
+            <a:lvl7pPr marL="2971800" indent="-228600" algn="ctr" eaLnBrk="0" fontAlgn="base" hangingPunct="0">
+              <a:spcBef>
+                <a:spcPct val="0"/>
+              </a:spcBef>
+              <a:spcAft>
+                <a:spcPct val="0"/>
+              </a:spcAft>
+              <a:defRPr>
+                <a:solidFill>
+                  <a:schemeClr val="tx1"/>
+                </a:solidFill>
+                <a:latin typeface="Comic Sans MS" panose="030F0702030302020204" pitchFamily="66" charset="0"/>
+              </a:defRPr>
+            </a:lvl7pPr>
+            <a:lvl8pPr marL="3429000" indent="-228600" algn="ctr" eaLnBrk="0" fontAlgn="base" hangingPunct="0">
+              <a:spcBef>
+                <a:spcPct val="0"/>
+              </a:spcBef>
+              <a:spcAft>
+                <a:spcPct val="0"/>
+              </a:spcAft>
+              <a:defRPr>
+                <a:solidFill>
+                  <a:schemeClr val="tx1"/>
+                </a:solidFill>
+                <a:latin typeface="Comic Sans MS" panose="030F0702030302020204" pitchFamily="66" charset="0"/>
+              </a:defRPr>
+            </a:lvl8pPr>
+            <a:lvl9pPr marL="3886200" indent="-228600" algn="ctr" eaLnBrk="0" fontAlgn="base" hangingPunct="0">
+              <a:spcBef>
+                <a:spcPct val="0"/>
+              </a:spcBef>
+              <a:spcAft>
+                <a:spcPct val="0"/>
+              </a:spcAft>
+              <a:defRPr>
+                <a:solidFill>
+                  <a:schemeClr val="tx1"/>
+                </a:solidFill>
+                <a:latin typeface="Comic Sans MS" panose="030F0702030302020204" pitchFamily="66" charset="0"/>
+              </a:defRPr>
+            </a:lvl9pPr>
+          </a:lstStyle>
+          <a:p>
+            <a:r>
+              <a:rPr lang="en-US" altLang="zh-CN" dirty="0" smtClean="0">
+                <a:ea typeface="宋体" panose="02010600030101010101" pitchFamily="2" charset="-122"/>
+              </a:rPr>
+              <a:t>Memory</a:t>
+            </a:r>
+            <a:endParaRPr lang="en-US" altLang="zh-CN" dirty="0">
+              <a:ea typeface="宋体" panose="02010600030101010101" pitchFamily="2" charset="-122"/>
+            </a:endParaRPr>
+          </a:p>
+        </p:txBody>
+      </p:sp>
+      <p:cxnSp>
+        <p:nvCxnSpPr>
+          <p:cNvPr id="331" name="直接箭头连接符 330"/>
+          <p:cNvCxnSpPr/>
+          <p:nvPr/>
+        </p:nvCxnSpPr>
+        <p:spPr>
+          <a:xfrm>
+            <a:off x="2385307" y="4507452"/>
+            <a:ext cx="4379" cy="1150296"/>
+          </a:xfrm>
+          <a:prstGeom prst="straightConnector1">
+            <a:avLst/>
+          </a:prstGeom>
+          <a:ln w="28575">
+            <a:tailEnd type="triangle"/>
+          </a:ln>
         </p:spPr>
         <p:style>
-          <a:lnRef idx="2">
-            <a:schemeClr val="accent1">
-              <a:shade val="50000"/>
-            </a:schemeClr>
+          <a:lnRef idx="1">
+            <a:schemeClr val="dk1"/>
           </a:lnRef>
-          <a:fillRef idx="1">
+          <a:fillRef idx="0">
+            <a:schemeClr val="dk1"/>
+          </a:fillRef>
+          <a:effectRef idx="0">
+            <a:schemeClr val="dk1"/>
+          </a:effectRef>
+          <a:fontRef idx="minor">
+            <a:schemeClr val="tx1"/>
+          </a:fontRef>
+        </p:style>
+      </p:cxnSp>
+      <p:cxnSp>
+        <p:nvCxnSpPr>
+          <p:cNvPr id="334" name="直接箭头连接符 333"/>
+          <p:cNvCxnSpPr/>
+          <p:nvPr/>
+        </p:nvCxnSpPr>
+        <p:spPr>
+          <a:xfrm flipV="1">
+            <a:off x="2794526" y="4482736"/>
+            <a:ext cx="0" cy="1175012"/>
+          </a:xfrm>
+          <a:prstGeom prst="straightConnector1">
+            <a:avLst/>
+          </a:prstGeom>
+          <a:ln w="28575">
+            <a:tailEnd type="triangle"/>
+          </a:ln>
+        </p:spPr>
+        <p:style>
+          <a:lnRef idx="1">
+            <a:schemeClr val="dk1"/>
+          </a:lnRef>
+          <a:fillRef idx="0">
+            <a:schemeClr val="dk1"/>
+          </a:fillRef>
+          <a:effectRef idx="0">
+            <a:schemeClr val="dk1"/>
+          </a:effectRef>
+          <a:fontRef idx="minor">
+            <a:schemeClr val="tx1"/>
+          </a:fontRef>
+        </p:style>
+      </p:cxnSp>
+      <p:cxnSp>
+        <p:nvCxnSpPr>
+          <p:cNvPr id="341" name="直接箭头连接符 340"/>
+          <p:cNvCxnSpPr/>
+          <p:nvPr/>
+        </p:nvCxnSpPr>
+        <p:spPr>
+          <a:xfrm flipH="1">
+            <a:off x="5042962" y="5806891"/>
+            <a:ext cx="4355903" cy="10234"/>
+          </a:xfrm>
+          <a:prstGeom prst="straightConnector1">
+            <a:avLst/>
+          </a:prstGeom>
+          <a:ln w="28575">
+            <a:tailEnd type="triangle"/>
+          </a:ln>
+        </p:spPr>
+        <p:style>
+          <a:lnRef idx="1">
+            <a:schemeClr val="dk1"/>
+          </a:lnRef>
+          <a:fillRef idx="0">
+            <a:schemeClr val="dk1"/>
+          </a:fillRef>
+          <a:effectRef idx="0">
+            <a:schemeClr val="dk1"/>
+          </a:effectRef>
+          <a:fontRef idx="minor">
+            <a:schemeClr val="tx1"/>
+          </a:fontRef>
+        </p:style>
+      </p:cxnSp>
+      <p:cxnSp>
+        <p:nvCxnSpPr>
+          <p:cNvPr id="348" name="直接连接符 347"/>
+          <p:cNvCxnSpPr/>
+          <p:nvPr/>
+        </p:nvCxnSpPr>
+        <p:spPr>
+          <a:xfrm>
+            <a:off x="9398865" y="4492968"/>
+            <a:ext cx="0" cy="1324157"/>
+          </a:xfrm>
+          <a:prstGeom prst="line">
+            <a:avLst/>
+          </a:prstGeom>
+          <a:ln w="28575">
+            <a:solidFill>
+              <a:schemeClr val="tx1"/>
+            </a:solidFill>
+          </a:ln>
+        </p:spPr>
+        <p:style>
+          <a:lnRef idx="1">
+            <a:schemeClr val="accent1"/>
+          </a:lnRef>
+          <a:fillRef idx="0">
             <a:schemeClr val="accent1"/>
           </a:fillRef>
           <a:effectRef idx="0">
             <a:schemeClr val="accent1"/>
           </a:effectRef>
           <a:fontRef idx="minor">
-            <a:schemeClr val="lt1"/>
+            <a:schemeClr val="tx1"/>
           </a:fontRef>
         </p:style>
-        <p:txBody>
-          <a:bodyPr rtlCol="0" anchor="ctr"/>
-          <a:lstStyle/>
-          <a:p>
-            <a:pPr algn="ctr"/>
-            <a:r>
-              <a:rPr lang="en-US" altLang="zh-CN" dirty="0" smtClean="0"/>
-              <a:t>MEM</a:t>
-            </a:r>
-            <a:endParaRPr lang="zh-CN" altLang="en-US" dirty="0"/>
-          </a:p>
-        </p:txBody>
-      </p:sp>
-      <p:sp>
-        <p:nvSpPr>
-          <p:cNvPr id="11" name="矩形 10"/>
-          <p:cNvSpPr/>
+      </p:cxnSp>
+      <p:cxnSp>
+        <p:nvCxnSpPr>
+          <p:cNvPr id="350" name="直接连接符 349"/>
+          <p:cNvCxnSpPr/>
           <p:nvPr/>
-        </p:nvSpPr>
+        </p:nvCxnSpPr>
         <p:spPr>
-          <a:xfrm>
-            <a:off x="6865632" y="5316584"/>
-            <a:ext cx="1071154" cy="740226"/>
+          <a:xfrm flipV="1">
+            <a:off x="5035587" y="5992612"/>
+            <a:ext cx="4815350" cy="26108"/>
           </a:xfrm>
-          <a:prstGeom prst="rect">
+          <a:prstGeom prst="line">
             <a:avLst/>
           </a:prstGeom>
+          <a:ln w="28575">
+            <a:solidFill>
+              <a:schemeClr val="tx1"/>
+            </a:solidFill>
+          </a:ln>
         </p:spPr>
         <p:style>
-          <a:lnRef idx="2">
-            <a:schemeClr val="accent1">
-              <a:shade val="50000"/>
-            </a:schemeClr>
+          <a:lnRef idx="1">
+            <a:schemeClr val="accent1"/>
           </a:lnRef>
-          <a:fillRef idx="1">
+          <a:fillRef idx="0">
             <a:schemeClr val="accent1"/>
           </a:fillRef>
           <a:effectRef idx="0">
             <a:schemeClr val="accent1"/>
           </a:effectRef>
           <a:fontRef idx="minor">
-            <a:schemeClr val="lt1"/>
+            <a:schemeClr val="tx1"/>
           </a:fontRef>
         </p:style>
-        <p:txBody>
-          <a:bodyPr rtlCol="0" anchor="ctr"/>
-          <a:lstStyle/>
-          <a:p>
-            <a:pPr algn="ctr"/>
-            <a:r>
-              <a:rPr lang="en-US" altLang="zh-CN" dirty="0" err="1" smtClean="0"/>
-              <a:t>regfile.v</a:t>
-            </a:r>
-            <a:endParaRPr lang="zh-CN" altLang="en-US" dirty="0"/>
-          </a:p>
-        </p:txBody>
-      </p:sp>
-      <p:sp>
-        <p:nvSpPr>
-          <p:cNvPr id="12" name="矩形 11"/>
-          <p:cNvSpPr/>
+      </p:cxnSp>
+      <p:cxnSp>
+        <p:nvCxnSpPr>
+          <p:cNvPr id="355" name="直接箭头连接符 354"/>
+          <p:cNvCxnSpPr/>
           <p:nvPr/>
-        </p:nvSpPr>
+        </p:nvCxnSpPr>
         <p:spPr>
+          <a:xfrm flipH="1" flipV="1">
+            <a:off x="9837703" y="4507452"/>
+            <a:ext cx="13234" cy="1498214"/>
+          </a:xfrm>
+          <a:prstGeom prst="straightConnector1">
+            <a:avLst/>
+          </a:prstGeom>
+          <a:ln w="28575">
+            <a:tailEnd type="triangle"/>
+          </a:ln>
+        </p:spPr>
+        <p:style>
+          <a:lnRef idx="1">
+            <a:schemeClr val="dk1"/>
+          </a:lnRef>
+          <a:fillRef idx="0">
+            <a:schemeClr val="dk1"/>
+          </a:fillRef>
+          <a:effectRef idx="0">
+            <a:schemeClr val="dk1"/>
+          </a:effectRef>
+          <a:fontRef idx="minor">
+            <a:schemeClr val="tx1"/>
+          </a:fontRef>
+        </p:style>
+      </p:cxnSp>
+      <p:sp>
+        <p:nvSpPr>
+          <p:cNvPr id="362" name="Rectangle 8"/>
+          <p:cNvSpPr>
+            <a:spLocks noChangeArrowheads="1"/>
+          </p:cNvSpPr>
+          <p:nvPr/>
+        </p:nvSpPr>
+        <p:spPr bwMode="auto">
           <a:xfrm>
-            <a:off x="2255518" y="2455819"/>
-            <a:ext cx="1071154" cy="740226"/>
+            <a:off x="1345704" y="399668"/>
+            <a:ext cx="1415452" cy="643766"/>
           </a:xfrm>
           <a:prstGeom prst="rect">
             <a:avLst/>
           </a:prstGeom>
+          <a:solidFill>
+            <a:schemeClr val="bg1"/>
+          </a:solidFill>
+          <a:ln>
+            <a:noFill/>
+          </a:ln>
+          <a:effectLst/>
+          <a:extLst>
+            <a:ext uri="{91240B29-F687-4F45-9708-019B960494DF}">
+              <a14:hiddenLine xmlns:a14="http://schemas.microsoft.com/office/drawing/2010/main" w="12700">
+                <a:pattFill prst="narHorz">
+                  <a:fgClr>
+                    <a:schemeClr val="tx1"/>
+                  </a:fgClr>
+                  <a:bgClr>
+                    <a:schemeClr val="bg1"/>
+                  </a:bgClr>
+                </a:pattFill>
+                <a:miter lim="800000"/>
+                <a:headEnd/>
+                <a:tailEnd/>
+              </a14:hiddenLine>
+            </a:ext>
+            <a:ext uri="{AF507438-7753-43E0-B8FC-AC1667EBCBE1}">
+              <a14:hiddenEffects xmlns:a14="http://schemas.microsoft.com/office/drawing/2010/main">
+                <a:effectLst>
+                  <a:outerShdw dist="35921" dir="2700000" algn="ctr" rotWithShape="0">
+                    <a:schemeClr val="bg2"/>
+                  </a:outerShdw>
+                </a:effectLst>
+              </a14:hiddenEffects>
+            </a:ext>
+          </a:extLst>
+        </p:spPr>
+        <p:txBody>
+          <a:bodyPr wrap="none" lIns="90488" tIns="44450" rIns="90488" bIns="44450">
+            <a:spAutoFit/>
+          </a:bodyPr>
+          <a:lstStyle>
+            <a:lvl1pPr algn="ctr">
+              <a:defRPr>
+                <a:solidFill>
+                  <a:schemeClr val="tx1"/>
+                </a:solidFill>
+                <a:latin typeface="Comic Sans MS" panose="030F0702030302020204" pitchFamily="66" charset="0"/>
+              </a:defRPr>
+            </a:lvl1pPr>
+            <a:lvl2pPr marL="742950" indent="-285750" algn="ctr">
+              <a:defRPr>
+                <a:solidFill>
+                  <a:schemeClr val="tx1"/>
+                </a:solidFill>
+                <a:latin typeface="Comic Sans MS" panose="030F0702030302020204" pitchFamily="66" charset="0"/>
+              </a:defRPr>
+            </a:lvl2pPr>
+            <a:lvl3pPr marL="1143000" indent="-228600" algn="ctr">
+              <a:defRPr>
+                <a:solidFill>
+                  <a:schemeClr val="tx1"/>
+                </a:solidFill>
+                <a:latin typeface="Comic Sans MS" panose="030F0702030302020204" pitchFamily="66" charset="0"/>
+              </a:defRPr>
+            </a:lvl3pPr>
+            <a:lvl4pPr marL="1600200" indent="-228600" algn="ctr">
+              <a:defRPr>
+                <a:solidFill>
+                  <a:schemeClr val="tx1"/>
+                </a:solidFill>
+                <a:latin typeface="Comic Sans MS" panose="030F0702030302020204" pitchFamily="66" charset="0"/>
+              </a:defRPr>
+            </a:lvl4pPr>
+            <a:lvl5pPr marL="2057400" indent="-228600" algn="ctr">
+              <a:defRPr>
+                <a:solidFill>
+                  <a:schemeClr val="tx1"/>
+                </a:solidFill>
+                <a:latin typeface="Comic Sans MS" panose="030F0702030302020204" pitchFamily="66" charset="0"/>
+              </a:defRPr>
+            </a:lvl5pPr>
+            <a:lvl6pPr marL="2514600" indent="-228600" algn="ctr" eaLnBrk="0" fontAlgn="base" hangingPunct="0">
+              <a:spcBef>
+                <a:spcPct val="0"/>
+              </a:spcBef>
+              <a:spcAft>
+                <a:spcPct val="0"/>
+              </a:spcAft>
+              <a:defRPr>
+                <a:solidFill>
+                  <a:schemeClr val="tx1"/>
+                </a:solidFill>
+                <a:latin typeface="Comic Sans MS" panose="030F0702030302020204" pitchFamily="66" charset="0"/>
+              </a:defRPr>
+            </a:lvl6pPr>
+            <a:lvl7pPr marL="2971800" indent="-228600" algn="ctr" eaLnBrk="0" fontAlgn="base" hangingPunct="0">
+              <a:spcBef>
+                <a:spcPct val="0"/>
+              </a:spcBef>
+              <a:spcAft>
+                <a:spcPct val="0"/>
+              </a:spcAft>
+              <a:defRPr>
+                <a:solidFill>
+                  <a:schemeClr val="tx1"/>
+                </a:solidFill>
+                <a:latin typeface="Comic Sans MS" panose="030F0702030302020204" pitchFamily="66" charset="0"/>
+              </a:defRPr>
+            </a:lvl7pPr>
+            <a:lvl8pPr marL="3429000" indent="-228600" algn="ctr" eaLnBrk="0" fontAlgn="base" hangingPunct="0">
+              <a:spcBef>
+                <a:spcPct val="0"/>
+              </a:spcBef>
+              <a:spcAft>
+                <a:spcPct val="0"/>
+              </a:spcAft>
+              <a:defRPr>
+                <a:solidFill>
+                  <a:schemeClr val="tx1"/>
+                </a:solidFill>
+                <a:latin typeface="Comic Sans MS" panose="030F0702030302020204" pitchFamily="66" charset="0"/>
+              </a:defRPr>
+            </a:lvl8pPr>
+            <a:lvl9pPr marL="3886200" indent="-228600" algn="ctr" eaLnBrk="0" fontAlgn="base" hangingPunct="0">
+              <a:spcBef>
+                <a:spcPct val="0"/>
+              </a:spcBef>
+              <a:spcAft>
+                <a:spcPct val="0"/>
+              </a:spcAft>
+              <a:defRPr>
+                <a:solidFill>
+                  <a:schemeClr val="tx1"/>
+                </a:solidFill>
+                <a:latin typeface="Comic Sans MS" panose="030F0702030302020204" pitchFamily="66" charset="0"/>
+              </a:defRPr>
+            </a:lvl9pPr>
+          </a:lstStyle>
+          <a:p>
+            <a:r>
+              <a:rPr lang="en-US" altLang="zh-CN" b="1" dirty="0">
+                <a:ea typeface="宋体" panose="02010600030101010101" pitchFamily="2" charset="-122"/>
+              </a:rPr>
+              <a:t>Instruction</a:t>
+            </a:r>
+          </a:p>
+          <a:p>
+            <a:r>
+              <a:rPr lang="en-US" altLang="zh-CN" b="1" dirty="0">
+                <a:ea typeface="宋体" panose="02010600030101010101" pitchFamily="2" charset="-122"/>
+              </a:rPr>
+              <a:t>Fetch</a:t>
+            </a:r>
+            <a:endParaRPr lang="en-US" altLang="zh-CN" b="1" dirty="0">
+              <a:ea typeface="宋体" panose="02010600030101010101" pitchFamily="2" charset="-122"/>
+            </a:endParaRPr>
+          </a:p>
+        </p:txBody>
+      </p:sp>
+      <p:sp>
+        <p:nvSpPr>
+          <p:cNvPr id="366" name="Rectangle 9"/>
+          <p:cNvSpPr>
+            <a:spLocks noChangeArrowheads="1"/>
+          </p:cNvSpPr>
+          <p:nvPr/>
+        </p:nvSpPr>
+        <p:spPr bwMode="auto">
+          <a:xfrm>
+            <a:off x="4064221" y="404898"/>
+            <a:ext cx="1763304" cy="643766"/>
+          </a:xfrm>
+          <a:prstGeom prst="rect">
+            <a:avLst/>
+          </a:prstGeom>
+          <a:solidFill>
+            <a:schemeClr val="bg1"/>
+          </a:solidFill>
+          <a:ln>
+            <a:noFill/>
+          </a:ln>
+          <a:effectLst/>
+          <a:extLst>
+            <a:ext uri="{91240B29-F687-4F45-9708-019B960494DF}">
+              <a14:hiddenLine xmlns:a14="http://schemas.microsoft.com/office/drawing/2010/main" w="12700">
+                <a:pattFill prst="narHorz">
+                  <a:fgClr>
+                    <a:schemeClr val="tx1"/>
+                  </a:fgClr>
+                  <a:bgClr>
+                    <a:schemeClr val="bg1"/>
+                  </a:bgClr>
+                </a:pattFill>
+                <a:miter lim="800000"/>
+                <a:headEnd/>
+                <a:tailEnd/>
+              </a14:hiddenLine>
+            </a:ext>
+            <a:ext uri="{AF507438-7753-43E0-B8FC-AC1667EBCBE1}">
+              <a14:hiddenEffects xmlns:a14="http://schemas.microsoft.com/office/drawing/2010/main">
+                <a:effectLst>
+                  <a:outerShdw dist="35921" dir="2700000" algn="ctr" rotWithShape="0">
+                    <a:schemeClr val="bg2"/>
+                  </a:outerShdw>
+                </a:effectLst>
+              </a14:hiddenEffects>
+            </a:ext>
+          </a:extLst>
+        </p:spPr>
+        <p:txBody>
+          <a:bodyPr wrap="none" lIns="90488" tIns="44450" rIns="90488" bIns="44450">
+            <a:spAutoFit/>
+          </a:bodyPr>
+          <a:lstStyle>
+            <a:lvl1pPr algn="ctr">
+              <a:defRPr>
+                <a:solidFill>
+                  <a:schemeClr val="tx1"/>
+                </a:solidFill>
+                <a:latin typeface="Comic Sans MS" panose="030F0702030302020204" pitchFamily="66" charset="0"/>
+              </a:defRPr>
+            </a:lvl1pPr>
+            <a:lvl2pPr marL="742950" indent="-285750" algn="ctr">
+              <a:defRPr>
+                <a:solidFill>
+                  <a:schemeClr val="tx1"/>
+                </a:solidFill>
+                <a:latin typeface="Comic Sans MS" panose="030F0702030302020204" pitchFamily="66" charset="0"/>
+              </a:defRPr>
+            </a:lvl2pPr>
+            <a:lvl3pPr marL="1143000" indent="-228600" algn="ctr">
+              <a:defRPr>
+                <a:solidFill>
+                  <a:schemeClr val="tx1"/>
+                </a:solidFill>
+                <a:latin typeface="Comic Sans MS" panose="030F0702030302020204" pitchFamily="66" charset="0"/>
+              </a:defRPr>
+            </a:lvl3pPr>
+            <a:lvl4pPr marL="1600200" indent="-228600" algn="ctr">
+              <a:defRPr>
+                <a:solidFill>
+                  <a:schemeClr val="tx1"/>
+                </a:solidFill>
+                <a:latin typeface="Comic Sans MS" panose="030F0702030302020204" pitchFamily="66" charset="0"/>
+              </a:defRPr>
+            </a:lvl4pPr>
+            <a:lvl5pPr marL="2057400" indent="-228600" algn="ctr">
+              <a:defRPr>
+                <a:solidFill>
+                  <a:schemeClr val="tx1"/>
+                </a:solidFill>
+                <a:latin typeface="Comic Sans MS" panose="030F0702030302020204" pitchFamily="66" charset="0"/>
+              </a:defRPr>
+            </a:lvl5pPr>
+            <a:lvl6pPr marL="2514600" indent="-228600" algn="ctr" eaLnBrk="0" fontAlgn="base" hangingPunct="0">
+              <a:spcBef>
+                <a:spcPct val="0"/>
+              </a:spcBef>
+              <a:spcAft>
+                <a:spcPct val="0"/>
+              </a:spcAft>
+              <a:defRPr>
+                <a:solidFill>
+                  <a:schemeClr val="tx1"/>
+                </a:solidFill>
+                <a:latin typeface="Comic Sans MS" panose="030F0702030302020204" pitchFamily="66" charset="0"/>
+              </a:defRPr>
+            </a:lvl6pPr>
+            <a:lvl7pPr marL="2971800" indent="-228600" algn="ctr" eaLnBrk="0" fontAlgn="base" hangingPunct="0">
+              <a:spcBef>
+                <a:spcPct val="0"/>
+              </a:spcBef>
+              <a:spcAft>
+                <a:spcPct val="0"/>
+              </a:spcAft>
+              <a:defRPr>
+                <a:solidFill>
+                  <a:schemeClr val="tx1"/>
+                </a:solidFill>
+                <a:latin typeface="Comic Sans MS" panose="030F0702030302020204" pitchFamily="66" charset="0"/>
+              </a:defRPr>
+            </a:lvl7pPr>
+            <a:lvl8pPr marL="3429000" indent="-228600" algn="ctr" eaLnBrk="0" fontAlgn="base" hangingPunct="0">
+              <a:spcBef>
+                <a:spcPct val="0"/>
+              </a:spcBef>
+              <a:spcAft>
+                <a:spcPct val="0"/>
+              </a:spcAft>
+              <a:defRPr>
+                <a:solidFill>
+                  <a:schemeClr val="tx1"/>
+                </a:solidFill>
+                <a:latin typeface="Comic Sans MS" panose="030F0702030302020204" pitchFamily="66" charset="0"/>
+              </a:defRPr>
+            </a:lvl8pPr>
+            <a:lvl9pPr marL="3886200" indent="-228600" algn="ctr" eaLnBrk="0" fontAlgn="base" hangingPunct="0">
+              <a:spcBef>
+                <a:spcPct val="0"/>
+              </a:spcBef>
+              <a:spcAft>
+                <a:spcPct val="0"/>
+              </a:spcAft>
+              <a:defRPr>
+                <a:solidFill>
+                  <a:schemeClr val="tx1"/>
+                </a:solidFill>
+                <a:latin typeface="Comic Sans MS" panose="030F0702030302020204" pitchFamily="66" charset="0"/>
+              </a:defRPr>
+            </a:lvl9pPr>
+          </a:lstStyle>
+          <a:p>
+            <a:r>
+              <a:rPr lang="en-US" altLang="zh-CN" b="1" dirty="0" smtClean="0">
+                <a:ea typeface="宋体" panose="02010600030101010101" pitchFamily="2" charset="-122"/>
+              </a:rPr>
+              <a:t>Instr. Decode</a:t>
+            </a:r>
+          </a:p>
+          <a:p>
+            <a:r>
+              <a:rPr lang="en-US" altLang="zh-CN" b="1" dirty="0" smtClean="0">
+                <a:ea typeface="宋体" panose="02010600030101010101" pitchFamily="2" charset="-122"/>
+              </a:rPr>
+              <a:t>Reg. Fetch</a:t>
+            </a:r>
+            <a:endParaRPr lang="en-US" altLang="zh-CN" b="1" dirty="0">
+              <a:ea typeface="宋体" panose="02010600030101010101" pitchFamily="2" charset="-122"/>
+            </a:endParaRPr>
+          </a:p>
+        </p:txBody>
+      </p:sp>
+      <p:sp>
+        <p:nvSpPr>
+          <p:cNvPr id="368" name="Rectangle 10"/>
+          <p:cNvSpPr>
+            <a:spLocks noChangeArrowheads="1"/>
+          </p:cNvSpPr>
+          <p:nvPr/>
+        </p:nvSpPr>
+        <p:spPr bwMode="auto">
+          <a:xfrm>
+            <a:off x="6285539" y="428344"/>
+            <a:ext cx="1915585" cy="643766"/>
+          </a:xfrm>
+          <a:prstGeom prst="rect">
+            <a:avLst/>
+          </a:prstGeom>
+          <a:solidFill>
+            <a:schemeClr val="bg1"/>
+          </a:solidFill>
+          <a:ln>
+            <a:noFill/>
+          </a:ln>
+          <a:effectLst/>
+          <a:extLst>
+            <a:ext uri="{91240B29-F687-4F45-9708-019B960494DF}">
+              <a14:hiddenLine xmlns:a14="http://schemas.microsoft.com/office/drawing/2010/main" w="12700">
+                <a:pattFill prst="narHorz">
+                  <a:fgClr>
+                    <a:schemeClr val="tx1"/>
+                  </a:fgClr>
+                  <a:bgClr>
+                    <a:schemeClr val="bg1"/>
+                  </a:bgClr>
+                </a:pattFill>
+                <a:miter lim="800000"/>
+                <a:headEnd/>
+                <a:tailEnd/>
+              </a14:hiddenLine>
+            </a:ext>
+            <a:ext uri="{AF507438-7753-43E0-B8FC-AC1667EBCBE1}">
+              <a14:hiddenEffects xmlns:a14="http://schemas.microsoft.com/office/drawing/2010/main">
+                <a:effectLst>
+                  <a:outerShdw dist="35921" dir="2700000" algn="ctr" rotWithShape="0">
+                    <a:schemeClr val="bg2"/>
+                  </a:outerShdw>
+                </a:effectLst>
+              </a14:hiddenEffects>
+            </a:ext>
+          </a:extLst>
+        </p:spPr>
+        <p:txBody>
+          <a:bodyPr wrap="square" lIns="90488" tIns="44450" rIns="90488" bIns="44450">
+            <a:spAutoFit/>
+          </a:bodyPr>
+          <a:lstStyle>
+            <a:lvl1pPr algn="ctr">
+              <a:defRPr>
+                <a:solidFill>
+                  <a:schemeClr val="tx1"/>
+                </a:solidFill>
+                <a:latin typeface="Comic Sans MS" panose="030F0702030302020204" pitchFamily="66" charset="0"/>
+              </a:defRPr>
+            </a:lvl1pPr>
+            <a:lvl2pPr marL="742950" indent="-285750" algn="ctr">
+              <a:defRPr>
+                <a:solidFill>
+                  <a:schemeClr val="tx1"/>
+                </a:solidFill>
+                <a:latin typeface="Comic Sans MS" panose="030F0702030302020204" pitchFamily="66" charset="0"/>
+              </a:defRPr>
+            </a:lvl2pPr>
+            <a:lvl3pPr marL="1143000" indent="-228600" algn="ctr">
+              <a:defRPr>
+                <a:solidFill>
+                  <a:schemeClr val="tx1"/>
+                </a:solidFill>
+                <a:latin typeface="Comic Sans MS" panose="030F0702030302020204" pitchFamily="66" charset="0"/>
+              </a:defRPr>
+            </a:lvl3pPr>
+            <a:lvl4pPr marL="1600200" indent="-228600" algn="ctr">
+              <a:defRPr>
+                <a:solidFill>
+                  <a:schemeClr val="tx1"/>
+                </a:solidFill>
+                <a:latin typeface="Comic Sans MS" panose="030F0702030302020204" pitchFamily="66" charset="0"/>
+              </a:defRPr>
+            </a:lvl4pPr>
+            <a:lvl5pPr marL="2057400" indent="-228600" algn="ctr">
+              <a:defRPr>
+                <a:solidFill>
+                  <a:schemeClr val="tx1"/>
+                </a:solidFill>
+                <a:latin typeface="Comic Sans MS" panose="030F0702030302020204" pitchFamily="66" charset="0"/>
+              </a:defRPr>
+            </a:lvl5pPr>
+            <a:lvl6pPr marL="2514600" indent="-228600" algn="ctr" eaLnBrk="0" fontAlgn="base" hangingPunct="0">
+              <a:spcBef>
+                <a:spcPct val="0"/>
+              </a:spcBef>
+              <a:spcAft>
+                <a:spcPct val="0"/>
+              </a:spcAft>
+              <a:defRPr>
+                <a:solidFill>
+                  <a:schemeClr val="tx1"/>
+                </a:solidFill>
+                <a:latin typeface="Comic Sans MS" panose="030F0702030302020204" pitchFamily="66" charset="0"/>
+              </a:defRPr>
+            </a:lvl6pPr>
+            <a:lvl7pPr marL="2971800" indent="-228600" algn="ctr" eaLnBrk="0" fontAlgn="base" hangingPunct="0">
+              <a:spcBef>
+                <a:spcPct val="0"/>
+              </a:spcBef>
+              <a:spcAft>
+                <a:spcPct val="0"/>
+              </a:spcAft>
+              <a:defRPr>
+                <a:solidFill>
+                  <a:schemeClr val="tx1"/>
+                </a:solidFill>
+                <a:latin typeface="Comic Sans MS" panose="030F0702030302020204" pitchFamily="66" charset="0"/>
+              </a:defRPr>
+            </a:lvl7pPr>
+            <a:lvl8pPr marL="3429000" indent="-228600" algn="ctr" eaLnBrk="0" fontAlgn="base" hangingPunct="0">
+              <a:spcBef>
+                <a:spcPct val="0"/>
+              </a:spcBef>
+              <a:spcAft>
+                <a:spcPct val="0"/>
+              </a:spcAft>
+              <a:defRPr>
+                <a:solidFill>
+                  <a:schemeClr val="tx1"/>
+                </a:solidFill>
+                <a:latin typeface="Comic Sans MS" panose="030F0702030302020204" pitchFamily="66" charset="0"/>
+              </a:defRPr>
+            </a:lvl8pPr>
+            <a:lvl9pPr marL="3886200" indent="-228600" algn="ctr" eaLnBrk="0" fontAlgn="base" hangingPunct="0">
+              <a:spcBef>
+                <a:spcPct val="0"/>
+              </a:spcBef>
+              <a:spcAft>
+                <a:spcPct val="0"/>
+              </a:spcAft>
+              <a:defRPr>
+                <a:solidFill>
+                  <a:schemeClr val="tx1"/>
+                </a:solidFill>
+                <a:latin typeface="Comic Sans MS" panose="030F0702030302020204" pitchFamily="66" charset="0"/>
+              </a:defRPr>
+            </a:lvl9pPr>
+          </a:lstStyle>
+          <a:p>
+            <a:r>
+              <a:rPr lang="en-US" altLang="zh-CN" b="1" dirty="0" smtClean="0">
+                <a:ea typeface="宋体" panose="02010600030101010101" pitchFamily="2" charset="-122"/>
+              </a:rPr>
+              <a:t>Execute</a:t>
+            </a:r>
+          </a:p>
+          <a:p>
+            <a:r>
+              <a:rPr lang="en-US" altLang="zh-CN" b="1" dirty="0" err="1" smtClean="0">
+                <a:ea typeface="宋体" panose="02010600030101010101" pitchFamily="2" charset="-122"/>
+              </a:rPr>
+              <a:t>Addr</a:t>
+            </a:r>
+            <a:r>
+              <a:rPr lang="en-US" altLang="zh-CN" b="1" dirty="0" smtClean="0">
+                <a:ea typeface="宋体" panose="02010600030101010101" pitchFamily="2" charset="-122"/>
+              </a:rPr>
+              <a:t>. </a:t>
+            </a:r>
+            <a:r>
+              <a:rPr lang="en-US" altLang="zh-CN" b="1" dirty="0" err="1" smtClean="0">
+                <a:ea typeface="宋体" panose="02010600030101010101" pitchFamily="2" charset="-122"/>
+              </a:rPr>
+              <a:t>Calc</a:t>
+            </a:r>
+            <a:endParaRPr lang="en-US" altLang="zh-CN" b="1" dirty="0">
+              <a:ea typeface="宋体" panose="02010600030101010101" pitchFamily="2" charset="-122"/>
+            </a:endParaRPr>
+          </a:p>
+        </p:txBody>
+      </p:sp>
+      <p:sp>
+        <p:nvSpPr>
+          <p:cNvPr id="370" name="Rectangle 6"/>
+          <p:cNvSpPr>
+            <a:spLocks noChangeArrowheads="1"/>
+          </p:cNvSpPr>
+          <p:nvPr/>
+        </p:nvSpPr>
+        <p:spPr bwMode="auto">
+          <a:xfrm>
+            <a:off x="9115933" y="404898"/>
+            <a:ext cx="1056380" cy="643766"/>
+          </a:xfrm>
+          <a:prstGeom prst="rect">
+            <a:avLst/>
+          </a:prstGeom>
+          <a:solidFill>
+            <a:schemeClr val="bg1"/>
+          </a:solidFill>
+          <a:ln>
+            <a:noFill/>
+          </a:ln>
+          <a:effectLst/>
+          <a:extLst>
+            <a:ext uri="{91240B29-F687-4F45-9708-019B960494DF}">
+              <a14:hiddenLine xmlns:a14="http://schemas.microsoft.com/office/drawing/2010/main" w="12700">
+                <a:pattFill prst="narHorz">
+                  <a:fgClr>
+                    <a:schemeClr val="tx1"/>
+                  </a:fgClr>
+                  <a:bgClr>
+                    <a:schemeClr val="bg1"/>
+                  </a:bgClr>
+                </a:pattFill>
+                <a:miter lim="800000"/>
+                <a:headEnd/>
+                <a:tailEnd/>
+              </a14:hiddenLine>
+            </a:ext>
+            <a:ext uri="{AF507438-7753-43E0-B8FC-AC1667EBCBE1}">
+              <a14:hiddenEffects xmlns:a14="http://schemas.microsoft.com/office/drawing/2010/main">
+                <a:effectLst>
+                  <a:outerShdw dist="35921" dir="2700000" algn="ctr" rotWithShape="0">
+                    <a:schemeClr val="bg2"/>
+                  </a:outerShdw>
+                </a:effectLst>
+              </a14:hiddenEffects>
+            </a:ext>
+          </a:extLst>
+        </p:spPr>
+        <p:txBody>
+          <a:bodyPr wrap="none" lIns="90488" tIns="44450" rIns="90488" bIns="44450">
+            <a:spAutoFit/>
+          </a:bodyPr>
+          <a:lstStyle>
+            <a:lvl1pPr algn="ctr">
+              <a:defRPr>
+                <a:solidFill>
+                  <a:schemeClr val="tx1"/>
+                </a:solidFill>
+                <a:latin typeface="Comic Sans MS" panose="030F0702030302020204" pitchFamily="66" charset="0"/>
+              </a:defRPr>
+            </a:lvl1pPr>
+            <a:lvl2pPr marL="742950" indent="-285750" algn="ctr">
+              <a:defRPr>
+                <a:solidFill>
+                  <a:schemeClr val="tx1"/>
+                </a:solidFill>
+                <a:latin typeface="Comic Sans MS" panose="030F0702030302020204" pitchFamily="66" charset="0"/>
+              </a:defRPr>
+            </a:lvl2pPr>
+            <a:lvl3pPr marL="1143000" indent="-228600" algn="ctr">
+              <a:defRPr>
+                <a:solidFill>
+                  <a:schemeClr val="tx1"/>
+                </a:solidFill>
+                <a:latin typeface="Comic Sans MS" panose="030F0702030302020204" pitchFamily="66" charset="0"/>
+              </a:defRPr>
+            </a:lvl3pPr>
+            <a:lvl4pPr marL="1600200" indent="-228600" algn="ctr">
+              <a:defRPr>
+                <a:solidFill>
+                  <a:schemeClr val="tx1"/>
+                </a:solidFill>
+                <a:latin typeface="Comic Sans MS" panose="030F0702030302020204" pitchFamily="66" charset="0"/>
+              </a:defRPr>
+            </a:lvl4pPr>
+            <a:lvl5pPr marL="2057400" indent="-228600" algn="ctr">
+              <a:defRPr>
+                <a:solidFill>
+                  <a:schemeClr val="tx1"/>
+                </a:solidFill>
+                <a:latin typeface="Comic Sans MS" panose="030F0702030302020204" pitchFamily="66" charset="0"/>
+              </a:defRPr>
+            </a:lvl5pPr>
+            <a:lvl6pPr marL="2514600" indent="-228600" algn="ctr" eaLnBrk="0" fontAlgn="base" hangingPunct="0">
+              <a:spcBef>
+                <a:spcPct val="0"/>
+              </a:spcBef>
+              <a:spcAft>
+                <a:spcPct val="0"/>
+              </a:spcAft>
+              <a:defRPr>
+                <a:solidFill>
+                  <a:schemeClr val="tx1"/>
+                </a:solidFill>
+                <a:latin typeface="Comic Sans MS" panose="030F0702030302020204" pitchFamily="66" charset="0"/>
+              </a:defRPr>
+            </a:lvl6pPr>
+            <a:lvl7pPr marL="2971800" indent="-228600" algn="ctr" eaLnBrk="0" fontAlgn="base" hangingPunct="0">
+              <a:spcBef>
+                <a:spcPct val="0"/>
+              </a:spcBef>
+              <a:spcAft>
+                <a:spcPct val="0"/>
+              </a:spcAft>
+              <a:defRPr>
+                <a:solidFill>
+                  <a:schemeClr val="tx1"/>
+                </a:solidFill>
+                <a:latin typeface="Comic Sans MS" panose="030F0702030302020204" pitchFamily="66" charset="0"/>
+              </a:defRPr>
+            </a:lvl7pPr>
+            <a:lvl8pPr marL="3429000" indent="-228600" algn="ctr" eaLnBrk="0" fontAlgn="base" hangingPunct="0">
+              <a:spcBef>
+                <a:spcPct val="0"/>
+              </a:spcBef>
+              <a:spcAft>
+                <a:spcPct val="0"/>
+              </a:spcAft>
+              <a:defRPr>
+                <a:solidFill>
+                  <a:schemeClr val="tx1"/>
+                </a:solidFill>
+                <a:latin typeface="Comic Sans MS" panose="030F0702030302020204" pitchFamily="66" charset="0"/>
+              </a:defRPr>
+            </a:lvl8pPr>
+            <a:lvl9pPr marL="3886200" indent="-228600" algn="ctr" eaLnBrk="0" fontAlgn="base" hangingPunct="0">
+              <a:spcBef>
+                <a:spcPct val="0"/>
+              </a:spcBef>
+              <a:spcAft>
+                <a:spcPct val="0"/>
+              </a:spcAft>
+              <a:defRPr>
+                <a:solidFill>
+                  <a:schemeClr val="tx1"/>
+                </a:solidFill>
+                <a:latin typeface="Comic Sans MS" panose="030F0702030302020204" pitchFamily="66" charset="0"/>
+              </a:defRPr>
+            </a:lvl9pPr>
+          </a:lstStyle>
+          <a:p>
+            <a:r>
+              <a:rPr lang="en-US" altLang="zh-CN" b="1" dirty="0">
+                <a:ea typeface="宋体" panose="02010600030101010101" pitchFamily="2" charset="-122"/>
+              </a:rPr>
+              <a:t>Memory</a:t>
+            </a:r>
+          </a:p>
+          <a:p>
+            <a:r>
+              <a:rPr lang="en-US" altLang="zh-CN" b="1" dirty="0">
+                <a:ea typeface="宋体" panose="02010600030101010101" pitchFamily="2" charset="-122"/>
+              </a:rPr>
+              <a:t>Access</a:t>
+            </a:r>
+          </a:p>
+        </p:txBody>
+      </p:sp>
+      <p:sp>
+        <p:nvSpPr>
+          <p:cNvPr id="371" name="Rectangle 7"/>
+          <p:cNvSpPr>
+            <a:spLocks noChangeArrowheads="1"/>
+          </p:cNvSpPr>
+          <p:nvPr/>
+        </p:nvSpPr>
+        <p:spPr bwMode="auto">
+          <a:xfrm>
+            <a:off x="11078546" y="428344"/>
+            <a:ext cx="920741" cy="643766"/>
+          </a:xfrm>
+          <a:prstGeom prst="rect">
+            <a:avLst/>
+          </a:prstGeom>
+          <a:noFill/>
+          <a:ln>
+            <a:noFill/>
+          </a:ln>
+          <a:effectLst/>
+          <a:extLst>
+            <a:ext uri="{909E8E84-426E-40DD-AFC4-6F175D3DCCD1}">
+              <a14:hiddenFill xmlns:a14="http://schemas.microsoft.com/office/drawing/2010/main">
+                <a:solidFill>
+                  <a:schemeClr val="bg1"/>
+                </a:solidFill>
+              </a14:hiddenFill>
+            </a:ext>
+            <a:ext uri="{91240B29-F687-4F45-9708-019B960494DF}">
+              <a14:hiddenLine xmlns:a14="http://schemas.microsoft.com/office/drawing/2010/main" w="12700">
+                <a:pattFill prst="narHorz">
+                  <a:fgClr>
+                    <a:schemeClr val="tx1"/>
+                  </a:fgClr>
+                  <a:bgClr>
+                    <a:schemeClr val="bg1"/>
+                  </a:bgClr>
+                </a:pattFill>
+                <a:miter lim="800000"/>
+                <a:headEnd/>
+                <a:tailEnd/>
+              </a14:hiddenLine>
+            </a:ext>
+            <a:ext uri="{AF507438-7753-43E0-B8FC-AC1667EBCBE1}">
+              <a14:hiddenEffects xmlns:a14="http://schemas.microsoft.com/office/drawing/2010/main">
+                <a:effectLst>
+                  <a:outerShdw dist="35921" dir="2700000" algn="ctr" rotWithShape="0">
+                    <a:schemeClr val="bg2"/>
+                  </a:outerShdw>
+                </a:effectLst>
+              </a14:hiddenEffects>
+            </a:ext>
+          </a:extLst>
+        </p:spPr>
+        <p:txBody>
+          <a:bodyPr wrap="square" lIns="90488" tIns="44450" rIns="90488" bIns="44450">
+            <a:spAutoFit/>
+          </a:bodyPr>
+          <a:lstStyle>
+            <a:lvl1pPr algn="ctr">
+              <a:defRPr>
+                <a:solidFill>
+                  <a:schemeClr val="tx1"/>
+                </a:solidFill>
+                <a:latin typeface="Comic Sans MS" panose="030F0702030302020204" pitchFamily="66" charset="0"/>
+              </a:defRPr>
+            </a:lvl1pPr>
+            <a:lvl2pPr marL="742950" indent="-285750" algn="ctr">
+              <a:defRPr>
+                <a:solidFill>
+                  <a:schemeClr val="tx1"/>
+                </a:solidFill>
+                <a:latin typeface="Comic Sans MS" panose="030F0702030302020204" pitchFamily="66" charset="0"/>
+              </a:defRPr>
+            </a:lvl2pPr>
+            <a:lvl3pPr marL="1143000" indent="-228600" algn="ctr">
+              <a:defRPr>
+                <a:solidFill>
+                  <a:schemeClr val="tx1"/>
+                </a:solidFill>
+                <a:latin typeface="Comic Sans MS" panose="030F0702030302020204" pitchFamily="66" charset="0"/>
+              </a:defRPr>
+            </a:lvl3pPr>
+            <a:lvl4pPr marL="1600200" indent="-228600" algn="ctr">
+              <a:defRPr>
+                <a:solidFill>
+                  <a:schemeClr val="tx1"/>
+                </a:solidFill>
+                <a:latin typeface="Comic Sans MS" panose="030F0702030302020204" pitchFamily="66" charset="0"/>
+              </a:defRPr>
+            </a:lvl4pPr>
+            <a:lvl5pPr marL="2057400" indent="-228600" algn="ctr">
+              <a:defRPr>
+                <a:solidFill>
+                  <a:schemeClr val="tx1"/>
+                </a:solidFill>
+                <a:latin typeface="Comic Sans MS" panose="030F0702030302020204" pitchFamily="66" charset="0"/>
+              </a:defRPr>
+            </a:lvl5pPr>
+            <a:lvl6pPr marL="2514600" indent="-228600" algn="ctr" eaLnBrk="0" fontAlgn="base" hangingPunct="0">
+              <a:spcBef>
+                <a:spcPct val="0"/>
+              </a:spcBef>
+              <a:spcAft>
+                <a:spcPct val="0"/>
+              </a:spcAft>
+              <a:defRPr>
+                <a:solidFill>
+                  <a:schemeClr val="tx1"/>
+                </a:solidFill>
+                <a:latin typeface="Comic Sans MS" panose="030F0702030302020204" pitchFamily="66" charset="0"/>
+              </a:defRPr>
+            </a:lvl6pPr>
+            <a:lvl7pPr marL="2971800" indent="-228600" algn="ctr" eaLnBrk="0" fontAlgn="base" hangingPunct="0">
+              <a:spcBef>
+                <a:spcPct val="0"/>
+              </a:spcBef>
+              <a:spcAft>
+                <a:spcPct val="0"/>
+              </a:spcAft>
+              <a:defRPr>
+                <a:solidFill>
+                  <a:schemeClr val="tx1"/>
+                </a:solidFill>
+                <a:latin typeface="Comic Sans MS" panose="030F0702030302020204" pitchFamily="66" charset="0"/>
+              </a:defRPr>
+            </a:lvl7pPr>
+            <a:lvl8pPr marL="3429000" indent="-228600" algn="ctr" eaLnBrk="0" fontAlgn="base" hangingPunct="0">
+              <a:spcBef>
+                <a:spcPct val="0"/>
+              </a:spcBef>
+              <a:spcAft>
+                <a:spcPct val="0"/>
+              </a:spcAft>
+              <a:defRPr>
+                <a:solidFill>
+                  <a:schemeClr val="tx1"/>
+                </a:solidFill>
+                <a:latin typeface="Comic Sans MS" panose="030F0702030302020204" pitchFamily="66" charset="0"/>
+              </a:defRPr>
+            </a:lvl8pPr>
+            <a:lvl9pPr marL="3886200" indent="-228600" algn="ctr" eaLnBrk="0" fontAlgn="base" hangingPunct="0">
+              <a:spcBef>
+                <a:spcPct val="0"/>
+              </a:spcBef>
+              <a:spcAft>
+                <a:spcPct val="0"/>
+              </a:spcAft>
+              <a:defRPr>
+                <a:solidFill>
+                  <a:schemeClr val="tx1"/>
+                </a:solidFill>
+                <a:latin typeface="Comic Sans MS" panose="030F0702030302020204" pitchFamily="66" charset="0"/>
+              </a:defRPr>
+            </a:lvl9pPr>
+          </a:lstStyle>
+          <a:p>
+            <a:r>
+              <a:rPr lang="en-US" altLang="zh-CN" b="1" dirty="0">
+                <a:ea typeface="宋体" panose="02010600030101010101" pitchFamily="2" charset="-122"/>
+              </a:rPr>
+              <a:t>Write</a:t>
+            </a:r>
+          </a:p>
+          <a:p>
+            <a:r>
+              <a:rPr lang="en-US" altLang="zh-CN" b="1" dirty="0">
+                <a:ea typeface="宋体" panose="02010600030101010101" pitchFamily="2" charset="-122"/>
+              </a:rPr>
+              <a:t>Back</a:t>
+            </a:r>
+          </a:p>
+        </p:txBody>
+      </p:sp>
+      <p:sp>
+        <p:nvSpPr>
+          <p:cNvPr id="372" name="文本框 371"/>
+          <p:cNvSpPr txBox="1"/>
+          <p:nvPr/>
+        </p:nvSpPr>
+        <p:spPr>
+          <a:xfrm>
+            <a:off x="9644123" y="6493397"/>
+            <a:ext cx="1295811" cy="369332"/>
+          </a:xfrm>
+          <a:prstGeom prst="rect">
+            <a:avLst/>
+          </a:prstGeom>
+          <a:noFill/>
+        </p:spPr>
+        <p:txBody>
+          <a:bodyPr wrap="square" rtlCol="0">
+            <a:spAutoFit/>
+          </a:bodyPr>
+          <a:lstStyle/>
+          <a:p>
+            <a:endParaRPr lang="zh-CN" altLang="en-US" dirty="0"/>
+          </a:p>
+        </p:txBody>
+      </p:sp>
+      <p:sp>
+        <p:nvSpPr>
+          <p:cNvPr id="374" name="文本框 373"/>
+          <p:cNvSpPr txBox="1"/>
+          <p:nvPr/>
+        </p:nvSpPr>
+        <p:spPr>
+          <a:xfrm>
+            <a:off x="6586344" y="6228427"/>
+            <a:ext cx="5943049" cy="369332"/>
+          </a:xfrm>
+          <a:prstGeom prst="rect">
+            <a:avLst/>
+          </a:prstGeom>
+          <a:noFill/>
+        </p:spPr>
+        <p:txBody>
+          <a:bodyPr wrap="square" rtlCol="0">
+            <a:spAutoFit/>
+          </a:bodyPr>
+          <a:lstStyle/>
+          <a:p>
+            <a:r>
+              <a:rPr lang="en-US" altLang="zh-CN" b="1" dirty="0" smtClean="0">
+                <a:latin typeface="Comic Sans MS" panose="030F0702030302020204" pitchFamily="66" charset="0"/>
+              </a:rPr>
+              <a:t>5-Stage Pipeline of RISC-V CPU by Zhou Fan</a:t>
+            </a:r>
+          </a:p>
+        </p:txBody>
+      </p:sp>
+      <p:cxnSp>
+        <p:nvCxnSpPr>
+          <p:cNvPr id="376" name="直接连接符 375"/>
+          <p:cNvCxnSpPr/>
+          <p:nvPr/>
+        </p:nvCxnSpPr>
+        <p:spPr>
+          <a:xfrm>
+            <a:off x="8724369" y="2812898"/>
+            <a:ext cx="10433" cy="2432548"/>
+          </a:xfrm>
+          <a:prstGeom prst="line">
+            <a:avLst/>
+          </a:prstGeom>
+          <a:ln w="28575">
+            <a:solidFill>
+              <a:srgbClr val="F29000"/>
+            </a:solidFill>
+          </a:ln>
         </p:spPr>
         <p:style>
-          <a:lnRef idx="2">
-            <a:schemeClr val="accent1">
-              <a:shade val="50000"/>
-            </a:schemeClr>
+          <a:lnRef idx="1">
+            <a:schemeClr val="accent1"/>
           </a:lnRef>
-          <a:fillRef idx="1">
+          <a:fillRef idx="0">
             <a:schemeClr val="accent1"/>
           </a:fillRef>
           <a:effectRef idx="0">
             <a:schemeClr val="accent1"/>
           </a:effectRef>
           <a:fontRef idx="minor">
-            <a:schemeClr val="lt1"/>
+            <a:schemeClr val="tx1"/>
           </a:fontRef>
         </p:style>
-        <p:txBody>
-          <a:bodyPr rtlCol="0" anchor="ctr"/>
-          <a:lstStyle/>
-          <a:p>
-            <a:pPr algn="ctr"/>
-            <a:r>
-              <a:rPr lang="en-US" altLang="zh-CN" dirty="0" smtClean="0"/>
-              <a:t>reg_pc.v</a:t>
-            </a:r>
-            <a:endParaRPr lang="zh-CN" altLang="en-US" dirty="0"/>
+      </p:cxnSp>
+      <p:cxnSp>
+        <p:nvCxnSpPr>
+          <p:cNvPr id="378" name="直接连接符 377"/>
+          <p:cNvCxnSpPr/>
+          <p:nvPr/>
+        </p:nvCxnSpPr>
+        <p:spPr>
+          <a:xfrm flipH="1">
+            <a:off x="4153390" y="5230039"/>
+            <a:ext cx="7129650" cy="0"/>
+          </a:xfrm>
+          <a:prstGeom prst="line">
+            <a:avLst/>
+          </a:prstGeom>
+          <a:ln w="28575">
+            <a:solidFill>
+              <a:srgbClr val="F29000"/>
+            </a:solidFill>
+          </a:ln>
+        </p:spPr>
+        <p:style>
+          <a:lnRef idx="1">
+            <a:schemeClr val="accent1"/>
+          </a:lnRef>
+          <a:fillRef idx="0">
+            <a:schemeClr val="accent1"/>
+          </a:fillRef>
+          <a:effectRef idx="0">
+            <a:schemeClr val="accent1"/>
+          </a:effectRef>
+          <a:fontRef idx="minor">
+            <a:schemeClr val="tx1"/>
+          </a:fontRef>
+        </p:style>
+      </p:cxnSp>
+      <p:cxnSp>
+        <p:nvCxnSpPr>
+          <p:cNvPr id="382" name="直接箭头连接符 381"/>
+          <p:cNvCxnSpPr/>
+          <p:nvPr/>
+        </p:nvCxnSpPr>
+        <p:spPr>
+          <a:xfrm flipV="1">
+            <a:off x="4153389" y="2812898"/>
+            <a:ext cx="0" cy="2417141"/>
+          </a:xfrm>
+          <a:prstGeom prst="straightConnector1">
+            <a:avLst/>
+          </a:prstGeom>
+          <a:ln w="28575">
+            <a:solidFill>
+              <a:srgbClr val="F29000"/>
+            </a:solidFill>
+            <a:tailEnd type="triangle"/>
+          </a:ln>
+        </p:spPr>
+        <p:style>
+          <a:lnRef idx="1">
+            <a:schemeClr val="accent1"/>
+          </a:lnRef>
+          <a:fillRef idx="0">
+            <a:schemeClr val="accent1"/>
+          </a:fillRef>
+          <a:effectRef idx="0">
+            <a:schemeClr val="accent1"/>
+          </a:effectRef>
+          <a:fontRef idx="minor">
+            <a:schemeClr val="tx1"/>
+          </a:fontRef>
+        </p:style>
+      </p:cxnSp>
+      <p:cxnSp>
+        <p:nvCxnSpPr>
+          <p:cNvPr id="386" name="直接连接符 385"/>
+          <p:cNvCxnSpPr/>
+          <p:nvPr/>
+        </p:nvCxnSpPr>
+        <p:spPr>
+          <a:xfrm flipH="1">
+            <a:off x="11283040" y="4990012"/>
+            <a:ext cx="1422" cy="255434"/>
+          </a:xfrm>
+          <a:prstGeom prst="line">
+            <a:avLst/>
+          </a:prstGeom>
+          <a:ln w="28575">
+            <a:solidFill>
+              <a:srgbClr val="F29000"/>
+            </a:solidFill>
+          </a:ln>
+        </p:spPr>
+        <p:style>
+          <a:lnRef idx="1">
+            <a:schemeClr val="accent1"/>
+          </a:lnRef>
+          <a:fillRef idx="0">
+            <a:schemeClr val="accent1"/>
+          </a:fillRef>
+          <a:effectRef idx="0">
+            <a:schemeClr val="accent1"/>
+          </a:effectRef>
+          <a:fontRef idx="minor">
+            <a:schemeClr val="tx1"/>
+          </a:fontRef>
+        </p:style>
+      </p:cxnSp>
+      <p:sp>
+        <p:nvSpPr>
+          <p:cNvPr id="392" name="Oval 103"/>
+          <p:cNvSpPr>
+            <a:spLocks noChangeArrowheads="1"/>
+          </p:cNvSpPr>
+          <p:nvPr/>
+        </p:nvSpPr>
+        <p:spPr bwMode="auto">
+          <a:xfrm>
+            <a:off x="8678396" y="5167402"/>
+            <a:ext cx="111919" cy="111917"/>
+          </a:xfrm>
+          <a:prstGeom prst="ellipse">
+            <a:avLst/>
+          </a:prstGeom>
+          <a:solidFill>
+            <a:srgbClr val="F29000"/>
+          </a:solidFill>
+          <a:ln w="28575">
+            <a:noFill/>
+            <a:round/>
+            <a:headEnd/>
+            <a:tailEnd/>
+          </a:ln>
+          <a:effectLst/>
+        </p:spPr>
+        <p:txBody>
+          <a:bodyPr wrap="none" anchor="ctr"/>
+          <a:lstStyle>
+            <a:lvl1pPr algn="ctr">
+              <a:defRPr>
+                <a:solidFill>
+                  <a:schemeClr val="tx1"/>
+                </a:solidFill>
+                <a:latin typeface="Comic Sans MS" panose="030F0702030302020204" pitchFamily="66" charset="0"/>
+              </a:defRPr>
+            </a:lvl1pPr>
+            <a:lvl2pPr marL="742950" indent="-285750" algn="ctr">
+              <a:defRPr>
+                <a:solidFill>
+                  <a:schemeClr val="tx1"/>
+                </a:solidFill>
+                <a:latin typeface="Comic Sans MS" panose="030F0702030302020204" pitchFamily="66" charset="0"/>
+              </a:defRPr>
+            </a:lvl2pPr>
+            <a:lvl3pPr marL="1143000" indent="-228600" algn="ctr">
+              <a:defRPr>
+                <a:solidFill>
+                  <a:schemeClr val="tx1"/>
+                </a:solidFill>
+                <a:latin typeface="Comic Sans MS" panose="030F0702030302020204" pitchFamily="66" charset="0"/>
+              </a:defRPr>
+            </a:lvl3pPr>
+            <a:lvl4pPr marL="1600200" indent="-228600" algn="ctr">
+              <a:defRPr>
+                <a:solidFill>
+                  <a:schemeClr val="tx1"/>
+                </a:solidFill>
+                <a:latin typeface="Comic Sans MS" panose="030F0702030302020204" pitchFamily="66" charset="0"/>
+              </a:defRPr>
+            </a:lvl4pPr>
+            <a:lvl5pPr marL="2057400" indent="-228600" algn="ctr">
+              <a:defRPr>
+                <a:solidFill>
+                  <a:schemeClr val="tx1"/>
+                </a:solidFill>
+                <a:latin typeface="Comic Sans MS" panose="030F0702030302020204" pitchFamily="66" charset="0"/>
+              </a:defRPr>
+            </a:lvl5pPr>
+            <a:lvl6pPr marL="2514600" indent="-228600" algn="ctr" eaLnBrk="0" fontAlgn="base" hangingPunct="0">
+              <a:spcBef>
+                <a:spcPct val="0"/>
+              </a:spcBef>
+              <a:spcAft>
+                <a:spcPct val="0"/>
+              </a:spcAft>
+              <a:defRPr>
+                <a:solidFill>
+                  <a:schemeClr val="tx1"/>
+                </a:solidFill>
+                <a:latin typeface="Comic Sans MS" panose="030F0702030302020204" pitchFamily="66" charset="0"/>
+              </a:defRPr>
+            </a:lvl6pPr>
+            <a:lvl7pPr marL="2971800" indent="-228600" algn="ctr" eaLnBrk="0" fontAlgn="base" hangingPunct="0">
+              <a:spcBef>
+                <a:spcPct val="0"/>
+              </a:spcBef>
+              <a:spcAft>
+                <a:spcPct val="0"/>
+              </a:spcAft>
+              <a:defRPr>
+                <a:solidFill>
+                  <a:schemeClr val="tx1"/>
+                </a:solidFill>
+                <a:latin typeface="Comic Sans MS" panose="030F0702030302020204" pitchFamily="66" charset="0"/>
+              </a:defRPr>
+            </a:lvl7pPr>
+            <a:lvl8pPr marL="3429000" indent="-228600" algn="ctr" eaLnBrk="0" fontAlgn="base" hangingPunct="0">
+              <a:spcBef>
+                <a:spcPct val="0"/>
+              </a:spcBef>
+              <a:spcAft>
+                <a:spcPct val="0"/>
+              </a:spcAft>
+              <a:defRPr>
+                <a:solidFill>
+                  <a:schemeClr val="tx1"/>
+                </a:solidFill>
+                <a:latin typeface="Comic Sans MS" panose="030F0702030302020204" pitchFamily="66" charset="0"/>
+              </a:defRPr>
+            </a:lvl8pPr>
+            <a:lvl9pPr marL="3886200" indent="-228600" algn="ctr" eaLnBrk="0" fontAlgn="base" hangingPunct="0">
+              <a:spcBef>
+                <a:spcPct val="0"/>
+              </a:spcBef>
+              <a:spcAft>
+                <a:spcPct val="0"/>
+              </a:spcAft>
+              <a:defRPr>
+                <a:solidFill>
+                  <a:schemeClr val="tx1"/>
+                </a:solidFill>
+                <a:latin typeface="Comic Sans MS" panose="030F0702030302020204" pitchFamily="66" charset="0"/>
+              </a:defRPr>
+            </a:lvl9pPr>
+          </a:lstStyle>
+          <a:p>
+            <a:endParaRPr lang="zh-CN" altLang="en-US">
+              <a:solidFill>
+                <a:srgbClr val="F29000"/>
+              </a:solidFill>
+              <a:ea typeface="宋体" panose="02010600030101010101" pitchFamily="2" charset="-122"/>
+            </a:endParaRPr>
+          </a:p>
+        </p:txBody>
+      </p:sp>
+      <p:sp>
+        <p:nvSpPr>
+          <p:cNvPr id="393" name="Oval 103"/>
+          <p:cNvSpPr>
+            <a:spLocks noChangeArrowheads="1"/>
+          </p:cNvSpPr>
+          <p:nvPr/>
+        </p:nvSpPr>
+        <p:spPr bwMode="auto">
+          <a:xfrm>
+            <a:off x="11234231" y="4934053"/>
+            <a:ext cx="111919" cy="111917"/>
+          </a:xfrm>
+          <a:prstGeom prst="ellipse">
+            <a:avLst/>
+          </a:prstGeom>
+          <a:solidFill>
+            <a:srgbClr val="F29000"/>
+          </a:solidFill>
+          <a:ln w="28575">
+            <a:noFill/>
+            <a:round/>
+            <a:headEnd/>
+            <a:tailEnd/>
+          </a:ln>
+          <a:effectLst/>
+        </p:spPr>
+        <p:txBody>
+          <a:bodyPr wrap="none" anchor="ctr"/>
+          <a:lstStyle>
+            <a:lvl1pPr algn="ctr">
+              <a:defRPr>
+                <a:solidFill>
+                  <a:schemeClr val="tx1"/>
+                </a:solidFill>
+                <a:latin typeface="Comic Sans MS" panose="030F0702030302020204" pitchFamily="66" charset="0"/>
+              </a:defRPr>
+            </a:lvl1pPr>
+            <a:lvl2pPr marL="742950" indent="-285750" algn="ctr">
+              <a:defRPr>
+                <a:solidFill>
+                  <a:schemeClr val="tx1"/>
+                </a:solidFill>
+                <a:latin typeface="Comic Sans MS" panose="030F0702030302020204" pitchFamily="66" charset="0"/>
+              </a:defRPr>
+            </a:lvl2pPr>
+            <a:lvl3pPr marL="1143000" indent="-228600" algn="ctr">
+              <a:defRPr>
+                <a:solidFill>
+                  <a:schemeClr val="tx1"/>
+                </a:solidFill>
+                <a:latin typeface="Comic Sans MS" panose="030F0702030302020204" pitchFamily="66" charset="0"/>
+              </a:defRPr>
+            </a:lvl3pPr>
+            <a:lvl4pPr marL="1600200" indent="-228600" algn="ctr">
+              <a:defRPr>
+                <a:solidFill>
+                  <a:schemeClr val="tx1"/>
+                </a:solidFill>
+                <a:latin typeface="Comic Sans MS" panose="030F0702030302020204" pitchFamily="66" charset="0"/>
+              </a:defRPr>
+            </a:lvl4pPr>
+            <a:lvl5pPr marL="2057400" indent="-228600" algn="ctr">
+              <a:defRPr>
+                <a:solidFill>
+                  <a:schemeClr val="tx1"/>
+                </a:solidFill>
+                <a:latin typeface="Comic Sans MS" panose="030F0702030302020204" pitchFamily="66" charset="0"/>
+              </a:defRPr>
+            </a:lvl5pPr>
+            <a:lvl6pPr marL="2514600" indent="-228600" algn="ctr" eaLnBrk="0" fontAlgn="base" hangingPunct="0">
+              <a:spcBef>
+                <a:spcPct val="0"/>
+              </a:spcBef>
+              <a:spcAft>
+                <a:spcPct val="0"/>
+              </a:spcAft>
+              <a:defRPr>
+                <a:solidFill>
+                  <a:schemeClr val="tx1"/>
+                </a:solidFill>
+                <a:latin typeface="Comic Sans MS" panose="030F0702030302020204" pitchFamily="66" charset="0"/>
+              </a:defRPr>
+            </a:lvl6pPr>
+            <a:lvl7pPr marL="2971800" indent="-228600" algn="ctr" eaLnBrk="0" fontAlgn="base" hangingPunct="0">
+              <a:spcBef>
+                <a:spcPct val="0"/>
+              </a:spcBef>
+              <a:spcAft>
+                <a:spcPct val="0"/>
+              </a:spcAft>
+              <a:defRPr>
+                <a:solidFill>
+                  <a:schemeClr val="tx1"/>
+                </a:solidFill>
+                <a:latin typeface="Comic Sans MS" panose="030F0702030302020204" pitchFamily="66" charset="0"/>
+              </a:defRPr>
+            </a:lvl7pPr>
+            <a:lvl8pPr marL="3429000" indent="-228600" algn="ctr" eaLnBrk="0" fontAlgn="base" hangingPunct="0">
+              <a:spcBef>
+                <a:spcPct val="0"/>
+              </a:spcBef>
+              <a:spcAft>
+                <a:spcPct val="0"/>
+              </a:spcAft>
+              <a:defRPr>
+                <a:solidFill>
+                  <a:schemeClr val="tx1"/>
+                </a:solidFill>
+                <a:latin typeface="Comic Sans MS" panose="030F0702030302020204" pitchFamily="66" charset="0"/>
+              </a:defRPr>
+            </a:lvl8pPr>
+            <a:lvl9pPr marL="3886200" indent="-228600" algn="ctr" eaLnBrk="0" fontAlgn="base" hangingPunct="0">
+              <a:spcBef>
+                <a:spcPct val="0"/>
+              </a:spcBef>
+              <a:spcAft>
+                <a:spcPct val="0"/>
+              </a:spcAft>
+              <a:defRPr>
+                <a:solidFill>
+                  <a:schemeClr val="tx1"/>
+                </a:solidFill>
+                <a:latin typeface="Comic Sans MS" panose="030F0702030302020204" pitchFamily="66" charset="0"/>
+              </a:defRPr>
+            </a:lvl9pPr>
+          </a:lstStyle>
+          <a:p>
+            <a:endParaRPr lang="zh-CN" altLang="en-US">
+              <a:solidFill>
+                <a:srgbClr val="F29000"/>
+              </a:solidFill>
+              <a:ea typeface="宋体" panose="02010600030101010101" pitchFamily="2" charset="-122"/>
+            </a:endParaRPr>
+          </a:p>
+        </p:txBody>
+      </p:sp>
+      <p:sp>
+        <p:nvSpPr>
+          <p:cNvPr id="395" name="Oval 103"/>
+          <p:cNvSpPr>
+            <a:spLocks noChangeArrowheads="1"/>
+          </p:cNvSpPr>
+          <p:nvPr/>
+        </p:nvSpPr>
+        <p:spPr bwMode="auto">
+          <a:xfrm>
+            <a:off x="8673554" y="2756939"/>
+            <a:ext cx="111919" cy="111917"/>
+          </a:xfrm>
+          <a:prstGeom prst="ellipse">
+            <a:avLst/>
+          </a:prstGeom>
+          <a:solidFill>
+            <a:srgbClr val="F29000"/>
+          </a:solidFill>
+          <a:ln w="28575">
+            <a:noFill/>
+            <a:round/>
+            <a:headEnd/>
+            <a:tailEnd/>
+          </a:ln>
+          <a:effectLst/>
+        </p:spPr>
+        <p:txBody>
+          <a:bodyPr wrap="none" anchor="ctr"/>
+          <a:lstStyle>
+            <a:lvl1pPr algn="ctr">
+              <a:defRPr>
+                <a:solidFill>
+                  <a:schemeClr val="tx1"/>
+                </a:solidFill>
+                <a:latin typeface="Comic Sans MS" panose="030F0702030302020204" pitchFamily="66" charset="0"/>
+              </a:defRPr>
+            </a:lvl1pPr>
+            <a:lvl2pPr marL="742950" indent="-285750" algn="ctr">
+              <a:defRPr>
+                <a:solidFill>
+                  <a:schemeClr val="tx1"/>
+                </a:solidFill>
+                <a:latin typeface="Comic Sans MS" panose="030F0702030302020204" pitchFamily="66" charset="0"/>
+              </a:defRPr>
+            </a:lvl2pPr>
+            <a:lvl3pPr marL="1143000" indent="-228600" algn="ctr">
+              <a:defRPr>
+                <a:solidFill>
+                  <a:schemeClr val="tx1"/>
+                </a:solidFill>
+                <a:latin typeface="Comic Sans MS" panose="030F0702030302020204" pitchFamily="66" charset="0"/>
+              </a:defRPr>
+            </a:lvl3pPr>
+            <a:lvl4pPr marL="1600200" indent="-228600" algn="ctr">
+              <a:defRPr>
+                <a:solidFill>
+                  <a:schemeClr val="tx1"/>
+                </a:solidFill>
+                <a:latin typeface="Comic Sans MS" panose="030F0702030302020204" pitchFamily="66" charset="0"/>
+              </a:defRPr>
+            </a:lvl4pPr>
+            <a:lvl5pPr marL="2057400" indent="-228600" algn="ctr">
+              <a:defRPr>
+                <a:solidFill>
+                  <a:schemeClr val="tx1"/>
+                </a:solidFill>
+                <a:latin typeface="Comic Sans MS" panose="030F0702030302020204" pitchFamily="66" charset="0"/>
+              </a:defRPr>
+            </a:lvl5pPr>
+            <a:lvl6pPr marL="2514600" indent="-228600" algn="ctr" eaLnBrk="0" fontAlgn="base" hangingPunct="0">
+              <a:spcBef>
+                <a:spcPct val="0"/>
+              </a:spcBef>
+              <a:spcAft>
+                <a:spcPct val="0"/>
+              </a:spcAft>
+              <a:defRPr>
+                <a:solidFill>
+                  <a:schemeClr val="tx1"/>
+                </a:solidFill>
+                <a:latin typeface="Comic Sans MS" panose="030F0702030302020204" pitchFamily="66" charset="0"/>
+              </a:defRPr>
+            </a:lvl6pPr>
+            <a:lvl7pPr marL="2971800" indent="-228600" algn="ctr" eaLnBrk="0" fontAlgn="base" hangingPunct="0">
+              <a:spcBef>
+                <a:spcPct val="0"/>
+              </a:spcBef>
+              <a:spcAft>
+                <a:spcPct val="0"/>
+              </a:spcAft>
+              <a:defRPr>
+                <a:solidFill>
+                  <a:schemeClr val="tx1"/>
+                </a:solidFill>
+                <a:latin typeface="Comic Sans MS" panose="030F0702030302020204" pitchFamily="66" charset="0"/>
+              </a:defRPr>
+            </a:lvl7pPr>
+            <a:lvl8pPr marL="3429000" indent="-228600" algn="ctr" eaLnBrk="0" fontAlgn="base" hangingPunct="0">
+              <a:spcBef>
+                <a:spcPct val="0"/>
+              </a:spcBef>
+              <a:spcAft>
+                <a:spcPct val="0"/>
+              </a:spcAft>
+              <a:defRPr>
+                <a:solidFill>
+                  <a:schemeClr val="tx1"/>
+                </a:solidFill>
+                <a:latin typeface="Comic Sans MS" panose="030F0702030302020204" pitchFamily="66" charset="0"/>
+              </a:defRPr>
+            </a:lvl8pPr>
+            <a:lvl9pPr marL="3886200" indent="-228600" algn="ctr" eaLnBrk="0" fontAlgn="base" hangingPunct="0">
+              <a:spcBef>
+                <a:spcPct val="0"/>
+              </a:spcBef>
+              <a:spcAft>
+                <a:spcPct val="0"/>
+              </a:spcAft>
+              <a:defRPr>
+                <a:solidFill>
+                  <a:schemeClr val="tx1"/>
+                </a:solidFill>
+                <a:latin typeface="Comic Sans MS" panose="030F0702030302020204" pitchFamily="66" charset="0"/>
+              </a:defRPr>
+            </a:lvl9pPr>
+          </a:lstStyle>
+          <a:p>
+            <a:endParaRPr lang="zh-CN" altLang="en-US">
+              <a:solidFill>
+                <a:srgbClr val="F29000"/>
+              </a:solidFill>
+              <a:ea typeface="宋体" panose="02010600030101010101" pitchFamily="2" charset="-122"/>
+            </a:endParaRPr>
           </a:p>
         </p:txBody>
       </p:sp>
@@ -3419,10 +10046,814 @@
   <p:clrMapOvr>
     <a:masterClrMapping/>
   </p:clrMapOvr>
+  <p:timing>
+    <p:tnLst>
+      <p:par>
+        <p:cTn id="1" dur="indefinite" restart="never" nodeType="tmRoot"/>
+      </p:par>
+    </p:tnLst>
+  </p:timing>
+</p:sld>
+</file>
+
+<file path=ppt/slides/slide2.xml><?xml version="1.0" encoding="utf-8"?>
+<p:sld xmlns:a="http://schemas.openxmlformats.org/drawingml/2006/main" xmlns:r="http://schemas.openxmlformats.org/officeDocument/2006/relationships" xmlns:p="http://schemas.openxmlformats.org/presentationml/2006/main">
+  <p:cSld>
+    <p:spTree>
+      <p:nvGrpSpPr>
+        <p:cNvPr id="1" name=""/>
+        <p:cNvGrpSpPr/>
+        <p:nvPr/>
+      </p:nvGrpSpPr>
+      <p:grpSpPr>
+        <a:xfrm>
+          <a:off x="0" y="0"/>
+          <a:ext cx="0" cy="0"/>
+          <a:chOff x="0" y="0"/>
+          <a:chExt cx="0" cy="0"/>
+        </a:xfrm>
+      </p:grpSpPr>
+      <p:pic>
+        <p:nvPicPr>
+          <p:cNvPr id="4" name="图片 3"/>
+          <p:cNvPicPr>
+            <a:picLocks noChangeAspect="1"/>
+          </p:cNvPicPr>
+          <p:nvPr/>
+        </p:nvPicPr>
+        <p:blipFill>
+          <a:blip r:embed="rId2" cstate="print">
+            <a:extLst>
+              <a:ext uri="{28A0092B-C50C-407E-A947-70E740481C1C}">
+                <a14:useLocalDpi xmlns:a14="http://schemas.microsoft.com/office/drawing/2010/main" val="0"/>
+              </a:ext>
+            </a:extLst>
+          </a:blip>
+          <a:stretch>
+            <a:fillRect/>
+          </a:stretch>
+        </p:blipFill>
+        <p:spPr>
+          <a:xfrm>
+            <a:off x="1089973" y="761213"/>
+            <a:ext cx="3541259" cy="2126185"/>
+          </a:xfrm>
+          <a:prstGeom prst="rect">
+            <a:avLst/>
+          </a:prstGeom>
+          <a:ln>
+            <a:noFill/>
+          </a:ln>
+          <a:effectLst>
+            <a:outerShdw blurRad="292100" dist="139700" dir="2700000" algn="tl" rotWithShape="0">
+              <a:srgbClr val="333333">
+                <a:alpha val="65000"/>
+              </a:srgbClr>
+            </a:outerShdw>
+          </a:effectLst>
+        </p:spPr>
+      </p:pic>
+      <p:pic>
+        <p:nvPicPr>
+          <p:cNvPr id="5" name="图片 4"/>
+          <p:cNvPicPr>
+            <a:picLocks noChangeAspect="1"/>
+          </p:cNvPicPr>
+          <p:nvPr/>
+        </p:nvPicPr>
+        <p:blipFill>
+          <a:blip r:embed="rId3" cstate="print">
+            <a:extLst>
+              <a:ext uri="{28A0092B-C50C-407E-A947-70E740481C1C}">
+                <a14:useLocalDpi xmlns:a14="http://schemas.microsoft.com/office/drawing/2010/main" val="0"/>
+              </a:ext>
+            </a:extLst>
+          </a:blip>
+          <a:stretch>
+            <a:fillRect/>
+          </a:stretch>
+        </p:blipFill>
+        <p:spPr>
+          <a:xfrm rot="20787790">
+            <a:off x="864390" y="3227249"/>
+            <a:ext cx="4398826" cy="3159824"/>
+          </a:xfrm>
+          <a:prstGeom prst="rect">
+            <a:avLst/>
+          </a:prstGeom>
+        </p:spPr>
+      </p:pic>
+      <p:sp>
+        <p:nvSpPr>
+          <p:cNvPr id="6" name="矩形 5"/>
+          <p:cNvSpPr/>
+          <p:nvPr/>
+        </p:nvSpPr>
+        <p:spPr>
+          <a:xfrm>
+            <a:off x="5226487" y="1338099"/>
+            <a:ext cx="1651833" cy="1047649"/>
+          </a:xfrm>
+          <a:prstGeom prst="rect">
+            <a:avLst/>
+          </a:prstGeom>
+          <a:ln>
+            <a:noFill/>
+          </a:ln>
+          <a:effectLst>
+            <a:outerShdw blurRad="50800" dist="76200" dir="2700000" algn="tl" rotWithShape="0">
+              <a:prstClr val="black">
+                <a:alpha val="40000"/>
+              </a:prstClr>
+            </a:outerShdw>
+          </a:effectLst>
+        </p:spPr>
+        <p:style>
+          <a:lnRef idx="2">
+            <a:schemeClr val="accent2">
+              <a:shade val="50000"/>
+            </a:schemeClr>
+          </a:lnRef>
+          <a:fillRef idx="1">
+            <a:schemeClr val="accent2"/>
+          </a:fillRef>
+          <a:effectRef idx="0">
+            <a:schemeClr val="accent2"/>
+          </a:effectRef>
+          <a:fontRef idx="minor">
+            <a:schemeClr val="lt1"/>
+          </a:fontRef>
+        </p:style>
+        <p:txBody>
+          <a:bodyPr rtlCol="0" anchor="ctr"/>
+          <a:lstStyle/>
+          <a:p>
+            <a:pPr algn="ctr"/>
+            <a:r>
+              <a:rPr lang="en-US" altLang="zh-CN" b="1" dirty="0" smtClean="0">
+                <a:latin typeface="Calibri Light" panose="020F0302020204030204" pitchFamily="34" charset="0"/>
+                <a:cs typeface="Calibri Light" panose="020F0302020204030204" pitchFamily="34" charset="0"/>
+              </a:rPr>
+              <a:t>UART </a:t>
+            </a:r>
+          </a:p>
+          <a:p>
+            <a:pPr algn="ctr"/>
+            <a:r>
+              <a:rPr lang="en-US" altLang="zh-CN" b="1" dirty="0" smtClean="0">
+                <a:latin typeface="Calibri Light" panose="020F0302020204030204" pitchFamily="34" charset="0"/>
+                <a:cs typeface="Calibri Light" panose="020F0302020204030204" pitchFamily="34" charset="0"/>
+              </a:rPr>
+              <a:t>Communication</a:t>
+            </a:r>
+          </a:p>
+          <a:p>
+            <a:pPr algn="ctr"/>
+            <a:r>
+              <a:rPr lang="en-US" altLang="zh-CN" b="1" dirty="0" smtClean="0">
+                <a:latin typeface="Calibri Light" panose="020F0302020204030204" pitchFamily="34" charset="0"/>
+                <a:cs typeface="Calibri Light" panose="020F0302020204030204" pitchFamily="34" charset="0"/>
+              </a:rPr>
+              <a:t>Module</a:t>
+            </a:r>
+            <a:endParaRPr lang="zh-CN" altLang="en-US" b="1" dirty="0">
+              <a:latin typeface="Calibri Light" panose="020F0302020204030204" pitchFamily="34" charset="0"/>
+              <a:cs typeface="Calibri Light" panose="020F0302020204030204" pitchFamily="34" charset="0"/>
+            </a:endParaRPr>
+          </a:p>
+        </p:txBody>
+      </p:sp>
+      <p:cxnSp>
+        <p:nvCxnSpPr>
+          <p:cNvPr id="7" name="直接箭头连接符 6"/>
+          <p:cNvCxnSpPr/>
+          <p:nvPr/>
+        </p:nvCxnSpPr>
+        <p:spPr>
+          <a:xfrm flipV="1">
+            <a:off x="4631232" y="1708673"/>
+            <a:ext cx="595255" cy="1420"/>
+          </a:xfrm>
+          <a:prstGeom prst="straightConnector1">
+            <a:avLst/>
+          </a:prstGeom>
+          <a:ln w="38100">
+            <a:solidFill>
+              <a:srgbClr val="7030A0"/>
+            </a:solidFill>
+            <a:tailEnd type="triangle"/>
+          </a:ln>
+        </p:spPr>
+        <p:style>
+          <a:lnRef idx="1">
+            <a:schemeClr val="accent1"/>
+          </a:lnRef>
+          <a:fillRef idx="0">
+            <a:schemeClr val="accent1"/>
+          </a:fillRef>
+          <a:effectRef idx="0">
+            <a:schemeClr val="accent1"/>
+          </a:effectRef>
+          <a:fontRef idx="minor">
+            <a:schemeClr val="tx1"/>
+          </a:fontRef>
+        </p:style>
+      </p:cxnSp>
+      <p:cxnSp>
+        <p:nvCxnSpPr>
+          <p:cNvPr id="12" name="直接箭头连接符 11"/>
+          <p:cNvCxnSpPr/>
+          <p:nvPr/>
+        </p:nvCxnSpPr>
+        <p:spPr>
+          <a:xfrm flipH="1">
+            <a:off x="4631232" y="1982382"/>
+            <a:ext cx="595256" cy="279"/>
+          </a:xfrm>
+          <a:prstGeom prst="straightConnector1">
+            <a:avLst/>
+          </a:prstGeom>
+          <a:ln w="38100">
+            <a:solidFill>
+              <a:srgbClr val="7030A0"/>
+            </a:solidFill>
+            <a:tailEnd type="triangle"/>
+          </a:ln>
+        </p:spPr>
+        <p:style>
+          <a:lnRef idx="1">
+            <a:schemeClr val="accent1"/>
+          </a:lnRef>
+          <a:fillRef idx="0">
+            <a:schemeClr val="accent1"/>
+          </a:fillRef>
+          <a:effectRef idx="0">
+            <a:schemeClr val="accent1"/>
+          </a:effectRef>
+          <a:fontRef idx="minor">
+            <a:schemeClr val="tx1"/>
+          </a:fontRef>
+        </p:style>
+      </p:cxnSp>
+      <p:pic>
+        <p:nvPicPr>
+          <p:cNvPr id="16" name="图片 15"/>
+          <p:cNvPicPr>
+            <a:picLocks noChangeAspect="1"/>
+          </p:cNvPicPr>
+          <p:nvPr/>
+        </p:nvPicPr>
+        <p:blipFill>
+          <a:blip r:embed="rId4" cstate="print">
+            <a:extLst>
+              <a:ext uri="{28A0092B-C50C-407E-A947-70E740481C1C}">
+                <a14:useLocalDpi xmlns:a14="http://schemas.microsoft.com/office/drawing/2010/main" val="0"/>
+              </a:ext>
+            </a:extLst>
+          </a:blip>
+          <a:stretch>
+            <a:fillRect/>
+          </a:stretch>
+        </p:blipFill>
+        <p:spPr>
+          <a:xfrm>
+            <a:off x="8484469" y="3436403"/>
+            <a:ext cx="2931162" cy="2404965"/>
+          </a:xfrm>
+          <a:prstGeom prst="rect">
+            <a:avLst/>
+          </a:prstGeom>
+        </p:spPr>
+      </p:pic>
+      <p:grpSp>
+        <p:nvGrpSpPr>
+          <p:cNvPr id="19" name="组合 18"/>
+          <p:cNvGrpSpPr/>
+          <p:nvPr/>
+        </p:nvGrpSpPr>
+        <p:grpSpPr>
+          <a:xfrm>
+            <a:off x="6878321" y="1708673"/>
+            <a:ext cx="1690806" cy="287503"/>
+            <a:chOff x="4928859" y="3453271"/>
+            <a:chExt cx="595256" cy="273988"/>
+          </a:xfrm>
+        </p:grpSpPr>
+        <p:cxnSp>
+          <p:nvCxnSpPr>
+            <p:cNvPr id="17" name="直接箭头连接符 16"/>
+            <p:cNvCxnSpPr/>
+            <p:nvPr/>
+          </p:nvCxnSpPr>
+          <p:spPr>
+            <a:xfrm flipV="1">
+              <a:off x="4928859" y="3453271"/>
+              <a:ext cx="595255" cy="1420"/>
+            </a:xfrm>
+            <a:prstGeom prst="straightConnector1">
+              <a:avLst/>
+            </a:prstGeom>
+            <a:ln w="38100">
+              <a:solidFill>
+                <a:srgbClr val="7030A0"/>
+              </a:solidFill>
+              <a:tailEnd type="triangle"/>
+            </a:ln>
+          </p:spPr>
+          <p:style>
+            <a:lnRef idx="1">
+              <a:schemeClr val="accent1"/>
+            </a:lnRef>
+            <a:fillRef idx="0">
+              <a:schemeClr val="accent1"/>
+            </a:fillRef>
+            <a:effectRef idx="0">
+              <a:schemeClr val="accent1"/>
+            </a:effectRef>
+            <a:fontRef idx="minor">
+              <a:schemeClr val="tx1"/>
+            </a:fontRef>
+          </p:style>
+        </p:cxnSp>
+        <p:cxnSp>
+          <p:nvCxnSpPr>
+            <p:cNvPr id="18" name="直接箭头连接符 17"/>
+            <p:cNvCxnSpPr/>
+            <p:nvPr/>
+          </p:nvCxnSpPr>
+          <p:spPr>
+            <a:xfrm flipH="1">
+              <a:off x="4928859" y="3726980"/>
+              <a:ext cx="595256" cy="279"/>
+            </a:xfrm>
+            <a:prstGeom prst="straightConnector1">
+              <a:avLst/>
+            </a:prstGeom>
+            <a:ln w="38100">
+              <a:solidFill>
+                <a:srgbClr val="7030A0"/>
+              </a:solidFill>
+              <a:tailEnd type="triangle"/>
+            </a:ln>
+          </p:spPr>
+          <p:style>
+            <a:lnRef idx="1">
+              <a:schemeClr val="accent1"/>
+            </a:lnRef>
+            <a:fillRef idx="0">
+              <a:schemeClr val="accent1"/>
+            </a:fillRef>
+            <a:effectRef idx="0">
+              <a:schemeClr val="accent1"/>
+            </a:effectRef>
+            <a:fontRef idx="minor">
+              <a:schemeClr val="tx1"/>
+            </a:fontRef>
+          </p:style>
+        </p:cxnSp>
+      </p:grpSp>
+      <p:sp>
+        <p:nvSpPr>
+          <p:cNvPr id="23" name="矩形 22"/>
+          <p:cNvSpPr/>
+          <p:nvPr/>
+        </p:nvSpPr>
+        <p:spPr>
+          <a:xfrm>
+            <a:off x="8569124" y="1006042"/>
+            <a:ext cx="2423996" cy="1648639"/>
+          </a:xfrm>
+          <a:prstGeom prst="rect">
+            <a:avLst/>
+          </a:prstGeom>
+          <a:ln>
+            <a:noFill/>
+          </a:ln>
+          <a:effectLst>
+            <a:outerShdw blurRad="50800" dist="76200" dir="2700000" algn="tl" rotWithShape="0">
+              <a:prstClr val="black">
+                <a:alpha val="40000"/>
+              </a:prstClr>
+            </a:outerShdw>
+          </a:effectLst>
+        </p:spPr>
+        <p:style>
+          <a:lnRef idx="2">
+            <a:schemeClr val="accent2">
+              <a:shade val="50000"/>
+            </a:schemeClr>
+          </a:lnRef>
+          <a:fillRef idx="1">
+            <a:schemeClr val="accent2"/>
+          </a:fillRef>
+          <a:effectRef idx="0">
+            <a:schemeClr val="accent2"/>
+          </a:effectRef>
+          <a:fontRef idx="minor">
+            <a:schemeClr val="lt1"/>
+          </a:fontRef>
+        </p:style>
+        <p:txBody>
+          <a:bodyPr rtlCol="0" anchor="ctr"/>
+          <a:lstStyle/>
+          <a:p>
+            <a:pPr algn="ctr"/>
+            <a:r>
+              <a:rPr lang="en-US" altLang="zh-CN" sz="2800" b="1" dirty="0" smtClean="0">
+                <a:latin typeface="Calibri Light" panose="020F0302020204030204" pitchFamily="34" charset="0"/>
+                <a:cs typeface="Calibri Light" panose="020F0302020204030204" pitchFamily="34" charset="0"/>
+              </a:rPr>
+              <a:t>Memory</a:t>
+            </a:r>
+          </a:p>
+          <a:p>
+            <a:pPr algn="ctr"/>
+            <a:r>
+              <a:rPr lang="en-US" altLang="zh-CN" sz="2800" b="1" dirty="0" smtClean="0">
+                <a:latin typeface="Calibri Light" panose="020F0302020204030204" pitchFamily="34" charset="0"/>
+                <a:cs typeface="Calibri Light" panose="020F0302020204030204" pitchFamily="34" charset="0"/>
+              </a:rPr>
+              <a:t>Simulator</a:t>
+            </a:r>
+            <a:endParaRPr lang="zh-CN" altLang="en-US" sz="2800" b="1" dirty="0">
+              <a:latin typeface="Calibri Light" panose="020F0302020204030204" pitchFamily="34" charset="0"/>
+              <a:cs typeface="Calibri Light" panose="020F0302020204030204" pitchFamily="34" charset="0"/>
+            </a:endParaRPr>
+          </a:p>
+        </p:txBody>
+      </p:sp>
+      <p:sp>
+        <p:nvSpPr>
+          <p:cNvPr id="24" name="文本框 23"/>
+          <p:cNvSpPr txBox="1"/>
+          <p:nvPr/>
+        </p:nvSpPr>
+        <p:spPr>
+          <a:xfrm>
+            <a:off x="7109042" y="1340213"/>
+            <a:ext cx="1229360" cy="370574"/>
+          </a:xfrm>
+          <a:prstGeom prst="rect">
+            <a:avLst/>
+          </a:prstGeom>
+          <a:noFill/>
+        </p:spPr>
+        <p:txBody>
+          <a:bodyPr wrap="square" rtlCol="0">
+            <a:spAutoFit/>
+          </a:bodyPr>
+          <a:lstStyle/>
+          <a:p>
+            <a:r>
+              <a:rPr lang="en-US" altLang="zh-CN" b="1" dirty="0" smtClean="0"/>
+              <a:t>USB Cable</a:t>
+            </a:r>
+            <a:endParaRPr lang="zh-CN" altLang="en-US" b="1" dirty="0"/>
+          </a:p>
+        </p:txBody>
+      </p:sp>
+      <p:sp>
+        <p:nvSpPr>
+          <p:cNvPr id="25" name="文本框 24"/>
+          <p:cNvSpPr txBox="1"/>
+          <p:nvPr/>
+        </p:nvSpPr>
+        <p:spPr>
+          <a:xfrm>
+            <a:off x="2449123" y="5858134"/>
+            <a:ext cx="1229360" cy="523220"/>
+          </a:xfrm>
+          <a:prstGeom prst="rect">
+            <a:avLst/>
+          </a:prstGeom>
+          <a:noFill/>
+        </p:spPr>
+        <p:txBody>
+          <a:bodyPr wrap="square" rtlCol="0">
+            <a:spAutoFit/>
+          </a:bodyPr>
+          <a:lstStyle/>
+          <a:p>
+            <a:r>
+              <a:rPr lang="en-US" altLang="zh-CN" sz="2800" b="1" dirty="0" smtClean="0"/>
+              <a:t>FPGA</a:t>
+            </a:r>
+            <a:endParaRPr lang="zh-CN" altLang="en-US" sz="2800" b="1" dirty="0"/>
+          </a:p>
+        </p:txBody>
+      </p:sp>
+      <p:sp>
+        <p:nvSpPr>
+          <p:cNvPr id="26" name="文本框 25"/>
+          <p:cNvSpPr txBox="1"/>
+          <p:nvPr/>
+        </p:nvSpPr>
+        <p:spPr>
+          <a:xfrm>
+            <a:off x="9500163" y="5858134"/>
+            <a:ext cx="1229360" cy="523220"/>
+          </a:xfrm>
+          <a:prstGeom prst="rect">
+            <a:avLst/>
+          </a:prstGeom>
+          <a:noFill/>
+        </p:spPr>
+        <p:txBody>
+          <a:bodyPr wrap="square" rtlCol="0">
+            <a:spAutoFit/>
+          </a:bodyPr>
+          <a:lstStyle/>
+          <a:p>
+            <a:r>
+              <a:rPr lang="en-US" altLang="zh-CN" sz="2800" b="1" dirty="0"/>
+              <a:t>PC</a:t>
+            </a:r>
+            <a:endParaRPr lang="zh-CN" altLang="en-US" sz="2800" b="1" dirty="0"/>
+          </a:p>
+        </p:txBody>
+      </p:sp>
+    </p:spTree>
+    <p:extLst>
+      <p:ext uri="{BB962C8B-B14F-4D97-AF65-F5344CB8AC3E}">
+        <p14:creationId xmlns:p14="http://schemas.microsoft.com/office/powerpoint/2010/main" val="3853593648"/>
+      </p:ext>
+    </p:extLst>
+  </p:cSld>
+  <p:clrMapOvr>
+    <a:masterClrMapping/>
+  </p:clrMapOvr>
+  <p:timing>
+    <p:tnLst>
+      <p:par>
+        <p:cTn id="1" dur="indefinite" restart="never" nodeType="tmRoot"/>
+      </p:par>
+    </p:tnLst>
+  </p:timing>
 </p:sld>
 </file>
 
 <file path=ppt/theme/theme1.xml><?xml version="1.0" encoding="utf-8"?>
+<a:theme xmlns:a="http://schemas.openxmlformats.org/drawingml/2006/main" name="Office 主题​​">
+  <a:themeElements>
+    <a:clrScheme name="Office 主题​​">
+      <a:dk1>
+        <a:sysClr val="windowText" lastClr="000000"/>
+      </a:dk1>
+      <a:lt1>
+        <a:sysClr val="window" lastClr="FFFFFF"/>
+      </a:lt1>
+      <a:dk2>
+        <a:srgbClr val="44546A"/>
+      </a:dk2>
+      <a:lt2>
+        <a:srgbClr val="E7E6E6"/>
+      </a:lt2>
+      <a:accent1>
+        <a:srgbClr val="5B9BD5"/>
+      </a:accent1>
+      <a:accent2>
+        <a:srgbClr val="ED7D31"/>
+      </a:accent2>
+      <a:accent3>
+        <a:srgbClr val="A5A5A5"/>
+      </a:accent3>
+      <a:accent4>
+        <a:srgbClr val="FFC000"/>
+      </a:accent4>
+      <a:accent5>
+        <a:srgbClr val="4472C4"/>
+      </a:accent5>
+      <a:accent6>
+        <a:srgbClr val="70AD47"/>
+      </a:accent6>
+      <a:hlink>
+        <a:srgbClr val="0563C1"/>
+      </a:hlink>
+      <a:folHlink>
+        <a:srgbClr val="954F72"/>
+      </a:folHlink>
+    </a:clrScheme>
+    <a:fontScheme name="Office 主题​​">
+      <a:majorFont>
+        <a:latin typeface="Calibri Light" panose="020F0302020204030204"/>
+        <a:ea typeface=""/>
+        <a:cs typeface=""/>
+        <a:font script="Jpan" typeface="游ゴシック Light"/>
+        <a:font script="Hang" typeface="맑은 고딕"/>
+        <a:font script="Hans" typeface="等线 Light"/>
+        <a:font script="Hant" typeface="新細明體"/>
+        <a:font script="Arab" typeface="Times New Roman"/>
+        <a:font script="Hebr" typeface="Times New Roman"/>
+        <a:font script="Thai" typeface="Angsana New"/>
+        <a:font script="Ethi" typeface="Nyala"/>
+        <a:font script="Beng" typeface="Vrinda"/>
+        <a:font script="Gujr" typeface="Shruti"/>
+        <a:font script="Khmr" typeface="MoolBoran"/>
+        <a:font script="Knda" typeface="Tunga"/>
+        <a:font script="Guru" typeface="Raavi"/>
+        <a:font script="Cans" typeface="Euphemia"/>
+        <a:font script="Cher" typeface="Plantagenet Cherokee"/>
+        <a:font script="Yiii" typeface="Microsoft Yi Baiti"/>
+        <a:font script="Tibt" typeface="Microsoft Himalaya"/>
+        <a:font script="Thaa" typeface="MV Boli"/>
+        <a:font script="Deva" typeface="Mangal"/>
+        <a:font script="Telu" typeface="Gautami"/>
+        <a:font script="Taml" typeface="Latha"/>
+        <a:font script="Syrc" typeface="Estrangelo Edessa"/>
+        <a:font script="Orya" typeface="Kalinga"/>
+        <a:font script="Mlym" typeface="Kartika"/>
+        <a:font script="Laoo" typeface="DokChampa"/>
+        <a:font script="Sinh" typeface="Iskoola Pota"/>
+        <a:font script="Mong" typeface="Mongolian Baiti"/>
+        <a:font script="Viet" typeface="Times New Roman"/>
+        <a:font script="Uigh" typeface="Microsoft Uighur"/>
+        <a:font script="Geor" typeface="Sylfaen"/>
+      </a:majorFont>
+      <a:minorFont>
+        <a:latin typeface="Calibri" panose="020F0502020204030204"/>
+        <a:ea typeface=""/>
+        <a:cs typeface=""/>
+        <a:font script="Jpan" typeface="游ゴシック"/>
+        <a:font script="Hang" typeface="맑은 고딕"/>
+        <a:font script="Hans" typeface="等线"/>
+        <a:font script="Hant" typeface="新細明體"/>
+        <a:font script="Arab" typeface="Arial"/>
+        <a:font script="Hebr" typeface="Arial"/>
+        <a:font script="Thai" typeface="Cordia New"/>
+        <a:font script="Ethi" typeface="Nyala"/>
+        <a:font script="Beng" typeface="Vrinda"/>
+        <a:font script="Gujr" typeface="Shruti"/>
+        <a:font script="Khmr" typeface="DaunPenh"/>
+        <a:font script="Knda" typeface="Tunga"/>
+        <a:font script="Guru" typeface="Raavi"/>
+        <a:font script="Cans" typeface="Euphemia"/>
+        <a:font script="Cher" typeface="Plantagenet Cherokee"/>
+        <a:font script="Yiii" typeface="Microsoft Yi Baiti"/>
+        <a:font script="Tibt" typeface="Microsoft Himalaya"/>
+        <a:font script="Thaa" typeface="MV Boli"/>
+        <a:font script="Deva" typeface="Mangal"/>
+        <a:font script="Telu" typeface="Gautami"/>
+        <a:font script="Taml" typeface="Latha"/>
+        <a:font script="Syrc" typeface="Estrangelo Edessa"/>
+        <a:font script="Orya" typeface="Kalinga"/>
+        <a:font script="Mlym" typeface="Kartika"/>
+        <a:font script="Laoo" typeface="DokChampa"/>
+        <a:font script="Sinh" typeface="Iskoola Pota"/>
+        <a:font script="Mong" typeface="Mongolian Baiti"/>
+        <a:font script="Viet" typeface="Arial"/>
+        <a:font script="Uigh" typeface="Microsoft Uighur"/>
+        <a:font script="Geor" typeface="Sylfaen"/>
+      </a:minorFont>
+    </a:fontScheme>
+    <a:fmtScheme name="Office 主题​​">
+      <a:fillStyleLst>
+        <a:solidFill>
+          <a:schemeClr val="phClr"/>
+        </a:solidFill>
+        <a:gradFill rotWithShape="1">
+          <a:gsLst>
+            <a:gs pos="0">
+              <a:schemeClr val="phClr">
+                <a:lumMod val="110000"/>
+                <a:satMod val="105000"/>
+                <a:tint val="67000"/>
+              </a:schemeClr>
+            </a:gs>
+            <a:gs pos="50000">
+              <a:schemeClr val="phClr">
+                <a:lumMod val="105000"/>
+                <a:satMod val="103000"/>
+                <a:tint val="73000"/>
+              </a:schemeClr>
+            </a:gs>
+            <a:gs pos="100000">
+              <a:schemeClr val="phClr">
+                <a:lumMod val="105000"/>
+                <a:satMod val="109000"/>
+                <a:tint val="81000"/>
+              </a:schemeClr>
+            </a:gs>
+          </a:gsLst>
+          <a:lin ang="5400000" scaled="0"/>
+        </a:gradFill>
+        <a:gradFill rotWithShape="1">
+          <a:gsLst>
+            <a:gs pos="0">
+              <a:schemeClr val="phClr">
+                <a:satMod val="103000"/>
+                <a:lumMod val="102000"/>
+                <a:tint val="94000"/>
+              </a:schemeClr>
+            </a:gs>
+            <a:gs pos="50000">
+              <a:schemeClr val="phClr">
+                <a:satMod val="110000"/>
+                <a:lumMod val="100000"/>
+                <a:shade val="100000"/>
+              </a:schemeClr>
+            </a:gs>
+            <a:gs pos="100000">
+              <a:schemeClr val="phClr">
+                <a:lumMod val="99000"/>
+                <a:satMod val="120000"/>
+                <a:shade val="78000"/>
+              </a:schemeClr>
+            </a:gs>
+          </a:gsLst>
+          <a:lin ang="5400000" scaled="0"/>
+        </a:gradFill>
+      </a:fillStyleLst>
+      <a:lnStyleLst>
+        <a:ln w="6350" cap="flat" cmpd="sng" algn="ctr">
+          <a:solidFill>
+            <a:schemeClr val="phClr"/>
+          </a:solidFill>
+          <a:prstDash val="solid"/>
+          <a:miter lim="800000"/>
+        </a:ln>
+        <a:ln w="12700" cap="flat" cmpd="sng" algn="ctr">
+          <a:solidFill>
+            <a:schemeClr val="phClr"/>
+          </a:solidFill>
+          <a:prstDash val="solid"/>
+          <a:miter lim="800000"/>
+        </a:ln>
+        <a:ln w="19050" cap="flat" cmpd="sng" algn="ctr">
+          <a:solidFill>
+            <a:schemeClr val="phClr"/>
+          </a:solidFill>
+          <a:prstDash val="solid"/>
+          <a:miter lim="800000"/>
+        </a:ln>
+      </a:lnStyleLst>
+      <a:effectStyleLst>
+        <a:effectStyle>
+          <a:effectLst/>
+        </a:effectStyle>
+        <a:effectStyle>
+          <a:effectLst/>
+        </a:effectStyle>
+        <a:effectStyle>
+          <a:effectLst>
+            <a:outerShdw blurRad="57150" dist="19050" dir="5400000" algn="ctr" rotWithShape="0">
+              <a:srgbClr val="000000">
+                <a:alpha val="63000"/>
+              </a:srgbClr>
+            </a:outerShdw>
+          </a:effectLst>
+        </a:effectStyle>
+      </a:effectStyleLst>
+      <a:bgFillStyleLst>
+        <a:solidFill>
+          <a:schemeClr val="phClr"/>
+        </a:solidFill>
+        <a:solidFill>
+          <a:schemeClr val="phClr">
+            <a:tint val="95000"/>
+            <a:satMod val="170000"/>
+          </a:schemeClr>
+        </a:solidFill>
+        <a:gradFill rotWithShape="1">
+          <a:gsLst>
+            <a:gs pos="0">
+              <a:schemeClr val="phClr">
+                <a:tint val="93000"/>
+                <a:satMod val="150000"/>
+                <a:shade val="98000"/>
+                <a:lumMod val="102000"/>
+              </a:schemeClr>
+            </a:gs>
+            <a:gs pos="50000">
+              <a:schemeClr val="phClr">
+                <a:tint val="98000"/>
+                <a:satMod val="130000"/>
+                <a:shade val="90000"/>
+                <a:lumMod val="103000"/>
+              </a:schemeClr>
+            </a:gs>
+            <a:gs pos="100000">
+              <a:schemeClr val="phClr">
+                <a:shade val="63000"/>
+                <a:satMod val="120000"/>
+              </a:schemeClr>
+            </a:gs>
+          </a:gsLst>
+          <a:lin ang="5400000" scaled="0"/>
+        </a:gradFill>
+      </a:bgFillStyleLst>
+    </a:fmtScheme>
+  </a:themeElements>
+  <a:objectDefaults/>
+  <a:extraClrSchemeLst/>
+  <a:extLst>
+    <a:ext uri="{05A4C25C-085E-4340-85A3-A5531E510DB2}">
+      <thm15:themeFamily xmlns:thm15="http://schemas.microsoft.com/office/thememl/2012/main" name="Office Theme" id="{62F939B6-93AF-4DB8-9C6B-D6C7DFDC589F}" vid="{4A3C46E8-61CC-4603-A589-7422A47A8E4A}"/>
+    </a:ext>
+  </a:extLst>
+</a:theme>
+</file>
+
+<file path=ppt/theme/theme2.xml><?xml version="1.0" encoding="utf-8"?>
 <a:theme xmlns:a="http://schemas.openxmlformats.org/drawingml/2006/main" name="Office 主题​​">
   <a:themeElements>
     <a:clrScheme name="Office">

--- a/doc/structure-graph.pptx
+++ b/doc/structure-graph.pptx
@@ -5,11 +5,12 @@
     <p:sldMasterId id="2147483672" r:id="rId1"/>
   </p:sldMasterIdLst>
   <p:notesMasterIdLst>
-    <p:notesMasterId r:id="rId4"/>
+    <p:notesMasterId r:id="rId5"/>
   </p:notesMasterIdLst>
   <p:sldIdLst>
     <p:sldId id="256" r:id="rId2"/>
     <p:sldId id="258" r:id="rId3"/>
+    <p:sldId id="259" r:id="rId4"/>
   </p:sldIdLst>
   <p:sldSz cx="12192000" cy="6858000"/>
   <p:notesSz cx="6858000" cy="9144000"/>
@@ -3838,13 +3839,6 @@
               </a:ln>
               <a:effectLst/>
               <a:extLst>
-                <a:ext uri="{909E8E84-426E-40DD-AFC4-6F175D3DCCD1}">
-                  <a14:hiddenFill xmlns:a14="http://schemas.microsoft.com/office/drawing/2010/main">
-                    <a:solidFill>
-                      <a:schemeClr val="bg1"/>
-                    </a:solidFill>
-                  </a14:hiddenFill>
-                </a:ext>
                 <a:ext uri="{AF507438-7753-43E0-B8FC-AC1667EBCBE1}">
                   <a14:hiddenEffects xmlns:a14="http://schemas.microsoft.com/office/drawing/2010/main">
                     <a:effectLst>
@@ -4161,13 +4155,6 @@
               </a:ln>
               <a:effectLst/>
               <a:extLst>
-                <a:ext uri="{909E8E84-426E-40DD-AFC4-6F175D3DCCD1}">
-                  <a14:hiddenFill xmlns:a14="http://schemas.microsoft.com/office/drawing/2010/main">
-                    <a:solidFill>
-                      <a:schemeClr val="bg1"/>
-                    </a:solidFill>
-                  </a14:hiddenFill>
-                </a:ext>
                 <a:ext uri="{AF507438-7753-43E0-B8FC-AC1667EBCBE1}">
                   <a14:hiddenEffects xmlns:a14="http://schemas.microsoft.com/office/drawing/2010/main">
                     <a:effectLst>
@@ -4481,13 +4468,6 @@
               </a:ln>
               <a:effectLst/>
               <a:extLst>
-                <a:ext uri="{909E8E84-426E-40DD-AFC4-6F175D3DCCD1}">
-                  <a14:hiddenFill xmlns:a14="http://schemas.microsoft.com/office/drawing/2010/main">
-                    <a:solidFill>
-                      <a:schemeClr val="bg1"/>
-                    </a:solidFill>
-                  </a14:hiddenFill>
-                </a:ext>
                 <a:ext uri="{AF507438-7753-43E0-B8FC-AC1667EBCBE1}">
                   <a14:hiddenEffects xmlns:a14="http://schemas.microsoft.com/office/drawing/2010/main">
                     <a:effectLst>
@@ -4801,13 +4781,6 @@
               </a:ln>
               <a:effectLst/>
               <a:extLst>
-                <a:ext uri="{909E8E84-426E-40DD-AFC4-6F175D3DCCD1}">
-                  <a14:hiddenFill xmlns:a14="http://schemas.microsoft.com/office/drawing/2010/main">
-                    <a:solidFill>
-                      <a:schemeClr val="bg1"/>
-                    </a:solidFill>
-                  </a14:hiddenFill>
-                </a:ext>
                 <a:ext uri="{AF507438-7753-43E0-B8FC-AC1667EBCBE1}">
                   <a14:hiddenEffects xmlns:a14="http://schemas.microsoft.com/office/drawing/2010/main">
                     <a:effectLst>
@@ -6346,10 +6319,6 @@
               </a:rPr>
               <a:t>ALU</a:t>
             </a:r>
-            <a:endParaRPr lang="en-US" altLang="zh-CN" dirty="0">
-              <a:latin typeface="Comic Sans MS" panose="030F0702030302020204" pitchFamily="66" charset="0"/>
-              <a:ea typeface="宋体" panose="02010600030101010101" pitchFamily="2" charset="-122"/>
-            </a:endParaRPr>
           </a:p>
         </p:txBody>
       </p:sp>
@@ -8718,9 +8687,6 @@
               </a:rPr>
               <a:t>Fetch</a:t>
             </a:r>
-            <a:endParaRPr lang="en-US" altLang="zh-CN" b="1" dirty="0">
-              <a:ea typeface="宋体" panose="02010600030101010101" pitchFamily="2" charset="-122"/>
-            </a:endParaRPr>
           </a:p>
         </p:txBody>
       </p:sp>
@@ -10589,6 +10555,310 @@
       </p:par>
     </p:tnLst>
   </p:timing>
+</p:sld>
+</file>
+
+<file path=ppt/slides/slide3.xml><?xml version="1.0" encoding="utf-8"?>
+<p:sld xmlns:a="http://schemas.openxmlformats.org/drawingml/2006/main" xmlns:r="http://schemas.openxmlformats.org/officeDocument/2006/relationships" xmlns:p="http://schemas.openxmlformats.org/presentationml/2006/main">
+  <p:cSld>
+    <p:spTree>
+      <p:nvGrpSpPr>
+        <p:cNvPr id="1" name=""/>
+        <p:cNvGrpSpPr/>
+        <p:nvPr/>
+      </p:nvGrpSpPr>
+      <p:grpSpPr>
+        <a:xfrm>
+          <a:off x="0" y="0"/>
+          <a:ext cx="0" cy="0"/>
+          <a:chOff x="0" y="0"/>
+          <a:chExt cx="0" cy="0"/>
+        </a:xfrm>
+      </p:grpSpPr>
+      <p:pic>
+        <p:nvPicPr>
+          <p:cNvPr id="4" name="图片 3"/>
+          <p:cNvPicPr>
+            <a:picLocks noChangeAspect="1"/>
+          </p:cNvPicPr>
+          <p:nvPr/>
+        </p:nvPicPr>
+        <p:blipFill>
+          <a:blip r:embed="rId2">
+            <a:extLst>
+              <a:ext uri="{28A0092B-C50C-407E-A947-70E740481C1C}">
+                <a14:useLocalDpi xmlns:a14="http://schemas.microsoft.com/office/drawing/2010/main" val="0"/>
+              </a:ext>
+            </a:extLst>
+          </a:blip>
+          <a:stretch>
+            <a:fillRect/>
+          </a:stretch>
+        </p:blipFill>
+        <p:spPr>
+          <a:xfrm>
+            <a:off x="1200520" y="432224"/>
+            <a:ext cx="3781999" cy="5997435"/>
+          </a:xfrm>
+          <a:prstGeom prst="rect">
+            <a:avLst/>
+          </a:prstGeom>
+        </p:spPr>
+      </p:pic>
+      <p:pic>
+        <p:nvPicPr>
+          <p:cNvPr id="5" name="图片 4"/>
+          <p:cNvPicPr>
+            <a:picLocks noChangeAspect="1"/>
+          </p:cNvPicPr>
+          <p:nvPr/>
+        </p:nvPicPr>
+        <p:blipFill>
+          <a:blip r:embed="rId3" cstate="print">
+            <a:extLst>
+              <a:ext uri="{28A0092B-C50C-407E-A947-70E740481C1C}">
+                <a14:useLocalDpi xmlns:a14="http://schemas.microsoft.com/office/drawing/2010/main" val="0"/>
+              </a:ext>
+            </a:extLst>
+          </a:blip>
+          <a:stretch>
+            <a:fillRect/>
+          </a:stretch>
+        </p:blipFill>
+        <p:spPr>
+          <a:xfrm>
+            <a:off x="6222501" y="432224"/>
+            <a:ext cx="4926317" cy="2715422"/>
+          </a:xfrm>
+          <a:prstGeom prst="rect">
+            <a:avLst/>
+          </a:prstGeom>
+        </p:spPr>
+      </p:pic>
+      <p:sp>
+        <p:nvSpPr>
+          <p:cNvPr id="7" name="矩形 6"/>
+          <p:cNvSpPr/>
+          <p:nvPr/>
+        </p:nvSpPr>
+        <p:spPr>
+          <a:xfrm>
+            <a:off x="1833993" y="4231489"/>
+            <a:ext cx="2963007" cy="1627881"/>
+          </a:xfrm>
+          <a:prstGeom prst="rect">
+            <a:avLst/>
+          </a:prstGeom>
+          <a:noFill/>
+          <a:ln w="38100">
+            <a:solidFill>
+              <a:srgbClr val="FF0000"/>
+            </a:solidFill>
+          </a:ln>
+        </p:spPr>
+        <p:style>
+          <a:lnRef idx="2">
+            <a:schemeClr val="accent1">
+              <a:shade val="50000"/>
+            </a:schemeClr>
+          </a:lnRef>
+          <a:fillRef idx="1">
+            <a:schemeClr val="accent1"/>
+          </a:fillRef>
+          <a:effectRef idx="0">
+            <a:schemeClr val="accent1"/>
+          </a:effectRef>
+          <a:fontRef idx="minor">
+            <a:schemeClr val="lt1"/>
+          </a:fontRef>
+        </p:style>
+        <p:txBody>
+          <a:bodyPr rtlCol="0" anchor="ctr"/>
+          <a:lstStyle/>
+          <a:p>
+            <a:pPr algn="ctr"/>
+            <a:endParaRPr lang="zh-CN" altLang="en-US"/>
+          </a:p>
+        </p:txBody>
+      </p:sp>
+      <p:sp>
+        <p:nvSpPr>
+          <p:cNvPr id="6" name="左弧形箭头 5"/>
+          <p:cNvSpPr/>
+          <p:nvPr/>
+        </p:nvSpPr>
+        <p:spPr>
+          <a:xfrm rot="13290256" flipH="1">
+            <a:off x="3753244" y="581936"/>
+            <a:ext cx="1116363" cy="4384936"/>
+          </a:xfrm>
+          <a:prstGeom prst="curvedRightArrow">
+            <a:avLst>
+              <a:gd name="adj1" fmla="val 27397"/>
+              <a:gd name="adj2" fmla="val 50000"/>
+              <a:gd name="adj3" fmla="val 34391"/>
+            </a:avLst>
+          </a:prstGeom>
+        </p:spPr>
+        <p:style>
+          <a:lnRef idx="0">
+            <a:schemeClr val="accent2"/>
+          </a:lnRef>
+          <a:fillRef idx="3">
+            <a:schemeClr val="accent2"/>
+          </a:fillRef>
+          <a:effectRef idx="3">
+            <a:schemeClr val="accent2"/>
+          </a:effectRef>
+          <a:fontRef idx="minor">
+            <a:schemeClr val="lt1"/>
+          </a:fontRef>
+        </p:style>
+        <p:txBody>
+          <a:bodyPr rtlCol="0" anchor="ctr"/>
+          <a:lstStyle/>
+          <a:p>
+            <a:pPr algn="ctr"/>
+            <a:endParaRPr lang="zh-CN" altLang="en-US">
+              <a:solidFill>
+                <a:schemeClr val="tx1"/>
+              </a:solidFill>
+            </a:endParaRPr>
+          </a:p>
+        </p:txBody>
+      </p:sp>
+      <p:pic>
+        <p:nvPicPr>
+          <p:cNvPr id="9" name="图片 8"/>
+          <p:cNvPicPr>
+            <a:picLocks noChangeAspect="1"/>
+          </p:cNvPicPr>
+          <p:nvPr/>
+        </p:nvPicPr>
+        <p:blipFill>
+          <a:blip r:embed="rId4">
+            <a:extLst>
+              <a:ext uri="{28A0092B-C50C-407E-A947-70E740481C1C}">
+                <a14:useLocalDpi xmlns:a14="http://schemas.microsoft.com/office/drawing/2010/main" val="0"/>
+              </a:ext>
+            </a:extLst>
+          </a:blip>
+          <a:stretch>
+            <a:fillRect/>
+          </a:stretch>
+        </p:blipFill>
+        <p:spPr>
+          <a:xfrm>
+            <a:off x="6222501" y="3668172"/>
+            <a:ext cx="4926317" cy="2754514"/>
+          </a:xfrm>
+          <a:prstGeom prst="rect">
+            <a:avLst/>
+          </a:prstGeom>
+        </p:spPr>
+      </p:pic>
+      <p:sp>
+        <p:nvSpPr>
+          <p:cNvPr id="10" name="矩形 9"/>
+          <p:cNvSpPr/>
+          <p:nvPr/>
+        </p:nvSpPr>
+        <p:spPr>
+          <a:xfrm>
+            <a:off x="8546123" y="2106026"/>
+            <a:ext cx="1055077" cy="589939"/>
+          </a:xfrm>
+          <a:prstGeom prst="rect">
+            <a:avLst/>
+          </a:prstGeom>
+          <a:noFill/>
+          <a:ln w="38100">
+            <a:solidFill>
+              <a:srgbClr val="FF0000"/>
+            </a:solidFill>
+          </a:ln>
+        </p:spPr>
+        <p:style>
+          <a:lnRef idx="2">
+            <a:schemeClr val="accent1">
+              <a:shade val="50000"/>
+            </a:schemeClr>
+          </a:lnRef>
+          <a:fillRef idx="1">
+            <a:schemeClr val="accent1"/>
+          </a:fillRef>
+          <a:effectRef idx="0">
+            <a:schemeClr val="accent1"/>
+          </a:effectRef>
+          <a:fontRef idx="minor">
+            <a:schemeClr val="lt1"/>
+          </a:fontRef>
+        </p:style>
+        <p:txBody>
+          <a:bodyPr rtlCol="0" anchor="ctr"/>
+          <a:lstStyle/>
+          <a:p>
+            <a:pPr algn="ctr"/>
+            <a:endParaRPr lang="zh-CN" altLang="en-US"/>
+          </a:p>
+        </p:txBody>
+      </p:sp>
+      <p:sp>
+        <p:nvSpPr>
+          <p:cNvPr id="11" name="左弧形箭头 10"/>
+          <p:cNvSpPr/>
+          <p:nvPr/>
+        </p:nvSpPr>
+        <p:spPr>
+          <a:xfrm rot="1925411" flipH="1">
+            <a:off x="8677699" y="2399519"/>
+            <a:ext cx="791921" cy="2537303"/>
+          </a:xfrm>
+          <a:prstGeom prst="curvedRightArrow">
+            <a:avLst>
+              <a:gd name="adj1" fmla="val 25000"/>
+              <a:gd name="adj2" fmla="val 50000"/>
+              <a:gd name="adj3" fmla="val 47567"/>
+            </a:avLst>
+          </a:prstGeom>
+        </p:spPr>
+        <p:style>
+          <a:lnRef idx="0">
+            <a:schemeClr val="accent2"/>
+          </a:lnRef>
+          <a:fillRef idx="3">
+            <a:schemeClr val="accent2"/>
+          </a:fillRef>
+          <a:effectRef idx="3">
+            <a:schemeClr val="accent2"/>
+          </a:effectRef>
+          <a:fontRef idx="minor">
+            <a:schemeClr val="lt1"/>
+          </a:fontRef>
+        </p:style>
+        <p:txBody>
+          <a:bodyPr rtlCol="0" anchor="ctr"/>
+          <a:lstStyle/>
+          <a:p>
+            <a:pPr algn="ctr"/>
+            <a:endParaRPr lang="zh-CN" altLang="en-US">
+              <a:solidFill>
+                <a:schemeClr val="tx1"/>
+              </a:solidFill>
+            </a:endParaRPr>
+          </a:p>
+        </p:txBody>
+      </p:sp>
+    </p:spTree>
+    <p:extLst>
+      <p:ext uri="{BB962C8B-B14F-4D97-AF65-F5344CB8AC3E}">
+        <p14:creationId xmlns:p14="http://schemas.microsoft.com/office/powerpoint/2010/main" val="2540086800"/>
+      </p:ext>
+    </p:extLst>
+  </p:cSld>
+  <p:clrMapOvr>
+    <a:masterClrMapping/>
+  </p:clrMapOvr>
 </p:sld>
 </file>
 

--- a/doc/structure-graph.pptx
+++ b/doc/structure-graph.pptx
@@ -5,12 +5,13 @@
     <p:sldMasterId id="2147483672" r:id="rId1"/>
   </p:sldMasterIdLst>
   <p:notesMasterIdLst>
-    <p:notesMasterId r:id="rId5"/>
+    <p:notesMasterId r:id="rId6"/>
   </p:notesMasterIdLst>
   <p:sldIdLst>
     <p:sldId id="256" r:id="rId2"/>
     <p:sldId id="258" r:id="rId3"/>
     <p:sldId id="259" r:id="rId4"/>
+    <p:sldId id="260" r:id="rId5"/>
   </p:sldIdLst>
   <p:sldSz cx="12192000" cy="6858000"/>
   <p:notesSz cx="6858000" cy="9144000"/>
@@ -10853,6 +10854,243 @@
     <p:extLst>
       <p:ext uri="{BB962C8B-B14F-4D97-AF65-F5344CB8AC3E}">
         <p14:creationId xmlns:p14="http://schemas.microsoft.com/office/powerpoint/2010/main" val="2540086800"/>
+      </p:ext>
+    </p:extLst>
+  </p:cSld>
+  <p:clrMapOvr>
+    <a:masterClrMapping/>
+  </p:clrMapOvr>
+</p:sld>
+</file>
+
+<file path=ppt/slides/slide4.xml><?xml version="1.0" encoding="utf-8"?>
+<p:sld xmlns:a="http://schemas.openxmlformats.org/drawingml/2006/main" xmlns:r="http://schemas.openxmlformats.org/officeDocument/2006/relationships" xmlns:p="http://schemas.openxmlformats.org/presentationml/2006/main">
+  <p:cSld>
+    <p:spTree>
+      <p:nvGrpSpPr>
+        <p:cNvPr id="1" name=""/>
+        <p:cNvGrpSpPr/>
+        <p:nvPr/>
+      </p:nvGrpSpPr>
+      <p:grpSpPr>
+        <a:xfrm>
+          <a:off x="0" y="0"/>
+          <a:ext cx="0" cy="0"/>
+          <a:chOff x="0" y="0"/>
+          <a:chExt cx="0" cy="0"/>
+        </a:xfrm>
+      </p:grpSpPr>
+      <p:pic>
+        <p:nvPicPr>
+          <p:cNvPr id="4" name="图片 3"/>
+          <p:cNvPicPr>
+            <a:picLocks noChangeAspect="1"/>
+          </p:cNvPicPr>
+          <p:nvPr/>
+        </p:nvPicPr>
+        <p:blipFill>
+          <a:blip r:embed="rId2">
+            <a:extLst>
+              <a:ext uri="{28A0092B-C50C-407E-A947-70E740481C1C}">
+                <a14:useLocalDpi xmlns:a14="http://schemas.microsoft.com/office/drawing/2010/main" val="0"/>
+              </a:ext>
+            </a:extLst>
+          </a:blip>
+          <a:stretch>
+            <a:fillRect/>
+          </a:stretch>
+        </p:blipFill>
+        <p:spPr>
+          <a:xfrm>
+            <a:off x="0" y="1064095"/>
+            <a:ext cx="12192000" cy="5793905"/>
+          </a:xfrm>
+          <a:prstGeom prst="rect">
+            <a:avLst/>
+          </a:prstGeom>
+        </p:spPr>
+      </p:pic>
+      <p:sp>
+        <p:nvSpPr>
+          <p:cNvPr id="5" name="文本框 4"/>
+          <p:cNvSpPr txBox="1"/>
+          <p:nvPr/>
+        </p:nvSpPr>
+        <p:spPr>
+          <a:xfrm>
+            <a:off x="3182814" y="2690446"/>
+            <a:ext cx="993531" cy="646331"/>
+          </a:xfrm>
+          <a:prstGeom prst="rect">
+            <a:avLst/>
+          </a:prstGeom>
+          <a:noFill/>
+        </p:spPr>
+        <p:txBody>
+          <a:bodyPr wrap="square" rtlCol="0">
+            <a:spAutoFit/>
+          </a:bodyPr>
+          <a:lstStyle/>
+          <a:p>
+            <a:r>
+              <a:rPr lang="en-US" altLang="zh-CN" sz="3600" b="1" dirty="0" smtClean="0">
+                <a:solidFill>
+                  <a:srgbClr val="C00000"/>
+                </a:solidFill>
+              </a:rPr>
+              <a:t>CPU</a:t>
+            </a:r>
+            <a:endParaRPr lang="zh-CN" altLang="en-US" sz="3600" b="1" dirty="0">
+              <a:solidFill>
+                <a:srgbClr val="C00000"/>
+              </a:solidFill>
+            </a:endParaRPr>
+          </a:p>
+        </p:txBody>
+      </p:sp>
+      <p:sp>
+        <p:nvSpPr>
+          <p:cNvPr id="6" name="文本框 5"/>
+          <p:cNvSpPr txBox="1"/>
+          <p:nvPr/>
+        </p:nvSpPr>
+        <p:spPr>
+          <a:xfrm>
+            <a:off x="5120052" y="3013611"/>
+            <a:ext cx="1544517" cy="707886"/>
+          </a:xfrm>
+          <a:prstGeom prst="rect">
+            <a:avLst/>
+          </a:prstGeom>
+          <a:noFill/>
+        </p:spPr>
+        <p:txBody>
+          <a:bodyPr wrap="square" rtlCol="0">
+            <a:spAutoFit/>
+          </a:bodyPr>
+          <a:lstStyle/>
+          <a:p>
+            <a:pPr algn="ctr"/>
+            <a:r>
+              <a:rPr lang="en-US" altLang="zh-CN" sz="2000" b="1" dirty="0" smtClean="0">
+                <a:solidFill>
+                  <a:srgbClr val="C00000"/>
+                </a:solidFill>
+              </a:rPr>
+              <a:t>Memory Controller</a:t>
+            </a:r>
+            <a:endParaRPr lang="zh-CN" altLang="en-US" sz="2000" b="1" dirty="0">
+              <a:solidFill>
+                <a:srgbClr val="C00000"/>
+              </a:solidFill>
+            </a:endParaRPr>
+          </a:p>
+        </p:txBody>
+      </p:sp>
+      <p:sp>
+        <p:nvSpPr>
+          <p:cNvPr id="7" name="文本框 6"/>
+          <p:cNvSpPr txBox="1"/>
+          <p:nvPr/>
+        </p:nvSpPr>
+        <p:spPr>
+          <a:xfrm>
+            <a:off x="7883767" y="2644279"/>
+            <a:ext cx="1544517" cy="1015663"/>
+          </a:xfrm>
+          <a:prstGeom prst="rect">
+            <a:avLst/>
+          </a:prstGeom>
+          <a:noFill/>
+        </p:spPr>
+        <p:txBody>
+          <a:bodyPr wrap="square" rtlCol="0">
+            <a:spAutoFit/>
+          </a:bodyPr>
+          <a:lstStyle/>
+          <a:p>
+            <a:pPr algn="ctr"/>
+            <a:r>
+              <a:rPr lang="en-US" altLang="zh-CN" sz="2000" b="1" dirty="0" smtClean="0">
+                <a:solidFill>
+                  <a:srgbClr val="C00000"/>
+                </a:solidFill>
+              </a:rPr>
+              <a:t>Message</a:t>
+            </a:r>
+          </a:p>
+          <a:p>
+            <a:pPr algn="ctr"/>
+            <a:r>
+              <a:rPr lang="en-US" altLang="zh-CN" sz="2000" b="1" dirty="0" smtClean="0">
+                <a:solidFill>
+                  <a:srgbClr val="C00000"/>
+                </a:solidFill>
+              </a:rPr>
+              <a:t>Decoder</a:t>
+            </a:r>
+          </a:p>
+          <a:p>
+            <a:pPr algn="ctr"/>
+            <a:r>
+              <a:rPr lang="en-US" altLang="zh-CN" sz="2000" b="1" dirty="0" smtClean="0">
+                <a:solidFill>
+                  <a:srgbClr val="C00000"/>
+                </a:solidFill>
+              </a:rPr>
+              <a:t>Encoder</a:t>
+            </a:r>
+            <a:endParaRPr lang="zh-CN" altLang="en-US" sz="2000" b="1" dirty="0">
+              <a:solidFill>
+                <a:srgbClr val="C00000"/>
+              </a:solidFill>
+            </a:endParaRPr>
+          </a:p>
+        </p:txBody>
+      </p:sp>
+      <p:sp>
+        <p:nvSpPr>
+          <p:cNvPr id="8" name="文本框 7"/>
+          <p:cNvSpPr txBox="1"/>
+          <p:nvPr/>
+        </p:nvSpPr>
+        <p:spPr>
+          <a:xfrm>
+            <a:off x="9524999" y="5038717"/>
+            <a:ext cx="1544517" cy="707886"/>
+          </a:xfrm>
+          <a:prstGeom prst="rect">
+            <a:avLst/>
+          </a:prstGeom>
+          <a:noFill/>
+        </p:spPr>
+        <p:txBody>
+          <a:bodyPr wrap="square" rtlCol="0">
+            <a:spAutoFit/>
+          </a:bodyPr>
+          <a:lstStyle/>
+          <a:p>
+            <a:pPr algn="ctr"/>
+            <a:r>
+              <a:rPr lang="en-US" altLang="zh-CN" sz="2000" b="1" dirty="0" smtClean="0">
+                <a:solidFill>
+                  <a:srgbClr val="C00000"/>
+                </a:solidFill>
+              </a:rPr>
+              <a:t>UART Module</a:t>
+            </a:r>
+            <a:endParaRPr lang="zh-CN" altLang="en-US" sz="2000" b="1" dirty="0">
+              <a:solidFill>
+                <a:srgbClr val="C00000"/>
+              </a:solidFill>
+            </a:endParaRPr>
+          </a:p>
+        </p:txBody>
+      </p:sp>
+    </p:spTree>
+    <p:extLst>
+      <p:ext uri="{BB962C8B-B14F-4D97-AF65-F5344CB8AC3E}">
+        <p14:creationId xmlns:p14="http://schemas.microsoft.com/office/powerpoint/2010/main" val="997598692"/>
       </p:ext>
     </p:extLst>
   </p:cSld>

--- a/doc/structure-graph.pptx
+++ b/doc/structure-graph.pptx
@@ -9428,8 +9428,8 @@
         </p:nvSpPr>
         <p:spPr>
           <a:xfrm>
-            <a:off x="6586344" y="6228427"/>
-            <a:ext cx="5943049" cy="369332"/>
+            <a:off x="6261158" y="5217688"/>
+            <a:ext cx="1802614" cy="338554"/>
           </a:xfrm>
           <a:prstGeom prst="rect">
             <a:avLst/>
@@ -9443,11 +9443,20 @@
           <a:lstStyle/>
           <a:p>
             <a:r>
-              <a:rPr lang="en-US" altLang="zh-CN" b="1" dirty="0" smtClean="0">
+              <a:rPr lang="en-US" altLang="zh-CN" sz="1600" b="1" dirty="0" smtClean="0">
+                <a:solidFill>
+                  <a:srgbClr val="F29000"/>
+                </a:solidFill>
                 <a:latin typeface="Comic Sans MS" panose="030F0702030302020204" pitchFamily="66" charset="0"/>
               </a:rPr>
-              <a:t>5-Stage Pipeline of RISC-V CPU by Zhou Fan</a:t>
+              <a:t>data forwarding</a:t>
             </a:r>
+            <a:endParaRPr lang="en-US" altLang="zh-CN" sz="1600" b="1" dirty="0" smtClean="0">
+              <a:solidFill>
+                <a:srgbClr val="F29000"/>
+              </a:solidFill>
+              <a:latin typeface="Comic Sans MS" panose="030F0702030302020204" pitchFamily="66" charset="0"/>
+            </a:endParaRPr>
           </a:p>
         </p:txBody>
       </p:sp>
@@ -9999,6 +10008,77 @@
                 <a:srgbClr val="F29000"/>
               </a:solidFill>
               <a:ea typeface="宋体" panose="02010600030101010101" pitchFamily="2" charset="-122"/>
+            </a:endParaRPr>
+          </a:p>
+        </p:txBody>
+      </p:sp>
+      <p:sp>
+        <p:nvSpPr>
+          <p:cNvPr id="86" name="文本框 85"/>
+          <p:cNvSpPr txBox="1"/>
+          <p:nvPr/>
+        </p:nvSpPr>
+        <p:spPr>
+          <a:xfrm>
+            <a:off x="6738744" y="6380827"/>
+            <a:ext cx="5943049" cy="369332"/>
+          </a:xfrm>
+          <a:prstGeom prst="rect">
+            <a:avLst/>
+          </a:prstGeom>
+          <a:noFill/>
+        </p:spPr>
+        <p:txBody>
+          <a:bodyPr wrap="square" rtlCol="0">
+            <a:spAutoFit/>
+          </a:bodyPr>
+          <a:lstStyle/>
+          <a:p>
+            <a:r>
+              <a:rPr lang="en-US" altLang="zh-CN" b="1" dirty="0" smtClean="0">
+                <a:latin typeface="Comic Sans MS" panose="030F0702030302020204" pitchFamily="66" charset="0"/>
+              </a:rPr>
+              <a:t>5-Stage Pipeline of RISC-V CPU by Zhou Fan</a:t>
+            </a:r>
+          </a:p>
+        </p:txBody>
+      </p:sp>
+      <p:sp>
+        <p:nvSpPr>
+          <p:cNvPr id="87" name="文本框 86"/>
+          <p:cNvSpPr txBox="1"/>
+          <p:nvPr/>
+        </p:nvSpPr>
+        <p:spPr>
+          <a:xfrm>
+            <a:off x="4018122" y="1097681"/>
+            <a:ext cx="1802614" cy="338554"/>
+          </a:xfrm>
+          <a:prstGeom prst="rect">
+            <a:avLst/>
+          </a:prstGeom>
+          <a:noFill/>
+        </p:spPr>
+        <p:txBody>
+          <a:bodyPr wrap="square" rtlCol="0">
+            <a:spAutoFit/>
+          </a:bodyPr>
+          <a:lstStyle/>
+          <a:p>
+            <a:r>
+              <a:rPr lang="en-US" altLang="zh-CN" sz="1600" b="1" dirty="0" smtClean="0">
+                <a:solidFill>
+                  <a:srgbClr val="CC0000"/>
+                </a:solidFill>
+                <a:latin typeface="Comic Sans MS" panose="030F0702030302020204" pitchFamily="66" charset="0"/>
+              </a:rPr>
+              <a:t>stall control</a:t>
+            </a:r>
+            <a:endParaRPr lang="en-US" altLang="zh-CN" sz="1600" b="1" dirty="0" smtClean="0">
+              <a:solidFill>
+                <a:srgbClr val="CC0000"/>
+              </a:solidFill>
+              <a:latin typeface="Comic Sans MS" panose="030F0702030302020204" pitchFamily="66" charset="0"/>
             </a:endParaRPr>
           </a:p>
         </p:txBody>
